--- a/docs/diagrams/architecture/architecture.pptx
+++ b/docs/diagrams/architecture/architecture.pptx
@@ -105,6 +105,11 @@
       </a:defRPr>
     </a:lvl9pPr>
   </p:defaultTextStyle>
+  <p:extLst>
+    <p:ext uri="{EFAFB233-063F-42B5-8137-9DF3F51BA10A}">
+      <p15:sldGuideLst xmlns:p15="http://schemas.microsoft.com/office/powerpoint/2012/main"/>
+    </p:ext>
+  </p:extLst>
 </p:presentation>
 </file>
 
@@ -3141,336 +3146,40 @@
           <a:chExt cx="0" cy="0"/>
         </a:xfrm>
       </p:grpSpPr>
-      <p:sp>
-        <p:nvSpPr>
-          <p:cNvPr id="110" name="Rectangle 109"/>
-          <p:cNvSpPr/>
-          <p:nvPr/>
-        </p:nvSpPr>
-        <p:spPr>
-          <a:xfrm>
-            <a:off x="0" y="0"/>
-            <a:ext cx="9846103" cy="6858000"/>
-          </a:xfrm>
-          <a:prstGeom prst="rect">
-            <a:avLst/>
-          </a:prstGeom>
-          <a:solidFill>
-            <a:schemeClr val="bg2">
-              <a:lumMod val="90000"/>
-            </a:schemeClr>
-          </a:solidFill>
-          <a:ln>
-            <a:solidFill>
-              <a:schemeClr val="tx1"/>
-            </a:solidFill>
-            <a:prstDash val="solid"/>
-          </a:ln>
-        </p:spPr>
-        <p:style>
-          <a:lnRef idx="2">
-            <a:schemeClr val="accent1">
-              <a:shade val="50000"/>
-            </a:schemeClr>
-          </a:lnRef>
-          <a:fillRef idx="1">
-            <a:schemeClr val="accent1"/>
-          </a:fillRef>
-          <a:effectRef idx="0">
-            <a:schemeClr val="accent1"/>
-          </a:effectRef>
-          <a:fontRef idx="minor">
-            <a:schemeClr val="lt1"/>
-          </a:fontRef>
-        </p:style>
-        <p:txBody>
-          <a:bodyPr rtlCol="0" anchor="ctr"/>
-          <a:lstStyle/>
-          <a:p>
-            <a:pPr algn="ctr"/>
-            <a:endParaRPr lang="en-US" dirty="0"/>
-          </a:p>
-        </p:txBody>
-      </p:sp>
-      <p:sp>
-        <p:nvSpPr>
-          <p:cNvPr id="51" name="Rectangle 50"/>
-          <p:cNvSpPr/>
-          <p:nvPr/>
-        </p:nvSpPr>
-        <p:spPr>
-          <a:xfrm>
-            <a:off x="245730" y="167951"/>
-            <a:ext cx="9271870" cy="2396961"/>
-          </a:xfrm>
-          <a:prstGeom prst="rect">
-            <a:avLst/>
-          </a:prstGeom>
-          <a:solidFill>
-            <a:schemeClr val="accent1">
-              <a:lumMod val="20000"/>
-              <a:lumOff val="80000"/>
-            </a:schemeClr>
-          </a:solidFill>
-          <a:ln w="34925">
-            <a:solidFill>
-              <a:schemeClr val="tx1"/>
-            </a:solidFill>
-            <a:prstDash val="solid"/>
-          </a:ln>
-        </p:spPr>
-        <p:style>
-          <a:lnRef idx="2">
-            <a:schemeClr val="accent1">
-              <a:shade val="50000"/>
-            </a:schemeClr>
-          </a:lnRef>
-          <a:fillRef idx="1">
-            <a:schemeClr val="accent1"/>
-          </a:fillRef>
-          <a:effectRef idx="0">
-            <a:schemeClr val="accent1"/>
-          </a:effectRef>
-          <a:fontRef idx="minor">
-            <a:schemeClr val="lt1"/>
-          </a:fontRef>
-        </p:style>
-        <p:txBody>
-          <a:bodyPr rtlCol="0" anchor="ctr"/>
-          <a:lstStyle/>
-          <a:p>
-            <a:pPr algn="ctr"/>
-            <a:endParaRPr lang="en-US"/>
-          </a:p>
-        </p:txBody>
-      </p:sp>
-      <p:sp>
-        <p:nvSpPr>
-          <p:cNvPr id="77" name="Rectangle 76"/>
-          <p:cNvSpPr/>
-          <p:nvPr/>
-        </p:nvSpPr>
-        <p:spPr>
-          <a:xfrm>
-            <a:off x="1883939" y="2816936"/>
-            <a:ext cx="6061029" cy="3975750"/>
-          </a:xfrm>
-          <a:prstGeom prst="rect">
-            <a:avLst/>
-          </a:prstGeom>
-          <a:solidFill>
-            <a:schemeClr val="bg1"/>
-          </a:solidFill>
-          <a:ln w="57150">
-            <a:solidFill>
-              <a:schemeClr val="accent1"/>
-            </a:solidFill>
-          </a:ln>
-        </p:spPr>
-        <p:style>
-          <a:lnRef idx="2">
-            <a:schemeClr val="accent1">
-              <a:shade val="50000"/>
-            </a:schemeClr>
-          </a:lnRef>
-          <a:fillRef idx="1">
-            <a:schemeClr val="accent1"/>
-          </a:fillRef>
-          <a:effectRef idx="0">
-            <a:schemeClr val="accent1"/>
-          </a:effectRef>
-          <a:fontRef idx="minor">
-            <a:schemeClr val="lt1"/>
-          </a:fontRef>
-        </p:style>
-        <p:txBody>
-          <a:bodyPr rtlCol="0" anchor="ctr"/>
-          <a:lstStyle/>
-          <a:p>
-            <a:pPr algn="ctr"/>
-            <a:endParaRPr lang="en-US"/>
-          </a:p>
-        </p:txBody>
-      </p:sp>
-      <p:pic>
-        <p:nvPicPr>
-          <p:cNvPr id="5" name="Picture 4"/>
-          <p:cNvPicPr>
-            <a:picLocks noChangeAspect="1"/>
-          </p:cNvPicPr>
-          <p:nvPr/>
-        </p:nvPicPr>
-        <p:blipFill>
-          <a:blip r:embed="rId2">
-            <a:extLst>
-              <a:ext uri="{28A0092B-C50C-407E-A947-70E740481C1C}">
-                <a14:useLocalDpi xmlns:a14="http://schemas.microsoft.com/office/drawing/2010/main" val="0"/>
-              </a:ext>
-            </a:extLst>
-          </a:blip>
-          <a:stretch>
-            <a:fillRect/>
-          </a:stretch>
-        </p:blipFill>
-        <p:spPr>
-          <a:xfrm>
-            <a:off x="2012503" y="2988074"/>
-            <a:ext cx="5615210" cy="3188791"/>
-          </a:xfrm>
-          <a:prstGeom prst="rect">
-            <a:avLst/>
-          </a:prstGeom>
-        </p:spPr>
-      </p:pic>
-      <p:sp>
-        <p:nvSpPr>
-          <p:cNvPr id="6" name="Rectangle 5"/>
-          <p:cNvSpPr/>
-          <p:nvPr/>
-        </p:nvSpPr>
-        <p:spPr>
-          <a:xfrm>
-            <a:off x="2007757" y="4105465"/>
-            <a:ext cx="1088919" cy="670643"/>
-          </a:xfrm>
-          <a:prstGeom prst="rect">
-            <a:avLst/>
-          </a:prstGeom>
-          <a:noFill/>
-          <a:ln w="28575">
-            <a:solidFill>
-              <a:schemeClr val="tx1"/>
-            </a:solidFill>
-            <a:prstDash val="dash"/>
-          </a:ln>
-        </p:spPr>
-        <p:style>
-          <a:lnRef idx="2">
-            <a:schemeClr val="accent1">
-              <a:shade val="50000"/>
-            </a:schemeClr>
-          </a:lnRef>
-          <a:fillRef idx="1">
-            <a:schemeClr val="accent1"/>
-          </a:fillRef>
-          <a:effectRef idx="0">
-            <a:schemeClr val="accent1"/>
-          </a:effectRef>
-          <a:fontRef idx="minor">
-            <a:schemeClr val="lt1"/>
-          </a:fontRef>
-        </p:style>
-        <p:txBody>
-          <a:bodyPr rtlCol="0" anchor="ctr"/>
-          <a:lstStyle/>
-          <a:p>
-            <a:pPr algn="ctr"/>
-            <a:endParaRPr lang="en-US"/>
-          </a:p>
-        </p:txBody>
-      </p:sp>
-      <p:cxnSp>
-        <p:nvCxnSpPr>
-          <p:cNvPr id="9" name="Straight Connector 8"/>
-          <p:cNvCxnSpPr/>
-          <p:nvPr/>
-        </p:nvCxnSpPr>
-        <p:spPr>
-          <a:xfrm flipH="1" flipV="1">
-            <a:off x="1728816" y="3750995"/>
-            <a:ext cx="278944" cy="368781"/>
-          </a:xfrm>
-          <a:prstGeom prst="line">
-            <a:avLst/>
-          </a:prstGeom>
-          <a:ln w="38100">
-            <a:solidFill>
-              <a:schemeClr val="tx1"/>
-            </a:solidFill>
-          </a:ln>
-        </p:spPr>
-        <p:style>
-          <a:lnRef idx="1">
-            <a:schemeClr val="accent1"/>
-          </a:lnRef>
-          <a:fillRef idx="0">
-            <a:schemeClr val="accent1"/>
-          </a:fillRef>
-          <a:effectRef idx="0">
-            <a:schemeClr val="accent1"/>
-          </a:effectRef>
-          <a:fontRef idx="minor">
-            <a:schemeClr val="tx1"/>
-          </a:fontRef>
-        </p:style>
-      </p:cxnSp>
-      <p:cxnSp>
-        <p:nvCxnSpPr>
-          <p:cNvPr id="11" name="Straight Connector 10"/>
-          <p:cNvCxnSpPr/>
-          <p:nvPr/>
-        </p:nvCxnSpPr>
-        <p:spPr>
-          <a:xfrm flipH="1">
-            <a:off x="1728582" y="4776109"/>
-            <a:ext cx="283923" cy="391794"/>
-          </a:xfrm>
-          <a:prstGeom prst="line">
-            <a:avLst/>
-          </a:prstGeom>
-          <a:ln w="38100">
-            <a:solidFill>
-              <a:schemeClr val="tx1"/>
-            </a:solidFill>
-          </a:ln>
-        </p:spPr>
-        <p:style>
-          <a:lnRef idx="1">
-            <a:schemeClr val="accent1"/>
-          </a:lnRef>
-          <a:fillRef idx="0">
-            <a:schemeClr val="accent1"/>
-          </a:fillRef>
-          <a:effectRef idx="0">
-            <a:schemeClr val="accent1"/>
-          </a:effectRef>
-          <a:fontRef idx="minor">
-            <a:schemeClr val="tx1"/>
-          </a:fontRef>
-        </p:style>
-      </p:cxnSp>
       <p:grpSp>
         <p:nvGrpSpPr>
-          <p:cNvPr id="142" name="Group 141"/>
+          <p:cNvPr id="4" name="Group 3"/>
           <p:cNvGrpSpPr/>
           <p:nvPr/>
         </p:nvGrpSpPr>
         <p:grpSpPr>
           <a:xfrm>
-            <a:off x="245729" y="3750995"/>
-            <a:ext cx="1483087" cy="1416908"/>
-            <a:chOff x="144210" y="2016120"/>
-            <a:chExt cx="1466335" cy="1416908"/>
+            <a:off x="0" y="0"/>
+            <a:ext cx="12192000" cy="6858000"/>
+            <a:chOff x="0" y="0"/>
+            <a:chExt cx="12192000" cy="6858000"/>
           </a:xfrm>
         </p:grpSpPr>
         <p:sp>
           <p:nvSpPr>
-            <p:cNvPr id="7" name="Rectangle 6"/>
+            <p:cNvPr id="3" name="Rectangle 2"/>
             <p:cNvSpPr/>
             <p:nvPr/>
           </p:nvSpPr>
           <p:spPr>
             <a:xfrm>
-              <a:off x="144210" y="2016120"/>
-              <a:ext cx="1466335" cy="1416908"/>
+              <a:off x="0" y="0"/>
+              <a:ext cx="12192000" cy="6858000"/>
             </a:xfrm>
             <a:prstGeom prst="rect">
               <a:avLst/>
             </a:prstGeom>
-            <a:noFill/>
-            <a:ln w="38100">
+            <a:solidFill>
+              <a:schemeClr val="bg1"/>
+            </a:solidFill>
+            <a:ln>
               <a:solidFill>
-                <a:schemeClr val="tx1"/>
+                <a:schemeClr val="bg1"/>
               </a:solidFill>
             </a:ln>
           </p:spPr>
@@ -3499,1363 +3208,1737 @@
             </a:p>
           </p:txBody>
         </p:sp>
-        <p:sp useBgFill="1">
-          <p:nvSpPr>
-            <p:cNvPr id="12" name="Rounded Rectangle 11"/>
-            <p:cNvSpPr/>
+        <p:grpSp>
+          <p:nvGrpSpPr>
+            <p:cNvPr id="2" name="Group 1"/>
+            <p:cNvGrpSpPr/>
             <p:nvPr/>
-          </p:nvSpPr>
-          <p:spPr>
+          </p:nvGrpSpPr>
+          <p:grpSpPr>
             <a:xfrm>
-              <a:off x="243065" y="2304444"/>
-              <a:ext cx="1285102" cy="852616"/>
+              <a:off x="0" y="0"/>
+              <a:ext cx="12005627" cy="6858000"/>
+              <a:chOff x="0" y="0"/>
+              <a:chExt cx="12005627" cy="6858000"/>
             </a:xfrm>
-            <a:prstGeom prst="roundRect">
-              <a:avLst/>
-            </a:prstGeom>
-            <a:ln w="31750">
+          </p:grpSpPr>
+          <p:sp>
+            <p:nvSpPr>
+              <p:cNvPr id="110" name="Rectangle 109"/>
+              <p:cNvSpPr/>
+              <p:nvPr/>
+            </p:nvSpPr>
+            <p:spPr>
+              <a:xfrm>
+                <a:off x="0" y="0"/>
+                <a:ext cx="9846103" cy="6858000"/>
+              </a:xfrm>
+              <a:prstGeom prst="rect">
+                <a:avLst/>
+              </a:prstGeom>
               <a:solidFill>
-                <a:schemeClr val="accent6">
-                  <a:lumMod val="75000"/>
+                <a:schemeClr val="bg2">
+                  <a:lumMod val="90000"/>
                 </a:schemeClr>
               </a:solidFill>
-            </a:ln>
-          </p:spPr>
-          <p:style>
-            <a:lnRef idx="2">
-              <a:schemeClr val="accent1">
-                <a:shade val="50000"/>
-              </a:schemeClr>
-            </a:lnRef>
-            <a:fillRef idx="1">
-              <a:schemeClr val="accent1"/>
-            </a:fillRef>
-            <a:effectRef idx="0">
-              <a:schemeClr val="accent1"/>
-            </a:effectRef>
-            <a:fontRef idx="minor">
-              <a:schemeClr val="lt1"/>
-            </a:fontRef>
-          </p:style>
-          <p:txBody>
-            <a:bodyPr rtlCol="0" anchor="ctr"/>
-            <a:lstStyle/>
-            <a:p>
-              <a:pPr algn="ctr"/>
-              <a:endParaRPr lang="en-US" dirty="0"/>
-            </a:p>
-          </p:txBody>
-        </p:sp>
-        <p:pic>
-          <p:nvPicPr>
-            <p:cNvPr id="14" name="Picture 13"/>
-            <p:cNvPicPr>
-              <a:picLocks noChangeAspect="1"/>
-            </p:cNvPicPr>
-            <p:nvPr/>
-          </p:nvPicPr>
-          <p:blipFill>
-            <a:blip r:embed="rId3" cstate="print">
-              <a:extLst>
-                <a:ext uri="{28A0092B-C50C-407E-A947-70E740481C1C}">
-                  <a14:useLocalDpi xmlns:a14="http://schemas.microsoft.com/office/drawing/2010/main" val="0"/>
-                </a:ext>
-              </a:extLst>
-            </a:blip>
-            <a:stretch>
-              <a:fillRect/>
-            </a:stretch>
-          </p:blipFill>
-          <p:spPr>
-            <a:xfrm>
-              <a:off x="791434" y="2506271"/>
-              <a:ext cx="665509" cy="587289"/>
-            </a:xfrm>
-            <a:prstGeom prst="rect">
-              <a:avLst/>
-            </a:prstGeom>
-            <a:ln w="25400">
-              <a:solidFill>
-                <a:schemeClr val="accent1"/>
-              </a:solidFill>
-            </a:ln>
-            <a:effectLst>
-              <a:softEdge rad="25400"/>
-            </a:effectLst>
-          </p:spPr>
-        </p:pic>
-        <p:sp>
-          <p:nvSpPr>
-            <p:cNvPr id="15" name="TextBox 14"/>
-            <p:cNvSpPr txBox="1"/>
-            <p:nvPr/>
-          </p:nvSpPr>
-          <p:spPr>
-            <a:xfrm>
-              <a:off x="242480" y="2274256"/>
-              <a:ext cx="614271" cy="369332"/>
-            </a:xfrm>
-            <a:prstGeom prst="rect">
-              <a:avLst/>
-            </a:prstGeom>
-            <a:noFill/>
-          </p:spPr>
-          <p:txBody>
-            <a:bodyPr wrap="none" rtlCol="0">
-              <a:spAutoFit/>
-            </a:bodyPr>
-            <a:lstStyle/>
-            <a:p>
-              <a:r>
-                <a:rPr lang="en-US" dirty="0" smtClean="0"/>
-                <a:t>Map</a:t>
-              </a:r>
-              <a:endParaRPr lang="en-US" dirty="0"/>
-            </a:p>
-          </p:txBody>
-        </p:sp>
-      </p:grpSp>
-      <p:sp>
-        <p:nvSpPr>
-          <p:cNvPr id="19" name="TextBox 18"/>
-          <p:cNvSpPr txBox="1"/>
-          <p:nvPr/>
-        </p:nvSpPr>
-        <p:spPr>
-          <a:xfrm>
-            <a:off x="245730" y="175987"/>
-            <a:ext cx="1625766" cy="369332"/>
-          </a:xfrm>
-          <a:prstGeom prst="rect">
-            <a:avLst/>
-          </a:prstGeom>
-          <a:noFill/>
-          <a:ln>
-            <a:noFill/>
-          </a:ln>
-        </p:spPr>
-        <p:txBody>
-          <a:bodyPr wrap="none" rtlCol="0">
-            <a:spAutoFit/>
-          </a:bodyPr>
-          <a:lstStyle/>
-          <a:p>
-            <a:r>
-              <a:rPr lang="en-US" b="1" i="1" dirty="0" smtClean="0"/>
-              <a:t>Sherlock Demo</a:t>
-            </a:r>
-            <a:endParaRPr lang="en-US" b="1" i="1" dirty="0"/>
-          </a:p>
-        </p:txBody>
-      </p:sp>
-      <p:sp>
-        <p:nvSpPr>
-          <p:cNvPr id="27" name="Rounded Rectangle 26"/>
-          <p:cNvSpPr/>
-          <p:nvPr/>
-        </p:nvSpPr>
-        <p:spPr>
-          <a:xfrm>
-            <a:off x="5570386" y="379822"/>
-            <a:ext cx="2537927" cy="2089636"/>
-          </a:xfrm>
-          <a:prstGeom prst="roundRect">
-            <a:avLst/>
-          </a:prstGeom>
-          <a:solidFill>
-            <a:schemeClr val="bg1"/>
-          </a:solidFill>
-          <a:ln w="38100">
-            <a:solidFill>
-              <a:schemeClr val="tx1"/>
-            </a:solidFill>
-            <a:prstDash val="dash"/>
-          </a:ln>
-        </p:spPr>
-        <p:style>
-          <a:lnRef idx="2">
-            <a:schemeClr val="accent1">
-              <a:shade val="50000"/>
-            </a:schemeClr>
-          </a:lnRef>
-          <a:fillRef idx="1">
-            <a:schemeClr val="accent1"/>
-          </a:fillRef>
-          <a:effectRef idx="0">
-            <a:schemeClr val="accent1"/>
-          </a:effectRef>
-          <a:fontRef idx="minor">
-            <a:schemeClr val="lt1"/>
-          </a:fontRef>
-        </p:style>
-        <p:txBody>
-          <a:bodyPr rtlCol="0" anchor="ctr"/>
-          <a:lstStyle/>
-          <a:p>
-            <a:pPr algn="ctr"/>
-            <a:endParaRPr lang="en-US"/>
-          </a:p>
-        </p:txBody>
-      </p:sp>
-      <p:pic>
-        <p:nvPicPr>
-          <p:cNvPr id="31" name="Picture 30"/>
-          <p:cNvPicPr>
-            <a:picLocks noChangeAspect="1"/>
-          </p:cNvPicPr>
-          <p:nvPr/>
-        </p:nvPicPr>
-        <p:blipFill>
-          <a:blip r:embed="rId4" cstate="print">
-            <a:extLst>
-              <a:ext uri="{28A0092B-C50C-407E-A947-70E740481C1C}">
-                <a14:useLocalDpi xmlns:a14="http://schemas.microsoft.com/office/drawing/2010/main" val="0"/>
-              </a:ext>
-            </a:extLst>
-          </a:blip>
-          <a:stretch>
-            <a:fillRect/>
-          </a:stretch>
-        </p:blipFill>
-        <p:spPr>
-          <a:xfrm>
-            <a:off x="5760144" y="901926"/>
-            <a:ext cx="665509" cy="587289"/>
-          </a:xfrm>
-          <a:prstGeom prst="rect">
-            <a:avLst/>
-          </a:prstGeom>
-          <a:ln w="25400">
-            <a:solidFill>
-              <a:schemeClr val="accent1"/>
-            </a:solidFill>
-          </a:ln>
-          <a:effectLst>
-            <a:softEdge rad="25400"/>
-          </a:effectLst>
-        </p:spPr>
-      </p:pic>
-      <p:pic>
-        <p:nvPicPr>
-          <p:cNvPr id="32" name="Picture 31"/>
-          <p:cNvPicPr>
-            <a:picLocks noChangeAspect="1"/>
-          </p:cNvPicPr>
-          <p:nvPr/>
-        </p:nvPicPr>
-        <p:blipFill>
-          <a:blip r:embed="rId4" cstate="print">
-            <a:extLst>
-              <a:ext uri="{28A0092B-C50C-407E-A947-70E740481C1C}">
-                <a14:useLocalDpi xmlns:a14="http://schemas.microsoft.com/office/drawing/2010/main" val="0"/>
-              </a:ext>
-            </a:extLst>
-          </a:blip>
-          <a:stretch>
-            <a:fillRect/>
-          </a:stretch>
-        </p:blipFill>
-        <p:spPr>
-          <a:xfrm>
-            <a:off x="7279461" y="901926"/>
-            <a:ext cx="665509" cy="587289"/>
-          </a:xfrm>
-          <a:prstGeom prst="rect">
-            <a:avLst/>
-          </a:prstGeom>
-          <a:ln w="25400">
-            <a:solidFill>
-              <a:schemeClr val="accent1"/>
-            </a:solidFill>
-          </a:ln>
-          <a:effectLst>
-            <a:softEdge rad="25400"/>
-          </a:effectLst>
-        </p:spPr>
-      </p:pic>
-      <p:sp>
-        <p:nvSpPr>
-          <p:cNvPr id="33" name="TextBox 32"/>
-          <p:cNvSpPr txBox="1"/>
-          <p:nvPr/>
-        </p:nvSpPr>
-        <p:spPr>
-          <a:xfrm>
-            <a:off x="6615411" y="904440"/>
-            <a:ext cx="468398" cy="584775"/>
-          </a:xfrm>
-          <a:prstGeom prst="rect">
-            <a:avLst/>
-          </a:prstGeom>
-          <a:noFill/>
-        </p:spPr>
-        <p:txBody>
-          <a:bodyPr wrap="none" rtlCol="0">
-            <a:spAutoFit/>
-          </a:bodyPr>
-          <a:lstStyle/>
-          <a:p>
-            <a:r>
-              <a:rPr lang="en-US" sz="3200" dirty="0" smtClean="0"/>
-              <a:t>…</a:t>
-            </a:r>
-            <a:endParaRPr lang="en-US" sz="3200" dirty="0"/>
-          </a:p>
-        </p:txBody>
-      </p:sp>
-      <p:sp>
-        <p:nvSpPr>
-          <p:cNvPr id="34" name="TextBox 33"/>
-          <p:cNvSpPr txBox="1"/>
-          <p:nvPr/>
-        </p:nvSpPr>
-        <p:spPr>
-          <a:xfrm>
-            <a:off x="6190056" y="427921"/>
-            <a:ext cx="1413913" cy="369332"/>
-          </a:xfrm>
-          <a:prstGeom prst="rect">
-            <a:avLst/>
-          </a:prstGeom>
-          <a:noFill/>
-        </p:spPr>
-        <p:txBody>
-          <a:bodyPr wrap="none" rtlCol="0">
-            <a:spAutoFit/>
-          </a:bodyPr>
-          <a:lstStyle/>
-          <a:p>
-            <a:r>
-              <a:rPr lang="en-US" b="1" i="1" dirty="0" smtClean="0"/>
-              <a:t>Visualization</a:t>
-            </a:r>
-            <a:endParaRPr lang="en-US" b="1" i="1" dirty="0"/>
-          </a:p>
-        </p:txBody>
-      </p:sp>
-      <p:sp>
-        <p:nvSpPr>
-          <p:cNvPr id="45" name="Trapezoid 44"/>
-          <p:cNvSpPr/>
-          <p:nvPr/>
-        </p:nvSpPr>
-        <p:spPr>
-          <a:xfrm rot="10800000">
-            <a:off x="5760140" y="1652633"/>
-            <a:ext cx="2184825" cy="549389"/>
-          </a:xfrm>
-          <a:prstGeom prst="trapezoid">
-            <a:avLst>
-              <a:gd name="adj" fmla="val 162569"/>
-            </a:avLst>
-          </a:prstGeom>
-          <a:solidFill>
-            <a:schemeClr val="bg1"/>
-          </a:solidFill>
-          <a:ln w="28575">
-            <a:solidFill>
-              <a:schemeClr val="tx1"/>
-            </a:solidFill>
-          </a:ln>
-        </p:spPr>
-        <p:style>
-          <a:lnRef idx="2">
-            <a:schemeClr val="accent1">
-              <a:shade val="50000"/>
-            </a:schemeClr>
-          </a:lnRef>
-          <a:fillRef idx="1">
-            <a:schemeClr val="accent1"/>
-          </a:fillRef>
-          <a:effectRef idx="0">
-            <a:schemeClr val="accent1"/>
-          </a:effectRef>
-          <a:fontRef idx="minor">
-            <a:schemeClr val="lt1"/>
-          </a:fontRef>
-        </p:style>
-        <p:txBody>
-          <a:bodyPr rtlCol="0" anchor="ctr"/>
-          <a:lstStyle/>
-          <a:p>
-            <a:pPr algn="ctr"/>
-            <a:endParaRPr lang="en-US" dirty="0">
-              <a:solidFill>
-                <a:schemeClr val="tx1"/>
-              </a:solidFill>
-            </a:endParaRPr>
-          </a:p>
-        </p:txBody>
-      </p:sp>
-      <p:sp>
-        <p:nvSpPr>
-          <p:cNvPr id="46" name="TextBox 45"/>
-          <p:cNvSpPr txBox="1"/>
-          <p:nvPr/>
-        </p:nvSpPr>
-        <p:spPr>
-          <a:xfrm>
-            <a:off x="6578574" y="1704020"/>
-            <a:ext cx="583365" cy="400110"/>
-          </a:xfrm>
-          <a:prstGeom prst="rect">
-            <a:avLst/>
-          </a:prstGeom>
-          <a:noFill/>
-        </p:spPr>
-        <p:txBody>
-          <a:bodyPr wrap="none" rtlCol="0">
-            <a:spAutoFit/>
-          </a:bodyPr>
-          <a:lstStyle/>
-          <a:p>
-            <a:r>
-              <a:rPr lang="en-US" sz="2000" b="1" i="1" dirty="0" smtClean="0"/>
-              <a:t>NFS</a:t>
-            </a:r>
-            <a:endParaRPr lang="en-US" sz="2000" b="1" i="1" dirty="0"/>
-          </a:p>
-        </p:txBody>
-      </p:sp>
-      <p:grpSp>
-        <p:nvGrpSpPr>
-          <p:cNvPr id="86" name="Group 85"/>
-          <p:cNvGrpSpPr/>
-          <p:nvPr/>
-        </p:nvGrpSpPr>
-        <p:grpSpPr>
-          <a:xfrm>
-            <a:off x="8177807" y="4488891"/>
-            <a:ext cx="1449821" cy="1437119"/>
-            <a:chOff x="10343009" y="4170579"/>
-            <a:chExt cx="1677258" cy="1437119"/>
-          </a:xfrm>
-        </p:grpSpPr>
-        <p:sp>
-          <p:nvSpPr>
-            <p:cNvPr id="53" name="Rectangle 52"/>
-            <p:cNvSpPr/>
-            <p:nvPr/>
-          </p:nvSpPr>
-          <p:spPr>
-            <a:xfrm>
-              <a:off x="10343009" y="4170579"/>
-              <a:ext cx="1677258" cy="1437119"/>
-            </a:xfrm>
-            <a:prstGeom prst="rect">
-              <a:avLst/>
-            </a:prstGeom>
-            <a:solidFill>
-              <a:schemeClr val="bg1"/>
-            </a:solidFill>
-            <a:ln w="57150">
-              <a:solidFill>
-                <a:srgbClr val="FF0000"/>
-              </a:solidFill>
-            </a:ln>
-          </p:spPr>
-          <p:style>
-            <a:lnRef idx="2">
-              <a:schemeClr val="accent1">
-                <a:shade val="50000"/>
-              </a:schemeClr>
-            </a:lnRef>
-            <a:fillRef idx="1">
-              <a:schemeClr val="accent1"/>
-            </a:fillRef>
-            <a:effectRef idx="0">
-              <a:schemeClr val="accent1"/>
-            </a:effectRef>
-            <a:fontRef idx="minor">
-              <a:schemeClr val="lt1"/>
-            </a:fontRef>
-          </p:style>
-          <p:txBody>
-            <a:bodyPr rtlCol="0" anchor="ctr"/>
-            <a:lstStyle/>
-            <a:p>
-              <a:pPr algn="ctr"/>
-              <a:endParaRPr lang="en-US"/>
-            </a:p>
-          </p:txBody>
-        </p:sp>
-        <p:pic>
-          <p:nvPicPr>
-            <p:cNvPr id="54" name="Picture 53"/>
-            <p:cNvPicPr>
-              <a:picLocks noChangeAspect="1"/>
-            </p:cNvPicPr>
-            <p:nvPr/>
-          </p:nvPicPr>
-          <p:blipFill>
-            <a:blip r:embed="rId5" cstate="print">
-              <a:extLst>
-                <a:ext uri="{28A0092B-C50C-407E-A947-70E740481C1C}">
-                  <a14:useLocalDpi xmlns:a14="http://schemas.microsoft.com/office/drawing/2010/main" val="0"/>
-                </a:ext>
-              </a:extLst>
-            </a:blip>
-            <a:stretch>
-              <a:fillRect/>
-            </a:stretch>
-          </p:blipFill>
-          <p:spPr>
-            <a:xfrm>
-              <a:off x="10389222" y="4384949"/>
-              <a:ext cx="1584832" cy="997681"/>
-            </a:xfrm>
-            <a:prstGeom prst="rect">
-              <a:avLst/>
-            </a:prstGeom>
-          </p:spPr>
-        </p:pic>
-        <p:sp>
-          <p:nvSpPr>
-            <p:cNvPr id="84" name="TextBox 83"/>
-            <p:cNvSpPr txBox="1"/>
-            <p:nvPr/>
-          </p:nvSpPr>
-          <p:spPr>
-            <a:xfrm>
-              <a:off x="10680475" y="5197964"/>
-              <a:ext cx="1002326" cy="369332"/>
-            </a:xfrm>
-            <a:prstGeom prst="rect">
-              <a:avLst/>
-            </a:prstGeom>
-            <a:noFill/>
-          </p:spPr>
-          <p:txBody>
-            <a:bodyPr wrap="none" rtlCol="0">
-              <a:spAutoFit/>
-            </a:bodyPr>
-            <a:lstStyle/>
-            <a:p>
-              <a:r>
-                <a:rPr lang="en-US" b="1" i="1" dirty="0" err="1" smtClean="0">
-                  <a:solidFill>
-                    <a:schemeClr val="tx2"/>
-                  </a:solidFill>
-                </a:rPr>
-                <a:t>Hansken</a:t>
-              </a:r>
-              <a:endParaRPr lang="en-US" b="1" i="1" dirty="0">
-                <a:solidFill>
-                  <a:schemeClr val="tx2"/>
-                </a:solidFill>
-              </a:endParaRPr>
-            </a:p>
-          </p:txBody>
-        </p:sp>
-      </p:grpSp>
-      <p:cxnSp>
-        <p:nvCxnSpPr>
-          <p:cNvPr id="88" name="Elbow Connector 87"/>
-          <p:cNvCxnSpPr>
-            <a:stCxn id="27" idx="3"/>
-            <a:endCxn id="53" idx="0"/>
-          </p:cNvCxnSpPr>
-          <p:nvPr/>
-        </p:nvCxnSpPr>
-        <p:spPr>
-          <a:xfrm>
-            <a:off x="8108313" y="1424640"/>
-            <a:ext cx="794405" cy="3064251"/>
-          </a:xfrm>
-          <a:prstGeom prst="bentConnector2">
-            <a:avLst/>
-          </a:prstGeom>
-          <a:ln w="44450">
-            <a:solidFill>
-              <a:srgbClr val="FF0000"/>
-            </a:solidFill>
-            <a:headEnd type="triangle"/>
-            <a:tailEnd type="triangle"/>
-          </a:ln>
-        </p:spPr>
-        <p:style>
-          <a:lnRef idx="1">
-            <a:schemeClr val="accent1"/>
-          </a:lnRef>
-          <a:fillRef idx="0">
-            <a:schemeClr val="accent1"/>
-          </a:fillRef>
-          <a:effectRef idx="0">
-            <a:schemeClr val="accent1"/>
-          </a:effectRef>
-          <a:fontRef idx="minor">
-            <a:schemeClr val="tx1"/>
-          </a:fontRef>
-        </p:style>
-      </p:cxnSp>
-      <p:cxnSp>
-        <p:nvCxnSpPr>
-          <p:cNvPr id="98" name="Elbow Connector 97"/>
-          <p:cNvCxnSpPr>
-            <a:endCxn id="66" idx="0"/>
-          </p:cNvCxnSpPr>
-          <p:nvPr/>
-        </p:nvCxnSpPr>
-        <p:spPr>
-          <a:xfrm rot="16200000" flipH="1">
-            <a:off x="7649113" y="1454844"/>
-            <a:ext cx="3852372" cy="2933972"/>
-          </a:xfrm>
-          <a:prstGeom prst="bentConnector3">
-            <a:avLst>
-              <a:gd name="adj1" fmla="val 106"/>
-            </a:avLst>
-          </a:prstGeom>
-          <a:ln w="44450">
-            <a:solidFill>
-              <a:srgbClr val="7030A0"/>
-            </a:solidFill>
-            <a:headEnd type="triangle"/>
-            <a:tailEnd type="triangle"/>
-          </a:ln>
-        </p:spPr>
-        <p:style>
-          <a:lnRef idx="1">
-            <a:schemeClr val="accent1"/>
-          </a:lnRef>
-          <a:fillRef idx="0">
-            <a:schemeClr val="accent1"/>
-          </a:fillRef>
-          <a:effectRef idx="0">
-            <a:schemeClr val="accent1"/>
-          </a:effectRef>
-          <a:fontRef idx="minor">
-            <a:schemeClr val="tx1"/>
-          </a:fontRef>
-        </p:style>
-      </p:cxnSp>
-      <p:grpSp>
-        <p:nvGrpSpPr>
-          <p:cNvPr id="111" name="Group 110"/>
-          <p:cNvGrpSpPr/>
-          <p:nvPr/>
-        </p:nvGrpSpPr>
-        <p:grpSpPr>
-          <a:xfrm>
-            <a:off x="10078942" y="4848016"/>
-            <a:ext cx="1926685" cy="708170"/>
-            <a:chOff x="8163311" y="4573036"/>
-            <a:chExt cx="1995625" cy="708170"/>
-          </a:xfrm>
-        </p:grpSpPr>
-        <p:sp>
-          <p:nvSpPr>
-            <p:cNvPr id="66" name="Rectangle 65"/>
-            <p:cNvSpPr/>
-            <p:nvPr/>
-          </p:nvSpPr>
-          <p:spPr>
-            <a:xfrm>
-              <a:off x="8163311" y="4573036"/>
-              <a:ext cx="1995625" cy="708170"/>
-            </a:xfrm>
-            <a:prstGeom prst="rect">
-              <a:avLst/>
-            </a:prstGeom>
-            <a:solidFill>
-              <a:schemeClr val="bg1"/>
-            </a:solidFill>
-            <a:ln w="57150">
-              <a:solidFill>
-                <a:srgbClr val="7030A0"/>
-              </a:solidFill>
-            </a:ln>
-          </p:spPr>
-          <p:style>
-            <a:lnRef idx="2">
-              <a:schemeClr val="accent1">
-                <a:shade val="50000"/>
-              </a:schemeClr>
-            </a:lnRef>
-            <a:fillRef idx="1">
-              <a:schemeClr val="accent1"/>
-            </a:fillRef>
-            <a:effectRef idx="0">
-              <a:schemeClr val="accent1"/>
-            </a:effectRef>
-            <a:fontRef idx="minor">
-              <a:schemeClr val="lt1"/>
-            </a:fontRef>
-          </p:style>
-          <p:txBody>
-            <a:bodyPr rtlCol="0" anchor="ctr"/>
-            <a:lstStyle/>
-            <a:p>
-              <a:pPr algn="ctr"/>
-              <a:endParaRPr lang="en-US"/>
-            </a:p>
-          </p:txBody>
-        </p:sp>
-        <p:pic>
-          <p:nvPicPr>
-            <p:cNvPr id="65" name="Picture 64"/>
-            <p:cNvPicPr>
-              <a:picLocks noChangeAspect="1"/>
-            </p:cNvPicPr>
-            <p:nvPr/>
-          </p:nvPicPr>
-          <p:blipFill>
-            <a:blip r:embed="rId6" cstate="print">
-              <a:extLst>
-                <a:ext uri="{28A0092B-C50C-407E-A947-70E740481C1C}">
-                  <a14:useLocalDpi xmlns:a14="http://schemas.microsoft.com/office/drawing/2010/main" val="0"/>
-                </a:ext>
-              </a:extLst>
-            </a:blip>
-            <a:stretch>
-              <a:fillRect/>
-            </a:stretch>
-          </p:blipFill>
-          <p:spPr>
-            <a:xfrm>
-              <a:off x="8452233" y="4712266"/>
-              <a:ext cx="1417782" cy="429711"/>
-            </a:xfrm>
-            <a:prstGeom prst="rect">
-              <a:avLst/>
-            </a:prstGeom>
-            <a:solidFill>
-              <a:schemeClr val="bg1"/>
-            </a:solidFill>
-          </p:spPr>
-        </p:pic>
-      </p:grpSp>
-      <p:sp>
-        <p:nvSpPr>
-          <p:cNvPr id="116" name="TextBox 115"/>
-          <p:cNvSpPr txBox="1"/>
-          <p:nvPr/>
-        </p:nvSpPr>
-        <p:spPr>
-          <a:xfrm>
-            <a:off x="1986647" y="6345237"/>
-            <a:ext cx="1287532" cy="369332"/>
-          </a:xfrm>
-          <a:prstGeom prst="rect">
-            <a:avLst/>
-          </a:prstGeom>
-          <a:noFill/>
-        </p:spPr>
-        <p:txBody>
-          <a:bodyPr wrap="none" rtlCol="0">
-            <a:spAutoFit/>
-          </a:bodyPr>
-          <a:lstStyle/>
-          <a:p>
-            <a:r>
-              <a:rPr lang="en-US" b="1" i="1" dirty="0" smtClean="0">
-                <a:solidFill>
-                  <a:srgbClr val="0070C0"/>
-                </a:solidFill>
-              </a:rPr>
-              <a:t>Hadoop 2.0</a:t>
-            </a:r>
-            <a:endParaRPr lang="en-US" b="1" i="1" dirty="0">
-              <a:solidFill>
-                <a:srgbClr val="0070C0"/>
-              </a:solidFill>
-            </a:endParaRPr>
-          </a:p>
-        </p:txBody>
-      </p:sp>
-      <p:sp>
-        <p:nvSpPr>
-          <p:cNvPr id="117" name="Rounded Rectangle 116"/>
-          <p:cNvSpPr/>
-          <p:nvPr/>
-        </p:nvSpPr>
-        <p:spPr>
-          <a:xfrm>
-            <a:off x="1949323" y="379824"/>
-            <a:ext cx="3375433" cy="2035544"/>
-          </a:xfrm>
-          <a:prstGeom prst="roundRect">
-            <a:avLst/>
-          </a:prstGeom>
-          <a:solidFill>
-            <a:schemeClr val="bg1"/>
-          </a:solidFill>
-          <a:ln w="38100">
-            <a:solidFill>
-              <a:schemeClr val="tx1"/>
-            </a:solidFill>
-            <a:prstDash val="dash"/>
-          </a:ln>
-        </p:spPr>
-        <p:style>
-          <a:lnRef idx="2">
-            <a:schemeClr val="accent1">
-              <a:shade val="50000"/>
-            </a:schemeClr>
-          </a:lnRef>
-          <a:fillRef idx="1">
-            <a:schemeClr val="accent1"/>
-          </a:fillRef>
-          <a:effectRef idx="0">
-            <a:schemeClr val="accent1"/>
-          </a:effectRef>
-          <a:fontRef idx="minor">
-            <a:schemeClr val="lt1"/>
-          </a:fontRef>
-        </p:style>
-        <p:txBody>
-          <a:bodyPr rtlCol="0" anchor="ctr"/>
-          <a:lstStyle/>
-          <a:p>
-            <a:pPr algn="ctr"/>
-            <a:endParaRPr lang="en-US"/>
-          </a:p>
-        </p:txBody>
-      </p:sp>
-      <p:sp>
-        <p:nvSpPr>
-          <p:cNvPr id="106" name="Rounded Rectangle 105"/>
-          <p:cNvSpPr/>
-          <p:nvPr/>
-        </p:nvSpPr>
-        <p:spPr>
-          <a:xfrm>
-            <a:off x="2321976" y="1716566"/>
-            <a:ext cx="1054359" cy="361012"/>
-          </a:xfrm>
-          <a:prstGeom prst="roundRect">
-            <a:avLst/>
-          </a:prstGeom>
-          <a:solidFill>
-            <a:schemeClr val="bg1"/>
-          </a:solidFill>
-          <a:ln w="31750">
-            <a:solidFill>
-              <a:schemeClr val="accent6">
-                <a:lumMod val="75000"/>
-              </a:schemeClr>
-            </a:solidFill>
-          </a:ln>
-        </p:spPr>
-        <p:style>
-          <a:lnRef idx="2">
-            <a:schemeClr val="accent1">
-              <a:shade val="50000"/>
-            </a:schemeClr>
-          </a:lnRef>
-          <a:fillRef idx="1">
-            <a:schemeClr val="accent1"/>
-          </a:fillRef>
-          <a:effectRef idx="0">
-            <a:schemeClr val="accent1"/>
-          </a:effectRef>
-          <a:fontRef idx="minor">
-            <a:schemeClr val="lt1"/>
-          </a:fontRef>
-        </p:style>
-        <p:txBody>
-          <a:bodyPr rtlCol="0" anchor="ctr"/>
-          <a:lstStyle/>
-          <a:p>
-            <a:pPr algn="ctr"/>
-            <a:r>
-              <a:rPr lang="en-US" sz="1400" b="1" i="1" dirty="0" err="1" smtClean="0">
+              <a:ln>
                 <a:solidFill>
                   <a:schemeClr val="tx1"/>
                 </a:solidFill>
-              </a:rPr>
-              <a:t>MRDocker</a:t>
-            </a:r>
-            <a:endParaRPr lang="en-US" sz="1400" b="1" i="1" dirty="0" smtClean="0">
+                <a:prstDash val="solid"/>
+              </a:ln>
+            </p:spPr>
+            <p:style>
+              <a:lnRef idx="2">
+                <a:schemeClr val="accent1">
+                  <a:shade val="50000"/>
+                </a:schemeClr>
+              </a:lnRef>
+              <a:fillRef idx="1">
+                <a:schemeClr val="accent1"/>
+              </a:fillRef>
+              <a:effectRef idx="0">
+                <a:schemeClr val="accent1"/>
+              </a:effectRef>
+              <a:fontRef idx="minor">
+                <a:schemeClr val="lt1"/>
+              </a:fontRef>
+            </p:style>
+            <p:txBody>
+              <a:bodyPr rtlCol="0" anchor="ctr"/>
+              <a:lstStyle/>
+              <a:p>
+                <a:pPr algn="ctr"/>
+                <a:endParaRPr lang="en-US" dirty="0"/>
+              </a:p>
+            </p:txBody>
+          </p:sp>
+          <p:sp>
+            <p:nvSpPr>
+              <p:cNvPr id="51" name="Rectangle 50"/>
+              <p:cNvSpPr/>
+              <p:nvPr/>
+            </p:nvSpPr>
+            <p:spPr>
+              <a:xfrm>
+                <a:off x="245730" y="167951"/>
+                <a:ext cx="9271870" cy="2396961"/>
+              </a:xfrm>
+              <a:prstGeom prst="rect">
+                <a:avLst/>
+              </a:prstGeom>
               <a:solidFill>
-                <a:schemeClr val="tx1"/>
+                <a:schemeClr val="accent1">
+                  <a:lumMod val="20000"/>
+                  <a:lumOff val="80000"/>
+                </a:schemeClr>
               </a:solidFill>
-            </a:endParaRPr>
-          </a:p>
-        </p:txBody>
-      </p:sp>
-      <p:sp>
-        <p:nvSpPr>
-          <p:cNvPr id="108" name="Rounded Rectangle 107"/>
-          <p:cNvSpPr/>
-          <p:nvPr/>
-        </p:nvSpPr>
-        <p:spPr>
-          <a:xfrm>
-            <a:off x="3881526" y="1735228"/>
-            <a:ext cx="1054359" cy="346214"/>
-          </a:xfrm>
-          <a:prstGeom prst="roundRect">
-            <a:avLst/>
-          </a:prstGeom>
-          <a:solidFill>
-            <a:schemeClr val="bg1"/>
-          </a:solidFill>
-          <a:ln w="31750">
-            <a:solidFill>
-              <a:schemeClr val="accent4"/>
-            </a:solidFill>
-            <a:prstDash val="dash"/>
-          </a:ln>
-        </p:spPr>
-        <p:style>
-          <a:lnRef idx="2">
-            <a:schemeClr val="accent1">
-              <a:shade val="50000"/>
-            </a:schemeClr>
-          </a:lnRef>
-          <a:fillRef idx="1">
-            <a:schemeClr val="accent1"/>
-          </a:fillRef>
-          <a:effectRef idx="0">
-            <a:schemeClr val="accent1"/>
-          </a:effectRef>
-          <a:fontRef idx="minor">
-            <a:schemeClr val="lt1"/>
-          </a:fontRef>
-        </p:style>
-        <p:txBody>
-          <a:bodyPr rtlCol="0" anchor="ctr"/>
-          <a:lstStyle/>
-          <a:p>
-            <a:pPr algn="ctr"/>
-            <a:r>
-              <a:rPr lang="en-US" sz="1400" b="1" i="1" dirty="0" err="1" smtClean="0">
+              <a:ln w="34925">
                 <a:solidFill>
                   <a:schemeClr val="tx1"/>
                 </a:solidFill>
-              </a:rPr>
-              <a:t>SprDocker</a:t>
-            </a:r>
-            <a:endParaRPr lang="en-US" sz="1400" b="1" i="1" dirty="0" smtClean="0">
+                <a:prstDash val="solid"/>
+              </a:ln>
+            </p:spPr>
+            <p:style>
+              <a:lnRef idx="2">
+                <a:schemeClr val="accent1">
+                  <a:shade val="50000"/>
+                </a:schemeClr>
+              </a:lnRef>
+              <a:fillRef idx="1">
+                <a:schemeClr val="accent1"/>
+              </a:fillRef>
+              <a:effectRef idx="0">
+                <a:schemeClr val="accent1"/>
+              </a:effectRef>
+              <a:fontRef idx="minor">
+                <a:schemeClr val="lt1"/>
+              </a:fontRef>
+            </p:style>
+            <p:txBody>
+              <a:bodyPr rtlCol="0" anchor="ctr"/>
+              <a:lstStyle/>
+              <a:p>
+                <a:pPr algn="ctr"/>
+                <a:endParaRPr lang="en-US"/>
+              </a:p>
+            </p:txBody>
+          </p:sp>
+          <p:sp>
+            <p:nvSpPr>
+              <p:cNvPr id="77" name="Rectangle 76"/>
+              <p:cNvSpPr/>
+              <p:nvPr/>
+            </p:nvSpPr>
+            <p:spPr>
+              <a:xfrm>
+                <a:off x="1883939" y="2816936"/>
+                <a:ext cx="6061029" cy="3975750"/>
+              </a:xfrm>
+              <a:prstGeom prst="rect">
+                <a:avLst/>
+              </a:prstGeom>
               <a:solidFill>
+                <a:schemeClr val="bg1"/>
+              </a:solidFill>
+              <a:ln w="57150">
+                <a:solidFill>
+                  <a:schemeClr val="accent1"/>
+                </a:solidFill>
+              </a:ln>
+            </p:spPr>
+            <p:style>
+              <a:lnRef idx="2">
+                <a:schemeClr val="accent1">
+                  <a:shade val="50000"/>
+                </a:schemeClr>
+              </a:lnRef>
+              <a:fillRef idx="1">
+                <a:schemeClr val="accent1"/>
+              </a:fillRef>
+              <a:effectRef idx="0">
+                <a:schemeClr val="accent1"/>
+              </a:effectRef>
+              <a:fontRef idx="minor">
+                <a:schemeClr val="lt1"/>
+              </a:fontRef>
+            </p:style>
+            <p:txBody>
+              <a:bodyPr rtlCol="0" anchor="ctr"/>
+              <a:lstStyle/>
+              <a:p>
+                <a:pPr algn="ctr"/>
+                <a:endParaRPr lang="en-US"/>
+              </a:p>
+            </p:txBody>
+          </p:sp>
+          <p:pic>
+            <p:nvPicPr>
+              <p:cNvPr id="5" name="Picture 4"/>
+              <p:cNvPicPr>
+                <a:picLocks noChangeAspect="1"/>
+              </p:cNvPicPr>
+              <p:nvPr/>
+            </p:nvPicPr>
+            <p:blipFill>
+              <a:blip r:embed="rId2">
+                <a:extLst>
+                  <a:ext uri="{28A0092B-C50C-407E-A947-70E740481C1C}">
+                    <a14:useLocalDpi xmlns:a14="http://schemas.microsoft.com/office/drawing/2010/main" val="0"/>
+                  </a:ext>
+                </a:extLst>
+              </a:blip>
+              <a:stretch>
+                <a:fillRect/>
+              </a:stretch>
+            </p:blipFill>
+            <p:spPr>
+              <a:xfrm>
+                <a:off x="2012503" y="2988074"/>
+                <a:ext cx="5615210" cy="3188791"/>
+              </a:xfrm>
+              <a:prstGeom prst="rect">
+                <a:avLst/>
+              </a:prstGeom>
+            </p:spPr>
+          </p:pic>
+          <p:sp>
+            <p:nvSpPr>
+              <p:cNvPr id="6" name="Rectangle 5"/>
+              <p:cNvSpPr/>
+              <p:nvPr/>
+            </p:nvSpPr>
+            <p:spPr>
+              <a:xfrm>
+                <a:off x="2007757" y="4105465"/>
+                <a:ext cx="1088919" cy="670643"/>
+              </a:xfrm>
+              <a:prstGeom prst="rect">
+                <a:avLst/>
+              </a:prstGeom>
+              <a:noFill/>
+              <a:ln w="28575">
+                <a:solidFill>
+                  <a:schemeClr val="tx1"/>
+                </a:solidFill>
+                <a:prstDash val="dash"/>
+              </a:ln>
+            </p:spPr>
+            <p:style>
+              <a:lnRef idx="2">
+                <a:schemeClr val="accent1">
+                  <a:shade val="50000"/>
+                </a:schemeClr>
+              </a:lnRef>
+              <a:fillRef idx="1">
+                <a:schemeClr val="accent1"/>
+              </a:fillRef>
+              <a:effectRef idx="0">
+                <a:schemeClr val="accent1"/>
+              </a:effectRef>
+              <a:fontRef idx="minor">
+                <a:schemeClr val="lt1"/>
+              </a:fontRef>
+            </p:style>
+            <p:txBody>
+              <a:bodyPr rtlCol="0" anchor="ctr"/>
+              <a:lstStyle/>
+              <a:p>
+                <a:pPr algn="ctr"/>
+                <a:endParaRPr lang="en-US"/>
+              </a:p>
+            </p:txBody>
+          </p:sp>
+          <p:cxnSp>
+            <p:nvCxnSpPr>
+              <p:cNvPr id="9" name="Straight Connector 8"/>
+              <p:cNvCxnSpPr/>
+              <p:nvPr/>
+            </p:nvCxnSpPr>
+            <p:spPr>
+              <a:xfrm flipH="1" flipV="1">
+                <a:off x="1728816" y="3750995"/>
+                <a:ext cx="278944" cy="368781"/>
+              </a:xfrm>
+              <a:prstGeom prst="line">
+                <a:avLst/>
+              </a:prstGeom>
+              <a:ln w="38100">
+                <a:solidFill>
+                  <a:schemeClr val="tx1"/>
+                </a:solidFill>
+              </a:ln>
+            </p:spPr>
+            <p:style>
+              <a:lnRef idx="1">
+                <a:schemeClr val="accent1"/>
+              </a:lnRef>
+              <a:fillRef idx="0">
+                <a:schemeClr val="accent1"/>
+              </a:fillRef>
+              <a:effectRef idx="0">
+                <a:schemeClr val="accent1"/>
+              </a:effectRef>
+              <a:fontRef idx="minor">
                 <a:schemeClr val="tx1"/>
+              </a:fontRef>
+            </p:style>
+          </p:cxnSp>
+          <p:cxnSp>
+            <p:nvCxnSpPr>
+              <p:cNvPr id="11" name="Straight Connector 10"/>
+              <p:cNvCxnSpPr/>
+              <p:nvPr/>
+            </p:nvCxnSpPr>
+            <p:spPr>
+              <a:xfrm flipH="1">
+                <a:off x="1728582" y="4776109"/>
+                <a:ext cx="283923" cy="391794"/>
+              </a:xfrm>
+              <a:prstGeom prst="line">
+                <a:avLst/>
+              </a:prstGeom>
+              <a:ln w="38100">
+                <a:solidFill>
+                  <a:schemeClr val="tx1"/>
+                </a:solidFill>
+              </a:ln>
+            </p:spPr>
+            <p:style>
+              <a:lnRef idx="1">
+                <a:schemeClr val="accent1"/>
+              </a:lnRef>
+              <a:fillRef idx="0">
+                <a:schemeClr val="accent1"/>
+              </a:fillRef>
+              <a:effectRef idx="0">
+                <a:schemeClr val="accent1"/>
+              </a:effectRef>
+              <a:fontRef idx="minor">
+                <a:schemeClr val="tx1"/>
+              </a:fontRef>
+            </p:style>
+          </p:cxnSp>
+          <p:grpSp>
+            <p:nvGrpSpPr>
+              <p:cNvPr id="142" name="Group 141"/>
+              <p:cNvGrpSpPr/>
+              <p:nvPr/>
+            </p:nvGrpSpPr>
+            <p:grpSpPr>
+              <a:xfrm>
+                <a:off x="245729" y="3750995"/>
+                <a:ext cx="1483087" cy="1416908"/>
+                <a:chOff x="144210" y="2016120"/>
+                <a:chExt cx="1466335" cy="1416908"/>
+              </a:xfrm>
+            </p:grpSpPr>
+            <p:sp>
+              <p:nvSpPr>
+                <p:cNvPr id="7" name="Rectangle 6"/>
+                <p:cNvSpPr/>
+                <p:nvPr/>
+              </p:nvSpPr>
+              <p:spPr>
+                <a:xfrm>
+                  <a:off x="144210" y="2016120"/>
+                  <a:ext cx="1466335" cy="1416908"/>
+                </a:xfrm>
+                <a:prstGeom prst="rect">
+                  <a:avLst/>
+                </a:prstGeom>
+                <a:noFill/>
+                <a:ln w="38100">
+                  <a:solidFill>
+                    <a:schemeClr val="tx1"/>
+                  </a:solidFill>
+                </a:ln>
+              </p:spPr>
+              <p:style>
+                <a:lnRef idx="2">
+                  <a:schemeClr val="accent1">
+                    <a:shade val="50000"/>
+                  </a:schemeClr>
+                </a:lnRef>
+                <a:fillRef idx="1">
+                  <a:schemeClr val="accent1"/>
+                </a:fillRef>
+                <a:effectRef idx="0">
+                  <a:schemeClr val="accent1"/>
+                </a:effectRef>
+                <a:fontRef idx="minor">
+                  <a:schemeClr val="lt1"/>
+                </a:fontRef>
+              </p:style>
+              <p:txBody>
+                <a:bodyPr rtlCol="0" anchor="ctr"/>
+                <a:lstStyle/>
+                <a:p>
+                  <a:pPr algn="ctr"/>
+                  <a:endParaRPr lang="en-US"/>
+                </a:p>
+              </p:txBody>
+            </p:sp>
+            <p:sp useBgFill="1">
+              <p:nvSpPr>
+                <p:cNvPr id="12" name="Rounded Rectangle 11"/>
+                <p:cNvSpPr/>
+                <p:nvPr/>
+              </p:nvSpPr>
+              <p:spPr>
+                <a:xfrm>
+                  <a:off x="243065" y="2304444"/>
+                  <a:ext cx="1285102" cy="852616"/>
+                </a:xfrm>
+                <a:prstGeom prst="roundRect">
+                  <a:avLst/>
+                </a:prstGeom>
+                <a:ln w="31750">
+                  <a:solidFill>
+                    <a:schemeClr val="accent6">
+                      <a:lumMod val="75000"/>
+                    </a:schemeClr>
+                  </a:solidFill>
+                </a:ln>
+              </p:spPr>
+              <p:style>
+                <a:lnRef idx="2">
+                  <a:schemeClr val="accent1">
+                    <a:shade val="50000"/>
+                  </a:schemeClr>
+                </a:lnRef>
+                <a:fillRef idx="1">
+                  <a:schemeClr val="accent1"/>
+                </a:fillRef>
+                <a:effectRef idx="0">
+                  <a:schemeClr val="accent1"/>
+                </a:effectRef>
+                <a:fontRef idx="minor">
+                  <a:schemeClr val="lt1"/>
+                </a:fontRef>
+              </p:style>
+              <p:txBody>
+                <a:bodyPr rtlCol="0" anchor="ctr"/>
+                <a:lstStyle/>
+                <a:p>
+                  <a:pPr algn="ctr"/>
+                  <a:endParaRPr lang="en-US" dirty="0"/>
+                </a:p>
+              </p:txBody>
+            </p:sp>
+            <p:pic>
+              <p:nvPicPr>
+                <p:cNvPr id="14" name="Picture 13"/>
+                <p:cNvPicPr>
+                  <a:picLocks noChangeAspect="1"/>
+                </p:cNvPicPr>
+                <p:nvPr/>
+              </p:nvPicPr>
+              <p:blipFill>
+                <a:blip r:embed="rId3" cstate="print">
+                  <a:extLst>
+                    <a:ext uri="{28A0092B-C50C-407E-A947-70E740481C1C}">
+                      <a14:useLocalDpi xmlns:a14="http://schemas.microsoft.com/office/drawing/2010/main" val="0"/>
+                    </a:ext>
+                  </a:extLst>
+                </a:blip>
+                <a:stretch>
+                  <a:fillRect/>
+                </a:stretch>
+              </p:blipFill>
+              <p:spPr>
+                <a:xfrm>
+                  <a:off x="791434" y="2506271"/>
+                  <a:ext cx="665509" cy="587289"/>
+                </a:xfrm>
+                <a:prstGeom prst="rect">
+                  <a:avLst/>
+                </a:prstGeom>
+                <a:ln w="25400">
+                  <a:solidFill>
+                    <a:schemeClr val="accent1"/>
+                  </a:solidFill>
+                </a:ln>
+                <a:effectLst>
+                  <a:softEdge rad="25400"/>
+                </a:effectLst>
+              </p:spPr>
+            </p:pic>
+            <p:sp>
+              <p:nvSpPr>
+                <p:cNvPr id="15" name="TextBox 14"/>
+                <p:cNvSpPr txBox="1"/>
+                <p:nvPr/>
+              </p:nvSpPr>
+              <p:spPr>
+                <a:xfrm>
+                  <a:off x="242480" y="2274256"/>
+                  <a:ext cx="614271" cy="369332"/>
+                </a:xfrm>
+                <a:prstGeom prst="rect">
+                  <a:avLst/>
+                </a:prstGeom>
+                <a:noFill/>
+              </p:spPr>
+              <p:txBody>
+                <a:bodyPr wrap="none" rtlCol="0">
+                  <a:spAutoFit/>
+                </a:bodyPr>
+                <a:lstStyle/>
+                <a:p>
+                  <a:r>
+                    <a:rPr lang="en-US" dirty="0" smtClean="0"/>
+                    <a:t>Map</a:t>
+                  </a:r>
+                  <a:endParaRPr lang="en-US" dirty="0"/>
+                </a:p>
+              </p:txBody>
+            </p:sp>
+          </p:grpSp>
+          <p:sp>
+            <p:nvSpPr>
+              <p:cNvPr id="19" name="TextBox 18"/>
+              <p:cNvSpPr txBox="1"/>
+              <p:nvPr/>
+            </p:nvSpPr>
+            <p:spPr>
+              <a:xfrm>
+                <a:off x="245730" y="175987"/>
+                <a:ext cx="1625766" cy="369332"/>
+              </a:xfrm>
+              <a:prstGeom prst="rect">
+                <a:avLst/>
+              </a:prstGeom>
+              <a:noFill/>
+              <a:ln>
+                <a:noFill/>
+              </a:ln>
+            </p:spPr>
+            <p:txBody>
+              <a:bodyPr wrap="none" rtlCol="0">
+                <a:spAutoFit/>
+              </a:bodyPr>
+              <a:lstStyle/>
+              <a:p>
+                <a:r>
+                  <a:rPr lang="en-US" b="1" i="1" dirty="0" smtClean="0"/>
+                  <a:t>Sherlock Demo</a:t>
+                </a:r>
+                <a:endParaRPr lang="en-US" b="1" i="1" dirty="0"/>
+              </a:p>
+            </p:txBody>
+          </p:sp>
+          <p:sp>
+            <p:nvSpPr>
+              <p:cNvPr id="27" name="Rounded Rectangle 26"/>
+              <p:cNvSpPr/>
+              <p:nvPr/>
+            </p:nvSpPr>
+            <p:spPr>
+              <a:xfrm>
+                <a:off x="5570386" y="379822"/>
+                <a:ext cx="2537927" cy="2089636"/>
+              </a:xfrm>
+              <a:prstGeom prst="roundRect">
+                <a:avLst/>
+              </a:prstGeom>
+              <a:solidFill>
+                <a:schemeClr val="bg1"/>
               </a:solidFill>
-            </a:endParaRPr>
-          </a:p>
-        </p:txBody>
-      </p:sp>
-      <p:sp>
-        <p:nvSpPr>
-          <p:cNvPr id="123" name="Trapezoid 122"/>
-          <p:cNvSpPr/>
-          <p:nvPr/>
-        </p:nvSpPr>
-        <p:spPr>
-          <a:xfrm>
-            <a:off x="2118044" y="1652634"/>
-            <a:ext cx="3023120" cy="549389"/>
-          </a:xfrm>
-          <a:prstGeom prst="trapezoid">
-            <a:avLst/>
-          </a:prstGeom>
-          <a:noFill/>
-          <a:ln w="28575">
-            <a:solidFill>
-              <a:schemeClr val="tx1"/>
-            </a:solidFill>
-          </a:ln>
-        </p:spPr>
-        <p:style>
-          <a:lnRef idx="2">
-            <a:schemeClr val="accent1">
-              <a:shade val="50000"/>
-            </a:schemeClr>
-          </a:lnRef>
-          <a:fillRef idx="1">
-            <a:schemeClr val="accent1"/>
-          </a:fillRef>
-          <a:effectRef idx="0">
-            <a:schemeClr val="accent1"/>
-          </a:effectRef>
-          <a:fontRef idx="minor">
-            <a:schemeClr val="lt1"/>
-          </a:fontRef>
-        </p:style>
-        <p:txBody>
-          <a:bodyPr rtlCol="0" anchor="ctr"/>
-          <a:lstStyle/>
-          <a:p>
-            <a:pPr algn="ctr"/>
-            <a:endParaRPr lang="en-US"/>
-          </a:p>
-        </p:txBody>
-      </p:sp>
-      <p:pic>
-        <p:nvPicPr>
-          <p:cNvPr id="131" name="Picture 130"/>
-          <p:cNvPicPr>
-            <a:picLocks noChangeAspect="1"/>
-          </p:cNvPicPr>
-          <p:nvPr/>
-        </p:nvPicPr>
-        <p:blipFill>
-          <a:blip r:embed="rId4" cstate="print">
-            <a:extLst>
-              <a:ext uri="{28A0092B-C50C-407E-A947-70E740481C1C}">
-                <a14:useLocalDpi xmlns:a14="http://schemas.microsoft.com/office/drawing/2010/main" val="0"/>
-              </a:ext>
-            </a:extLst>
-          </a:blip>
-          <a:stretch>
-            <a:fillRect/>
-          </a:stretch>
-        </p:blipFill>
-        <p:spPr>
-          <a:xfrm>
-            <a:off x="2534865" y="877037"/>
-            <a:ext cx="665509" cy="587289"/>
-          </a:xfrm>
-          <a:prstGeom prst="rect">
-            <a:avLst/>
-          </a:prstGeom>
-          <a:ln w="25400">
-            <a:solidFill>
-              <a:schemeClr val="accent1"/>
-            </a:solidFill>
-          </a:ln>
-          <a:effectLst>
-            <a:softEdge rad="25400"/>
-          </a:effectLst>
-        </p:spPr>
-      </p:pic>
-      <p:pic>
-        <p:nvPicPr>
-          <p:cNvPr id="132" name="Picture 131"/>
-          <p:cNvPicPr>
-            <a:picLocks noChangeAspect="1"/>
-          </p:cNvPicPr>
-          <p:nvPr/>
-        </p:nvPicPr>
-        <p:blipFill>
-          <a:blip r:embed="rId4" cstate="print">
-            <a:extLst>
-              <a:ext uri="{28A0092B-C50C-407E-A947-70E740481C1C}">
-                <a14:useLocalDpi xmlns:a14="http://schemas.microsoft.com/office/drawing/2010/main" val="0"/>
-              </a:ext>
-            </a:extLst>
-          </a:blip>
-          <a:stretch>
-            <a:fillRect/>
-          </a:stretch>
-        </p:blipFill>
-        <p:spPr>
-          <a:xfrm>
-            <a:off x="4054182" y="877037"/>
-            <a:ext cx="665509" cy="587289"/>
-          </a:xfrm>
-          <a:prstGeom prst="rect">
-            <a:avLst/>
-          </a:prstGeom>
-          <a:ln w="25400">
-            <a:solidFill>
-              <a:schemeClr val="accent1"/>
-            </a:solidFill>
-          </a:ln>
-          <a:effectLst>
-            <a:softEdge rad="25400"/>
-          </a:effectLst>
-        </p:spPr>
-      </p:pic>
-      <p:sp>
-        <p:nvSpPr>
-          <p:cNvPr id="133" name="TextBox 132"/>
-          <p:cNvSpPr txBox="1"/>
-          <p:nvPr/>
-        </p:nvSpPr>
-        <p:spPr>
-          <a:xfrm>
-            <a:off x="3390132" y="879551"/>
-            <a:ext cx="468398" cy="584775"/>
-          </a:xfrm>
-          <a:prstGeom prst="rect">
-            <a:avLst/>
-          </a:prstGeom>
-          <a:noFill/>
-        </p:spPr>
-        <p:txBody>
-          <a:bodyPr wrap="none" rtlCol="0">
-            <a:spAutoFit/>
-          </a:bodyPr>
-          <a:lstStyle/>
-          <a:p>
-            <a:r>
-              <a:rPr lang="en-US" sz="3200" dirty="0" smtClean="0"/>
-              <a:t>…</a:t>
-            </a:r>
-            <a:endParaRPr lang="en-US" sz="3200" dirty="0"/>
-          </a:p>
-        </p:txBody>
-      </p:sp>
-      <p:sp>
-        <p:nvSpPr>
-          <p:cNvPr id="134" name="TextBox 133"/>
-          <p:cNvSpPr txBox="1"/>
-          <p:nvPr/>
-        </p:nvSpPr>
-        <p:spPr>
-          <a:xfrm>
-            <a:off x="3026359" y="431060"/>
-            <a:ext cx="1249060" cy="369332"/>
-          </a:xfrm>
-          <a:prstGeom prst="rect">
-            <a:avLst/>
-          </a:prstGeom>
-          <a:noFill/>
-        </p:spPr>
-        <p:txBody>
-          <a:bodyPr wrap="none" rtlCol="0">
-            <a:spAutoFit/>
-          </a:bodyPr>
-          <a:lstStyle/>
-          <a:p>
-            <a:r>
-              <a:rPr lang="en-US" b="1" i="1" dirty="0" smtClean="0"/>
-              <a:t>Operations</a:t>
-            </a:r>
-            <a:endParaRPr lang="en-US" b="1" i="1" dirty="0"/>
-          </a:p>
-        </p:txBody>
-      </p:sp>
-      <p:cxnSp>
-        <p:nvCxnSpPr>
-          <p:cNvPr id="137" name="Elbow Connector 136"/>
-          <p:cNvCxnSpPr>
-            <a:stCxn id="66" idx="1"/>
-          </p:cNvCxnSpPr>
-          <p:nvPr/>
-        </p:nvCxnSpPr>
-        <p:spPr>
-          <a:xfrm rot="10800000" flipV="1">
-            <a:off x="7944968" y="5202101"/>
-            <a:ext cx="2133974" cy="974764"/>
-          </a:xfrm>
-          <a:prstGeom prst="bentConnector3">
-            <a:avLst>
-              <a:gd name="adj1" fmla="val 11086"/>
-            </a:avLst>
-          </a:prstGeom>
-          <a:ln w="44450">
-            <a:solidFill>
-              <a:srgbClr val="7030A0"/>
-            </a:solidFill>
-            <a:headEnd type="triangle"/>
-            <a:tailEnd type="triangle"/>
-          </a:ln>
-        </p:spPr>
-        <p:style>
-          <a:lnRef idx="1">
-            <a:schemeClr val="accent1"/>
-          </a:lnRef>
-          <a:fillRef idx="0">
-            <a:schemeClr val="accent1"/>
-          </a:fillRef>
-          <a:effectRef idx="0">
-            <a:schemeClr val="accent1"/>
-          </a:effectRef>
-          <a:fontRef idx="minor">
-            <a:schemeClr val="tx1"/>
-          </a:fontRef>
-        </p:style>
-      </p:cxnSp>
-      <p:cxnSp>
-        <p:nvCxnSpPr>
-          <p:cNvPr id="107" name="Straight Arrow Connector 106"/>
-          <p:cNvCxnSpPr/>
-          <p:nvPr/>
-        </p:nvCxnSpPr>
-        <p:spPr>
-          <a:xfrm flipH="1">
-            <a:off x="2863412" y="2102456"/>
-            <a:ext cx="464" cy="1979995"/>
-          </a:xfrm>
-          <a:prstGeom prst="straightConnector1">
-            <a:avLst/>
-          </a:prstGeom>
-          <a:ln w="34925">
-            <a:solidFill>
-              <a:schemeClr val="accent6">
-                <a:lumMod val="75000"/>
-              </a:schemeClr>
-            </a:solidFill>
-            <a:tailEnd type="triangle"/>
-          </a:ln>
-        </p:spPr>
-        <p:style>
-          <a:lnRef idx="1">
-            <a:schemeClr val="accent1"/>
-          </a:lnRef>
-          <a:fillRef idx="0">
-            <a:schemeClr val="accent1"/>
-          </a:fillRef>
-          <a:effectRef idx="0">
-            <a:schemeClr val="accent1"/>
-          </a:effectRef>
-          <a:fontRef idx="minor">
-            <a:schemeClr val="tx1"/>
-          </a:fontRef>
-        </p:style>
-      </p:cxnSp>
-      <p:cxnSp>
-        <p:nvCxnSpPr>
-          <p:cNvPr id="109" name="Straight Arrow Connector 108"/>
-          <p:cNvCxnSpPr/>
-          <p:nvPr/>
-        </p:nvCxnSpPr>
-        <p:spPr>
-          <a:xfrm flipH="1">
-            <a:off x="4416011" y="2102456"/>
-            <a:ext cx="8728" cy="2022837"/>
-          </a:xfrm>
-          <a:prstGeom prst="straightConnector1">
-            <a:avLst/>
-          </a:prstGeom>
-          <a:ln w="34925">
-            <a:solidFill>
-              <a:schemeClr val="accent4"/>
-            </a:solidFill>
-            <a:prstDash val="dash"/>
-            <a:tailEnd type="triangle"/>
-          </a:ln>
-        </p:spPr>
-        <p:style>
-          <a:lnRef idx="1">
-            <a:schemeClr val="accent1"/>
-          </a:lnRef>
-          <a:fillRef idx="0">
-            <a:schemeClr val="accent1"/>
-          </a:fillRef>
-          <a:effectRef idx="0">
-            <a:schemeClr val="accent1"/>
-          </a:effectRef>
-          <a:fontRef idx="minor">
-            <a:schemeClr val="tx1"/>
-          </a:fontRef>
-        </p:style>
-      </p:cxnSp>
-      <p:grpSp>
-        <p:nvGrpSpPr>
-          <p:cNvPr id="168" name="Group 167"/>
-          <p:cNvGrpSpPr/>
-          <p:nvPr/>
-        </p:nvGrpSpPr>
-        <p:grpSpPr>
-          <a:xfrm>
-            <a:off x="8210930" y="6344434"/>
-            <a:ext cx="1635174" cy="458294"/>
-            <a:chOff x="8416211" y="6344434"/>
-            <a:chExt cx="1635174" cy="458294"/>
-          </a:xfrm>
-        </p:grpSpPr>
-        <p:pic>
-          <p:nvPicPr>
-            <p:cNvPr id="113" name="Picture 112"/>
-            <p:cNvPicPr>
-              <a:picLocks noChangeAspect="1"/>
-            </p:cNvPicPr>
-            <p:nvPr/>
-          </p:nvPicPr>
-          <p:blipFill>
-            <a:blip r:embed="rId7">
-              <a:extLst>
-                <a:ext uri="{28A0092B-C50C-407E-A947-70E740481C1C}">
-                  <a14:useLocalDpi xmlns:a14="http://schemas.microsoft.com/office/drawing/2010/main" val="0"/>
-                </a:ext>
-              </a:extLst>
-            </a:blip>
-            <a:stretch>
-              <a:fillRect/>
-            </a:stretch>
-          </p:blipFill>
-          <p:spPr>
-            <a:xfrm>
-              <a:off x="8416211" y="6441277"/>
-              <a:ext cx="962303" cy="361451"/>
-            </a:xfrm>
-            <a:prstGeom prst="rect">
-              <a:avLst/>
-            </a:prstGeom>
-          </p:spPr>
-        </p:pic>
-        <p:sp>
-          <p:nvSpPr>
-            <p:cNvPr id="153" name="TextBox 152"/>
-            <p:cNvSpPr txBox="1"/>
-            <p:nvPr/>
-          </p:nvSpPr>
-          <p:spPr>
-            <a:xfrm>
-              <a:off x="9350552" y="6344434"/>
-              <a:ext cx="700833" cy="369332"/>
-            </a:xfrm>
-            <a:prstGeom prst="rect">
-              <a:avLst/>
-            </a:prstGeom>
-            <a:noFill/>
-          </p:spPr>
-          <p:txBody>
-            <a:bodyPr wrap="none" rtlCol="0">
-              <a:spAutoFit/>
-            </a:bodyPr>
-            <a:lstStyle/>
-            <a:p>
-              <a:r>
-                <a:rPr lang="en-US" b="1" i="1" dirty="0"/>
-                <a:t>c</a:t>
-              </a:r>
-              <a:r>
-                <a:rPr lang="en-US" b="1" i="1" dirty="0" smtClean="0"/>
-                <a:t>loud</a:t>
-              </a:r>
-              <a:endParaRPr lang="en-US" b="1" i="1" dirty="0"/>
-            </a:p>
-          </p:txBody>
-        </p:sp>
+              <a:ln w="38100">
+                <a:solidFill>
+                  <a:schemeClr val="tx1"/>
+                </a:solidFill>
+                <a:prstDash val="dash"/>
+              </a:ln>
+            </p:spPr>
+            <p:style>
+              <a:lnRef idx="2">
+                <a:schemeClr val="accent1">
+                  <a:shade val="50000"/>
+                </a:schemeClr>
+              </a:lnRef>
+              <a:fillRef idx="1">
+                <a:schemeClr val="accent1"/>
+              </a:fillRef>
+              <a:effectRef idx="0">
+                <a:schemeClr val="accent1"/>
+              </a:effectRef>
+              <a:fontRef idx="minor">
+                <a:schemeClr val="lt1"/>
+              </a:fontRef>
+            </p:style>
+            <p:txBody>
+              <a:bodyPr rtlCol="0" anchor="ctr"/>
+              <a:lstStyle/>
+              <a:p>
+                <a:pPr algn="ctr"/>
+                <a:endParaRPr lang="en-US"/>
+              </a:p>
+            </p:txBody>
+          </p:sp>
+          <p:pic>
+            <p:nvPicPr>
+              <p:cNvPr id="31" name="Picture 30"/>
+              <p:cNvPicPr>
+                <a:picLocks noChangeAspect="1"/>
+              </p:cNvPicPr>
+              <p:nvPr/>
+            </p:nvPicPr>
+            <p:blipFill>
+              <a:blip r:embed="rId4" cstate="print">
+                <a:extLst>
+                  <a:ext uri="{28A0092B-C50C-407E-A947-70E740481C1C}">
+                    <a14:useLocalDpi xmlns:a14="http://schemas.microsoft.com/office/drawing/2010/main" val="0"/>
+                  </a:ext>
+                </a:extLst>
+              </a:blip>
+              <a:stretch>
+                <a:fillRect/>
+              </a:stretch>
+            </p:blipFill>
+            <p:spPr>
+              <a:xfrm>
+                <a:off x="5760144" y="901926"/>
+                <a:ext cx="665509" cy="587289"/>
+              </a:xfrm>
+              <a:prstGeom prst="rect">
+                <a:avLst/>
+              </a:prstGeom>
+              <a:ln w="25400">
+                <a:solidFill>
+                  <a:schemeClr val="accent1"/>
+                </a:solidFill>
+              </a:ln>
+              <a:effectLst>
+                <a:softEdge rad="25400"/>
+              </a:effectLst>
+            </p:spPr>
+          </p:pic>
+          <p:pic>
+            <p:nvPicPr>
+              <p:cNvPr id="32" name="Picture 31"/>
+              <p:cNvPicPr>
+                <a:picLocks noChangeAspect="1"/>
+              </p:cNvPicPr>
+              <p:nvPr/>
+            </p:nvPicPr>
+            <p:blipFill>
+              <a:blip r:embed="rId4" cstate="print">
+                <a:extLst>
+                  <a:ext uri="{28A0092B-C50C-407E-A947-70E740481C1C}">
+                    <a14:useLocalDpi xmlns:a14="http://schemas.microsoft.com/office/drawing/2010/main" val="0"/>
+                  </a:ext>
+                </a:extLst>
+              </a:blip>
+              <a:stretch>
+                <a:fillRect/>
+              </a:stretch>
+            </p:blipFill>
+            <p:spPr>
+              <a:xfrm>
+                <a:off x="7279461" y="901926"/>
+                <a:ext cx="665509" cy="587289"/>
+              </a:xfrm>
+              <a:prstGeom prst="rect">
+                <a:avLst/>
+              </a:prstGeom>
+              <a:ln w="25400">
+                <a:solidFill>
+                  <a:schemeClr val="accent1"/>
+                </a:solidFill>
+              </a:ln>
+              <a:effectLst>
+                <a:softEdge rad="25400"/>
+              </a:effectLst>
+            </p:spPr>
+          </p:pic>
+          <p:sp>
+            <p:nvSpPr>
+              <p:cNvPr id="33" name="TextBox 32"/>
+              <p:cNvSpPr txBox="1"/>
+              <p:nvPr/>
+            </p:nvSpPr>
+            <p:spPr>
+              <a:xfrm>
+                <a:off x="6615411" y="904440"/>
+                <a:ext cx="468398" cy="584775"/>
+              </a:xfrm>
+              <a:prstGeom prst="rect">
+                <a:avLst/>
+              </a:prstGeom>
+              <a:noFill/>
+            </p:spPr>
+            <p:txBody>
+              <a:bodyPr wrap="none" rtlCol="0">
+                <a:spAutoFit/>
+              </a:bodyPr>
+              <a:lstStyle/>
+              <a:p>
+                <a:r>
+                  <a:rPr lang="en-US" sz="3200" dirty="0" smtClean="0"/>
+                  <a:t>…</a:t>
+                </a:r>
+                <a:endParaRPr lang="en-US" sz="3200" dirty="0"/>
+              </a:p>
+            </p:txBody>
+          </p:sp>
+          <p:sp>
+            <p:nvSpPr>
+              <p:cNvPr id="34" name="TextBox 33"/>
+              <p:cNvSpPr txBox="1"/>
+              <p:nvPr/>
+            </p:nvSpPr>
+            <p:spPr>
+              <a:xfrm>
+                <a:off x="6190056" y="427921"/>
+                <a:ext cx="1413913" cy="369332"/>
+              </a:xfrm>
+              <a:prstGeom prst="rect">
+                <a:avLst/>
+              </a:prstGeom>
+              <a:noFill/>
+            </p:spPr>
+            <p:txBody>
+              <a:bodyPr wrap="none" rtlCol="0">
+                <a:spAutoFit/>
+              </a:bodyPr>
+              <a:lstStyle/>
+              <a:p>
+                <a:r>
+                  <a:rPr lang="en-US" b="1" i="1" dirty="0" smtClean="0"/>
+                  <a:t>Visualization</a:t>
+                </a:r>
+                <a:endParaRPr lang="en-US" b="1" i="1" dirty="0"/>
+              </a:p>
+            </p:txBody>
+          </p:sp>
+          <p:sp>
+            <p:nvSpPr>
+              <p:cNvPr id="45" name="Trapezoid 44"/>
+              <p:cNvSpPr/>
+              <p:nvPr/>
+            </p:nvSpPr>
+            <p:spPr>
+              <a:xfrm rot="10800000">
+                <a:off x="5760140" y="1652633"/>
+                <a:ext cx="2184825" cy="549389"/>
+              </a:xfrm>
+              <a:prstGeom prst="trapezoid">
+                <a:avLst>
+                  <a:gd name="adj" fmla="val 162569"/>
+                </a:avLst>
+              </a:prstGeom>
+              <a:solidFill>
+                <a:schemeClr val="bg1"/>
+              </a:solidFill>
+              <a:ln w="28575">
+                <a:solidFill>
+                  <a:schemeClr val="tx1"/>
+                </a:solidFill>
+              </a:ln>
+            </p:spPr>
+            <p:style>
+              <a:lnRef idx="2">
+                <a:schemeClr val="accent1">
+                  <a:shade val="50000"/>
+                </a:schemeClr>
+              </a:lnRef>
+              <a:fillRef idx="1">
+                <a:schemeClr val="accent1"/>
+              </a:fillRef>
+              <a:effectRef idx="0">
+                <a:schemeClr val="accent1"/>
+              </a:effectRef>
+              <a:fontRef idx="minor">
+                <a:schemeClr val="lt1"/>
+              </a:fontRef>
+            </p:style>
+            <p:txBody>
+              <a:bodyPr rtlCol="0" anchor="ctr"/>
+              <a:lstStyle/>
+              <a:p>
+                <a:pPr algn="ctr"/>
+                <a:endParaRPr lang="en-US" dirty="0">
+                  <a:solidFill>
+                    <a:schemeClr val="tx1"/>
+                  </a:solidFill>
+                </a:endParaRPr>
+              </a:p>
+            </p:txBody>
+          </p:sp>
+          <p:sp>
+            <p:nvSpPr>
+              <p:cNvPr id="46" name="TextBox 45"/>
+              <p:cNvSpPr txBox="1"/>
+              <p:nvPr/>
+            </p:nvSpPr>
+            <p:spPr>
+              <a:xfrm>
+                <a:off x="6578574" y="1704020"/>
+                <a:ext cx="583365" cy="400110"/>
+              </a:xfrm>
+              <a:prstGeom prst="rect">
+                <a:avLst/>
+              </a:prstGeom>
+              <a:noFill/>
+            </p:spPr>
+            <p:txBody>
+              <a:bodyPr wrap="none" rtlCol="0">
+                <a:spAutoFit/>
+              </a:bodyPr>
+              <a:lstStyle/>
+              <a:p>
+                <a:r>
+                  <a:rPr lang="en-US" sz="2000" b="1" i="1" dirty="0" smtClean="0"/>
+                  <a:t>NFS</a:t>
+                </a:r>
+                <a:endParaRPr lang="en-US" sz="2000" b="1" i="1" dirty="0"/>
+              </a:p>
+            </p:txBody>
+          </p:sp>
+          <p:grpSp>
+            <p:nvGrpSpPr>
+              <p:cNvPr id="86" name="Group 85"/>
+              <p:cNvGrpSpPr/>
+              <p:nvPr/>
+            </p:nvGrpSpPr>
+            <p:grpSpPr>
+              <a:xfrm>
+                <a:off x="8177807" y="4488891"/>
+                <a:ext cx="1449821" cy="1437119"/>
+                <a:chOff x="10343009" y="4170579"/>
+                <a:chExt cx="1677258" cy="1437119"/>
+              </a:xfrm>
+            </p:grpSpPr>
+            <p:sp>
+              <p:nvSpPr>
+                <p:cNvPr id="53" name="Rectangle 52"/>
+                <p:cNvSpPr/>
+                <p:nvPr/>
+              </p:nvSpPr>
+              <p:spPr>
+                <a:xfrm>
+                  <a:off x="10343009" y="4170579"/>
+                  <a:ext cx="1677258" cy="1437119"/>
+                </a:xfrm>
+                <a:prstGeom prst="rect">
+                  <a:avLst/>
+                </a:prstGeom>
+                <a:solidFill>
+                  <a:schemeClr val="bg1"/>
+                </a:solidFill>
+                <a:ln w="57150">
+                  <a:solidFill>
+                    <a:srgbClr val="FF0000"/>
+                  </a:solidFill>
+                </a:ln>
+              </p:spPr>
+              <p:style>
+                <a:lnRef idx="2">
+                  <a:schemeClr val="accent1">
+                    <a:shade val="50000"/>
+                  </a:schemeClr>
+                </a:lnRef>
+                <a:fillRef idx="1">
+                  <a:schemeClr val="accent1"/>
+                </a:fillRef>
+                <a:effectRef idx="0">
+                  <a:schemeClr val="accent1"/>
+                </a:effectRef>
+                <a:fontRef idx="minor">
+                  <a:schemeClr val="lt1"/>
+                </a:fontRef>
+              </p:style>
+              <p:txBody>
+                <a:bodyPr rtlCol="0" anchor="ctr"/>
+                <a:lstStyle/>
+                <a:p>
+                  <a:pPr algn="ctr"/>
+                  <a:endParaRPr lang="en-US"/>
+                </a:p>
+              </p:txBody>
+            </p:sp>
+            <p:pic>
+              <p:nvPicPr>
+                <p:cNvPr id="54" name="Picture 53"/>
+                <p:cNvPicPr>
+                  <a:picLocks noChangeAspect="1"/>
+                </p:cNvPicPr>
+                <p:nvPr/>
+              </p:nvPicPr>
+              <p:blipFill>
+                <a:blip r:embed="rId5" cstate="print">
+                  <a:extLst>
+                    <a:ext uri="{28A0092B-C50C-407E-A947-70E740481C1C}">
+                      <a14:useLocalDpi xmlns:a14="http://schemas.microsoft.com/office/drawing/2010/main" val="0"/>
+                    </a:ext>
+                  </a:extLst>
+                </a:blip>
+                <a:stretch>
+                  <a:fillRect/>
+                </a:stretch>
+              </p:blipFill>
+              <p:spPr>
+                <a:xfrm>
+                  <a:off x="10389222" y="4384949"/>
+                  <a:ext cx="1584832" cy="997681"/>
+                </a:xfrm>
+                <a:prstGeom prst="rect">
+                  <a:avLst/>
+                </a:prstGeom>
+              </p:spPr>
+            </p:pic>
+            <p:sp>
+              <p:nvSpPr>
+                <p:cNvPr id="84" name="TextBox 83"/>
+                <p:cNvSpPr txBox="1"/>
+                <p:nvPr/>
+              </p:nvSpPr>
+              <p:spPr>
+                <a:xfrm>
+                  <a:off x="10680475" y="5197964"/>
+                  <a:ext cx="1002326" cy="369332"/>
+                </a:xfrm>
+                <a:prstGeom prst="rect">
+                  <a:avLst/>
+                </a:prstGeom>
+                <a:noFill/>
+              </p:spPr>
+              <p:txBody>
+                <a:bodyPr wrap="none" rtlCol="0">
+                  <a:spAutoFit/>
+                </a:bodyPr>
+                <a:lstStyle/>
+                <a:p>
+                  <a:r>
+                    <a:rPr lang="en-US" b="1" i="1" dirty="0" err="1" smtClean="0">
+                      <a:solidFill>
+                        <a:schemeClr val="tx2"/>
+                      </a:solidFill>
+                    </a:rPr>
+                    <a:t>Hansken</a:t>
+                  </a:r>
+                  <a:endParaRPr lang="en-US" b="1" i="1" dirty="0">
+                    <a:solidFill>
+                      <a:schemeClr val="tx2"/>
+                    </a:solidFill>
+                  </a:endParaRPr>
+                </a:p>
+              </p:txBody>
+            </p:sp>
+          </p:grpSp>
+          <p:cxnSp>
+            <p:nvCxnSpPr>
+              <p:cNvPr id="88" name="Elbow Connector 87"/>
+              <p:cNvCxnSpPr>
+                <a:stCxn id="27" idx="3"/>
+                <a:endCxn id="53" idx="0"/>
+              </p:cNvCxnSpPr>
+              <p:nvPr/>
+            </p:nvCxnSpPr>
+            <p:spPr>
+              <a:xfrm>
+                <a:off x="8108313" y="1424640"/>
+                <a:ext cx="794405" cy="3064251"/>
+              </a:xfrm>
+              <a:prstGeom prst="bentConnector2">
+                <a:avLst/>
+              </a:prstGeom>
+              <a:ln w="44450">
+                <a:solidFill>
+                  <a:srgbClr val="FF0000"/>
+                </a:solidFill>
+                <a:headEnd type="triangle"/>
+                <a:tailEnd type="triangle"/>
+              </a:ln>
+            </p:spPr>
+            <p:style>
+              <a:lnRef idx="1">
+                <a:schemeClr val="accent1"/>
+              </a:lnRef>
+              <a:fillRef idx="0">
+                <a:schemeClr val="accent1"/>
+              </a:fillRef>
+              <a:effectRef idx="0">
+                <a:schemeClr val="accent1"/>
+              </a:effectRef>
+              <a:fontRef idx="minor">
+                <a:schemeClr val="tx1"/>
+              </a:fontRef>
+            </p:style>
+          </p:cxnSp>
+          <p:cxnSp>
+            <p:nvCxnSpPr>
+              <p:cNvPr id="98" name="Elbow Connector 97"/>
+              <p:cNvCxnSpPr>
+                <a:endCxn id="66" idx="0"/>
+              </p:cNvCxnSpPr>
+              <p:nvPr/>
+            </p:nvCxnSpPr>
+            <p:spPr>
+              <a:xfrm rot="16200000" flipH="1">
+                <a:off x="7649113" y="1454844"/>
+                <a:ext cx="3852372" cy="2933972"/>
+              </a:xfrm>
+              <a:prstGeom prst="bentConnector3">
+                <a:avLst>
+                  <a:gd name="adj1" fmla="val 106"/>
+                </a:avLst>
+              </a:prstGeom>
+              <a:ln w="44450">
+                <a:solidFill>
+                  <a:srgbClr val="7030A0"/>
+                </a:solidFill>
+                <a:headEnd type="triangle"/>
+                <a:tailEnd type="triangle"/>
+              </a:ln>
+            </p:spPr>
+            <p:style>
+              <a:lnRef idx="1">
+                <a:schemeClr val="accent1"/>
+              </a:lnRef>
+              <a:fillRef idx="0">
+                <a:schemeClr val="accent1"/>
+              </a:fillRef>
+              <a:effectRef idx="0">
+                <a:schemeClr val="accent1"/>
+              </a:effectRef>
+              <a:fontRef idx="minor">
+                <a:schemeClr val="tx1"/>
+              </a:fontRef>
+            </p:style>
+          </p:cxnSp>
+          <p:grpSp>
+            <p:nvGrpSpPr>
+              <p:cNvPr id="111" name="Group 110"/>
+              <p:cNvGrpSpPr/>
+              <p:nvPr/>
+            </p:nvGrpSpPr>
+            <p:grpSpPr>
+              <a:xfrm>
+                <a:off x="10078942" y="4848016"/>
+                <a:ext cx="1926685" cy="708170"/>
+                <a:chOff x="8163311" y="4573036"/>
+                <a:chExt cx="1995625" cy="708170"/>
+              </a:xfrm>
+            </p:grpSpPr>
+            <p:sp>
+              <p:nvSpPr>
+                <p:cNvPr id="66" name="Rectangle 65"/>
+                <p:cNvSpPr/>
+                <p:nvPr/>
+              </p:nvSpPr>
+              <p:spPr>
+                <a:xfrm>
+                  <a:off x="8163311" y="4573036"/>
+                  <a:ext cx="1995625" cy="708170"/>
+                </a:xfrm>
+                <a:prstGeom prst="rect">
+                  <a:avLst/>
+                </a:prstGeom>
+                <a:solidFill>
+                  <a:schemeClr val="bg1"/>
+                </a:solidFill>
+                <a:ln w="57150">
+                  <a:solidFill>
+                    <a:srgbClr val="7030A0"/>
+                  </a:solidFill>
+                </a:ln>
+              </p:spPr>
+              <p:style>
+                <a:lnRef idx="2">
+                  <a:schemeClr val="accent1">
+                    <a:shade val="50000"/>
+                  </a:schemeClr>
+                </a:lnRef>
+                <a:fillRef idx="1">
+                  <a:schemeClr val="accent1"/>
+                </a:fillRef>
+                <a:effectRef idx="0">
+                  <a:schemeClr val="accent1"/>
+                </a:effectRef>
+                <a:fontRef idx="minor">
+                  <a:schemeClr val="lt1"/>
+                </a:fontRef>
+              </p:style>
+              <p:txBody>
+                <a:bodyPr rtlCol="0" anchor="ctr"/>
+                <a:lstStyle/>
+                <a:p>
+                  <a:pPr algn="ctr"/>
+                  <a:endParaRPr lang="en-US"/>
+                </a:p>
+              </p:txBody>
+            </p:sp>
+            <p:pic>
+              <p:nvPicPr>
+                <p:cNvPr id="65" name="Picture 64"/>
+                <p:cNvPicPr>
+                  <a:picLocks noChangeAspect="1"/>
+                </p:cNvPicPr>
+                <p:nvPr/>
+              </p:nvPicPr>
+              <p:blipFill>
+                <a:blip r:embed="rId6" cstate="print">
+                  <a:extLst>
+                    <a:ext uri="{28A0092B-C50C-407E-A947-70E740481C1C}">
+                      <a14:useLocalDpi xmlns:a14="http://schemas.microsoft.com/office/drawing/2010/main" val="0"/>
+                    </a:ext>
+                  </a:extLst>
+                </a:blip>
+                <a:stretch>
+                  <a:fillRect/>
+                </a:stretch>
+              </p:blipFill>
+              <p:spPr>
+                <a:xfrm>
+                  <a:off x="8452233" y="4712266"/>
+                  <a:ext cx="1417782" cy="429711"/>
+                </a:xfrm>
+                <a:prstGeom prst="rect">
+                  <a:avLst/>
+                </a:prstGeom>
+                <a:solidFill>
+                  <a:schemeClr val="bg1"/>
+                </a:solidFill>
+              </p:spPr>
+            </p:pic>
+          </p:grpSp>
+          <p:sp>
+            <p:nvSpPr>
+              <p:cNvPr id="116" name="TextBox 115"/>
+              <p:cNvSpPr txBox="1"/>
+              <p:nvPr/>
+            </p:nvSpPr>
+            <p:spPr>
+              <a:xfrm>
+                <a:off x="1986647" y="6345237"/>
+                <a:ext cx="1287532" cy="369332"/>
+              </a:xfrm>
+              <a:prstGeom prst="rect">
+                <a:avLst/>
+              </a:prstGeom>
+              <a:noFill/>
+            </p:spPr>
+            <p:txBody>
+              <a:bodyPr wrap="none" rtlCol="0">
+                <a:spAutoFit/>
+              </a:bodyPr>
+              <a:lstStyle/>
+              <a:p>
+                <a:r>
+                  <a:rPr lang="en-US" b="1" i="1" dirty="0" smtClean="0">
+                    <a:solidFill>
+                      <a:srgbClr val="0070C0"/>
+                    </a:solidFill>
+                  </a:rPr>
+                  <a:t>Hadoop 2.0</a:t>
+                </a:r>
+                <a:endParaRPr lang="en-US" b="1" i="1" dirty="0">
+                  <a:solidFill>
+                    <a:srgbClr val="0070C0"/>
+                  </a:solidFill>
+                </a:endParaRPr>
+              </a:p>
+            </p:txBody>
+          </p:sp>
+          <p:sp>
+            <p:nvSpPr>
+              <p:cNvPr id="117" name="Rounded Rectangle 116"/>
+              <p:cNvSpPr/>
+              <p:nvPr/>
+            </p:nvSpPr>
+            <p:spPr>
+              <a:xfrm>
+                <a:off x="1949323" y="379824"/>
+                <a:ext cx="3375433" cy="2035544"/>
+              </a:xfrm>
+              <a:prstGeom prst="roundRect">
+                <a:avLst/>
+              </a:prstGeom>
+              <a:solidFill>
+                <a:schemeClr val="bg1"/>
+              </a:solidFill>
+              <a:ln w="38100">
+                <a:solidFill>
+                  <a:schemeClr val="tx1"/>
+                </a:solidFill>
+                <a:prstDash val="dash"/>
+              </a:ln>
+            </p:spPr>
+            <p:style>
+              <a:lnRef idx="2">
+                <a:schemeClr val="accent1">
+                  <a:shade val="50000"/>
+                </a:schemeClr>
+              </a:lnRef>
+              <a:fillRef idx="1">
+                <a:schemeClr val="accent1"/>
+              </a:fillRef>
+              <a:effectRef idx="0">
+                <a:schemeClr val="accent1"/>
+              </a:effectRef>
+              <a:fontRef idx="minor">
+                <a:schemeClr val="lt1"/>
+              </a:fontRef>
+            </p:style>
+            <p:txBody>
+              <a:bodyPr rtlCol="0" anchor="ctr"/>
+              <a:lstStyle/>
+              <a:p>
+                <a:pPr algn="ctr"/>
+                <a:endParaRPr lang="en-US"/>
+              </a:p>
+            </p:txBody>
+          </p:sp>
+          <p:sp>
+            <p:nvSpPr>
+              <p:cNvPr id="106" name="Rounded Rectangle 105"/>
+              <p:cNvSpPr/>
+              <p:nvPr/>
+            </p:nvSpPr>
+            <p:spPr>
+              <a:xfrm>
+                <a:off x="2321976" y="1716566"/>
+                <a:ext cx="1054359" cy="361012"/>
+              </a:xfrm>
+              <a:prstGeom prst="roundRect">
+                <a:avLst/>
+              </a:prstGeom>
+              <a:solidFill>
+                <a:schemeClr val="bg1"/>
+              </a:solidFill>
+              <a:ln w="31750">
+                <a:solidFill>
+                  <a:schemeClr val="accent6">
+                    <a:lumMod val="75000"/>
+                  </a:schemeClr>
+                </a:solidFill>
+              </a:ln>
+            </p:spPr>
+            <p:style>
+              <a:lnRef idx="2">
+                <a:schemeClr val="accent1">
+                  <a:shade val="50000"/>
+                </a:schemeClr>
+              </a:lnRef>
+              <a:fillRef idx="1">
+                <a:schemeClr val="accent1"/>
+              </a:fillRef>
+              <a:effectRef idx="0">
+                <a:schemeClr val="accent1"/>
+              </a:effectRef>
+              <a:fontRef idx="minor">
+                <a:schemeClr val="lt1"/>
+              </a:fontRef>
+            </p:style>
+            <p:txBody>
+              <a:bodyPr rtlCol="0" anchor="ctr"/>
+              <a:lstStyle/>
+              <a:p>
+                <a:pPr algn="ctr"/>
+                <a:r>
+                  <a:rPr lang="en-US" sz="1400" b="1" i="1" dirty="0" err="1" smtClean="0">
+                    <a:solidFill>
+                      <a:schemeClr val="tx1"/>
+                    </a:solidFill>
+                  </a:rPr>
+                  <a:t>MRDocker</a:t>
+                </a:r>
+                <a:endParaRPr lang="en-US" sz="1400" b="1" i="1" dirty="0" smtClean="0">
+                  <a:solidFill>
+                    <a:schemeClr val="tx1"/>
+                  </a:solidFill>
+                </a:endParaRPr>
+              </a:p>
+            </p:txBody>
+          </p:sp>
+          <p:sp>
+            <p:nvSpPr>
+              <p:cNvPr id="108" name="Rounded Rectangle 107"/>
+              <p:cNvSpPr/>
+              <p:nvPr/>
+            </p:nvSpPr>
+            <p:spPr>
+              <a:xfrm>
+                <a:off x="3881526" y="1735228"/>
+                <a:ext cx="1054359" cy="346214"/>
+              </a:xfrm>
+              <a:prstGeom prst="roundRect">
+                <a:avLst/>
+              </a:prstGeom>
+              <a:solidFill>
+                <a:schemeClr val="bg1"/>
+              </a:solidFill>
+              <a:ln w="31750">
+                <a:solidFill>
+                  <a:schemeClr val="accent4"/>
+                </a:solidFill>
+                <a:prstDash val="dash"/>
+              </a:ln>
+            </p:spPr>
+            <p:style>
+              <a:lnRef idx="2">
+                <a:schemeClr val="accent1">
+                  <a:shade val="50000"/>
+                </a:schemeClr>
+              </a:lnRef>
+              <a:fillRef idx="1">
+                <a:schemeClr val="accent1"/>
+              </a:fillRef>
+              <a:effectRef idx="0">
+                <a:schemeClr val="accent1"/>
+              </a:effectRef>
+              <a:fontRef idx="minor">
+                <a:schemeClr val="lt1"/>
+              </a:fontRef>
+            </p:style>
+            <p:txBody>
+              <a:bodyPr rtlCol="0" anchor="ctr"/>
+              <a:lstStyle/>
+              <a:p>
+                <a:pPr algn="ctr"/>
+                <a:r>
+                  <a:rPr lang="en-US" sz="1400" b="1" i="1" dirty="0" err="1" smtClean="0">
+                    <a:solidFill>
+                      <a:schemeClr val="tx1"/>
+                    </a:solidFill>
+                  </a:rPr>
+                  <a:t>SprDocker</a:t>
+                </a:r>
+                <a:endParaRPr lang="en-US" sz="1400" b="1" i="1" dirty="0" smtClean="0">
+                  <a:solidFill>
+                    <a:schemeClr val="tx1"/>
+                  </a:solidFill>
+                </a:endParaRPr>
+              </a:p>
+            </p:txBody>
+          </p:sp>
+          <p:sp>
+            <p:nvSpPr>
+              <p:cNvPr id="123" name="Trapezoid 122"/>
+              <p:cNvSpPr/>
+              <p:nvPr/>
+            </p:nvSpPr>
+            <p:spPr>
+              <a:xfrm>
+                <a:off x="2118044" y="1652634"/>
+                <a:ext cx="3023120" cy="549389"/>
+              </a:xfrm>
+              <a:prstGeom prst="trapezoid">
+                <a:avLst/>
+              </a:prstGeom>
+              <a:noFill/>
+              <a:ln w="28575">
+                <a:solidFill>
+                  <a:schemeClr val="tx1"/>
+                </a:solidFill>
+              </a:ln>
+            </p:spPr>
+            <p:style>
+              <a:lnRef idx="2">
+                <a:schemeClr val="accent1">
+                  <a:shade val="50000"/>
+                </a:schemeClr>
+              </a:lnRef>
+              <a:fillRef idx="1">
+                <a:schemeClr val="accent1"/>
+              </a:fillRef>
+              <a:effectRef idx="0">
+                <a:schemeClr val="accent1"/>
+              </a:effectRef>
+              <a:fontRef idx="minor">
+                <a:schemeClr val="lt1"/>
+              </a:fontRef>
+            </p:style>
+            <p:txBody>
+              <a:bodyPr rtlCol="0" anchor="ctr"/>
+              <a:lstStyle/>
+              <a:p>
+                <a:pPr algn="ctr"/>
+                <a:endParaRPr lang="en-US"/>
+              </a:p>
+            </p:txBody>
+          </p:sp>
+          <p:pic>
+            <p:nvPicPr>
+              <p:cNvPr id="131" name="Picture 130"/>
+              <p:cNvPicPr>
+                <a:picLocks noChangeAspect="1"/>
+              </p:cNvPicPr>
+              <p:nvPr/>
+            </p:nvPicPr>
+            <p:blipFill>
+              <a:blip r:embed="rId4" cstate="print">
+                <a:extLst>
+                  <a:ext uri="{28A0092B-C50C-407E-A947-70E740481C1C}">
+                    <a14:useLocalDpi xmlns:a14="http://schemas.microsoft.com/office/drawing/2010/main" val="0"/>
+                  </a:ext>
+                </a:extLst>
+              </a:blip>
+              <a:stretch>
+                <a:fillRect/>
+              </a:stretch>
+            </p:blipFill>
+            <p:spPr>
+              <a:xfrm>
+                <a:off x="2534865" y="877037"/>
+                <a:ext cx="665509" cy="587289"/>
+              </a:xfrm>
+              <a:prstGeom prst="rect">
+                <a:avLst/>
+              </a:prstGeom>
+              <a:ln w="25400">
+                <a:solidFill>
+                  <a:schemeClr val="accent1"/>
+                </a:solidFill>
+              </a:ln>
+              <a:effectLst>
+                <a:softEdge rad="25400"/>
+              </a:effectLst>
+            </p:spPr>
+          </p:pic>
+          <p:pic>
+            <p:nvPicPr>
+              <p:cNvPr id="132" name="Picture 131"/>
+              <p:cNvPicPr>
+                <a:picLocks noChangeAspect="1"/>
+              </p:cNvPicPr>
+              <p:nvPr/>
+            </p:nvPicPr>
+            <p:blipFill>
+              <a:blip r:embed="rId4" cstate="print">
+                <a:extLst>
+                  <a:ext uri="{28A0092B-C50C-407E-A947-70E740481C1C}">
+                    <a14:useLocalDpi xmlns:a14="http://schemas.microsoft.com/office/drawing/2010/main" val="0"/>
+                  </a:ext>
+                </a:extLst>
+              </a:blip>
+              <a:stretch>
+                <a:fillRect/>
+              </a:stretch>
+            </p:blipFill>
+            <p:spPr>
+              <a:xfrm>
+                <a:off x="4054182" y="877037"/>
+                <a:ext cx="665509" cy="587289"/>
+              </a:xfrm>
+              <a:prstGeom prst="rect">
+                <a:avLst/>
+              </a:prstGeom>
+              <a:ln w="25400">
+                <a:solidFill>
+                  <a:schemeClr val="accent1"/>
+                </a:solidFill>
+              </a:ln>
+              <a:effectLst>
+                <a:softEdge rad="25400"/>
+              </a:effectLst>
+            </p:spPr>
+          </p:pic>
+          <p:sp>
+            <p:nvSpPr>
+              <p:cNvPr id="133" name="TextBox 132"/>
+              <p:cNvSpPr txBox="1"/>
+              <p:nvPr/>
+            </p:nvSpPr>
+            <p:spPr>
+              <a:xfrm>
+                <a:off x="3390132" y="879551"/>
+                <a:ext cx="468398" cy="584775"/>
+              </a:xfrm>
+              <a:prstGeom prst="rect">
+                <a:avLst/>
+              </a:prstGeom>
+              <a:noFill/>
+            </p:spPr>
+            <p:txBody>
+              <a:bodyPr wrap="none" rtlCol="0">
+                <a:spAutoFit/>
+              </a:bodyPr>
+              <a:lstStyle/>
+              <a:p>
+                <a:r>
+                  <a:rPr lang="en-US" sz="3200" dirty="0" smtClean="0"/>
+                  <a:t>…</a:t>
+                </a:r>
+                <a:endParaRPr lang="en-US" sz="3200" dirty="0"/>
+              </a:p>
+            </p:txBody>
+          </p:sp>
+          <p:sp>
+            <p:nvSpPr>
+              <p:cNvPr id="134" name="TextBox 133"/>
+              <p:cNvSpPr txBox="1"/>
+              <p:nvPr/>
+            </p:nvSpPr>
+            <p:spPr>
+              <a:xfrm>
+                <a:off x="3026359" y="431060"/>
+                <a:ext cx="1249060" cy="369332"/>
+              </a:xfrm>
+              <a:prstGeom prst="rect">
+                <a:avLst/>
+              </a:prstGeom>
+              <a:noFill/>
+            </p:spPr>
+            <p:txBody>
+              <a:bodyPr wrap="none" rtlCol="0">
+                <a:spAutoFit/>
+              </a:bodyPr>
+              <a:lstStyle/>
+              <a:p>
+                <a:r>
+                  <a:rPr lang="en-US" b="1" i="1" dirty="0" smtClean="0"/>
+                  <a:t>Operations</a:t>
+                </a:r>
+                <a:endParaRPr lang="en-US" b="1" i="1" dirty="0"/>
+              </a:p>
+            </p:txBody>
+          </p:sp>
+          <p:cxnSp>
+            <p:nvCxnSpPr>
+              <p:cNvPr id="137" name="Elbow Connector 136"/>
+              <p:cNvCxnSpPr>
+                <a:stCxn id="66" idx="1"/>
+              </p:cNvCxnSpPr>
+              <p:nvPr/>
+            </p:nvCxnSpPr>
+            <p:spPr>
+              <a:xfrm rot="10800000" flipV="1">
+                <a:off x="7944968" y="5202101"/>
+                <a:ext cx="2133974" cy="974764"/>
+              </a:xfrm>
+              <a:prstGeom prst="bentConnector3">
+                <a:avLst>
+                  <a:gd name="adj1" fmla="val 11086"/>
+                </a:avLst>
+              </a:prstGeom>
+              <a:ln w="44450">
+                <a:solidFill>
+                  <a:srgbClr val="7030A0"/>
+                </a:solidFill>
+                <a:headEnd type="triangle"/>
+                <a:tailEnd type="triangle"/>
+              </a:ln>
+            </p:spPr>
+            <p:style>
+              <a:lnRef idx="1">
+                <a:schemeClr val="accent1"/>
+              </a:lnRef>
+              <a:fillRef idx="0">
+                <a:schemeClr val="accent1"/>
+              </a:fillRef>
+              <a:effectRef idx="0">
+                <a:schemeClr val="accent1"/>
+              </a:effectRef>
+              <a:fontRef idx="minor">
+                <a:schemeClr val="tx1"/>
+              </a:fontRef>
+            </p:style>
+          </p:cxnSp>
+          <p:cxnSp>
+            <p:nvCxnSpPr>
+              <p:cNvPr id="107" name="Straight Arrow Connector 106"/>
+              <p:cNvCxnSpPr/>
+              <p:nvPr/>
+            </p:nvCxnSpPr>
+            <p:spPr>
+              <a:xfrm flipH="1">
+                <a:off x="2863412" y="2102456"/>
+                <a:ext cx="464" cy="1979995"/>
+              </a:xfrm>
+              <a:prstGeom prst="straightConnector1">
+                <a:avLst/>
+              </a:prstGeom>
+              <a:ln w="34925">
+                <a:solidFill>
+                  <a:schemeClr val="accent6">
+                    <a:lumMod val="75000"/>
+                  </a:schemeClr>
+                </a:solidFill>
+                <a:tailEnd type="triangle"/>
+              </a:ln>
+            </p:spPr>
+            <p:style>
+              <a:lnRef idx="1">
+                <a:schemeClr val="accent1"/>
+              </a:lnRef>
+              <a:fillRef idx="0">
+                <a:schemeClr val="accent1"/>
+              </a:fillRef>
+              <a:effectRef idx="0">
+                <a:schemeClr val="accent1"/>
+              </a:effectRef>
+              <a:fontRef idx="minor">
+                <a:schemeClr val="tx1"/>
+              </a:fontRef>
+            </p:style>
+          </p:cxnSp>
+          <p:cxnSp>
+            <p:nvCxnSpPr>
+              <p:cNvPr id="109" name="Straight Arrow Connector 108"/>
+              <p:cNvCxnSpPr/>
+              <p:nvPr/>
+            </p:nvCxnSpPr>
+            <p:spPr>
+              <a:xfrm flipH="1">
+                <a:off x="4416011" y="2102456"/>
+                <a:ext cx="8728" cy="2022837"/>
+              </a:xfrm>
+              <a:prstGeom prst="straightConnector1">
+                <a:avLst/>
+              </a:prstGeom>
+              <a:ln w="34925">
+                <a:solidFill>
+                  <a:schemeClr val="accent4"/>
+                </a:solidFill>
+                <a:prstDash val="dash"/>
+                <a:tailEnd type="triangle"/>
+              </a:ln>
+            </p:spPr>
+            <p:style>
+              <a:lnRef idx="1">
+                <a:schemeClr val="accent1"/>
+              </a:lnRef>
+              <a:fillRef idx="0">
+                <a:schemeClr val="accent1"/>
+              </a:fillRef>
+              <a:effectRef idx="0">
+                <a:schemeClr val="accent1"/>
+              </a:effectRef>
+              <a:fontRef idx="minor">
+                <a:schemeClr val="tx1"/>
+              </a:fontRef>
+            </p:style>
+          </p:cxnSp>
+          <p:grpSp>
+            <p:nvGrpSpPr>
+              <p:cNvPr id="168" name="Group 167"/>
+              <p:cNvGrpSpPr/>
+              <p:nvPr/>
+            </p:nvGrpSpPr>
+            <p:grpSpPr>
+              <a:xfrm>
+                <a:off x="8210930" y="6344434"/>
+                <a:ext cx="1635174" cy="458294"/>
+                <a:chOff x="8416211" y="6344434"/>
+                <a:chExt cx="1635174" cy="458294"/>
+              </a:xfrm>
+            </p:grpSpPr>
+            <p:pic>
+              <p:nvPicPr>
+                <p:cNvPr id="113" name="Picture 112"/>
+                <p:cNvPicPr>
+                  <a:picLocks noChangeAspect="1"/>
+                </p:cNvPicPr>
+                <p:nvPr/>
+              </p:nvPicPr>
+              <p:blipFill>
+                <a:blip r:embed="rId7">
+                  <a:extLst>
+                    <a:ext uri="{28A0092B-C50C-407E-A947-70E740481C1C}">
+                      <a14:useLocalDpi xmlns:a14="http://schemas.microsoft.com/office/drawing/2010/main" val="0"/>
+                    </a:ext>
+                  </a:extLst>
+                </a:blip>
+                <a:stretch>
+                  <a:fillRect/>
+                </a:stretch>
+              </p:blipFill>
+              <p:spPr>
+                <a:xfrm>
+                  <a:off x="8416211" y="6441277"/>
+                  <a:ext cx="962303" cy="361451"/>
+                </a:xfrm>
+                <a:prstGeom prst="rect">
+                  <a:avLst/>
+                </a:prstGeom>
+              </p:spPr>
+            </p:pic>
+            <p:sp>
+              <p:nvSpPr>
+                <p:cNvPr id="153" name="TextBox 152"/>
+                <p:cNvSpPr txBox="1"/>
+                <p:nvPr/>
+              </p:nvSpPr>
+              <p:spPr>
+                <a:xfrm>
+                  <a:off x="9350552" y="6344434"/>
+                  <a:ext cx="700833" cy="369332"/>
+                </a:xfrm>
+                <a:prstGeom prst="rect">
+                  <a:avLst/>
+                </a:prstGeom>
+                <a:noFill/>
+              </p:spPr>
+              <p:txBody>
+                <a:bodyPr wrap="none" rtlCol="0">
+                  <a:spAutoFit/>
+                </a:bodyPr>
+                <a:lstStyle/>
+                <a:p>
+                  <a:r>
+                    <a:rPr lang="en-US" b="1" i="1" dirty="0"/>
+                    <a:t>c</a:t>
+                  </a:r>
+                  <a:r>
+                    <a:rPr lang="en-US" b="1" i="1" dirty="0" smtClean="0"/>
+                    <a:t>loud</a:t>
+                  </a:r>
+                  <a:endParaRPr lang="en-US" b="1" i="1" dirty="0"/>
+                </a:p>
+              </p:txBody>
+            </p:sp>
+          </p:grpSp>
+          <p:cxnSp>
+            <p:nvCxnSpPr>
+              <p:cNvPr id="41" name="Elbow Connector 40"/>
+              <p:cNvCxnSpPr>
+                <a:stCxn id="45" idx="0"/>
+                <a:endCxn id="5" idx="2"/>
+              </p:cNvCxnSpPr>
+              <p:nvPr/>
+            </p:nvCxnSpPr>
+            <p:spPr>
+              <a:xfrm rot="5400000">
+                <a:off x="3848909" y="3173221"/>
+                <a:ext cx="3974843" cy="2032444"/>
+              </a:xfrm>
+              <a:prstGeom prst="bentConnector5">
+                <a:avLst>
+                  <a:gd name="adj1" fmla="val 35005"/>
+                  <a:gd name="adj2" fmla="val -43878"/>
+                  <a:gd name="adj3" fmla="val 108803"/>
+                </a:avLst>
+              </a:prstGeom>
+              <a:ln w="44450">
+                <a:solidFill>
+                  <a:schemeClr val="accent2"/>
+                </a:solidFill>
+                <a:headEnd type="triangle"/>
+                <a:tailEnd type="none"/>
+              </a:ln>
+            </p:spPr>
+            <p:style>
+              <a:lnRef idx="1">
+                <a:schemeClr val="accent1"/>
+              </a:lnRef>
+              <a:fillRef idx="0">
+                <a:schemeClr val="accent1"/>
+              </a:fillRef>
+              <a:effectRef idx="0">
+                <a:schemeClr val="accent1"/>
+              </a:effectRef>
+              <a:fontRef idx="minor">
+                <a:schemeClr val="tx1"/>
+              </a:fontRef>
+            </p:style>
+          </p:cxnSp>
+        </p:grpSp>
       </p:grpSp>
-      <p:cxnSp>
-        <p:nvCxnSpPr>
-          <p:cNvPr id="41" name="Elbow Connector 40"/>
-          <p:cNvCxnSpPr>
-            <a:stCxn id="45" idx="0"/>
-            <a:endCxn id="5" idx="2"/>
-          </p:cNvCxnSpPr>
-          <p:nvPr/>
-        </p:nvCxnSpPr>
-        <p:spPr>
-          <a:xfrm rot="5400000">
-            <a:off x="3848909" y="3173221"/>
-            <a:ext cx="3974843" cy="2032444"/>
-          </a:xfrm>
-          <a:prstGeom prst="bentConnector5">
-            <a:avLst>
-              <a:gd name="adj1" fmla="val 35005"/>
-              <a:gd name="adj2" fmla="val -43878"/>
-              <a:gd name="adj3" fmla="val 108803"/>
-            </a:avLst>
-          </a:prstGeom>
-          <a:ln w="44450">
-            <a:solidFill>
-              <a:schemeClr val="accent2"/>
-            </a:solidFill>
-            <a:headEnd type="triangle"/>
-            <a:tailEnd type="none"/>
-          </a:ln>
-        </p:spPr>
-        <p:style>
-          <a:lnRef idx="1">
-            <a:schemeClr val="accent1"/>
-          </a:lnRef>
-          <a:fillRef idx="0">
-            <a:schemeClr val="accent1"/>
-          </a:fillRef>
-          <a:effectRef idx="0">
-            <a:schemeClr val="accent1"/>
-          </a:effectRef>
-          <a:fontRef idx="minor">
-            <a:schemeClr val="tx1"/>
-          </a:fontRef>
-        </p:style>
-      </p:cxnSp>
     </p:spTree>
     <p:extLst>
       <p:ext uri="{BB962C8B-B14F-4D97-AF65-F5344CB8AC3E}">

--- a/docs/diagrams/architecture/architecture.pptx
+++ b/docs/diagrams/architecture/architecture.pptx
@@ -3146,30 +3146,181 @@
           <a:chExt cx="0" cy="0"/>
         </a:xfrm>
       </p:grpSpPr>
+      <p:sp>
+        <p:nvSpPr>
+          <p:cNvPr id="3" name="Rectangle 2"/>
+          <p:cNvSpPr/>
+          <p:nvPr/>
+        </p:nvSpPr>
+        <p:spPr>
+          <a:xfrm>
+            <a:off x="0" y="0"/>
+            <a:ext cx="12192000" cy="6858000"/>
+          </a:xfrm>
+          <a:prstGeom prst="rect">
+            <a:avLst/>
+          </a:prstGeom>
+          <a:solidFill>
+            <a:schemeClr val="bg1"/>
+          </a:solidFill>
+          <a:ln>
+            <a:solidFill>
+              <a:schemeClr val="bg1"/>
+            </a:solidFill>
+          </a:ln>
+        </p:spPr>
+        <p:style>
+          <a:lnRef idx="2">
+            <a:schemeClr val="accent1">
+              <a:shade val="50000"/>
+            </a:schemeClr>
+          </a:lnRef>
+          <a:fillRef idx="1">
+            <a:schemeClr val="accent1"/>
+          </a:fillRef>
+          <a:effectRef idx="0">
+            <a:schemeClr val="accent1"/>
+          </a:effectRef>
+          <a:fontRef idx="minor">
+            <a:schemeClr val="lt1"/>
+          </a:fontRef>
+        </p:style>
+        <p:txBody>
+          <a:bodyPr rtlCol="0" anchor="ctr"/>
+          <a:lstStyle/>
+          <a:p>
+            <a:pPr algn="ctr"/>
+            <a:endParaRPr lang="en-US"/>
+          </a:p>
+        </p:txBody>
+      </p:sp>
       <p:grpSp>
         <p:nvGrpSpPr>
-          <p:cNvPr id="4" name="Group 3"/>
+          <p:cNvPr id="2" name="Group 1"/>
           <p:cNvGrpSpPr/>
           <p:nvPr/>
         </p:nvGrpSpPr>
         <p:grpSpPr>
           <a:xfrm>
             <a:off x="0" y="0"/>
-            <a:ext cx="12192000" cy="6858000"/>
+            <a:ext cx="12005627" cy="6858000"/>
             <a:chOff x="0" y="0"/>
-            <a:chExt cx="12192000" cy="6858000"/>
+            <a:chExt cx="12005627" cy="6858000"/>
           </a:xfrm>
         </p:grpSpPr>
         <p:sp>
           <p:nvSpPr>
-            <p:cNvPr id="3" name="Rectangle 2"/>
+            <p:cNvPr id="110" name="Rectangle 109"/>
             <p:cNvSpPr/>
             <p:nvPr/>
           </p:nvSpPr>
           <p:spPr>
             <a:xfrm>
               <a:off x="0" y="0"/>
-              <a:ext cx="12192000" cy="6858000"/>
+              <a:ext cx="9846103" cy="6858000"/>
+            </a:xfrm>
+            <a:prstGeom prst="rect">
+              <a:avLst/>
+            </a:prstGeom>
+            <a:solidFill>
+              <a:schemeClr val="bg2">
+                <a:lumMod val="90000"/>
+              </a:schemeClr>
+            </a:solidFill>
+            <a:ln>
+              <a:solidFill>
+                <a:schemeClr val="tx1"/>
+              </a:solidFill>
+              <a:prstDash val="solid"/>
+            </a:ln>
+          </p:spPr>
+          <p:style>
+            <a:lnRef idx="2">
+              <a:schemeClr val="accent1">
+                <a:shade val="50000"/>
+              </a:schemeClr>
+            </a:lnRef>
+            <a:fillRef idx="1">
+              <a:schemeClr val="accent1"/>
+            </a:fillRef>
+            <a:effectRef idx="0">
+              <a:schemeClr val="accent1"/>
+            </a:effectRef>
+            <a:fontRef idx="minor">
+              <a:schemeClr val="lt1"/>
+            </a:fontRef>
+          </p:style>
+          <p:txBody>
+            <a:bodyPr rtlCol="0" anchor="ctr"/>
+            <a:lstStyle/>
+            <a:p>
+              <a:pPr algn="ctr"/>
+              <a:endParaRPr lang="en-US" dirty="0"/>
+            </a:p>
+          </p:txBody>
+        </p:sp>
+        <p:sp>
+          <p:nvSpPr>
+            <p:cNvPr id="51" name="Rectangle 50"/>
+            <p:cNvSpPr/>
+            <p:nvPr/>
+          </p:nvSpPr>
+          <p:spPr>
+            <a:xfrm>
+              <a:off x="245730" y="167951"/>
+              <a:ext cx="9271870" cy="2396961"/>
+            </a:xfrm>
+            <a:prstGeom prst="rect">
+              <a:avLst/>
+            </a:prstGeom>
+            <a:solidFill>
+              <a:schemeClr val="accent1">
+                <a:lumMod val="20000"/>
+                <a:lumOff val="80000"/>
+              </a:schemeClr>
+            </a:solidFill>
+            <a:ln w="34925">
+              <a:solidFill>
+                <a:schemeClr val="tx1"/>
+              </a:solidFill>
+              <a:prstDash val="solid"/>
+            </a:ln>
+          </p:spPr>
+          <p:style>
+            <a:lnRef idx="2">
+              <a:schemeClr val="accent1">
+                <a:shade val="50000"/>
+              </a:schemeClr>
+            </a:lnRef>
+            <a:fillRef idx="1">
+              <a:schemeClr val="accent1"/>
+            </a:fillRef>
+            <a:effectRef idx="0">
+              <a:schemeClr val="accent1"/>
+            </a:effectRef>
+            <a:fontRef idx="minor">
+              <a:schemeClr val="lt1"/>
+            </a:fontRef>
+          </p:style>
+          <p:txBody>
+            <a:bodyPr rtlCol="0" anchor="ctr"/>
+            <a:lstStyle/>
+            <a:p>
+              <a:pPr algn="ctr"/>
+              <a:endParaRPr lang="en-US"/>
+            </a:p>
+          </p:txBody>
+        </p:sp>
+        <p:sp>
+          <p:nvSpPr>
+            <p:cNvPr id="77" name="Rectangle 76"/>
+            <p:cNvSpPr/>
+            <p:nvPr/>
+          </p:nvSpPr>
+          <p:spPr>
+            <a:xfrm>
+              <a:off x="1883939" y="2816936"/>
+              <a:ext cx="6061029" cy="3975750"/>
             </a:xfrm>
             <a:prstGeom prst="rect">
               <a:avLst/>
@@ -3177,9 +3328,9 @@
             <a:solidFill>
               <a:schemeClr val="bg1"/>
             </a:solidFill>
-            <a:ln>
+            <a:ln w="57150">
               <a:solidFill>
-                <a:schemeClr val="bg1"/>
+                <a:schemeClr val="accent1"/>
               </a:solidFill>
             </a:ln>
           </p:spPr>
@@ -3208,44 +3359,233 @@
             </a:p>
           </p:txBody>
         </p:sp>
+        <p:pic>
+          <p:nvPicPr>
+            <p:cNvPr id="5" name="Picture 4"/>
+            <p:cNvPicPr>
+              <a:picLocks noChangeAspect="1"/>
+            </p:cNvPicPr>
+            <p:nvPr/>
+          </p:nvPicPr>
+          <p:blipFill>
+            <a:blip r:embed="rId2">
+              <a:extLst>
+                <a:ext uri="{28A0092B-C50C-407E-A947-70E740481C1C}">
+                  <a14:useLocalDpi xmlns:a14="http://schemas.microsoft.com/office/drawing/2010/main" val="0"/>
+                </a:ext>
+              </a:extLst>
+            </a:blip>
+            <a:stretch>
+              <a:fillRect/>
+            </a:stretch>
+          </p:blipFill>
+          <p:spPr>
+            <a:xfrm>
+              <a:off x="2012503" y="2988074"/>
+              <a:ext cx="5615210" cy="3188791"/>
+            </a:xfrm>
+            <a:prstGeom prst="rect">
+              <a:avLst/>
+            </a:prstGeom>
+          </p:spPr>
+        </p:pic>
+        <p:sp>
+          <p:nvSpPr>
+            <p:cNvPr id="6" name="Rectangle 5"/>
+            <p:cNvSpPr/>
+            <p:nvPr/>
+          </p:nvSpPr>
+          <p:spPr>
+            <a:xfrm>
+              <a:off x="2007757" y="4105465"/>
+              <a:ext cx="1088919" cy="670643"/>
+            </a:xfrm>
+            <a:prstGeom prst="rect">
+              <a:avLst/>
+            </a:prstGeom>
+            <a:noFill/>
+            <a:ln w="28575">
+              <a:solidFill>
+                <a:schemeClr val="tx1"/>
+              </a:solidFill>
+              <a:prstDash val="dash"/>
+            </a:ln>
+          </p:spPr>
+          <p:style>
+            <a:lnRef idx="2">
+              <a:schemeClr val="accent1">
+                <a:shade val="50000"/>
+              </a:schemeClr>
+            </a:lnRef>
+            <a:fillRef idx="1">
+              <a:schemeClr val="accent1"/>
+            </a:fillRef>
+            <a:effectRef idx="0">
+              <a:schemeClr val="accent1"/>
+            </a:effectRef>
+            <a:fontRef idx="minor">
+              <a:schemeClr val="lt1"/>
+            </a:fontRef>
+          </p:style>
+          <p:txBody>
+            <a:bodyPr rtlCol="0" anchor="ctr"/>
+            <a:lstStyle/>
+            <a:p>
+              <a:pPr algn="ctr"/>
+              <a:endParaRPr lang="en-US"/>
+            </a:p>
+          </p:txBody>
+        </p:sp>
+        <p:cxnSp>
+          <p:nvCxnSpPr>
+            <p:cNvPr id="9" name="Straight Connector 8"/>
+            <p:cNvCxnSpPr/>
+            <p:nvPr/>
+          </p:nvCxnSpPr>
+          <p:spPr>
+            <a:xfrm flipH="1" flipV="1">
+              <a:off x="1728816" y="3750995"/>
+              <a:ext cx="278944" cy="368781"/>
+            </a:xfrm>
+            <a:prstGeom prst="line">
+              <a:avLst/>
+            </a:prstGeom>
+            <a:ln w="38100">
+              <a:solidFill>
+                <a:schemeClr val="tx1"/>
+              </a:solidFill>
+            </a:ln>
+          </p:spPr>
+          <p:style>
+            <a:lnRef idx="1">
+              <a:schemeClr val="accent1"/>
+            </a:lnRef>
+            <a:fillRef idx="0">
+              <a:schemeClr val="accent1"/>
+            </a:fillRef>
+            <a:effectRef idx="0">
+              <a:schemeClr val="accent1"/>
+            </a:effectRef>
+            <a:fontRef idx="minor">
+              <a:schemeClr val="tx1"/>
+            </a:fontRef>
+          </p:style>
+        </p:cxnSp>
+        <p:cxnSp>
+          <p:nvCxnSpPr>
+            <p:cNvPr id="11" name="Straight Connector 10"/>
+            <p:cNvCxnSpPr/>
+            <p:nvPr/>
+          </p:nvCxnSpPr>
+          <p:spPr>
+            <a:xfrm flipH="1">
+              <a:off x="1728582" y="4776109"/>
+              <a:ext cx="283923" cy="391794"/>
+            </a:xfrm>
+            <a:prstGeom prst="line">
+              <a:avLst/>
+            </a:prstGeom>
+            <a:ln w="38100">
+              <a:solidFill>
+                <a:schemeClr val="tx1"/>
+              </a:solidFill>
+            </a:ln>
+          </p:spPr>
+          <p:style>
+            <a:lnRef idx="1">
+              <a:schemeClr val="accent1"/>
+            </a:lnRef>
+            <a:fillRef idx="0">
+              <a:schemeClr val="accent1"/>
+            </a:fillRef>
+            <a:effectRef idx="0">
+              <a:schemeClr val="accent1"/>
+            </a:effectRef>
+            <a:fontRef idx="minor">
+              <a:schemeClr val="tx1"/>
+            </a:fontRef>
+          </p:style>
+        </p:cxnSp>
         <p:grpSp>
           <p:nvGrpSpPr>
-            <p:cNvPr id="2" name="Group 1"/>
+            <p:cNvPr id="142" name="Group 141"/>
             <p:cNvGrpSpPr/>
             <p:nvPr/>
           </p:nvGrpSpPr>
           <p:grpSpPr>
             <a:xfrm>
-              <a:off x="0" y="0"/>
-              <a:ext cx="12005627" cy="6858000"/>
-              <a:chOff x="0" y="0"/>
-              <a:chExt cx="12005627" cy="6858000"/>
+              <a:off x="245729" y="3750995"/>
+              <a:ext cx="1483087" cy="1416908"/>
+              <a:chOff x="144210" y="2016120"/>
+              <a:chExt cx="1466335" cy="1416908"/>
             </a:xfrm>
           </p:grpSpPr>
           <p:sp>
             <p:nvSpPr>
-              <p:cNvPr id="110" name="Rectangle 109"/>
+              <p:cNvPr id="7" name="Rectangle 6"/>
               <p:cNvSpPr/>
               <p:nvPr/>
             </p:nvSpPr>
             <p:spPr>
               <a:xfrm>
-                <a:off x="0" y="0"/>
-                <a:ext cx="9846103" cy="6858000"/>
+                <a:off x="144210" y="2016120"/>
+                <a:ext cx="1466335" cy="1416908"/>
               </a:xfrm>
               <a:prstGeom prst="rect">
                 <a:avLst/>
               </a:prstGeom>
-              <a:solidFill>
-                <a:schemeClr val="bg2">
-                  <a:lumMod val="90000"/>
-                </a:schemeClr>
-              </a:solidFill>
-              <a:ln>
+              <a:noFill/>
+              <a:ln w="38100">
                 <a:solidFill>
                   <a:schemeClr val="tx1"/>
                 </a:solidFill>
-                <a:prstDash val="solid"/>
+              </a:ln>
+            </p:spPr>
+            <p:style>
+              <a:lnRef idx="2">
+                <a:schemeClr val="accent1">
+                  <a:shade val="50000"/>
+                </a:schemeClr>
+              </a:lnRef>
+              <a:fillRef idx="1">
+                <a:schemeClr val="accent1"/>
+              </a:fillRef>
+              <a:effectRef idx="0">
+                <a:schemeClr val="accent1"/>
+              </a:effectRef>
+              <a:fontRef idx="minor">
+                <a:schemeClr val="lt1"/>
+              </a:fontRef>
+            </p:style>
+            <p:txBody>
+              <a:bodyPr rtlCol="0" anchor="ctr"/>
+              <a:lstStyle/>
+              <a:p>
+                <a:pPr algn="ctr"/>
+                <a:endParaRPr lang="en-US"/>
+              </a:p>
+            </p:txBody>
+          </p:sp>
+          <p:sp useBgFill="1">
+            <p:nvSpPr>
+              <p:cNvPr id="12" name="Rounded Rectangle 11"/>
+              <p:cNvSpPr/>
+              <p:nvPr/>
+            </p:nvSpPr>
+            <p:spPr>
+              <a:xfrm>
+                <a:off x="243065" y="2304444"/>
+                <a:ext cx="1285102" cy="852616"/>
+              </a:xfrm>
+              <a:prstGeom prst="roundRect">
+                <a:avLst/>
+              </a:prstGeom>
+              <a:ln w="31750">
+                <a:solidFill>
+                  <a:schemeClr val="accent6">
+                    <a:lumMod val="75000"/>
+                  </a:schemeClr>
+                </a:solidFill>
               </a:ln>
             </p:spPr>
             <p:style>
@@ -3273,68 +3613,402 @@
               </a:p>
             </p:txBody>
           </p:sp>
+          <p:pic>
+            <p:nvPicPr>
+              <p:cNvPr id="14" name="Picture 13"/>
+              <p:cNvPicPr>
+                <a:picLocks noChangeAspect="1"/>
+              </p:cNvPicPr>
+              <p:nvPr/>
+            </p:nvPicPr>
+            <p:blipFill>
+              <a:blip r:embed="rId3" cstate="print">
+                <a:extLst>
+                  <a:ext uri="{28A0092B-C50C-407E-A947-70E740481C1C}">
+                    <a14:useLocalDpi xmlns:a14="http://schemas.microsoft.com/office/drawing/2010/main" val="0"/>
+                  </a:ext>
+                </a:extLst>
+              </a:blip>
+              <a:stretch>
+                <a:fillRect/>
+              </a:stretch>
+            </p:blipFill>
+            <p:spPr>
+              <a:xfrm>
+                <a:off x="791434" y="2506271"/>
+                <a:ext cx="665509" cy="587289"/>
+              </a:xfrm>
+              <a:prstGeom prst="rect">
+                <a:avLst/>
+              </a:prstGeom>
+              <a:ln w="38100">
+                <a:solidFill>
+                  <a:schemeClr val="accent1"/>
+                </a:solidFill>
+              </a:ln>
+              <a:effectLst>
+                <a:softEdge rad="25400"/>
+              </a:effectLst>
+            </p:spPr>
+          </p:pic>
           <p:sp>
             <p:nvSpPr>
-              <p:cNvPr id="51" name="Rectangle 50"/>
+              <p:cNvPr id="15" name="TextBox 14"/>
+              <p:cNvSpPr txBox="1"/>
+              <p:nvPr/>
+            </p:nvSpPr>
+            <p:spPr>
+              <a:xfrm>
+                <a:off x="242480" y="2274256"/>
+                <a:ext cx="614271" cy="369332"/>
+              </a:xfrm>
+              <a:prstGeom prst="rect">
+                <a:avLst/>
+              </a:prstGeom>
+              <a:noFill/>
+            </p:spPr>
+            <p:txBody>
+              <a:bodyPr wrap="none" rtlCol="0">
+                <a:spAutoFit/>
+              </a:bodyPr>
+              <a:lstStyle/>
+              <a:p>
+                <a:r>
+                  <a:rPr lang="en-US" dirty="0" smtClean="0"/>
+                  <a:t>Map</a:t>
+                </a:r>
+                <a:endParaRPr lang="en-US" dirty="0"/>
+              </a:p>
+            </p:txBody>
+          </p:sp>
+        </p:grpSp>
+        <p:sp>
+          <p:nvSpPr>
+            <p:cNvPr id="19" name="TextBox 18"/>
+            <p:cNvSpPr txBox="1"/>
+            <p:nvPr/>
+          </p:nvSpPr>
+          <p:spPr>
+            <a:xfrm>
+              <a:off x="245730" y="175987"/>
+              <a:ext cx="1625766" cy="369332"/>
+            </a:xfrm>
+            <a:prstGeom prst="rect">
+              <a:avLst/>
+            </a:prstGeom>
+            <a:noFill/>
+            <a:ln>
+              <a:noFill/>
+            </a:ln>
+          </p:spPr>
+          <p:txBody>
+            <a:bodyPr wrap="none" rtlCol="0">
+              <a:spAutoFit/>
+            </a:bodyPr>
+            <a:lstStyle/>
+            <a:p>
+              <a:r>
+                <a:rPr lang="en-US" b="1" i="1" dirty="0" smtClean="0"/>
+                <a:t>Sherlock Demo</a:t>
+              </a:r>
+              <a:endParaRPr lang="en-US" b="1" i="1" dirty="0"/>
+            </a:p>
+          </p:txBody>
+        </p:sp>
+        <p:sp>
+          <p:nvSpPr>
+            <p:cNvPr id="27" name="Rounded Rectangle 26"/>
+            <p:cNvSpPr/>
+            <p:nvPr/>
+          </p:nvSpPr>
+          <p:spPr>
+            <a:xfrm>
+              <a:off x="5570386" y="379822"/>
+              <a:ext cx="2537927" cy="2089636"/>
+            </a:xfrm>
+            <a:prstGeom prst="roundRect">
+              <a:avLst/>
+            </a:prstGeom>
+            <a:solidFill>
+              <a:schemeClr val="bg1"/>
+            </a:solidFill>
+            <a:ln w="38100">
+              <a:solidFill>
+                <a:schemeClr val="tx1"/>
+              </a:solidFill>
+              <a:prstDash val="dash"/>
+            </a:ln>
+          </p:spPr>
+          <p:style>
+            <a:lnRef idx="2">
+              <a:schemeClr val="accent1">
+                <a:shade val="50000"/>
+              </a:schemeClr>
+            </a:lnRef>
+            <a:fillRef idx="1">
+              <a:schemeClr val="accent1"/>
+            </a:fillRef>
+            <a:effectRef idx="0">
+              <a:schemeClr val="accent1"/>
+            </a:effectRef>
+            <a:fontRef idx="minor">
+              <a:schemeClr val="lt1"/>
+            </a:fontRef>
+          </p:style>
+          <p:txBody>
+            <a:bodyPr rtlCol="0" anchor="ctr"/>
+            <a:lstStyle/>
+            <a:p>
+              <a:pPr algn="ctr"/>
+              <a:endParaRPr lang="en-US"/>
+            </a:p>
+          </p:txBody>
+        </p:sp>
+        <p:pic>
+          <p:nvPicPr>
+            <p:cNvPr id="31" name="Picture 30"/>
+            <p:cNvPicPr>
+              <a:picLocks noChangeAspect="1"/>
+            </p:cNvPicPr>
+            <p:nvPr/>
+          </p:nvPicPr>
+          <p:blipFill>
+            <a:blip r:embed="rId4" cstate="print">
+              <a:extLst>
+                <a:ext uri="{28A0092B-C50C-407E-A947-70E740481C1C}">
+                  <a14:useLocalDpi xmlns:a14="http://schemas.microsoft.com/office/drawing/2010/main" val="0"/>
+                </a:ext>
+              </a:extLst>
+            </a:blip>
+            <a:stretch>
+              <a:fillRect/>
+            </a:stretch>
+          </p:blipFill>
+          <p:spPr>
+            <a:xfrm>
+              <a:off x="5760144" y="901926"/>
+              <a:ext cx="665509" cy="587289"/>
+            </a:xfrm>
+            <a:prstGeom prst="rect">
+              <a:avLst/>
+            </a:prstGeom>
+            <a:ln w="38100">
+              <a:solidFill>
+                <a:schemeClr val="accent1"/>
+              </a:solidFill>
+            </a:ln>
+            <a:effectLst>
+              <a:softEdge rad="25400"/>
+            </a:effectLst>
+          </p:spPr>
+        </p:pic>
+        <p:pic>
+          <p:nvPicPr>
+            <p:cNvPr id="32" name="Picture 31"/>
+            <p:cNvPicPr>
+              <a:picLocks noChangeAspect="1"/>
+            </p:cNvPicPr>
+            <p:nvPr/>
+          </p:nvPicPr>
+          <p:blipFill>
+            <a:blip r:embed="rId4" cstate="print">
+              <a:extLst>
+                <a:ext uri="{28A0092B-C50C-407E-A947-70E740481C1C}">
+                  <a14:useLocalDpi xmlns:a14="http://schemas.microsoft.com/office/drawing/2010/main" val="0"/>
+                </a:ext>
+              </a:extLst>
+            </a:blip>
+            <a:stretch>
+              <a:fillRect/>
+            </a:stretch>
+          </p:blipFill>
+          <p:spPr>
+            <a:xfrm>
+              <a:off x="7279461" y="901926"/>
+              <a:ext cx="665509" cy="587289"/>
+            </a:xfrm>
+            <a:prstGeom prst="rect">
+              <a:avLst/>
+            </a:prstGeom>
+            <a:ln w="38100">
+              <a:solidFill>
+                <a:schemeClr val="accent1"/>
+              </a:solidFill>
+            </a:ln>
+            <a:effectLst>
+              <a:softEdge rad="25400"/>
+            </a:effectLst>
+          </p:spPr>
+        </p:pic>
+        <p:sp>
+          <p:nvSpPr>
+            <p:cNvPr id="33" name="TextBox 32"/>
+            <p:cNvSpPr txBox="1"/>
+            <p:nvPr/>
+          </p:nvSpPr>
+          <p:spPr>
+            <a:xfrm>
+              <a:off x="6615411" y="904440"/>
+              <a:ext cx="468398" cy="584775"/>
+            </a:xfrm>
+            <a:prstGeom prst="rect">
+              <a:avLst/>
+            </a:prstGeom>
+            <a:noFill/>
+          </p:spPr>
+          <p:txBody>
+            <a:bodyPr wrap="none" rtlCol="0">
+              <a:spAutoFit/>
+            </a:bodyPr>
+            <a:lstStyle/>
+            <a:p>
+              <a:r>
+                <a:rPr lang="en-US" sz="3200" dirty="0" smtClean="0"/>
+                <a:t>…</a:t>
+              </a:r>
+              <a:endParaRPr lang="en-US" sz="3200" dirty="0"/>
+            </a:p>
+          </p:txBody>
+        </p:sp>
+        <p:sp>
+          <p:nvSpPr>
+            <p:cNvPr id="34" name="TextBox 33"/>
+            <p:cNvSpPr txBox="1"/>
+            <p:nvPr/>
+          </p:nvSpPr>
+          <p:spPr>
+            <a:xfrm>
+              <a:off x="6190056" y="427921"/>
+              <a:ext cx="1413913" cy="369332"/>
+            </a:xfrm>
+            <a:prstGeom prst="rect">
+              <a:avLst/>
+            </a:prstGeom>
+            <a:noFill/>
+          </p:spPr>
+          <p:txBody>
+            <a:bodyPr wrap="none" rtlCol="0">
+              <a:spAutoFit/>
+            </a:bodyPr>
+            <a:lstStyle/>
+            <a:p>
+              <a:r>
+                <a:rPr lang="en-US" b="1" i="1" dirty="0" smtClean="0"/>
+                <a:t>Visualization</a:t>
+              </a:r>
+              <a:endParaRPr lang="en-US" b="1" i="1" dirty="0"/>
+            </a:p>
+          </p:txBody>
+        </p:sp>
+        <p:sp>
+          <p:nvSpPr>
+            <p:cNvPr id="45" name="Trapezoid 44"/>
+            <p:cNvSpPr/>
+            <p:nvPr/>
+          </p:nvSpPr>
+          <p:spPr>
+            <a:xfrm rot="10800000">
+              <a:off x="5760140" y="1652633"/>
+              <a:ext cx="2184825" cy="549389"/>
+            </a:xfrm>
+            <a:prstGeom prst="trapezoid">
+              <a:avLst>
+                <a:gd name="adj" fmla="val 162569"/>
+              </a:avLst>
+            </a:prstGeom>
+            <a:solidFill>
+              <a:schemeClr val="bg1"/>
+            </a:solidFill>
+            <a:ln w="28575">
+              <a:solidFill>
+                <a:schemeClr val="tx1"/>
+              </a:solidFill>
+              <a:prstDash val="dash"/>
+            </a:ln>
+          </p:spPr>
+          <p:style>
+            <a:lnRef idx="2">
+              <a:schemeClr val="accent1">
+                <a:shade val="50000"/>
+              </a:schemeClr>
+            </a:lnRef>
+            <a:fillRef idx="1">
+              <a:schemeClr val="accent1"/>
+            </a:fillRef>
+            <a:effectRef idx="0">
+              <a:schemeClr val="accent1"/>
+            </a:effectRef>
+            <a:fontRef idx="minor">
+              <a:schemeClr val="lt1"/>
+            </a:fontRef>
+          </p:style>
+          <p:txBody>
+            <a:bodyPr rtlCol="0" anchor="ctr"/>
+            <a:lstStyle/>
+            <a:p>
+              <a:pPr algn="ctr"/>
+              <a:endParaRPr lang="en-US" dirty="0">
+                <a:solidFill>
+                  <a:schemeClr val="tx1"/>
+                </a:solidFill>
+              </a:endParaRPr>
+            </a:p>
+          </p:txBody>
+        </p:sp>
+        <p:sp>
+          <p:nvSpPr>
+            <p:cNvPr id="46" name="TextBox 45"/>
+            <p:cNvSpPr txBox="1"/>
+            <p:nvPr/>
+          </p:nvSpPr>
+          <p:spPr>
+            <a:xfrm>
+              <a:off x="6578574" y="1704020"/>
+              <a:ext cx="583365" cy="400110"/>
+            </a:xfrm>
+            <a:prstGeom prst="rect">
+              <a:avLst/>
+            </a:prstGeom>
+            <a:noFill/>
+          </p:spPr>
+          <p:txBody>
+            <a:bodyPr wrap="none" rtlCol="0">
+              <a:spAutoFit/>
+            </a:bodyPr>
+            <a:lstStyle/>
+            <a:p>
+              <a:r>
+                <a:rPr lang="en-US" sz="2000" b="1" i="1" dirty="0" smtClean="0"/>
+                <a:t>NFS</a:t>
+              </a:r>
+              <a:endParaRPr lang="en-US" sz="2000" b="1" i="1" dirty="0"/>
+            </a:p>
+          </p:txBody>
+        </p:sp>
+        <p:grpSp>
+          <p:nvGrpSpPr>
+            <p:cNvPr id="86" name="Group 85"/>
+            <p:cNvGrpSpPr/>
+            <p:nvPr/>
+          </p:nvGrpSpPr>
+          <p:grpSpPr>
+            <a:xfrm>
+              <a:off x="8177807" y="4488891"/>
+              <a:ext cx="1449821" cy="1437119"/>
+              <a:chOff x="10343009" y="4170579"/>
+              <a:chExt cx="1677258" cy="1437119"/>
+            </a:xfrm>
+          </p:grpSpPr>
+          <p:sp>
+            <p:nvSpPr>
+              <p:cNvPr id="53" name="Rectangle 52"/>
               <p:cNvSpPr/>
               <p:nvPr/>
             </p:nvSpPr>
             <p:spPr>
               <a:xfrm>
-                <a:off x="245730" y="167951"/>
-                <a:ext cx="9271870" cy="2396961"/>
-              </a:xfrm>
-              <a:prstGeom prst="rect">
-                <a:avLst/>
-              </a:prstGeom>
-              <a:solidFill>
-                <a:schemeClr val="accent1">
-                  <a:lumMod val="20000"/>
-                  <a:lumOff val="80000"/>
-                </a:schemeClr>
-              </a:solidFill>
-              <a:ln w="34925">
-                <a:solidFill>
-                  <a:schemeClr val="tx1"/>
-                </a:solidFill>
-                <a:prstDash val="solid"/>
-              </a:ln>
-            </p:spPr>
-            <p:style>
-              <a:lnRef idx="2">
-                <a:schemeClr val="accent1">
-                  <a:shade val="50000"/>
-                </a:schemeClr>
-              </a:lnRef>
-              <a:fillRef idx="1">
-                <a:schemeClr val="accent1"/>
-              </a:fillRef>
-              <a:effectRef idx="0">
-                <a:schemeClr val="accent1"/>
-              </a:effectRef>
-              <a:fontRef idx="minor">
-                <a:schemeClr val="lt1"/>
-              </a:fontRef>
-            </p:style>
-            <p:txBody>
-              <a:bodyPr rtlCol="0" anchor="ctr"/>
-              <a:lstStyle/>
-              <a:p>
-                <a:pPr algn="ctr"/>
-                <a:endParaRPr lang="en-US"/>
-              </a:p>
-            </p:txBody>
-          </p:sp>
-          <p:sp>
-            <p:nvSpPr>
-              <p:cNvPr id="77" name="Rectangle 76"/>
-              <p:cNvSpPr/>
-              <p:nvPr/>
-            </p:nvSpPr>
-            <p:spPr>
-              <a:xfrm>
-                <a:off x="1883939" y="2816936"/>
-                <a:ext cx="6061029" cy="3975750"/>
+                <a:off x="10343009" y="4170579"/>
+                <a:ext cx="1677258" cy="1437119"/>
               </a:xfrm>
               <a:prstGeom prst="rect">
                 <a:avLst/>
@@ -3344,7 +4018,7 @@
               </a:solidFill>
               <a:ln w="57150">
                 <a:solidFill>
-                  <a:schemeClr val="accent1"/>
+                  <a:srgbClr val="FF0000"/>
                 </a:solidFill>
               </a:ln>
             </p:spPr>
@@ -3375,14 +4049,14 @@
           </p:sp>
           <p:pic>
             <p:nvPicPr>
-              <p:cNvPr id="5" name="Picture 4"/>
+              <p:cNvPr id="54" name="Picture 53"/>
               <p:cNvPicPr>
                 <a:picLocks noChangeAspect="1"/>
               </p:cNvPicPr>
               <p:nvPr/>
             </p:nvPicPr>
             <p:blipFill>
-              <a:blip r:embed="rId2">
+              <a:blip r:embed="rId5" cstate="print">
                 <a:extLst>
                   <a:ext uri="{28A0092B-C50C-407E-A947-70E740481C1C}">
                     <a14:useLocalDpi xmlns:a14="http://schemas.microsoft.com/office/drawing/2010/main" val="0"/>
@@ -3395,8 +4069,8 @@
             </p:blipFill>
             <p:spPr>
               <a:xfrm>
-                <a:off x="2012503" y="2988074"/>
-                <a:ext cx="5615210" cy="3188791"/>
+                <a:off x="10389222" y="4384949"/>
+                <a:ext cx="1584832" cy="997681"/>
               </a:xfrm>
               <a:prstGeom prst="rect">
                 <a:avLst/>
@@ -3405,465 +4079,14 @@
           </p:pic>
           <p:sp>
             <p:nvSpPr>
-              <p:cNvPr id="6" name="Rectangle 5"/>
-              <p:cNvSpPr/>
-              <p:nvPr/>
-            </p:nvSpPr>
-            <p:spPr>
-              <a:xfrm>
-                <a:off x="2007757" y="4105465"/>
-                <a:ext cx="1088919" cy="670643"/>
-              </a:xfrm>
-              <a:prstGeom prst="rect">
-                <a:avLst/>
-              </a:prstGeom>
-              <a:noFill/>
-              <a:ln w="28575">
-                <a:solidFill>
-                  <a:schemeClr val="tx1"/>
-                </a:solidFill>
-                <a:prstDash val="dash"/>
-              </a:ln>
-            </p:spPr>
-            <p:style>
-              <a:lnRef idx="2">
-                <a:schemeClr val="accent1">
-                  <a:shade val="50000"/>
-                </a:schemeClr>
-              </a:lnRef>
-              <a:fillRef idx="1">
-                <a:schemeClr val="accent1"/>
-              </a:fillRef>
-              <a:effectRef idx="0">
-                <a:schemeClr val="accent1"/>
-              </a:effectRef>
-              <a:fontRef idx="minor">
-                <a:schemeClr val="lt1"/>
-              </a:fontRef>
-            </p:style>
-            <p:txBody>
-              <a:bodyPr rtlCol="0" anchor="ctr"/>
-              <a:lstStyle/>
-              <a:p>
-                <a:pPr algn="ctr"/>
-                <a:endParaRPr lang="en-US"/>
-              </a:p>
-            </p:txBody>
-          </p:sp>
-          <p:cxnSp>
-            <p:nvCxnSpPr>
-              <p:cNvPr id="9" name="Straight Connector 8"/>
-              <p:cNvCxnSpPr/>
-              <p:nvPr/>
-            </p:nvCxnSpPr>
-            <p:spPr>
-              <a:xfrm flipH="1" flipV="1">
-                <a:off x="1728816" y="3750995"/>
-                <a:ext cx="278944" cy="368781"/>
-              </a:xfrm>
-              <a:prstGeom prst="line">
-                <a:avLst/>
-              </a:prstGeom>
-              <a:ln w="38100">
-                <a:solidFill>
-                  <a:schemeClr val="tx1"/>
-                </a:solidFill>
-              </a:ln>
-            </p:spPr>
-            <p:style>
-              <a:lnRef idx="1">
-                <a:schemeClr val="accent1"/>
-              </a:lnRef>
-              <a:fillRef idx="0">
-                <a:schemeClr val="accent1"/>
-              </a:fillRef>
-              <a:effectRef idx="0">
-                <a:schemeClr val="accent1"/>
-              </a:effectRef>
-              <a:fontRef idx="minor">
-                <a:schemeClr val="tx1"/>
-              </a:fontRef>
-            </p:style>
-          </p:cxnSp>
-          <p:cxnSp>
-            <p:nvCxnSpPr>
-              <p:cNvPr id="11" name="Straight Connector 10"/>
-              <p:cNvCxnSpPr/>
-              <p:nvPr/>
-            </p:nvCxnSpPr>
-            <p:spPr>
-              <a:xfrm flipH="1">
-                <a:off x="1728582" y="4776109"/>
-                <a:ext cx="283923" cy="391794"/>
-              </a:xfrm>
-              <a:prstGeom prst="line">
-                <a:avLst/>
-              </a:prstGeom>
-              <a:ln w="38100">
-                <a:solidFill>
-                  <a:schemeClr val="tx1"/>
-                </a:solidFill>
-              </a:ln>
-            </p:spPr>
-            <p:style>
-              <a:lnRef idx="1">
-                <a:schemeClr val="accent1"/>
-              </a:lnRef>
-              <a:fillRef idx="0">
-                <a:schemeClr val="accent1"/>
-              </a:fillRef>
-              <a:effectRef idx="0">
-                <a:schemeClr val="accent1"/>
-              </a:effectRef>
-              <a:fontRef idx="minor">
-                <a:schemeClr val="tx1"/>
-              </a:fontRef>
-            </p:style>
-          </p:cxnSp>
-          <p:grpSp>
-            <p:nvGrpSpPr>
-              <p:cNvPr id="142" name="Group 141"/>
-              <p:cNvGrpSpPr/>
-              <p:nvPr/>
-            </p:nvGrpSpPr>
-            <p:grpSpPr>
-              <a:xfrm>
-                <a:off x="245729" y="3750995"/>
-                <a:ext cx="1483087" cy="1416908"/>
-                <a:chOff x="144210" y="2016120"/>
-                <a:chExt cx="1466335" cy="1416908"/>
-              </a:xfrm>
-            </p:grpSpPr>
-            <p:sp>
-              <p:nvSpPr>
-                <p:cNvPr id="7" name="Rectangle 6"/>
-                <p:cNvSpPr/>
-                <p:nvPr/>
-              </p:nvSpPr>
-              <p:spPr>
-                <a:xfrm>
-                  <a:off x="144210" y="2016120"/>
-                  <a:ext cx="1466335" cy="1416908"/>
-                </a:xfrm>
-                <a:prstGeom prst="rect">
-                  <a:avLst/>
-                </a:prstGeom>
-                <a:noFill/>
-                <a:ln w="38100">
-                  <a:solidFill>
-                    <a:schemeClr val="tx1"/>
-                  </a:solidFill>
-                </a:ln>
-              </p:spPr>
-              <p:style>
-                <a:lnRef idx="2">
-                  <a:schemeClr val="accent1">
-                    <a:shade val="50000"/>
-                  </a:schemeClr>
-                </a:lnRef>
-                <a:fillRef idx="1">
-                  <a:schemeClr val="accent1"/>
-                </a:fillRef>
-                <a:effectRef idx="0">
-                  <a:schemeClr val="accent1"/>
-                </a:effectRef>
-                <a:fontRef idx="minor">
-                  <a:schemeClr val="lt1"/>
-                </a:fontRef>
-              </p:style>
-              <p:txBody>
-                <a:bodyPr rtlCol="0" anchor="ctr"/>
-                <a:lstStyle/>
-                <a:p>
-                  <a:pPr algn="ctr"/>
-                  <a:endParaRPr lang="en-US"/>
-                </a:p>
-              </p:txBody>
-            </p:sp>
-            <p:sp useBgFill="1">
-              <p:nvSpPr>
-                <p:cNvPr id="12" name="Rounded Rectangle 11"/>
-                <p:cNvSpPr/>
-                <p:nvPr/>
-              </p:nvSpPr>
-              <p:spPr>
-                <a:xfrm>
-                  <a:off x="243065" y="2304444"/>
-                  <a:ext cx="1285102" cy="852616"/>
-                </a:xfrm>
-                <a:prstGeom prst="roundRect">
-                  <a:avLst/>
-                </a:prstGeom>
-                <a:ln w="31750">
-                  <a:solidFill>
-                    <a:schemeClr val="accent6">
-                      <a:lumMod val="75000"/>
-                    </a:schemeClr>
-                  </a:solidFill>
-                </a:ln>
-              </p:spPr>
-              <p:style>
-                <a:lnRef idx="2">
-                  <a:schemeClr val="accent1">
-                    <a:shade val="50000"/>
-                  </a:schemeClr>
-                </a:lnRef>
-                <a:fillRef idx="1">
-                  <a:schemeClr val="accent1"/>
-                </a:fillRef>
-                <a:effectRef idx="0">
-                  <a:schemeClr val="accent1"/>
-                </a:effectRef>
-                <a:fontRef idx="minor">
-                  <a:schemeClr val="lt1"/>
-                </a:fontRef>
-              </p:style>
-              <p:txBody>
-                <a:bodyPr rtlCol="0" anchor="ctr"/>
-                <a:lstStyle/>
-                <a:p>
-                  <a:pPr algn="ctr"/>
-                  <a:endParaRPr lang="en-US" dirty="0"/>
-                </a:p>
-              </p:txBody>
-            </p:sp>
-            <p:pic>
-              <p:nvPicPr>
-                <p:cNvPr id="14" name="Picture 13"/>
-                <p:cNvPicPr>
-                  <a:picLocks noChangeAspect="1"/>
-                </p:cNvPicPr>
-                <p:nvPr/>
-              </p:nvPicPr>
-              <p:blipFill>
-                <a:blip r:embed="rId3" cstate="print">
-                  <a:extLst>
-                    <a:ext uri="{28A0092B-C50C-407E-A947-70E740481C1C}">
-                      <a14:useLocalDpi xmlns:a14="http://schemas.microsoft.com/office/drawing/2010/main" val="0"/>
-                    </a:ext>
-                  </a:extLst>
-                </a:blip>
-                <a:stretch>
-                  <a:fillRect/>
-                </a:stretch>
-              </p:blipFill>
-              <p:spPr>
-                <a:xfrm>
-                  <a:off x="791434" y="2506271"/>
-                  <a:ext cx="665509" cy="587289"/>
-                </a:xfrm>
-                <a:prstGeom prst="rect">
-                  <a:avLst/>
-                </a:prstGeom>
-                <a:ln w="25400">
-                  <a:solidFill>
-                    <a:schemeClr val="accent1"/>
-                  </a:solidFill>
-                </a:ln>
-                <a:effectLst>
-                  <a:softEdge rad="25400"/>
-                </a:effectLst>
-              </p:spPr>
-            </p:pic>
-            <p:sp>
-              <p:nvSpPr>
-                <p:cNvPr id="15" name="TextBox 14"/>
-                <p:cNvSpPr txBox="1"/>
-                <p:nvPr/>
-              </p:nvSpPr>
-              <p:spPr>
-                <a:xfrm>
-                  <a:off x="242480" y="2274256"/>
-                  <a:ext cx="614271" cy="369332"/>
-                </a:xfrm>
-                <a:prstGeom prst="rect">
-                  <a:avLst/>
-                </a:prstGeom>
-                <a:noFill/>
-              </p:spPr>
-              <p:txBody>
-                <a:bodyPr wrap="none" rtlCol="0">
-                  <a:spAutoFit/>
-                </a:bodyPr>
-                <a:lstStyle/>
-                <a:p>
-                  <a:r>
-                    <a:rPr lang="en-US" dirty="0" smtClean="0"/>
-                    <a:t>Map</a:t>
-                  </a:r>
-                  <a:endParaRPr lang="en-US" dirty="0"/>
-                </a:p>
-              </p:txBody>
-            </p:sp>
-          </p:grpSp>
-          <p:sp>
-            <p:nvSpPr>
-              <p:cNvPr id="19" name="TextBox 18"/>
+              <p:cNvPr id="84" name="TextBox 83"/>
               <p:cNvSpPr txBox="1"/>
               <p:nvPr/>
             </p:nvSpPr>
             <p:spPr>
               <a:xfrm>
-                <a:off x="245730" y="175987"/>
-                <a:ext cx="1625766" cy="369332"/>
-              </a:xfrm>
-              <a:prstGeom prst="rect">
-                <a:avLst/>
-              </a:prstGeom>
-              <a:noFill/>
-              <a:ln>
-                <a:noFill/>
-              </a:ln>
-            </p:spPr>
-            <p:txBody>
-              <a:bodyPr wrap="none" rtlCol="0">
-                <a:spAutoFit/>
-              </a:bodyPr>
-              <a:lstStyle/>
-              <a:p>
-                <a:r>
-                  <a:rPr lang="en-US" b="1" i="1" dirty="0" smtClean="0"/>
-                  <a:t>Sherlock Demo</a:t>
-                </a:r>
-                <a:endParaRPr lang="en-US" b="1" i="1" dirty="0"/>
-              </a:p>
-            </p:txBody>
-          </p:sp>
-          <p:sp>
-            <p:nvSpPr>
-              <p:cNvPr id="27" name="Rounded Rectangle 26"/>
-              <p:cNvSpPr/>
-              <p:nvPr/>
-            </p:nvSpPr>
-            <p:spPr>
-              <a:xfrm>
-                <a:off x="5570386" y="379822"/>
-                <a:ext cx="2537927" cy="2089636"/>
-              </a:xfrm>
-              <a:prstGeom prst="roundRect">
-                <a:avLst/>
-              </a:prstGeom>
-              <a:solidFill>
-                <a:schemeClr val="bg1"/>
-              </a:solidFill>
-              <a:ln w="38100">
-                <a:solidFill>
-                  <a:schemeClr val="tx1"/>
-                </a:solidFill>
-                <a:prstDash val="dash"/>
-              </a:ln>
-            </p:spPr>
-            <p:style>
-              <a:lnRef idx="2">
-                <a:schemeClr val="accent1">
-                  <a:shade val="50000"/>
-                </a:schemeClr>
-              </a:lnRef>
-              <a:fillRef idx="1">
-                <a:schemeClr val="accent1"/>
-              </a:fillRef>
-              <a:effectRef idx="0">
-                <a:schemeClr val="accent1"/>
-              </a:effectRef>
-              <a:fontRef idx="minor">
-                <a:schemeClr val="lt1"/>
-              </a:fontRef>
-            </p:style>
-            <p:txBody>
-              <a:bodyPr rtlCol="0" anchor="ctr"/>
-              <a:lstStyle/>
-              <a:p>
-                <a:pPr algn="ctr"/>
-                <a:endParaRPr lang="en-US"/>
-              </a:p>
-            </p:txBody>
-          </p:sp>
-          <p:pic>
-            <p:nvPicPr>
-              <p:cNvPr id="31" name="Picture 30"/>
-              <p:cNvPicPr>
-                <a:picLocks noChangeAspect="1"/>
-              </p:cNvPicPr>
-              <p:nvPr/>
-            </p:nvPicPr>
-            <p:blipFill>
-              <a:blip r:embed="rId4" cstate="print">
-                <a:extLst>
-                  <a:ext uri="{28A0092B-C50C-407E-A947-70E740481C1C}">
-                    <a14:useLocalDpi xmlns:a14="http://schemas.microsoft.com/office/drawing/2010/main" val="0"/>
-                  </a:ext>
-                </a:extLst>
-              </a:blip>
-              <a:stretch>
-                <a:fillRect/>
-              </a:stretch>
-            </p:blipFill>
-            <p:spPr>
-              <a:xfrm>
-                <a:off x="5760144" y="901926"/>
-                <a:ext cx="665509" cy="587289"/>
-              </a:xfrm>
-              <a:prstGeom prst="rect">
-                <a:avLst/>
-              </a:prstGeom>
-              <a:ln w="25400">
-                <a:solidFill>
-                  <a:schemeClr val="accent1"/>
-                </a:solidFill>
-              </a:ln>
-              <a:effectLst>
-                <a:softEdge rad="25400"/>
-              </a:effectLst>
-            </p:spPr>
-          </p:pic>
-          <p:pic>
-            <p:nvPicPr>
-              <p:cNvPr id="32" name="Picture 31"/>
-              <p:cNvPicPr>
-                <a:picLocks noChangeAspect="1"/>
-              </p:cNvPicPr>
-              <p:nvPr/>
-            </p:nvPicPr>
-            <p:blipFill>
-              <a:blip r:embed="rId4" cstate="print">
-                <a:extLst>
-                  <a:ext uri="{28A0092B-C50C-407E-A947-70E740481C1C}">
-                    <a14:useLocalDpi xmlns:a14="http://schemas.microsoft.com/office/drawing/2010/main" val="0"/>
-                  </a:ext>
-                </a:extLst>
-              </a:blip>
-              <a:stretch>
-                <a:fillRect/>
-              </a:stretch>
-            </p:blipFill>
-            <p:spPr>
-              <a:xfrm>
-                <a:off x="7279461" y="901926"/>
-                <a:ext cx="665509" cy="587289"/>
-              </a:xfrm>
-              <a:prstGeom prst="rect">
-                <a:avLst/>
-              </a:prstGeom>
-              <a:ln w="25400">
-                <a:solidFill>
-                  <a:schemeClr val="accent1"/>
-                </a:solidFill>
-              </a:ln>
-              <a:effectLst>
-                <a:softEdge rad="25400"/>
-              </a:effectLst>
-            </p:spPr>
-          </p:pic>
-          <p:sp>
-            <p:nvSpPr>
-              <p:cNvPr id="33" name="TextBox 32"/>
-              <p:cNvSpPr txBox="1"/>
-              <p:nvPr/>
-            </p:nvSpPr>
-            <p:spPr>
-              <a:xfrm>
-                <a:off x="6615411" y="904440"/>
-                <a:ext cx="468398" cy="584775"/>
+                <a:off x="10680475" y="5197964"/>
+                <a:ext cx="1002326" cy="369332"/>
               </a:xfrm>
               <a:prstGeom prst="rect">
                 <a:avLst/>
@@ -3877,663 +4100,137 @@
               <a:lstStyle/>
               <a:p>
                 <a:r>
-                  <a:rPr lang="en-US" sz="3200" dirty="0" smtClean="0"/>
-                  <a:t>…</a:t>
+                  <a:rPr lang="en-US" b="1" i="1" dirty="0" err="1" smtClean="0">
+                    <a:solidFill>
+                      <a:schemeClr val="tx2"/>
+                    </a:solidFill>
+                  </a:rPr>
+                  <a:t>Hansken</a:t>
                 </a:r>
-                <a:endParaRPr lang="en-US" sz="3200" dirty="0"/>
-              </a:p>
-            </p:txBody>
-          </p:sp>
-          <p:sp>
-            <p:nvSpPr>
-              <p:cNvPr id="34" name="TextBox 33"/>
-              <p:cNvSpPr txBox="1"/>
-              <p:nvPr/>
-            </p:nvSpPr>
-            <p:spPr>
-              <a:xfrm>
-                <a:off x="6190056" y="427921"/>
-                <a:ext cx="1413913" cy="369332"/>
-              </a:xfrm>
-              <a:prstGeom prst="rect">
-                <a:avLst/>
-              </a:prstGeom>
-              <a:noFill/>
-            </p:spPr>
-            <p:txBody>
-              <a:bodyPr wrap="none" rtlCol="0">
-                <a:spAutoFit/>
-              </a:bodyPr>
-              <a:lstStyle/>
-              <a:p>
-                <a:r>
-                  <a:rPr lang="en-US" b="1" i="1" dirty="0" smtClean="0"/>
-                  <a:t>Visualization</a:t>
-                </a:r>
-                <a:endParaRPr lang="en-US" b="1" i="1" dirty="0"/>
-              </a:p>
-            </p:txBody>
-          </p:sp>
-          <p:sp>
-            <p:nvSpPr>
-              <p:cNvPr id="45" name="Trapezoid 44"/>
-              <p:cNvSpPr/>
-              <p:nvPr/>
-            </p:nvSpPr>
-            <p:spPr>
-              <a:xfrm rot="10800000">
-                <a:off x="5760140" y="1652633"/>
-                <a:ext cx="2184825" cy="549389"/>
-              </a:xfrm>
-              <a:prstGeom prst="trapezoid">
-                <a:avLst>
-                  <a:gd name="adj" fmla="val 162569"/>
-                </a:avLst>
-              </a:prstGeom>
-              <a:solidFill>
-                <a:schemeClr val="bg1"/>
-              </a:solidFill>
-              <a:ln w="28575">
-                <a:solidFill>
-                  <a:schemeClr val="tx1"/>
-                </a:solidFill>
-              </a:ln>
-            </p:spPr>
-            <p:style>
-              <a:lnRef idx="2">
-                <a:schemeClr val="accent1">
-                  <a:shade val="50000"/>
-                </a:schemeClr>
-              </a:lnRef>
-              <a:fillRef idx="1">
-                <a:schemeClr val="accent1"/>
-              </a:fillRef>
-              <a:effectRef idx="0">
-                <a:schemeClr val="accent1"/>
-              </a:effectRef>
-              <a:fontRef idx="minor">
-                <a:schemeClr val="lt1"/>
-              </a:fontRef>
-            </p:style>
-            <p:txBody>
-              <a:bodyPr rtlCol="0" anchor="ctr"/>
-              <a:lstStyle/>
-              <a:p>
-                <a:pPr algn="ctr"/>
-                <a:endParaRPr lang="en-US" dirty="0">
+                <a:endParaRPr lang="en-US" b="1" i="1" dirty="0">
                   <a:solidFill>
-                    <a:schemeClr val="tx1"/>
+                    <a:schemeClr val="tx2"/>
                   </a:solidFill>
                 </a:endParaRPr>
               </a:p>
             </p:txBody>
           </p:sp>
+        </p:grpSp>
+        <p:cxnSp>
+          <p:nvCxnSpPr>
+            <p:cNvPr id="88" name="Elbow Connector 87"/>
+            <p:cNvCxnSpPr>
+              <a:stCxn id="27" idx="3"/>
+              <a:endCxn id="53" idx="0"/>
+            </p:cNvCxnSpPr>
+            <p:nvPr/>
+          </p:nvCxnSpPr>
+          <p:spPr>
+            <a:xfrm>
+              <a:off x="8108313" y="1424640"/>
+              <a:ext cx="794405" cy="3064251"/>
+            </a:xfrm>
+            <a:prstGeom prst="bentConnector2">
+              <a:avLst/>
+            </a:prstGeom>
+            <a:ln w="44450">
+              <a:solidFill>
+                <a:srgbClr val="FF0000"/>
+              </a:solidFill>
+              <a:headEnd type="triangle"/>
+              <a:tailEnd type="triangle"/>
+            </a:ln>
+          </p:spPr>
+          <p:style>
+            <a:lnRef idx="1">
+              <a:schemeClr val="accent1"/>
+            </a:lnRef>
+            <a:fillRef idx="0">
+              <a:schemeClr val="accent1"/>
+            </a:fillRef>
+            <a:effectRef idx="0">
+              <a:schemeClr val="accent1"/>
+            </a:effectRef>
+            <a:fontRef idx="minor">
+              <a:schemeClr val="tx1"/>
+            </a:fontRef>
+          </p:style>
+        </p:cxnSp>
+        <p:cxnSp>
+          <p:nvCxnSpPr>
+            <p:cNvPr id="98" name="Elbow Connector 97"/>
+            <p:cNvCxnSpPr>
+              <a:endCxn id="66" idx="0"/>
+            </p:cNvCxnSpPr>
+            <p:nvPr/>
+          </p:nvCxnSpPr>
+          <p:spPr>
+            <a:xfrm rot="16200000" flipH="1">
+              <a:off x="7649113" y="1454844"/>
+              <a:ext cx="3852372" cy="2933972"/>
+            </a:xfrm>
+            <a:prstGeom prst="bentConnector3">
+              <a:avLst>
+                <a:gd name="adj1" fmla="val 106"/>
+              </a:avLst>
+            </a:prstGeom>
+            <a:ln w="44450">
+              <a:solidFill>
+                <a:srgbClr val="7030A0"/>
+              </a:solidFill>
+              <a:headEnd type="triangle"/>
+              <a:tailEnd type="triangle"/>
+            </a:ln>
+          </p:spPr>
+          <p:style>
+            <a:lnRef idx="1">
+              <a:schemeClr val="accent1"/>
+            </a:lnRef>
+            <a:fillRef idx="0">
+              <a:schemeClr val="accent1"/>
+            </a:fillRef>
+            <a:effectRef idx="0">
+              <a:schemeClr val="accent1"/>
+            </a:effectRef>
+            <a:fontRef idx="minor">
+              <a:schemeClr val="tx1"/>
+            </a:fontRef>
+          </p:style>
+        </p:cxnSp>
+        <p:grpSp>
+          <p:nvGrpSpPr>
+            <p:cNvPr id="111" name="Group 110"/>
+            <p:cNvGrpSpPr/>
+            <p:nvPr/>
+          </p:nvGrpSpPr>
+          <p:grpSpPr>
+            <a:xfrm>
+              <a:off x="10078942" y="4848016"/>
+              <a:ext cx="1926685" cy="708170"/>
+              <a:chOff x="8163311" y="4573036"/>
+              <a:chExt cx="1995625" cy="708170"/>
+            </a:xfrm>
+          </p:grpSpPr>
           <p:sp>
             <p:nvSpPr>
-              <p:cNvPr id="46" name="TextBox 45"/>
-              <p:cNvSpPr txBox="1"/>
-              <p:nvPr/>
-            </p:nvSpPr>
-            <p:spPr>
-              <a:xfrm>
-                <a:off x="6578574" y="1704020"/>
-                <a:ext cx="583365" cy="400110"/>
-              </a:xfrm>
-              <a:prstGeom prst="rect">
-                <a:avLst/>
-              </a:prstGeom>
-              <a:noFill/>
-            </p:spPr>
-            <p:txBody>
-              <a:bodyPr wrap="none" rtlCol="0">
-                <a:spAutoFit/>
-              </a:bodyPr>
-              <a:lstStyle/>
-              <a:p>
-                <a:r>
-                  <a:rPr lang="en-US" sz="2000" b="1" i="1" dirty="0" smtClean="0"/>
-                  <a:t>NFS</a:t>
-                </a:r>
-                <a:endParaRPr lang="en-US" sz="2000" b="1" i="1" dirty="0"/>
-              </a:p>
-            </p:txBody>
-          </p:sp>
-          <p:grpSp>
-            <p:nvGrpSpPr>
-              <p:cNvPr id="86" name="Group 85"/>
-              <p:cNvGrpSpPr/>
-              <p:nvPr/>
-            </p:nvGrpSpPr>
-            <p:grpSpPr>
-              <a:xfrm>
-                <a:off x="8177807" y="4488891"/>
-                <a:ext cx="1449821" cy="1437119"/>
-                <a:chOff x="10343009" y="4170579"/>
-                <a:chExt cx="1677258" cy="1437119"/>
-              </a:xfrm>
-            </p:grpSpPr>
-            <p:sp>
-              <p:nvSpPr>
-                <p:cNvPr id="53" name="Rectangle 52"/>
-                <p:cNvSpPr/>
-                <p:nvPr/>
-              </p:nvSpPr>
-              <p:spPr>
-                <a:xfrm>
-                  <a:off x="10343009" y="4170579"/>
-                  <a:ext cx="1677258" cy="1437119"/>
-                </a:xfrm>
-                <a:prstGeom prst="rect">
-                  <a:avLst/>
-                </a:prstGeom>
-                <a:solidFill>
-                  <a:schemeClr val="bg1"/>
-                </a:solidFill>
-                <a:ln w="57150">
-                  <a:solidFill>
-                    <a:srgbClr val="FF0000"/>
-                  </a:solidFill>
-                </a:ln>
-              </p:spPr>
-              <p:style>
-                <a:lnRef idx="2">
-                  <a:schemeClr val="accent1">
-                    <a:shade val="50000"/>
-                  </a:schemeClr>
-                </a:lnRef>
-                <a:fillRef idx="1">
-                  <a:schemeClr val="accent1"/>
-                </a:fillRef>
-                <a:effectRef idx="0">
-                  <a:schemeClr val="accent1"/>
-                </a:effectRef>
-                <a:fontRef idx="minor">
-                  <a:schemeClr val="lt1"/>
-                </a:fontRef>
-              </p:style>
-              <p:txBody>
-                <a:bodyPr rtlCol="0" anchor="ctr"/>
-                <a:lstStyle/>
-                <a:p>
-                  <a:pPr algn="ctr"/>
-                  <a:endParaRPr lang="en-US"/>
-                </a:p>
-              </p:txBody>
-            </p:sp>
-            <p:pic>
-              <p:nvPicPr>
-                <p:cNvPr id="54" name="Picture 53"/>
-                <p:cNvPicPr>
-                  <a:picLocks noChangeAspect="1"/>
-                </p:cNvPicPr>
-                <p:nvPr/>
-              </p:nvPicPr>
-              <p:blipFill>
-                <a:blip r:embed="rId5" cstate="print">
-                  <a:extLst>
-                    <a:ext uri="{28A0092B-C50C-407E-A947-70E740481C1C}">
-                      <a14:useLocalDpi xmlns:a14="http://schemas.microsoft.com/office/drawing/2010/main" val="0"/>
-                    </a:ext>
-                  </a:extLst>
-                </a:blip>
-                <a:stretch>
-                  <a:fillRect/>
-                </a:stretch>
-              </p:blipFill>
-              <p:spPr>
-                <a:xfrm>
-                  <a:off x="10389222" y="4384949"/>
-                  <a:ext cx="1584832" cy="997681"/>
-                </a:xfrm>
-                <a:prstGeom prst="rect">
-                  <a:avLst/>
-                </a:prstGeom>
-              </p:spPr>
-            </p:pic>
-            <p:sp>
-              <p:nvSpPr>
-                <p:cNvPr id="84" name="TextBox 83"/>
-                <p:cNvSpPr txBox="1"/>
-                <p:nvPr/>
-              </p:nvSpPr>
-              <p:spPr>
-                <a:xfrm>
-                  <a:off x="10680475" y="5197964"/>
-                  <a:ext cx="1002326" cy="369332"/>
-                </a:xfrm>
-                <a:prstGeom prst="rect">
-                  <a:avLst/>
-                </a:prstGeom>
-                <a:noFill/>
-              </p:spPr>
-              <p:txBody>
-                <a:bodyPr wrap="none" rtlCol="0">
-                  <a:spAutoFit/>
-                </a:bodyPr>
-                <a:lstStyle/>
-                <a:p>
-                  <a:r>
-                    <a:rPr lang="en-US" b="1" i="1" dirty="0" err="1" smtClean="0">
-                      <a:solidFill>
-                        <a:schemeClr val="tx2"/>
-                      </a:solidFill>
-                    </a:rPr>
-                    <a:t>Hansken</a:t>
-                  </a:r>
-                  <a:endParaRPr lang="en-US" b="1" i="1" dirty="0">
-                    <a:solidFill>
-                      <a:schemeClr val="tx2"/>
-                    </a:solidFill>
-                  </a:endParaRPr>
-                </a:p>
-              </p:txBody>
-            </p:sp>
-          </p:grpSp>
-          <p:cxnSp>
-            <p:nvCxnSpPr>
-              <p:cNvPr id="88" name="Elbow Connector 87"/>
-              <p:cNvCxnSpPr>
-                <a:stCxn id="27" idx="3"/>
-                <a:endCxn id="53" idx="0"/>
-              </p:cNvCxnSpPr>
-              <p:nvPr/>
-            </p:nvCxnSpPr>
-            <p:spPr>
-              <a:xfrm>
-                <a:off x="8108313" y="1424640"/>
-                <a:ext cx="794405" cy="3064251"/>
-              </a:xfrm>
-              <a:prstGeom prst="bentConnector2">
-                <a:avLst/>
-              </a:prstGeom>
-              <a:ln w="44450">
-                <a:solidFill>
-                  <a:srgbClr val="FF0000"/>
-                </a:solidFill>
-                <a:headEnd type="triangle"/>
-                <a:tailEnd type="triangle"/>
-              </a:ln>
-            </p:spPr>
-            <p:style>
-              <a:lnRef idx="1">
-                <a:schemeClr val="accent1"/>
-              </a:lnRef>
-              <a:fillRef idx="0">
-                <a:schemeClr val="accent1"/>
-              </a:fillRef>
-              <a:effectRef idx="0">
-                <a:schemeClr val="accent1"/>
-              </a:effectRef>
-              <a:fontRef idx="minor">
-                <a:schemeClr val="tx1"/>
-              </a:fontRef>
-            </p:style>
-          </p:cxnSp>
-          <p:cxnSp>
-            <p:nvCxnSpPr>
-              <p:cNvPr id="98" name="Elbow Connector 97"/>
-              <p:cNvCxnSpPr>
-                <a:endCxn id="66" idx="0"/>
-              </p:cNvCxnSpPr>
-              <p:nvPr/>
-            </p:nvCxnSpPr>
-            <p:spPr>
-              <a:xfrm rot="16200000" flipH="1">
-                <a:off x="7649113" y="1454844"/>
-                <a:ext cx="3852372" cy="2933972"/>
-              </a:xfrm>
-              <a:prstGeom prst="bentConnector3">
-                <a:avLst>
-                  <a:gd name="adj1" fmla="val 106"/>
-                </a:avLst>
-              </a:prstGeom>
-              <a:ln w="44450">
-                <a:solidFill>
-                  <a:srgbClr val="7030A0"/>
-                </a:solidFill>
-                <a:headEnd type="triangle"/>
-                <a:tailEnd type="triangle"/>
-              </a:ln>
-            </p:spPr>
-            <p:style>
-              <a:lnRef idx="1">
-                <a:schemeClr val="accent1"/>
-              </a:lnRef>
-              <a:fillRef idx="0">
-                <a:schemeClr val="accent1"/>
-              </a:fillRef>
-              <a:effectRef idx="0">
-                <a:schemeClr val="accent1"/>
-              </a:effectRef>
-              <a:fontRef idx="minor">
-                <a:schemeClr val="tx1"/>
-              </a:fontRef>
-            </p:style>
-          </p:cxnSp>
-          <p:grpSp>
-            <p:nvGrpSpPr>
-              <p:cNvPr id="111" name="Group 110"/>
-              <p:cNvGrpSpPr/>
-              <p:nvPr/>
-            </p:nvGrpSpPr>
-            <p:grpSpPr>
-              <a:xfrm>
-                <a:off x="10078942" y="4848016"/>
-                <a:ext cx="1926685" cy="708170"/>
-                <a:chOff x="8163311" y="4573036"/>
-                <a:chExt cx="1995625" cy="708170"/>
-              </a:xfrm>
-            </p:grpSpPr>
-            <p:sp>
-              <p:nvSpPr>
-                <p:cNvPr id="66" name="Rectangle 65"/>
-                <p:cNvSpPr/>
-                <p:nvPr/>
-              </p:nvSpPr>
-              <p:spPr>
-                <a:xfrm>
-                  <a:off x="8163311" y="4573036"/>
-                  <a:ext cx="1995625" cy="708170"/>
-                </a:xfrm>
-                <a:prstGeom prst="rect">
-                  <a:avLst/>
-                </a:prstGeom>
-                <a:solidFill>
-                  <a:schemeClr val="bg1"/>
-                </a:solidFill>
-                <a:ln w="57150">
-                  <a:solidFill>
-                    <a:srgbClr val="7030A0"/>
-                  </a:solidFill>
-                </a:ln>
-              </p:spPr>
-              <p:style>
-                <a:lnRef idx="2">
-                  <a:schemeClr val="accent1">
-                    <a:shade val="50000"/>
-                  </a:schemeClr>
-                </a:lnRef>
-                <a:fillRef idx="1">
-                  <a:schemeClr val="accent1"/>
-                </a:fillRef>
-                <a:effectRef idx="0">
-                  <a:schemeClr val="accent1"/>
-                </a:effectRef>
-                <a:fontRef idx="minor">
-                  <a:schemeClr val="lt1"/>
-                </a:fontRef>
-              </p:style>
-              <p:txBody>
-                <a:bodyPr rtlCol="0" anchor="ctr"/>
-                <a:lstStyle/>
-                <a:p>
-                  <a:pPr algn="ctr"/>
-                  <a:endParaRPr lang="en-US"/>
-                </a:p>
-              </p:txBody>
-            </p:sp>
-            <p:pic>
-              <p:nvPicPr>
-                <p:cNvPr id="65" name="Picture 64"/>
-                <p:cNvPicPr>
-                  <a:picLocks noChangeAspect="1"/>
-                </p:cNvPicPr>
-                <p:nvPr/>
-              </p:nvPicPr>
-              <p:blipFill>
-                <a:blip r:embed="rId6" cstate="print">
-                  <a:extLst>
-                    <a:ext uri="{28A0092B-C50C-407E-A947-70E740481C1C}">
-                      <a14:useLocalDpi xmlns:a14="http://schemas.microsoft.com/office/drawing/2010/main" val="0"/>
-                    </a:ext>
-                  </a:extLst>
-                </a:blip>
-                <a:stretch>
-                  <a:fillRect/>
-                </a:stretch>
-              </p:blipFill>
-              <p:spPr>
-                <a:xfrm>
-                  <a:off x="8452233" y="4712266"/>
-                  <a:ext cx="1417782" cy="429711"/>
-                </a:xfrm>
-                <a:prstGeom prst="rect">
-                  <a:avLst/>
-                </a:prstGeom>
-                <a:solidFill>
-                  <a:schemeClr val="bg1"/>
-                </a:solidFill>
-              </p:spPr>
-            </p:pic>
-          </p:grpSp>
-          <p:sp>
-            <p:nvSpPr>
-              <p:cNvPr id="116" name="TextBox 115"/>
-              <p:cNvSpPr txBox="1"/>
-              <p:nvPr/>
-            </p:nvSpPr>
-            <p:spPr>
-              <a:xfrm>
-                <a:off x="1986647" y="6345237"/>
-                <a:ext cx="1287532" cy="369332"/>
-              </a:xfrm>
-              <a:prstGeom prst="rect">
-                <a:avLst/>
-              </a:prstGeom>
-              <a:noFill/>
-            </p:spPr>
-            <p:txBody>
-              <a:bodyPr wrap="none" rtlCol="0">
-                <a:spAutoFit/>
-              </a:bodyPr>
-              <a:lstStyle/>
-              <a:p>
-                <a:r>
-                  <a:rPr lang="en-US" b="1" i="1" dirty="0" smtClean="0">
-                    <a:solidFill>
-                      <a:srgbClr val="0070C0"/>
-                    </a:solidFill>
-                  </a:rPr>
-                  <a:t>Hadoop 2.0</a:t>
-                </a:r>
-                <a:endParaRPr lang="en-US" b="1" i="1" dirty="0">
-                  <a:solidFill>
-                    <a:srgbClr val="0070C0"/>
-                  </a:solidFill>
-                </a:endParaRPr>
-              </a:p>
-            </p:txBody>
-          </p:sp>
-          <p:sp>
-            <p:nvSpPr>
-              <p:cNvPr id="117" name="Rounded Rectangle 116"/>
+              <p:cNvPr id="66" name="Rectangle 65"/>
               <p:cNvSpPr/>
               <p:nvPr/>
             </p:nvSpPr>
             <p:spPr>
               <a:xfrm>
-                <a:off x="1949323" y="379824"/>
-                <a:ext cx="3375433" cy="2035544"/>
+                <a:off x="8163311" y="4573036"/>
+                <a:ext cx="1995625" cy="708170"/>
               </a:xfrm>
-              <a:prstGeom prst="roundRect">
+              <a:prstGeom prst="rect">
                 <a:avLst/>
               </a:prstGeom>
               <a:solidFill>
                 <a:schemeClr val="bg1"/>
               </a:solidFill>
-              <a:ln w="38100">
+              <a:ln w="57150">
                 <a:solidFill>
-                  <a:schemeClr val="tx1"/>
-                </a:solidFill>
-                <a:prstDash val="dash"/>
-              </a:ln>
-            </p:spPr>
-            <p:style>
-              <a:lnRef idx="2">
-                <a:schemeClr val="accent1">
-                  <a:shade val="50000"/>
-                </a:schemeClr>
-              </a:lnRef>
-              <a:fillRef idx="1">
-                <a:schemeClr val="accent1"/>
-              </a:fillRef>
-              <a:effectRef idx="0">
-                <a:schemeClr val="accent1"/>
-              </a:effectRef>
-              <a:fontRef idx="minor">
-                <a:schemeClr val="lt1"/>
-              </a:fontRef>
-            </p:style>
-            <p:txBody>
-              <a:bodyPr rtlCol="0" anchor="ctr"/>
-              <a:lstStyle/>
-              <a:p>
-                <a:pPr algn="ctr"/>
-                <a:endParaRPr lang="en-US"/>
-              </a:p>
-            </p:txBody>
-          </p:sp>
-          <p:sp>
-            <p:nvSpPr>
-              <p:cNvPr id="106" name="Rounded Rectangle 105"/>
-              <p:cNvSpPr/>
-              <p:nvPr/>
-            </p:nvSpPr>
-            <p:spPr>
-              <a:xfrm>
-                <a:off x="2321976" y="1716566"/>
-                <a:ext cx="1054359" cy="361012"/>
-              </a:xfrm>
-              <a:prstGeom prst="roundRect">
-                <a:avLst/>
-              </a:prstGeom>
-              <a:solidFill>
-                <a:schemeClr val="bg1"/>
-              </a:solidFill>
-              <a:ln w="31750">
-                <a:solidFill>
-                  <a:schemeClr val="accent6">
-                    <a:lumMod val="75000"/>
-                  </a:schemeClr>
-                </a:solidFill>
-              </a:ln>
-            </p:spPr>
-            <p:style>
-              <a:lnRef idx="2">
-                <a:schemeClr val="accent1">
-                  <a:shade val="50000"/>
-                </a:schemeClr>
-              </a:lnRef>
-              <a:fillRef idx="1">
-                <a:schemeClr val="accent1"/>
-              </a:fillRef>
-              <a:effectRef idx="0">
-                <a:schemeClr val="accent1"/>
-              </a:effectRef>
-              <a:fontRef idx="minor">
-                <a:schemeClr val="lt1"/>
-              </a:fontRef>
-            </p:style>
-            <p:txBody>
-              <a:bodyPr rtlCol="0" anchor="ctr"/>
-              <a:lstStyle/>
-              <a:p>
-                <a:pPr algn="ctr"/>
-                <a:r>
-                  <a:rPr lang="en-US" sz="1400" b="1" i="1" dirty="0" err="1" smtClean="0">
-                    <a:solidFill>
-                      <a:schemeClr val="tx1"/>
-                    </a:solidFill>
-                  </a:rPr>
-                  <a:t>MRDocker</a:t>
-                </a:r>
-                <a:endParaRPr lang="en-US" sz="1400" b="1" i="1" dirty="0" smtClean="0">
-                  <a:solidFill>
-                    <a:schemeClr val="tx1"/>
-                  </a:solidFill>
-                </a:endParaRPr>
-              </a:p>
-            </p:txBody>
-          </p:sp>
-          <p:sp>
-            <p:nvSpPr>
-              <p:cNvPr id="108" name="Rounded Rectangle 107"/>
-              <p:cNvSpPr/>
-              <p:nvPr/>
-            </p:nvSpPr>
-            <p:spPr>
-              <a:xfrm>
-                <a:off x="3881526" y="1735228"/>
-                <a:ext cx="1054359" cy="346214"/>
-              </a:xfrm>
-              <a:prstGeom prst="roundRect">
-                <a:avLst/>
-              </a:prstGeom>
-              <a:solidFill>
-                <a:schemeClr val="bg1"/>
-              </a:solidFill>
-              <a:ln w="31750">
-                <a:solidFill>
-                  <a:schemeClr val="accent4"/>
-                </a:solidFill>
-                <a:prstDash val="dash"/>
-              </a:ln>
-            </p:spPr>
-            <p:style>
-              <a:lnRef idx="2">
-                <a:schemeClr val="accent1">
-                  <a:shade val="50000"/>
-                </a:schemeClr>
-              </a:lnRef>
-              <a:fillRef idx="1">
-                <a:schemeClr val="accent1"/>
-              </a:fillRef>
-              <a:effectRef idx="0">
-                <a:schemeClr val="accent1"/>
-              </a:effectRef>
-              <a:fontRef idx="minor">
-                <a:schemeClr val="lt1"/>
-              </a:fontRef>
-            </p:style>
-            <p:txBody>
-              <a:bodyPr rtlCol="0" anchor="ctr"/>
-              <a:lstStyle/>
-              <a:p>
-                <a:pPr algn="ctr"/>
-                <a:r>
-                  <a:rPr lang="en-US" sz="1400" b="1" i="1" dirty="0" err="1" smtClean="0">
-                    <a:solidFill>
-                      <a:schemeClr val="tx1"/>
-                    </a:solidFill>
-                  </a:rPr>
-                  <a:t>SprDocker</a:t>
-                </a:r>
-                <a:endParaRPr lang="en-US" sz="1400" b="1" i="1" dirty="0" smtClean="0">
-                  <a:solidFill>
-                    <a:schemeClr val="tx1"/>
-                  </a:solidFill>
-                </a:endParaRPr>
-              </a:p>
-            </p:txBody>
-          </p:sp>
-          <p:sp>
-            <p:nvSpPr>
-              <p:cNvPr id="123" name="Trapezoid 122"/>
-              <p:cNvSpPr/>
-              <p:nvPr/>
-            </p:nvSpPr>
-            <p:spPr>
-              <a:xfrm>
-                <a:off x="2118044" y="1652634"/>
-                <a:ext cx="3023120" cy="549389"/>
-              </a:xfrm>
-              <a:prstGeom prst="trapezoid">
-                <a:avLst/>
-              </a:prstGeom>
-              <a:noFill/>
-              <a:ln w="28575">
-                <a:solidFill>
-                  <a:schemeClr val="tx1"/>
+                  <a:srgbClr val="7030A0"/>
                 </a:solidFill>
               </a:ln>
             </p:spPr>
@@ -4564,14 +4261,14 @@
           </p:sp>
           <p:pic>
             <p:nvPicPr>
-              <p:cNvPr id="131" name="Picture 130"/>
+              <p:cNvPr id="65" name="Picture 64"/>
               <p:cNvPicPr>
                 <a:picLocks noChangeAspect="1"/>
               </p:cNvPicPr>
               <p:nvPr/>
             </p:nvPicPr>
             <p:blipFill>
-              <a:blip r:embed="rId4" cstate="print">
+              <a:blip r:embed="rId6" cstate="print">
                 <a:extLst>
                   <a:ext uri="{28A0092B-C50C-407E-A947-70E740481C1C}">
                     <a14:useLocalDpi xmlns:a14="http://schemas.microsoft.com/office/drawing/2010/main" val="0"/>
@@ -4584,32 +4281,550 @@
             </p:blipFill>
             <p:spPr>
               <a:xfrm>
-                <a:off x="2534865" y="877037"/>
-                <a:ext cx="665509" cy="587289"/>
+                <a:off x="8452233" y="4712266"/>
+                <a:ext cx="1417782" cy="429711"/>
               </a:xfrm>
               <a:prstGeom prst="rect">
                 <a:avLst/>
               </a:prstGeom>
-              <a:ln w="25400">
-                <a:solidFill>
-                  <a:schemeClr val="accent1"/>
-                </a:solidFill>
-              </a:ln>
-              <a:effectLst>
-                <a:softEdge rad="25400"/>
-              </a:effectLst>
+              <a:solidFill>
+                <a:schemeClr val="bg1"/>
+              </a:solidFill>
             </p:spPr>
           </p:pic>
+        </p:grpSp>
+        <p:sp>
+          <p:nvSpPr>
+            <p:cNvPr id="116" name="TextBox 115"/>
+            <p:cNvSpPr txBox="1"/>
+            <p:nvPr/>
+          </p:nvSpPr>
+          <p:spPr>
+            <a:xfrm>
+              <a:off x="1986647" y="6345237"/>
+              <a:ext cx="1287532" cy="369332"/>
+            </a:xfrm>
+            <a:prstGeom prst="rect">
+              <a:avLst/>
+            </a:prstGeom>
+            <a:noFill/>
+          </p:spPr>
+          <p:txBody>
+            <a:bodyPr wrap="none" rtlCol="0">
+              <a:spAutoFit/>
+            </a:bodyPr>
+            <a:lstStyle/>
+            <a:p>
+              <a:r>
+                <a:rPr lang="en-US" b="1" i="1" dirty="0" smtClean="0">
+                  <a:solidFill>
+                    <a:srgbClr val="0070C0"/>
+                  </a:solidFill>
+                </a:rPr>
+                <a:t>Hadoop 2.0</a:t>
+              </a:r>
+              <a:endParaRPr lang="en-US" b="1" i="1" dirty="0">
+                <a:solidFill>
+                  <a:srgbClr val="0070C0"/>
+                </a:solidFill>
+              </a:endParaRPr>
+            </a:p>
+          </p:txBody>
+        </p:sp>
+        <p:sp>
+          <p:nvSpPr>
+            <p:cNvPr id="117" name="Rounded Rectangle 116"/>
+            <p:cNvSpPr/>
+            <p:nvPr/>
+          </p:nvSpPr>
+          <p:spPr>
+            <a:xfrm>
+              <a:off x="1949323" y="379824"/>
+              <a:ext cx="3375433" cy="2035544"/>
+            </a:xfrm>
+            <a:prstGeom prst="roundRect">
+              <a:avLst/>
+            </a:prstGeom>
+            <a:solidFill>
+              <a:schemeClr val="bg1"/>
+            </a:solidFill>
+            <a:ln w="38100">
+              <a:solidFill>
+                <a:schemeClr val="tx1"/>
+              </a:solidFill>
+              <a:prstDash val="dash"/>
+            </a:ln>
+          </p:spPr>
+          <p:style>
+            <a:lnRef idx="2">
+              <a:schemeClr val="accent1">
+                <a:shade val="50000"/>
+              </a:schemeClr>
+            </a:lnRef>
+            <a:fillRef idx="1">
+              <a:schemeClr val="accent1"/>
+            </a:fillRef>
+            <a:effectRef idx="0">
+              <a:schemeClr val="accent1"/>
+            </a:effectRef>
+            <a:fontRef idx="minor">
+              <a:schemeClr val="lt1"/>
+            </a:fontRef>
+          </p:style>
+          <p:txBody>
+            <a:bodyPr rtlCol="0" anchor="ctr"/>
+            <a:lstStyle/>
+            <a:p>
+              <a:pPr algn="ctr"/>
+              <a:endParaRPr lang="en-US"/>
+            </a:p>
+          </p:txBody>
+        </p:sp>
+        <p:sp>
+          <p:nvSpPr>
+            <p:cNvPr id="106" name="Rounded Rectangle 105"/>
+            <p:cNvSpPr/>
+            <p:nvPr/>
+          </p:nvSpPr>
+          <p:spPr>
+            <a:xfrm>
+              <a:off x="2321976" y="1716566"/>
+              <a:ext cx="1054359" cy="361012"/>
+            </a:xfrm>
+            <a:prstGeom prst="roundRect">
+              <a:avLst/>
+            </a:prstGeom>
+            <a:solidFill>
+              <a:schemeClr val="bg1"/>
+            </a:solidFill>
+            <a:ln w="31750">
+              <a:solidFill>
+                <a:schemeClr val="accent6">
+                  <a:lumMod val="75000"/>
+                </a:schemeClr>
+              </a:solidFill>
+            </a:ln>
+          </p:spPr>
+          <p:style>
+            <a:lnRef idx="2">
+              <a:schemeClr val="accent1">
+                <a:shade val="50000"/>
+              </a:schemeClr>
+            </a:lnRef>
+            <a:fillRef idx="1">
+              <a:schemeClr val="accent1"/>
+            </a:fillRef>
+            <a:effectRef idx="0">
+              <a:schemeClr val="accent1"/>
+            </a:effectRef>
+            <a:fontRef idx="minor">
+              <a:schemeClr val="lt1"/>
+            </a:fontRef>
+          </p:style>
+          <p:txBody>
+            <a:bodyPr rtlCol="0" anchor="ctr"/>
+            <a:lstStyle/>
+            <a:p>
+              <a:pPr algn="ctr"/>
+              <a:r>
+                <a:rPr lang="en-US" sz="1400" b="1" i="1" dirty="0" err="1" smtClean="0">
+                  <a:solidFill>
+                    <a:schemeClr val="tx1"/>
+                  </a:solidFill>
+                </a:rPr>
+                <a:t>MRDocker</a:t>
+              </a:r>
+              <a:endParaRPr lang="en-US" sz="1400" b="1" i="1" dirty="0" smtClean="0">
+                <a:solidFill>
+                  <a:schemeClr val="tx1"/>
+                </a:solidFill>
+              </a:endParaRPr>
+            </a:p>
+          </p:txBody>
+        </p:sp>
+        <p:sp>
+          <p:nvSpPr>
+            <p:cNvPr id="108" name="Rounded Rectangle 107"/>
+            <p:cNvSpPr/>
+            <p:nvPr/>
+          </p:nvSpPr>
+          <p:spPr>
+            <a:xfrm>
+              <a:off x="3881526" y="1735228"/>
+              <a:ext cx="1054359" cy="346214"/>
+            </a:xfrm>
+            <a:prstGeom prst="roundRect">
+              <a:avLst/>
+            </a:prstGeom>
+            <a:solidFill>
+              <a:schemeClr val="bg1"/>
+            </a:solidFill>
+            <a:ln w="31750">
+              <a:solidFill>
+                <a:schemeClr val="accent4"/>
+              </a:solidFill>
+              <a:prstDash val="dash"/>
+            </a:ln>
+          </p:spPr>
+          <p:style>
+            <a:lnRef idx="2">
+              <a:schemeClr val="accent1">
+                <a:shade val="50000"/>
+              </a:schemeClr>
+            </a:lnRef>
+            <a:fillRef idx="1">
+              <a:schemeClr val="accent1"/>
+            </a:fillRef>
+            <a:effectRef idx="0">
+              <a:schemeClr val="accent1"/>
+            </a:effectRef>
+            <a:fontRef idx="minor">
+              <a:schemeClr val="lt1"/>
+            </a:fontRef>
+          </p:style>
+          <p:txBody>
+            <a:bodyPr rtlCol="0" anchor="ctr"/>
+            <a:lstStyle/>
+            <a:p>
+              <a:pPr algn="ctr"/>
+              <a:r>
+                <a:rPr lang="en-US" sz="1400" b="1" i="1" dirty="0" err="1" smtClean="0">
+                  <a:solidFill>
+                    <a:schemeClr val="tx1"/>
+                  </a:solidFill>
+                </a:rPr>
+                <a:t>SprDocker</a:t>
+              </a:r>
+              <a:endParaRPr lang="en-US" sz="1400" b="1" i="1" dirty="0" smtClean="0">
+                <a:solidFill>
+                  <a:schemeClr val="tx1"/>
+                </a:solidFill>
+              </a:endParaRPr>
+            </a:p>
+          </p:txBody>
+        </p:sp>
+        <p:sp>
+          <p:nvSpPr>
+            <p:cNvPr id="123" name="Trapezoid 122"/>
+            <p:cNvSpPr/>
+            <p:nvPr/>
+          </p:nvSpPr>
+          <p:spPr>
+            <a:xfrm>
+              <a:off x="2118044" y="1652634"/>
+              <a:ext cx="3023120" cy="549389"/>
+            </a:xfrm>
+            <a:prstGeom prst="trapezoid">
+              <a:avLst/>
+            </a:prstGeom>
+            <a:noFill/>
+            <a:ln w="28575">
+              <a:solidFill>
+                <a:schemeClr val="tx1"/>
+              </a:solidFill>
+            </a:ln>
+          </p:spPr>
+          <p:style>
+            <a:lnRef idx="2">
+              <a:schemeClr val="accent1">
+                <a:shade val="50000"/>
+              </a:schemeClr>
+            </a:lnRef>
+            <a:fillRef idx="1">
+              <a:schemeClr val="accent1"/>
+            </a:fillRef>
+            <a:effectRef idx="0">
+              <a:schemeClr val="accent1"/>
+            </a:effectRef>
+            <a:fontRef idx="minor">
+              <a:schemeClr val="lt1"/>
+            </a:fontRef>
+          </p:style>
+          <p:txBody>
+            <a:bodyPr rtlCol="0" anchor="ctr"/>
+            <a:lstStyle/>
+            <a:p>
+              <a:pPr algn="ctr"/>
+              <a:endParaRPr lang="en-US"/>
+            </a:p>
+          </p:txBody>
+        </p:sp>
+        <p:pic>
+          <p:nvPicPr>
+            <p:cNvPr id="131" name="Picture 130"/>
+            <p:cNvPicPr>
+              <a:picLocks noChangeAspect="1"/>
+            </p:cNvPicPr>
+            <p:nvPr/>
+          </p:nvPicPr>
+          <p:blipFill>
+            <a:blip r:embed="rId4" cstate="print">
+              <a:extLst>
+                <a:ext uri="{28A0092B-C50C-407E-A947-70E740481C1C}">
+                  <a14:useLocalDpi xmlns:a14="http://schemas.microsoft.com/office/drawing/2010/main" val="0"/>
+                </a:ext>
+              </a:extLst>
+            </a:blip>
+            <a:stretch>
+              <a:fillRect/>
+            </a:stretch>
+          </p:blipFill>
+          <p:spPr>
+            <a:xfrm>
+              <a:off x="2534865" y="877037"/>
+              <a:ext cx="665509" cy="587289"/>
+            </a:xfrm>
+            <a:prstGeom prst="rect">
+              <a:avLst/>
+            </a:prstGeom>
+            <a:ln w="38100">
+              <a:solidFill>
+                <a:schemeClr val="accent1"/>
+              </a:solidFill>
+            </a:ln>
+            <a:effectLst>
+              <a:softEdge rad="25400"/>
+            </a:effectLst>
+          </p:spPr>
+        </p:pic>
+        <p:pic>
+          <p:nvPicPr>
+            <p:cNvPr id="132" name="Picture 131"/>
+            <p:cNvPicPr>
+              <a:picLocks noChangeAspect="1"/>
+            </p:cNvPicPr>
+            <p:nvPr/>
+          </p:nvPicPr>
+          <p:blipFill>
+            <a:blip r:embed="rId4" cstate="print">
+              <a:extLst>
+                <a:ext uri="{28A0092B-C50C-407E-A947-70E740481C1C}">
+                  <a14:useLocalDpi xmlns:a14="http://schemas.microsoft.com/office/drawing/2010/main" val="0"/>
+                </a:ext>
+              </a:extLst>
+            </a:blip>
+            <a:stretch>
+              <a:fillRect/>
+            </a:stretch>
+          </p:blipFill>
+          <p:spPr>
+            <a:xfrm>
+              <a:off x="4054182" y="877037"/>
+              <a:ext cx="665509" cy="587289"/>
+            </a:xfrm>
+            <a:prstGeom prst="rect">
+              <a:avLst/>
+            </a:prstGeom>
+            <a:ln w="38100">
+              <a:solidFill>
+                <a:schemeClr val="accent1"/>
+              </a:solidFill>
+            </a:ln>
+            <a:effectLst>
+              <a:softEdge rad="25400"/>
+            </a:effectLst>
+          </p:spPr>
+        </p:pic>
+        <p:sp>
+          <p:nvSpPr>
+            <p:cNvPr id="133" name="TextBox 132"/>
+            <p:cNvSpPr txBox="1"/>
+            <p:nvPr/>
+          </p:nvSpPr>
+          <p:spPr>
+            <a:xfrm>
+              <a:off x="3390132" y="879551"/>
+              <a:ext cx="468398" cy="584775"/>
+            </a:xfrm>
+            <a:prstGeom prst="rect">
+              <a:avLst/>
+            </a:prstGeom>
+            <a:noFill/>
+          </p:spPr>
+          <p:txBody>
+            <a:bodyPr wrap="none" rtlCol="0">
+              <a:spAutoFit/>
+            </a:bodyPr>
+            <a:lstStyle/>
+            <a:p>
+              <a:r>
+                <a:rPr lang="en-US" sz="3200" dirty="0" smtClean="0"/>
+                <a:t>…</a:t>
+              </a:r>
+              <a:endParaRPr lang="en-US" sz="3200" dirty="0"/>
+            </a:p>
+          </p:txBody>
+        </p:sp>
+        <p:sp>
+          <p:nvSpPr>
+            <p:cNvPr id="134" name="TextBox 133"/>
+            <p:cNvSpPr txBox="1"/>
+            <p:nvPr/>
+          </p:nvSpPr>
+          <p:spPr>
+            <a:xfrm>
+              <a:off x="3026359" y="431060"/>
+              <a:ext cx="1249060" cy="369332"/>
+            </a:xfrm>
+            <a:prstGeom prst="rect">
+              <a:avLst/>
+            </a:prstGeom>
+            <a:noFill/>
+          </p:spPr>
+          <p:txBody>
+            <a:bodyPr wrap="none" rtlCol="0">
+              <a:spAutoFit/>
+            </a:bodyPr>
+            <a:lstStyle/>
+            <a:p>
+              <a:r>
+                <a:rPr lang="en-US" b="1" i="1" dirty="0" smtClean="0"/>
+                <a:t>Operations</a:t>
+              </a:r>
+              <a:endParaRPr lang="en-US" b="1" i="1" dirty="0"/>
+            </a:p>
+          </p:txBody>
+        </p:sp>
+        <p:cxnSp>
+          <p:nvCxnSpPr>
+            <p:cNvPr id="137" name="Elbow Connector 136"/>
+            <p:cNvCxnSpPr>
+              <a:stCxn id="66" idx="1"/>
+            </p:cNvCxnSpPr>
+            <p:nvPr/>
+          </p:nvCxnSpPr>
+          <p:spPr>
+            <a:xfrm rot="10800000" flipV="1">
+              <a:off x="7944968" y="5202101"/>
+              <a:ext cx="2133974" cy="974764"/>
+            </a:xfrm>
+            <a:prstGeom prst="bentConnector3">
+              <a:avLst>
+                <a:gd name="adj1" fmla="val 11086"/>
+              </a:avLst>
+            </a:prstGeom>
+            <a:ln w="44450">
+              <a:solidFill>
+                <a:srgbClr val="7030A0"/>
+              </a:solidFill>
+              <a:headEnd type="triangle"/>
+              <a:tailEnd type="triangle"/>
+            </a:ln>
+          </p:spPr>
+          <p:style>
+            <a:lnRef idx="1">
+              <a:schemeClr val="accent1"/>
+            </a:lnRef>
+            <a:fillRef idx="0">
+              <a:schemeClr val="accent1"/>
+            </a:fillRef>
+            <a:effectRef idx="0">
+              <a:schemeClr val="accent1"/>
+            </a:effectRef>
+            <a:fontRef idx="minor">
+              <a:schemeClr val="tx1"/>
+            </a:fontRef>
+          </p:style>
+        </p:cxnSp>
+        <p:cxnSp>
+          <p:nvCxnSpPr>
+            <p:cNvPr id="107" name="Straight Arrow Connector 106"/>
+            <p:cNvCxnSpPr/>
+            <p:nvPr/>
+          </p:nvCxnSpPr>
+          <p:spPr>
+            <a:xfrm flipH="1">
+              <a:off x="2863412" y="2102456"/>
+              <a:ext cx="464" cy="1979995"/>
+            </a:xfrm>
+            <a:prstGeom prst="straightConnector1">
+              <a:avLst/>
+            </a:prstGeom>
+            <a:ln w="34925">
+              <a:solidFill>
+                <a:schemeClr val="accent6">
+                  <a:lumMod val="75000"/>
+                </a:schemeClr>
+              </a:solidFill>
+              <a:tailEnd type="triangle"/>
+            </a:ln>
+          </p:spPr>
+          <p:style>
+            <a:lnRef idx="1">
+              <a:schemeClr val="accent1"/>
+            </a:lnRef>
+            <a:fillRef idx="0">
+              <a:schemeClr val="accent1"/>
+            </a:fillRef>
+            <a:effectRef idx="0">
+              <a:schemeClr val="accent1"/>
+            </a:effectRef>
+            <a:fontRef idx="minor">
+              <a:schemeClr val="tx1"/>
+            </a:fontRef>
+          </p:style>
+        </p:cxnSp>
+        <p:cxnSp>
+          <p:nvCxnSpPr>
+            <p:cNvPr id="109" name="Straight Arrow Connector 108"/>
+            <p:cNvCxnSpPr/>
+            <p:nvPr/>
+          </p:nvCxnSpPr>
+          <p:spPr>
+            <a:xfrm flipH="1">
+              <a:off x="4416011" y="2102456"/>
+              <a:ext cx="8728" cy="2022837"/>
+            </a:xfrm>
+            <a:prstGeom prst="straightConnector1">
+              <a:avLst/>
+            </a:prstGeom>
+            <a:ln w="34925">
+              <a:solidFill>
+                <a:schemeClr val="accent4"/>
+              </a:solidFill>
+              <a:prstDash val="dash"/>
+              <a:tailEnd type="triangle"/>
+            </a:ln>
+          </p:spPr>
+          <p:style>
+            <a:lnRef idx="1">
+              <a:schemeClr val="accent1"/>
+            </a:lnRef>
+            <a:fillRef idx="0">
+              <a:schemeClr val="accent1"/>
+            </a:fillRef>
+            <a:effectRef idx="0">
+              <a:schemeClr val="accent1"/>
+            </a:effectRef>
+            <a:fontRef idx="minor">
+              <a:schemeClr val="tx1"/>
+            </a:fontRef>
+          </p:style>
+        </p:cxnSp>
+        <p:grpSp>
+          <p:nvGrpSpPr>
+            <p:cNvPr id="168" name="Group 167"/>
+            <p:cNvGrpSpPr/>
+            <p:nvPr/>
+          </p:nvGrpSpPr>
+          <p:grpSpPr>
+            <a:xfrm>
+              <a:off x="8210930" y="6344434"/>
+              <a:ext cx="1635174" cy="458294"/>
+              <a:chOff x="8416211" y="6344434"/>
+              <a:chExt cx="1635174" cy="458294"/>
+            </a:xfrm>
+          </p:grpSpPr>
           <p:pic>
             <p:nvPicPr>
-              <p:cNvPr id="132" name="Picture 131"/>
+              <p:cNvPr id="113" name="Picture 112"/>
               <p:cNvPicPr>
                 <a:picLocks noChangeAspect="1"/>
               </p:cNvPicPr>
               <p:nvPr/>
             </p:nvPicPr>
             <p:blipFill>
-              <a:blip r:embed="rId4" cstate="print">
+              <a:blip r:embed="rId7">
                 <a:extLst>
                   <a:ext uri="{28A0092B-C50C-407E-A947-70E740481C1C}">
                     <a14:useLocalDpi xmlns:a14="http://schemas.microsoft.com/office/drawing/2010/main" val="0"/>
@@ -4622,32 +4837,24 @@
             </p:blipFill>
             <p:spPr>
               <a:xfrm>
-                <a:off x="4054182" y="877037"/>
-                <a:ext cx="665509" cy="587289"/>
+                <a:off x="8416211" y="6441277"/>
+                <a:ext cx="962303" cy="361451"/>
               </a:xfrm>
               <a:prstGeom prst="rect">
                 <a:avLst/>
               </a:prstGeom>
-              <a:ln w="25400">
-                <a:solidFill>
-                  <a:schemeClr val="accent1"/>
-                </a:solidFill>
-              </a:ln>
-              <a:effectLst>
-                <a:softEdge rad="25400"/>
-              </a:effectLst>
             </p:spPr>
           </p:pic>
           <p:sp>
             <p:nvSpPr>
-              <p:cNvPr id="133" name="TextBox 132"/>
+              <p:cNvPr id="153" name="TextBox 152"/>
               <p:cNvSpPr txBox="1"/>
               <p:nvPr/>
             </p:nvSpPr>
             <p:spPr>
               <a:xfrm>
-                <a:off x="3390132" y="879551"/>
-                <a:ext cx="468398" cy="584775"/>
+                <a:off x="9350552" y="6344434"/>
+                <a:ext cx="700833" cy="369332"/>
               </a:xfrm>
               <a:prstGeom prst="rect">
                 <a:avLst/>
@@ -4661,283 +4868,62 @@
               <a:lstStyle/>
               <a:p>
                 <a:r>
-                  <a:rPr lang="en-US" sz="3200" dirty="0" smtClean="0"/>
-                  <a:t>…</a:t>
+                  <a:rPr lang="en-US" b="1" i="1" dirty="0"/>
+                  <a:t>c</a:t>
                 </a:r>
-                <a:endParaRPr lang="en-US" sz="3200" dirty="0"/>
-              </a:p>
-            </p:txBody>
-          </p:sp>
-          <p:sp>
-            <p:nvSpPr>
-              <p:cNvPr id="134" name="TextBox 133"/>
-              <p:cNvSpPr txBox="1"/>
-              <p:nvPr/>
-            </p:nvSpPr>
-            <p:spPr>
-              <a:xfrm>
-                <a:off x="3026359" y="431060"/>
-                <a:ext cx="1249060" cy="369332"/>
-              </a:xfrm>
-              <a:prstGeom prst="rect">
-                <a:avLst/>
-              </a:prstGeom>
-              <a:noFill/>
-            </p:spPr>
-            <p:txBody>
-              <a:bodyPr wrap="none" rtlCol="0">
-                <a:spAutoFit/>
-              </a:bodyPr>
-              <a:lstStyle/>
-              <a:p>
                 <a:r>
                   <a:rPr lang="en-US" b="1" i="1" dirty="0" smtClean="0"/>
-                  <a:t>Operations</a:t>
+                  <a:t>loud</a:t>
                 </a:r>
                 <a:endParaRPr lang="en-US" b="1" i="1" dirty="0"/>
               </a:p>
             </p:txBody>
           </p:sp>
-          <p:cxnSp>
-            <p:nvCxnSpPr>
-              <p:cNvPr id="137" name="Elbow Connector 136"/>
-              <p:cNvCxnSpPr>
-                <a:stCxn id="66" idx="1"/>
-              </p:cNvCxnSpPr>
-              <p:nvPr/>
-            </p:nvCxnSpPr>
-            <p:spPr>
-              <a:xfrm rot="10800000" flipV="1">
-                <a:off x="7944968" y="5202101"/>
-                <a:ext cx="2133974" cy="974764"/>
-              </a:xfrm>
-              <a:prstGeom prst="bentConnector3">
-                <a:avLst>
-                  <a:gd name="adj1" fmla="val 11086"/>
-                </a:avLst>
-              </a:prstGeom>
-              <a:ln w="44450">
-                <a:solidFill>
-                  <a:srgbClr val="7030A0"/>
-                </a:solidFill>
-                <a:headEnd type="triangle"/>
-                <a:tailEnd type="triangle"/>
-              </a:ln>
-            </p:spPr>
-            <p:style>
-              <a:lnRef idx="1">
-                <a:schemeClr val="accent1"/>
-              </a:lnRef>
-              <a:fillRef idx="0">
-                <a:schemeClr val="accent1"/>
-              </a:fillRef>
-              <a:effectRef idx="0">
-                <a:schemeClr val="accent1"/>
-              </a:effectRef>
-              <a:fontRef idx="minor">
-                <a:schemeClr val="tx1"/>
-              </a:fontRef>
-            </p:style>
-          </p:cxnSp>
-          <p:cxnSp>
-            <p:nvCxnSpPr>
-              <p:cNvPr id="107" name="Straight Arrow Connector 106"/>
-              <p:cNvCxnSpPr/>
-              <p:nvPr/>
-            </p:nvCxnSpPr>
-            <p:spPr>
-              <a:xfrm flipH="1">
-                <a:off x="2863412" y="2102456"/>
-                <a:ext cx="464" cy="1979995"/>
-              </a:xfrm>
-              <a:prstGeom prst="straightConnector1">
-                <a:avLst/>
-              </a:prstGeom>
-              <a:ln w="34925">
-                <a:solidFill>
-                  <a:schemeClr val="accent6">
-                    <a:lumMod val="75000"/>
-                  </a:schemeClr>
-                </a:solidFill>
-                <a:tailEnd type="triangle"/>
-              </a:ln>
-            </p:spPr>
-            <p:style>
-              <a:lnRef idx="1">
-                <a:schemeClr val="accent1"/>
-              </a:lnRef>
-              <a:fillRef idx="0">
-                <a:schemeClr val="accent1"/>
-              </a:fillRef>
-              <a:effectRef idx="0">
-                <a:schemeClr val="accent1"/>
-              </a:effectRef>
-              <a:fontRef idx="minor">
-                <a:schemeClr val="tx1"/>
-              </a:fontRef>
-            </p:style>
-          </p:cxnSp>
-          <p:cxnSp>
-            <p:nvCxnSpPr>
-              <p:cNvPr id="109" name="Straight Arrow Connector 108"/>
-              <p:cNvCxnSpPr/>
-              <p:nvPr/>
-            </p:nvCxnSpPr>
-            <p:spPr>
-              <a:xfrm flipH="1">
-                <a:off x="4416011" y="2102456"/>
-                <a:ext cx="8728" cy="2022837"/>
-              </a:xfrm>
-              <a:prstGeom prst="straightConnector1">
-                <a:avLst/>
-              </a:prstGeom>
-              <a:ln w="34925">
-                <a:solidFill>
-                  <a:schemeClr val="accent4"/>
-                </a:solidFill>
-                <a:prstDash val="dash"/>
-                <a:tailEnd type="triangle"/>
-              </a:ln>
-            </p:spPr>
-            <p:style>
-              <a:lnRef idx="1">
-                <a:schemeClr val="accent1"/>
-              </a:lnRef>
-              <a:fillRef idx="0">
-                <a:schemeClr val="accent1"/>
-              </a:fillRef>
-              <a:effectRef idx="0">
-                <a:schemeClr val="accent1"/>
-              </a:effectRef>
-              <a:fontRef idx="minor">
-                <a:schemeClr val="tx1"/>
-              </a:fontRef>
-            </p:style>
-          </p:cxnSp>
-          <p:grpSp>
-            <p:nvGrpSpPr>
-              <p:cNvPr id="168" name="Group 167"/>
-              <p:cNvGrpSpPr/>
-              <p:nvPr/>
-            </p:nvGrpSpPr>
-            <p:grpSpPr>
-              <a:xfrm>
-                <a:off x="8210930" y="6344434"/>
-                <a:ext cx="1635174" cy="458294"/>
-                <a:chOff x="8416211" y="6344434"/>
-                <a:chExt cx="1635174" cy="458294"/>
-              </a:xfrm>
-            </p:grpSpPr>
-            <p:pic>
-              <p:nvPicPr>
-                <p:cNvPr id="113" name="Picture 112"/>
-                <p:cNvPicPr>
-                  <a:picLocks noChangeAspect="1"/>
-                </p:cNvPicPr>
-                <p:nvPr/>
-              </p:nvPicPr>
-              <p:blipFill>
-                <a:blip r:embed="rId7">
-                  <a:extLst>
-                    <a:ext uri="{28A0092B-C50C-407E-A947-70E740481C1C}">
-                      <a14:useLocalDpi xmlns:a14="http://schemas.microsoft.com/office/drawing/2010/main" val="0"/>
-                    </a:ext>
-                  </a:extLst>
-                </a:blip>
-                <a:stretch>
-                  <a:fillRect/>
-                </a:stretch>
-              </p:blipFill>
-              <p:spPr>
-                <a:xfrm>
-                  <a:off x="8416211" y="6441277"/>
-                  <a:ext cx="962303" cy="361451"/>
-                </a:xfrm>
-                <a:prstGeom prst="rect">
-                  <a:avLst/>
-                </a:prstGeom>
-              </p:spPr>
-            </p:pic>
-            <p:sp>
-              <p:nvSpPr>
-                <p:cNvPr id="153" name="TextBox 152"/>
-                <p:cNvSpPr txBox="1"/>
-                <p:nvPr/>
-              </p:nvSpPr>
-              <p:spPr>
-                <a:xfrm>
-                  <a:off x="9350552" y="6344434"/>
-                  <a:ext cx="700833" cy="369332"/>
-                </a:xfrm>
-                <a:prstGeom prst="rect">
-                  <a:avLst/>
-                </a:prstGeom>
-                <a:noFill/>
-              </p:spPr>
-              <p:txBody>
-                <a:bodyPr wrap="none" rtlCol="0">
-                  <a:spAutoFit/>
-                </a:bodyPr>
-                <a:lstStyle/>
-                <a:p>
-                  <a:r>
-                    <a:rPr lang="en-US" b="1" i="1" dirty="0"/>
-                    <a:t>c</a:t>
-                  </a:r>
-                  <a:r>
-                    <a:rPr lang="en-US" b="1" i="1" dirty="0" smtClean="0"/>
-                    <a:t>loud</a:t>
-                  </a:r>
-                  <a:endParaRPr lang="en-US" b="1" i="1" dirty="0"/>
-                </a:p>
-              </p:txBody>
-            </p:sp>
-          </p:grpSp>
-          <p:cxnSp>
-            <p:nvCxnSpPr>
-              <p:cNvPr id="41" name="Elbow Connector 40"/>
-              <p:cNvCxnSpPr>
-                <a:stCxn id="45" idx="0"/>
-                <a:endCxn id="5" idx="2"/>
-              </p:cNvCxnSpPr>
-              <p:nvPr/>
-            </p:nvCxnSpPr>
-            <p:spPr>
-              <a:xfrm rot="5400000">
-                <a:off x="3848909" y="3173221"/>
-                <a:ext cx="3974843" cy="2032444"/>
-              </a:xfrm>
-              <a:prstGeom prst="bentConnector5">
-                <a:avLst>
-                  <a:gd name="adj1" fmla="val 35005"/>
-                  <a:gd name="adj2" fmla="val -43878"/>
-                  <a:gd name="adj3" fmla="val 108803"/>
-                </a:avLst>
-              </a:prstGeom>
-              <a:ln w="44450">
-                <a:solidFill>
-                  <a:schemeClr val="accent2"/>
-                </a:solidFill>
-                <a:headEnd type="triangle"/>
-                <a:tailEnd type="none"/>
-              </a:ln>
-            </p:spPr>
-            <p:style>
-              <a:lnRef idx="1">
-                <a:schemeClr val="accent1"/>
-              </a:lnRef>
-              <a:fillRef idx="0">
-                <a:schemeClr val="accent1"/>
-              </a:fillRef>
-              <a:effectRef idx="0">
-                <a:schemeClr val="accent1"/>
-              </a:effectRef>
-              <a:fontRef idx="minor">
-                <a:schemeClr val="tx1"/>
-              </a:fontRef>
-            </p:style>
-          </p:cxnSp>
         </p:grpSp>
+        <p:cxnSp>
+          <p:nvCxnSpPr>
+            <p:cNvPr id="41" name="Elbow Connector 40"/>
+            <p:cNvCxnSpPr>
+              <a:stCxn id="45" idx="0"/>
+              <a:endCxn id="5" idx="2"/>
+            </p:cNvCxnSpPr>
+            <p:nvPr/>
+          </p:nvCxnSpPr>
+          <p:spPr>
+            <a:xfrm rot="5400000">
+              <a:off x="3848909" y="3173221"/>
+              <a:ext cx="3974843" cy="2032444"/>
+            </a:xfrm>
+            <a:prstGeom prst="bentConnector5">
+              <a:avLst>
+                <a:gd name="adj1" fmla="val 35005"/>
+                <a:gd name="adj2" fmla="val -43878"/>
+                <a:gd name="adj3" fmla="val 108803"/>
+              </a:avLst>
+            </a:prstGeom>
+            <a:ln w="44450">
+              <a:solidFill>
+                <a:schemeClr val="accent2"/>
+              </a:solidFill>
+              <a:headEnd type="triangle"/>
+              <a:tailEnd type="none"/>
+            </a:ln>
+          </p:spPr>
+          <p:style>
+            <a:lnRef idx="1">
+              <a:schemeClr val="accent1"/>
+            </a:lnRef>
+            <a:fillRef idx="0">
+              <a:schemeClr val="accent1"/>
+            </a:fillRef>
+            <a:effectRef idx="0">
+              <a:schemeClr val="accent1"/>
+            </a:effectRef>
+            <a:fontRef idx="minor">
+              <a:schemeClr val="tx1"/>
+            </a:fontRef>
+          </p:style>
+        </p:cxnSp>
       </p:grpSp>
     </p:spTree>
     <p:extLst>

--- a/docs/diagrams/architecture/architecture.pptx
+++ b/docs/diagrams/architecture/architecture.pptx
@@ -7,6 +7,7 @@
   <p:sldIdLst>
     <p:sldId id="257" r:id="rId2"/>
     <p:sldId id="258" r:id="rId3"/>
+    <p:sldId id="259" r:id="rId4"/>
   </p:sldIdLst>
   <p:sldSz cx="12192000" cy="6858000"/>
   <p:notesSz cx="7315200" cy="9601200"/>
@@ -3126,10 +3127,2899 @@
   <p:clrMapOvr>
     <a:masterClrMapping/>
   </p:clrMapOvr>
+  <p:timing>
+    <p:tnLst>
+      <p:par>
+        <p:cTn id="1" dur="indefinite" restart="never" nodeType="tmRoot">
+          <p:childTnLst>
+            <p:seq concurrent="1" nextAc="seek">
+              <p:cTn id="2" dur="indefinite" nodeType="mainSeq">
+                <p:childTnLst>
+                  <p:par>
+                    <p:cTn id="3" fill="hold">
+                      <p:stCondLst>
+                        <p:cond delay="indefinite"/>
+                      </p:stCondLst>
+                      <p:childTnLst>
+                        <p:par>
+                          <p:cTn id="4" fill="hold">
+                            <p:stCondLst>
+                              <p:cond delay="0"/>
+                            </p:stCondLst>
+                            <p:childTnLst>
+                              <p:par>
+                                <p:cTn id="5" presetID="1" presetClass="entr" presetSubtype="0" fill="hold" grpId="0" nodeType="clickEffect">
+                                  <p:stCondLst>
+                                    <p:cond delay="0"/>
+                                  </p:stCondLst>
+                                  <p:childTnLst>
+                                    <p:set>
+                                      <p:cBhvr>
+                                        <p:cTn id="6" dur="1" fill="hold">
+                                          <p:stCondLst>
+                                            <p:cond delay="0"/>
+                                          </p:stCondLst>
+                                        </p:cTn>
+                                        <p:tgtEl>
+                                          <p:spTgt spid="6"/>
+                                        </p:tgtEl>
+                                        <p:attrNameLst>
+                                          <p:attrName>style.visibility</p:attrName>
+                                        </p:attrNameLst>
+                                      </p:cBhvr>
+                                      <p:to>
+                                        <p:strVal val="visible"/>
+                                      </p:to>
+                                    </p:set>
+                                  </p:childTnLst>
+                                </p:cTn>
+                              </p:par>
+                              <p:par>
+                                <p:cTn id="7" presetID="1" presetClass="entr" presetSubtype="0" fill="hold" nodeType="withEffect">
+                                  <p:stCondLst>
+                                    <p:cond delay="0"/>
+                                  </p:stCondLst>
+                                  <p:childTnLst>
+                                    <p:set>
+                                      <p:cBhvr>
+                                        <p:cTn id="8" dur="1" fill="hold">
+                                          <p:stCondLst>
+                                            <p:cond delay="0"/>
+                                          </p:stCondLst>
+                                        </p:cTn>
+                                        <p:tgtEl>
+                                          <p:spTgt spid="8"/>
+                                        </p:tgtEl>
+                                        <p:attrNameLst>
+                                          <p:attrName>style.visibility</p:attrName>
+                                        </p:attrNameLst>
+                                      </p:cBhvr>
+                                      <p:to>
+                                        <p:strVal val="visible"/>
+                                      </p:to>
+                                    </p:set>
+                                  </p:childTnLst>
+                                </p:cTn>
+                              </p:par>
+                              <p:par>
+                                <p:cTn id="9" presetID="1" presetClass="entr" presetSubtype="0" fill="hold" nodeType="withEffect">
+                                  <p:stCondLst>
+                                    <p:cond delay="0"/>
+                                  </p:stCondLst>
+                                  <p:childTnLst>
+                                    <p:set>
+                                      <p:cBhvr>
+                                        <p:cTn id="10" dur="1" fill="hold">
+                                          <p:stCondLst>
+                                            <p:cond delay="0"/>
+                                          </p:stCondLst>
+                                        </p:cTn>
+                                        <p:tgtEl>
+                                          <p:spTgt spid="4"/>
+                                        </p:tgtEl>
+                                        <p:attrNameLst>
+                                          <p:attrName>style.visibility</p:attrName>
+                                        </p:attrNameLst>
+                                      </p:cBhvr>
+                                      <p:to>
+                                        <p:strVal val="visible"/>
+                                      </p:to>
+                                    </p:set>
+                                  </p:childTnLst>
+                                </p:cTn>
+                              </p:par>
+                            </p:childTnLst>
+                          </p:cTn>
+                        </p:par>
+                      </p:childTnLst>
+                    </p:cTn>
+                  </p:par>
+                </p:childTnLst>
+              </p:cTn>
+              <p:prevCondLst>
+                <p:cond evt="onPrev" delay="0">
+                  <p:tgtEl>
+                    <p:sldTgt/>
+                  </p:tgtEl>
+                </p:cond>
+              </p:prevCondLst>
+              <p:nextCondLst>
+                <p:cond evt="onNext" delay="0">
+                  <p:tgtEl>
+                    <p:sldTgt/>
+                  </p:tgtEl>
+                </p:cond>
+              </p:nextCondLst>
+            </p:seq>
+          </p:childTnLst>
+        </p:cTn>
+      </p:par>
+    </p:tnLst>
+    <p:bldLst>
+      <p:bldP spid="6" grpId="0" animBg="1"/>
+    </p:bldLst>
+  </p:timing>
 </p:sld>
 </file>
 
 <file path=ppt/slides/slide2.xml><?xml version="1.0" encoding="utf-8"?>
+<p:sld xmlns:a="http://schemas.openxmlformats.org/drawingml/2006/main" xmlns:r="http://schemas.openxmlformats.org/officeDocument/2006/relationships" xmlns:p="http://schemas.openxmlformats.org/presentationml/2006/main">
+  <p:cSld>
+    <p:spTree>
+      <p:nvGrpSpPr>
+        <p:cNvPr id="1" name=""/>
+        <p:cNvGrpSpPr/>
+        <p:nvPr/>
+      </p:nvGrpSpPr>
+      <p:grpSpPr>
+        <a:xfrm>
+          <a:off x="0" y="0"/>
+          <a:ext cx="0" cy="0"/>
+          <a:chOff x="0" y="0"/>
+          <a:chExt cx="0" cy="0"/>
+        </a:xfrm>
+      </p:grpSpPr>
+      <p:grpSp>
+        <p:nvGrpSpPr>
+          <p:cNvPr id="8" name="Group 7"/>
+          <p:cNvGrpSpPr/>
+          <p:nvPr/>
+        </p:nvGrpSpPr>
+        <p:grpSpPr>
+          <a:xfrm>
+            <a:off x="0" y="0"/>
+            <a:ext cx="9846104" cy="6858000"/>
+            <a:chOff x="0" y="0"/>
+            <a:chExt cx="9846104" cy="6858000"/>
+          </a:xfrm>
+        </p:grpSpPr>
+        <p:sp>
+          <p:nvSpPr>
+            <p:cNvPr id="110" name="Rectangle 109"/>
+            <p:cNvSpPr/>
+            <p:nvPr/>
+          </p:nvSpPr>
+          <p:spPr>
+            <a:xfrm>
+              <a:off x="0" y="0"/>
+              <a:ext cx="9846103" cy="6858000"/>
+            </a:xfrm>
+            <a:prstGeom prst="rect">
+              <a:avLst/>
+            </a:prstGeom>
+            <a:solidFill>
+              <a:schemeClr val="bg2">
+                <a:lumMod val="90000"/>
+              </a:schemeClr>
+            </a:solidFill>
+            <a:ln>
+              <a:solidFill>
+                <a:schemeClr val="tx1"/>
+              </a:solidFill>
+              <a:prstDash val="solid"/>
+            </a:ln>
+          </p:spPr>
+          <p:style>
+            <a:lnRef idx="2">
+              <a:schemeClr val="accent1">
+                <a:shade val="50000"/>
+              </a:schemeClr>
+            </a:lnRef>
+            <a:fillRef idx="1">
+              <a:schemeClr val="accent1"/>
+            </a:fillRef>
+            <a:effectRef idx="0">
+              <a:schemeClr val="accent1"/>
+            </a:effectRef>
+            <a:fontRef idx="minor">
+              <a:schemeClr val="lt1"/>
+            </a:fontRef>
+          </p:style>
+          <p:txBody>
+            <a:bodyPr rtlCol="0" anchor="ctr"/>
+            <a:lstStyle/>
+            <a:p>
+              <a:pPr algn="ctr"/>
+              <a:endParaRPr lang="en-US" dirty="0"/>
+            </a:p>
+          </p:txBody>
+        </p:sp>
+        <p:grpSp>
+          <p:nvGrpSpPr>
+            <p:cNvPr id="168" name="Group 167"/>
+            <p:cNvGrpSpPr/>
+            <p:nvPr/>
+          </p:nvGrpSpPr>
+          <p:grpSpPr>
+            <a:xfrm>
+              <a:off x="8210930" y="6344434"/>
+              <a:ext cx="1635174" cy="458294"/>
+              <a:chOff x="8416211" y="6344434"/>
+              <a:chExt cx="1635174" cy="458294"/>
+            </a:xfrm>
+          </p:grpSpPr>
+          <p:pic>
+            <p:nvPicPr>
+              <p:cNvPr id="113" name="Picture 112"/>
+              <p:cNvPicPr>
+                <a:picLocks noChangeAspect="1"/>
+              </p:cNvPicPr>
+              <p:nvPr/>
+            </p:nvPicPr>
+            <p:blipFill>
+              <a:blip r:embed="rId2">
+                <a:extLst>
+                  <a:ext uri="{28A0092B-C50C-407E-A947-70E740481C1C}">
+                    <a14:useLocalDpi xmlns:a14="http://schemas.microsoft.com/office/drawing/2010/main" val="0"/>
+                  </a:ext>
+                </a:extLst>
+              </a:blip>
+              <a:stretch>
+                <a:fillRect/>
+              </a:stretch>
+            </p:blipFill>
+            <p:spPr>
+              <a:xfrm>
+                <a:off x="8416211" y="6441277"/>
+                <a:ext cx="962303" cy="361451"/>
+              </a:xfrm>
+              <a:prstGeom prst="rect">
+                <a:avLst/>
+              </a:prstGeom>
+            </p:spPr>
+          </p:pic>
+          <p:sp>
+            <p:nvSpPr>
+              <p:cNvPr id="153" name="TextBox 152"/>
+              <p:cNvSpPr txBox="1"/>
+              <p:nvPr/>
+            </p:nvSpPr>
+            <p:spPr>
+              <a:xfrm>
+                <a:off x="9350552" y="6344434"/>
+                <a:ext cx="700833" cy="369332"/>
+              </a:xfrm>
+              <a:prstGeom prst="rect">
+                <a:avLst/>
+              </a:prstGeom>
+              <a:noFill/>
+            </p:spPr>
+            <p:txBody>
+              <a:bodyPr wrap="none" rtlCol="0">
+                <a:spAutoFit/>
+              </a:bodyPr>
+              <a:lstStyle/>
+              <a:p>
+                <a:r>
+                  <a:rPr lang="en-US" b="1" i="1" dirty="0"/>
+                  <a:t>c</a:t>
+                </a:r>
+                <a:r>
+                  <a:rPr lang="en-US" b="1" i="1" dirty="0" smtClean="0"/>
+                  <a:t>loud</a:t>
+                </a:r>
+                <a:endParaRPr lang="en-US" b="1" i="1" dirty="0"/>
+              </a:p>
+            </p:txBody>
+          </p:sp>
+        </p:grpSp>
+      </p:grpSp>
+      <p:grpSp>
+        <p:nvGrpSpPr>
+          <p:cNvPr id="16" name="Group 15"/>
+          <p:cNvGrpSpPr/>
+          <p:nvPr/>
+        </p:nvGrpSpPr>
+        <p:grpSpPr>
+          <a:xfrm>
+            <a:off x="245730" y="167951"/>
+            <a:ext cx="9271870" cy="2396961"/>
+            <a:chOff x="245730" y="167951"/>
+            <a:chExt cx="9271870" cy="2396961"/>
+          </a:xfrm>
+        </p:grpSpPr>
+        <p:sp>
+          <p:nvSpPr>
+            <p:cNvPr id="51" name="Rectangle 50"/>
+            <p:cNvSpPr/>
+            <p:nvPr/>
+          </p:nvSpPr>
+          <p:spPr>
+            <a:xfrm>
+              <a:off x="245730" y="167951"/>
+              <a:ext cx="9271870" cy="2396961"/>
+            </a:xfrm>
+            <a:prstGeom prst="rect">
+              <a:avLst/>
+            </a:prstGeom>
+            <a:solidFill>
+              <a:schemeClr val="accent1">
+                <a:lumMod val="20000"/>
+                <a:lumOff val="80000"/>
+              </a:schemeClr>
+            </a:solidFill>
+            <a:ln w="34925">
+              <a:solidFill>
+                <a:schemeClr val="tx1"/>
+              </a:solidFill>
+              <a:prstDash val="solid"/>
+            </a:ln>
+          </p:spPr>
+          <p:style>
+            <a:lnRef idx="2">
+              <a:schemeClr val="accent1">
+                <a:shade val="50000"/>
+              </a:schemeClr>
+            </a:lnRef>
+            <a:fillRef idx="1">
+              <a:schemeClr val="accent1"/>
+            </a:fillRef>
+            <a:effectRef idx="0">
+              <a:schemeClr val="accent1"/>
+            </a:effectRef>
+            <a:fontRef idx="minor">
+              <a:schemeClr val="lt1"/>
+            </a:fontRef>
+          </p:style>
+          <p:txBody>
+            <a:bodyPr rtlCol="0" anchor="ctr"/>
+            <a:lstStyle/>
+            <a:p>
+              <a:pPr algn="ctr"/>
+              <a:endParaRPr lang="en-US"/>
+            </a:p>
+          </p:txBody>
+        </p:sp>
+        <p:sp>
+          <p:nvSpPr>
+            <p:cNvPr id="19" name="TextBox 18"/>
+            <p:cNvSpPr txBox="1"/>
+            <p:nvPr/>
+          </p:nvSpPr>
+          <p:spPr>
+            <a:xfrm>
+              <a:off x="245730" y="175987"/>
+              <a:ext cx="1625766" cy="369332"/>
+            </a:xfrm>
+            <a:prstGeom prst="rect">
+              <a:avLst/>
+            </a:prstGeom>
+            <a:noFill/>
+            <a:ln>
+              <a:noFill/>
+            </a:ln>
+          </p:spPr>
+          <p:txBody>
+            <a:bodyPr wrap="none" rtlCol="0">
+              <a:spAutoFit/>
+            </a:bodyPr>
+            <a:lstStyle/>
+            <a:p>
+              <a:r>
+                <a:rPr lang="en-US" b="1" i="1" dirty="0" smtClean="0"/>
+                <a:t>Sherlock Demo</a:t>
+              </a:r>
+              <a:endParaRPr lang="en-US" b="1" i="1" dirty="0"/>
+            </a:p>
+          </p:txBody>
+        </p:sp>
+      </p:grpSp>
+      <p:grpSp>
+        <p:nvGrpSpPr>
+          <p:cNvPr id="18" name="Group 17"/>
+          <p:cNvGrpSpPr/>
+          <p:nvPr/>
+        </p:nvGrpSpPr>
+        <p:grpSpPr>
+          <a:xfrm>
+            <a:off x="5570386" y="379822"/>
+            <a:ext cx="2537927" cy="2089636"/>
+            <a:chOff x="5570386" y="379822"/>
+            <a:chExt cx="2537927" cy="2089636"/>
+          </a:xfrm>
+        </p:grpSpPr>
+        <p:sp>
+          <p:nvSpPr>
+            <p:cNvPr id="27" name="Rounded Rectangle 26"/>
+            <p:cNvSpPr/>
+            <p:nvPr/>
+          </p:nvSpPr>
+          <p:spPr>
+            <a:xfrm>
+              <a:off x="5570386" y="379822"/>
+              <a:ext cx="2537927" cy="2089636"/>
+            </a:xfrm>
+            <a:prstGeom prst="roundRect">
+              <a:avLst/>
+            </a:prstGeom>
+            <a:solidFill>
+              <a:schemeClr val="bg1"/>
+            </a:solidFill>
+            <a:ln w="38100">
+              <a:solidFill>
+                <a:schemeClr val="tx1"/>
+              </a:solidFill>
+              <a:prstDash val="dash"/>
+            </a:ln>
+          </p:spPr>
+          <p:style>
+            <a:lnRef idx="2">
+              <a:schemeClr val="accent1">
+                <a:shade val="50000"/>
+              </a:schemeClr>
+            </a:lnRef>
+            <a:fillRef idx="1">
+              <a:schemeClr val="accent1"/>
+            </a:fillRef>
+            <a:effectRef idx="0">
+              <a:schemeClr val="accent1"/>
+            </a:effectRef>
+            <a:fontRef idx="minor">
+              <a:schemeClr val="lt1"/>
+            </a:fontRef>
+          </p:style>
+          <p:txBody>
+            <a:bodyPr rtlCol="0" anchor="ctr"/>
+            <a:lstStyle/>
+            <a:p>
+              <a:pPr algn="ctr"/>
+              <a:endParaRPr lang="en-US"/>
+            </a:p>
+          </p:txBody>
+        </p:sp>
+        <p:sp>
+          <p:nvSpPr>
+            <p:cNvPr id="34" name="TextBox 33"/>
+            <p:cNvSpPr txBox="1"/>
+            <p:nvPr/>
+          </p:nvSpPr>
+          <p:spPr>
+            <a:xfrm>
+              <a:off x="6190056" y="427921"/>
+              <a:ext cx="1413913" cy="369332"/>
+            </a:xfrm>
+            <a:prstGeom prst="rect">
+              <a:avLst/>
+            </a:prstGeom>
+            <a:noFill/>
+          </p:spPr>
+          <p:txBody>
+            <a:bodyPr wrap="none" rtlCol="0">
+              <a:spAutoFit/>
+            </a:bodyPr>
+            <a:lstStyle/>
+            <a:p>
+              <a:r>
+                <a:rPr lang="en-US" b="1" i="1" dirty="0" smtClean="0"/>
+                <a:t>Visualization</a:t>
+              </a:r>
+              <a:endParaRPr lang="en-US" b="1" i="1" dirty="0"/>
+            </a:p>
+          </p:txBody>
+        </p:sp>
+      </p:grpSp>
+      <p:grpSp>
+        <p:nvGrpSpPr>
+          <p:cNvPr id="17" name="Group 16"/>
+          <p:cNvGrpSpPr/>
+          <p:nvPr/>
+        </p:nvGrpSpPr>
+        <p:grpSpPr>
+          <a:xfrm>
+            <a:off x="1949323" y="379824"/>
+            <a:ext cx="3375433" cy="2035544"/>
+            <a:chOff x="1949323" y="379824"/>
+            <a:chExt cx="3375433" cy="2035544"/>
+          </a:xfrm>
+        </p:grpSpPr>
+        <p:sp>
+          <p:nvSpPr>
+            <p:cNvPr id="117" name="Rounded Rectangle 116"/>
+            <p:cNvSpPr/>
+            <p:nvPr/>
+          </p:nvSpPr>
+          <p:spPr>
+            <a:xfrm>
+              <a:off x="1949323" y="379824"/>
+              <a:ext cx="3375433" cy="2035544"/>
+            </a:xfrm>
+            <a:prstGeom prst="roundRect">
+              <a:avLst/>
+            </a:prstGeom>
+            <a:solidFill>
+              <a:schemeClr val="bg1"/>
+            </a:solidFill>
+            <a:ln w="38100">
+              <a:solidFill>
+                <a:schemeClr val="tx1"/>
+              </a:solidFill>
+              <a:prstDash val="dash"/>
+            </a:ln>
+          </p:spPr>
+          <p:style>
+            <a:lnRef idx="2">
+              <a:schemeClr val="accent1">
+                <a:shade val="50000"/>
+              </a:schemeClr>
+            </a:lnRef>
+            <a:fillRef idx="1">
+              <a:schemeClr val="accent1"/>
+            </a:fillRef>
+            <a:effectRef idx="0">
+              <a:schemeClr val="accent1"/>
+            </a:effectRef>
+            <a:fontRef idx="minor">
+              <a:schemeClr val="lt1"/>
+            </a:fontRef>
+          </p:style>
+          <p:txBody>
+            <a:bodyPr rtlCol="0" anchor="ctr"/>
+            <a:lstStyle/>
+            <a:p>
+              <a:pPr algn="ctr"/>
+              <a:endParaRPr lang="en-US"/>
+            </a:p>
+          </p:txBody>
+        </p:sp>
+        <p:sp>
+          <p:nvSpPr>
+            <p:cNvPr id="134" name="TextBox 133"/>
+            <p:cNvSpPr txBox="1"/>
+            <p:nvPr/>
+          </p:nvSpPr>
+          <p:spPr>
+            <a:xfrm>
+              <a:off x="3026359" y="431060"/>
+              <a:ext cx="1249060" cy="369332"/>
+            </a:xfrm>
+            <a:prstGeom prst="rect">
+              <a:avLst/>
+            </a:prstGeom>
+            <a:noFill/>
+          </p:spPr>
+          <p:txBody>
+            <a:bodyPr wrap="none" rtlCol="0">
+              <a:spAutoFit/>
+            </a:bodyPr>
+            <a:lstStyle/>
+            <a:p>
+              <a:r>
+                <a:rPr lang="en-US" b="1" i="1" dirty="0" smtClean="0"/>
+                <a:t>Operations</a:t>
+              </a:r>
+              <a:endParaRPr lang="en-US" b="1" i="1" dirty="0"/>
+            </a:p>
+          </p:txBody>
+        </p:sp>
+      </p:grpSp>
+      <p:grpSp>
+        <p:nvGrpSpPr>
+          <p:cNvPr id="4" name="Group 3"/>
+          <p:cNvGrpSpPr/>
+          <p:nvPr/>
+        </p:nvGrpSpPr>
+        <p:grpSpPr>
+          <a:xfrm>
+            <a:off x="1883939" y="2816936"/>
+            <a:ext cx="6061029" cy="3975750"/>
+            <a:chOff x="1883939" y="2816936"/>
+            <a:chExt cx="6061029" cy="3975750"/>
+          </a:xfrm>
+        </p:grpSpPr>
+        <p:sp>
+          <p:nvSpPr>
+            <p:cNvPr id="77" name="Rectangle 76"/>
+            <p:cNvSpPr/>
+            <p:nvPr/>
+          </p:nvSpPr>
+          <p:spPr>
+            <a:xfrm>
+              <a:off x="1883939" y="2816936"/>
+              <a:ext cx="6061029" cy="3975750"/>
+            </a:xfrm>
+            <a:prstGeom prst="rect">
+              <a:avLst/>
+            </a:prstGeom>
+            <a:solidFill>
+              <a:schemeClr val="bg1"/>
+            </a:solidFill>
+            <a:ln w="57150">
+              <a:solidFill>
+                <a:schemeClr val="accent1"/>
+              </a:solidFill>
+            </a:ln>
+          </p:spPr>
+          <p:style>
+            <a:lnRef idx="2">
+              <a:schemeClr val="accent1">
+                <a:shade val="50000"/>
+              </a:schemeClr>
+            </a:lnRef>
+            <a:fillRef idx="1">
+              <a:schemeClr val="accent1"/>
+            </a:fillRef>
+            <a:effectRef idx="0">
+              <a:schemeClr val="accent1"/>
+            </a:effectRef>
+            <a:fontRef idx="minor">
+              <a:schemeClr val="lt1"/>
+            </a:fontRef>
+          </p:style>
+          <p:txBody>
+            <a:bodyPr rtlCol="0" anchor="ctr"/>
+            <a:lstStyle/>
+            <a:p>
+              <a:pPr algn="ctr"/>
+              <a:endParaRPr lang="en-US"/>
+            </a:p>
+          </p:txBody>
+        </p:sp>
+        <p:pic>
+          <p:nvPicPr>
+            <p:cNvPr id="5" name="Picture 4"/>
+            <p:cNvPicPr>
+              <a:picLocks noChangeAspect="1"/>
+            </p:cNvPicPr>
+            <p:nvPr/>
+          </p:nvPicPr>
+          <p:blipFill>
+            <a:blip r:embed="rId3">
+              <a:extLst>
+                <a:ext uri="{28A0092B-C50C-407E-A947-70E740481C1C}">
+                  <a14:useLocalDpi xmlns:a14="http://schemas.microsoft.com/office/drawing/2010/main" val="0"/>
+                </a:ext>
+              </a:extLst>
+            </a:blip>
+            <a:stretch>
+              <a:fillRect/>
+            </a:stretch>
+          </p:blipFill>
+          <p:spPr>
+            <a:xfrm>
+              <a:off x="2012503" y="2988074"/>
+              <a:ext cx="5615210" cy="3188791"/>
+            </a:xfrm>
+            <a:prstGeom prst="rect">
+              <a:avLst/>
+            </a:prstGeom>
+          </p:spPr>
+        </p:pic>
+        <p:sp>
+          <p:nvSpPr>
+            <p:cNvPr id="116" name="TextBox 115"/>
+            <p:cNvSpPr txBox="1"/>
+            <p:nvPr/>
+          </p:nvSpPr>
+          <p:spPr>
+            <a:xfrm>
+              <a:off x="1986647" y="6345237"/>
+              <a:ext cx="1287532" cy="369332"/>
+            </a:xfrm>
+            <a:prstGeom prst="rect">
+              <a:avLst/>
+            </a:prstGeom>
+            <a:noFill/>
+          </p:spPr>
+          <p:txBody>
+            <a:bodyPr wrap="none" rtlCol="0">
+              <a:spAutoFit/>
+            </a:bodyPr>
+            <a:lstStyle/>
+            <a:p>
+              <a:r>
+                <a:rPr lang="en-US" b="1" i="1" dirty="0" smtClean="0">
+                  <a:solidFill>
+                    <a:srgbClr val="0070C0"/>
+                  </a:solidFill>
+                </a:rPr>
+                <a:t>Hadoop 2.0</a:t>
+              </a:r>
+              <a:endParaRPr lang="en-US" b="1" i="1" dirty="0">
+                <a:solidFill>
+                  <a:srgbClr val="0070C0"/>
+                </a:solidFill>
+              </a:endParaRPr>
+            </a:p>
+          </p:txBody>
+        </p:sp>
+      </p:grpSp>
+      <p:grpSp>
+        <p:nvGrpSpPr>
+          <p:cNvPr id="10" name="Group 9"/>
+          <p:cNvGrpSpPr/>
+          <p:nvPr/>
+        </p:nvGrpSpPr>
+        <p:grpSpPr>
+          <a:xfrm>
+            <a:off x="245729" y="3750995"/>
+            <a:ext cx="2850947" cy="1416908"/>
+            <a:chOff x="245729" y="3750995"/>
+            <a:chExt cx="2850947" cy="1416908"/>
+          </a:xfrm>
+        </p:grpSpPr>
+        <p:sp>
+          <p:nvSpPr>
+            <p:cNvPr id="6" name="Rectangle 5"/>
+            <p:cNvSpPr/>
+            <p:nvPr/>
+          </p:nvSpPr>
+          <p:spPr>
+            <a:xfrm>
+              <a:off x="2007757" y="4105465"/>
+              <a:ext cx="1088919" cy="670643"/>
+            </a:xfrm>
+            <a:prstGeom prst="rect">
+              <a:avLst/>
+            </a:prstGeom>
+            <a:noFill/>
+            <a:ln w="28575">
+              <a:solidFill>
+                <a:schemeClr val="tx1"/>
+              </a:solidFill>
+              <a:prstDash val="dash"/>
+            </a:ln>
+          </p:spPr>
+          <p:style>
+            <a:lnRef idx="2">
+              <a:schemeClr val="accent1">
+                <a:shade val="50000"/>
+              </a:schemeClr>
+            </a:lnRef>
+            <a:fillRef idx="1">
+              <a:schemeClr val="accent1"/>
+            </a:fillRef>
+            <a:effectRef idx="0">
+              <a:schemeClr val="accent1"/>
+            </a:effectRef>
+            <a:fontRef idx="minor">
+              <a:schemeClr val="lt1"/>
+            </a:fontRef>
+          </p:style>
+          <p:txBody>
+            <a:bodyPr rtlCol="0" anchor="ctr"/>
+            <a:lstStyle/>
+            <a:p>
+              <a:pPr algn="ctr"/>
+              <a:endParaRPr lang="en-US"/>
+            </a:p>
+          </p:txBody>
+        </p:sp>
+        <p:cxnSp>
+          <p:nvCxnSpPr>
+            <p:cNvPr id="9" name="Straight Connector 8"/>
+            <p:cNvCxnSpPr/>
+            <p:nvPr/>
+          </p:nvCxnSpPr>
+          <p:spPr>
+            <a:xfrm flipH="1" flipV="1">
+              <a:off x="1728816" y="3750995"/>
+              <a:ext cx="278944" cy="368781"/>
+            </a:xfrm>
+            <a:prstGeom prst="line">
+              <a:avLst/>
+            </a:prstGeom>
+            <a:ln w="38100">
+              <a:solidFill>
+                <a:schemeClr val="tx1"/>
+              </a:solidFill>
+            </a:ln>
+          </p:spPr>
+          <p:style>
+            <a:lnRef idx="1">
+              <a:schemeClr val="accent1"/>
+            </a:lnRef>
+            <a:fillRef idx="0">
+              <a:schemeClr val="accent1"/>
+            </a:fillRef>
+            <a:effectRef idx="0">
+              <a:schemeClr val="accent1"/>
+            </a:effectRef>
+            <a:fontRef idx="minor">
+              <a:schemeClr val="tx1"/>
+            </a:fontRef>
+          </p:style>
+        </p:cxnSp>
+        <p:cxnSp>
+          <p:nvCxnSpPr>
+            <p:cNvPr id="11" name="Straight Connector 10"/>
+            <p:cNvCxnSpPr/>
+            <p:nvPr/>
+          </p:nvCxnSpPr>
+          <p:spPr>
+            <a:xfrm flipH="1">
+              <a:off x="1728582" y="4776109"/>
+              <a:ext cx="283923" cy="391794"/>
+            </a:xfrm>
+            <a:prstGeom prst="line">
+              <a:avLst/>
+            </a:prstGeom>
+            <a:ln w="38100">
+              <a:solidFill>
+                <a:schemeClr val="tx1"/>
+              </a:solidFill>
+            </a:ln>
+          </p:spPr>
+          <p:style>
+            <a:lnRef idx="1">
+              <a:schemeClr val="accent1"/>
+            </a:lnRef>
+            <a:fillRef idx="0">
+              <a:schemeClr val="accent1"/>
+            </a:fillRef>
+            <a:effectRef idx="0">
+              <a:schemeClr val="accent1"/>
+            </a:effectRef>
+            <a:fontRef idx="minor">
+              <a:schemeClr val="tx1"/>
+            </a:fontRef>
+          </p:style>
+        </p:cxnSp>
+        <p:grpSp>
+          <p:nvGrpSpPr>
+            <p:cNvPr id="142" name="Group 141"/>
+            <p:cNvGrpSpPr/>
+            <p:nvPr/>
+          </p:nvGrpSpPr>
+          <p:grpSpPr>
+            <a:xfrm>
+              <a:off x="245729" y="3750995"/>
+              <a:ext cx="1483087" cy="1416908"/>
+              <a:chOff x="144210" y="2016120"/>
+              <a:chExt cx="1466335" cy="1416908"/>
+            </a:xfrm>
+          </p:grpSpPr>
+          <p:sp>
+            <p:nvSpPr>
+              <p:cNvPr id="7" name="Rectangle 6"/>
+              <p:cNvSpPr/>
+              <p:nvPr/>
+            </p:nvSpPr>
+            <p:spPr>
+              <a:xfrm>
+                <a:off x="144210" y="2016120"/>
+                <a:ext cx="1466335" cy="1416908"/>
+              </a:xfrm>
+              <a:prstGeom prst="rect">
+                <a:avLst/>
+              </a:prstGeom>
+              <a:noFill/>
+              <a:ln w="38100">
+                <a:solidFill>
+                  <a:schemeClr val="tx1"/>
+                </a:solidFill>
+              </a:ln>
+            </p:spPr>
+            <p:style>
+              <a:lnRef idx="2">
+                <a:schemeClr val="accent1">
+                  <a:shade val="50000"/>
+                </a:schemeClr>
+              </a:lnRef>
+              <a:fillRef idx="1">
+                <a:schemeClr val="accent1"/>
+              </a:fillRef>
+              <a:effectRef idx="0">
+                <a:schemeClr val="accent1"/>
+              </a:effectRef>
+              <a:fontRef idx="minor">
+                <a:schemeClr val="lt1"/>
+              </a:fontRef>
+            </p:style>
+            <p:txBody>
+              <a:bodyPr rtlCol="0" anchor="ctr"/>
+              <a:lstStyle/>
+              <a:p>
+                <a:pPr algn="ctr"/>
+                <a:endParaRPr lang="en-US"/>
+              </a:p>
+            </p:txBody>
+          </p:sp>
+          <p:sp useBgFill="1">
+            <p:nvSpPr>
+              <p:cNvPr id="12" name="Rounded Rectangle 11"/>
+              <p:cNvSpPr/>
+              <p:nvPr/>
+            </p:nvSpPr>
+            <p:spPr>
+              <a:xfrm>
+                <a:off x="243065" y="2304444"/>
+                <a:ext cx="1285102" cy="852616"/>
+              </a:xfrm>
+              <a:prstGeom prst="roundRect">
+                <a:avLst/>
+              </a:prstGeom>
+              <a:ln w="31750">
+                <a:solidFill>
+                  <a:schemeClr val="accent6">
+                    <a:lumMod val="75000"/>
+                  </a:schemeClr>
+                </a:solidFill>
+              </a:ln>
+            </p:spPr>
+            <p:style>
+              <a:lnRef idx="2">
+                <a:schemeClr val="accent1">
+                  <a:shade val="50000"/>
+                </a:schemeClr>
+              </a:lnRef>
+              <a:fillRef idx="1">
+                <a:schemeClr val="accent1"/>
+              </a:fillRef>
+              <a:effectRef idx="0">
+                <a:schemeClr val="accent1"/>
+              </a:effectRef>
+              <a:fontRef idx="minor">
+                <a:schemeClr val="lt1"/>
+              </a:fontRef>
+            </p:style>
+            <p:txBody>
+              <a:bodyPr rtlCol="0" anchor="ctr"/>
+              <a:lstStyle/>
+              <a:p>
+                <a:pPr algn="ctr"/>
+                <a:endParaRPr lang="en-US" dirty="0"/>
+              </a:p>
+            </p:txBody>
+          </p:sp>
+          <p:pic>
+            <p:nvPicPr>
+              <p:cNvPr id="14" name="Picture 13"/>
+              <p:cNvPicPr>
+                <a:picLocks noChangeAspect="1"/>
+              </p:cNvPicPr>
+              <p:nvPr/>
+            </p:nvPicPr>
+            <p:blipFill>
+              <a:blip r:embed="rId4" cstate="print">
+                <a:extLst>
+                  <a:ext uri="{28A0092B-C50C-407E-A947-70E740481C1C}">
+                    <a14:useLocalDpi xmlns:a14="http://schemas.microsoft.com/office/drawing/2010/main" val="0"/>
+                  </a:ext>
+                </a:extLst>
+              </a:blip>
+              <a:stretch>
+                <a:fillRect/>
+              </a:stretch>
+            </p:blipFill>
+            <p:spPr>
+              <a:xfrm>
+                <a:off x="791434" y="2506271"/>
+                <a:ext cx="665509" cy="587289"/>
+              </a:xfrm>
+              <a:prstGeom prst="rect">
+                <a:avLst/>
+              </a:prstGeom>
+              <a:ln w="38100">
+                <a:solidFill>
+                  <a:schemeClr val="accent1"/>
+                </a:solidFill>
+              </a:ln>
+              <a:effectLst>
+                <a:softEdge rad="25400"/>
+              </a:effectLst>
+            </p:spPr>
+          </p:pic>
+          <p:sp>
+            <p:nvSpPr>
+              <p:cNvPr id="15" name="TextBox 14"/>
+              <p:cNvSpPr txBox="1"/>
+              <p:nvPr/>
+            </p:nvSpPr>
+            <p:spPr>
+              <a:xfrm>
+                <a:off x="242480" y="2274256"/>
+                <a:ext cx="614271" cy="369332"/>
+              </a:xfrm>
+              <a:prstGeom prst="rect">
+                <a:avLst/>
+              </a:prstGeom>
+              <a:noFill/>
+            </p:spPr>
+            <p:txBody>
+              <a:bodyPr wrap="none" rtlCol="0">
+                <a:spAutoFit/>
+              </a:bodyPr>
+              <a:lstStyle/>
+              <a:p>
+                <a:r>
+                  <a:rPr lang="en-US" dirty="0" smtClean="0"/>
+                  <a:t>Map</a:t>
+                </a:r>
+                <a:endParaRPr lang="en-US" dirty="0"/>
+              </a:p>
+            </p:txBody>
+          </p:sp>
+        </p:grpSp>
+      </p:grpSp>
+      <p:grpSp>
+        <p:nvGrpSpPr>
+          <p:cNvPr id="23" name="Group 22"/>
+          <p:cNvGrpSpPr/>
+          <p:nvPr/>
+        </p:nvGrpSpPr>
+        <p:grpSpPr>
+          <a:xfrm>
+            <a:off x="5760144" y="901926"/>
+            <a:ext cx="2184826" cy="587289"/>
+            <a:chOff x="5760144" y="901926"/>
+            <a:chExt cx="2184826" cy="587289"/>
+          </a:xfrm>
+        </p:grpSpPr>
+        <p:pic>
+          <p:nvPicPr>
+            <p:cNvPr id="31" name="Picture 30"/>
+            <p:cNvPicPr>
+              <a:picLocks noChangeAspect="1"/>
+            </p:cNvPicPr>
+            <p:nvPr/>
+          </p:nvPicPr>
+          <p:blipFill>
+            <a:blip r:embed="rId5" cstate="print">
+              <a:extLst>
+                <a:ext uri="{28A0092B-C50C-407E-A947-70E740481C1C}">
+                  <a14:useLocalDpi xmlns:a14="http://schemas.microsoft.com/office/drawing/2010/main" val="0"/>
+                </a:ext>
+              </a:extLst>
+            </a:blip>
+            <a:stretch>
+              <a:fillRect/>
+            </a:stretch>
+          </p:blipFill>
+          <p:spPr>
+            <a:xfrm>
+              <a:off x="5760144" y="901926"/>
+              <a:ext cx="665509" cy="587289"/>
+            </a:xfrm>
+            <a:prstGeom prst="rect">
+              <a:avLst/>
+            </a:prstGeom>
+            <a:ln w="38100">
+              <a:solidFill>
+                <a:schemeClr val="accent1"/>
+              </a:solidFill>
+            </a:ln>
+            <a:effectLst>
+              <a:softEdge rad="25400"/>
+            </a:effectLst>
+          </p:spPr>
+        </p:pic>
+        <p:pic>
+          <p:nvPicPr>
+            <p:cNvPr id="32" name="Picture 31"/>
+            <p:cNvPicPr>
+              <a:picLocks noChangeAspect="1"/>
+            </p:cNvPicPr>
+            <p:nvPr/>
+          </p:nvPicPr>
+          <p:blipFill>
+            <a:blip r:embed="rId5" cstate="print">
+              <a:extLst>
+                <a:ext uri="{28A0092B-C50C-407E-A947-70E740481C1C}">
+                  <a14:useLocalDpi xmlns:a14="http://schemas.microsoft.com/office/drawing/2010/main" val="0"/>
+                </a:ext>
+              </a:extLst>
+            </a:blip>
+            <a:stretch>
+              <a:fillRect/>
+            </a:stretch>
+          </p:blipFill>
+          <p:spPr>
+            <a:xfrm>
+              <a:off x="7279461" y="901926"/>
+              <a:ext cx="665509" cy="587289"/>
+            </a:xfrm>
+            <a:prstGeom prst="rect">
+              <a:avLst/>
+            </a:prstGeom>
+            <a:ln w="38100">
+              <a:solidFill>
+                <a:schemeClr val="accent1"/>
+              </a:solidFill>
+            </a:ln>
+            <a:effectLst>
+              <a:softEdge rad="25400"/>
+            </a:effectLst>
+          </p:spPr>
+        </p:pic>
+        <p:sp>
+          <p:nvSpPr>
+            <p:cNvPr id="33" name="TextBox 32"/>
+            <p:cNvSpPr txBox="1"/>
+            <p:nvPr/>
+          </p:nvSpPr>
+          <p:spPr>
+            <a:xfrm>
+              <a:off x="6615411" y="904440"/>
+              <a:ext cx="468398" cy="584775"/>
+            </a:xfrm>
+            <a:prstGeom prst="rect">
+              <a:avLst/>
+            </a:prstGeom>
+            <a:noFill/>
+          </p:spPr>
+          <p:txBody>
+            <a:bodyPr wrap="none" rtlCol="0">
+              <a:spAutoFit/>
+            </a:bodyPr>
+            <a:lstStyle/>
+            <a:p>
+              <a:r>
+                <a:rPr lang="en-US" sz="3200" dirty="0" smtClean="0"/>
+                <a:t>…</a:t>
+              </a:r>
+              <a:endParaRPr lang="en-US" sz="3200" dirty="0"/>
+            </a:p>
+          </p:txBody>
+        </p:sp>
+      </p:grpSp>
+      <p:grpSp>
+        <p:nvGrpSpPr>
+          <p:cNvPr id="20" name="Group 19"/>
+          <p:cNvGrpSpPr/>
+          <p:nvPr/>
+        </p:nvGrpSpPr>
+        <p:grpSpPr>
+          <a:xfrm>
+            <a:off x="5760140" y="1652633"/>
+            <a:ext cx="2184825" cy="549389"/>
+            <a:chOff x="5760140" y="1652633"/>
+            <a:chExt cx="2184825" cy="549389"/>
+          </a:xfrm>
+        </p:grpSpPr>
+        <p:sp>
+          <p:nvSpPr>
+            <p:cNvPr id="45" name="Trapezoid 44"/>
+            <p:cNvSpPr/>
+            <p:nvPr/>
+          </p:nvSpPr>
+          <p:spPr>
+            <a:xfrm rot="10800000">
+              <a:off x="5760140" y="1652633"/>
+              <a:ext cx="2184825" cy="549389"/>
+            </a:xfrm>
+            <a:prstGeom prst="trapezoid">
+              <a:avLst>
+                <a:gd name="adj" fmla="val 162569"/>
+              </a:avLst>
+            </a:prstGeom>
+            <a:solidFill>
+              <a:schemeClr val="bg1"/>
+            </a:solidFill>
+            <a:ln w="28575">
+              <a:solidFill>
+                <a:schemeClr val="tx1"/>
+              </a:solidFill>
+              <a:prstDash val="dash"/>
+            </a:ln>
+          </p:spPr>
+          <p:style>
+            <a:lnRef idx="2">
+              <a:schemeClr val="accent1">
+                <a:shade val="50000"/>
+              </a:schemeClr>
+            </a:lnRef>
+            <a:fillRef idx="1">
+              <a:schemeClr val="accent1"/>
+            </a:fillRef>
+            <a:effectRef idx="0">
+              <a:schemeClr val="accent1"/>
+            </a:effectRef>
+            <a:fontRef idx="minor">
+              <a:schemeClr val="lt1"/>
+            </a:fontRef>
+          </p:style>
+          <p:txBody>
+            <a:bodyPr rtlCol="0" anchor="ctr"/>
+            <a:lstStyle/>
+            <a:p>
+              <a:pPr algn="ctr"/>
+              <a:endParaRPr lang="en-US" dirty="0">
+                <a:solidFill>
+                  <a:schemeClr val="tx1"/>
+                </a:solidFill>
+              </a:endParaRPr>
+            </a:p>
+          </p:txBody>
+        </p:sp>
+        <p:sp>
+          <p:nvSpPr>
+            <p:cNvPr id="46" name="TextBox 45"/>
+            <p:cNvSpPr txBox="1"/>
+            <p:nvPr/>
+          </p:nvSpPr>
+          <p:spPr>
+            <a:xfrm>
+              <a:off x="6578574" y="1704020"/>
+              <a:ext cx="583365" cy="400110"/>
+            </a:xfrm>
+            <a:prstGeom prst="rect">
+              <a:avLst/>
+            </a:prstGeom>
+            <a:noFill/>
+          </p:spPr>
+          <p:txBody>
+            <a:bodyPr wrap="none" rtlCol="0">
+              <a:spAutoFit/>
+            </a:bodyPr>
+            <a:lstStyle/>
+            <a:p>
+              <a:r>
+                <a:rPr lang="en-US" sz="2000" b="1" i="1" dirty="0" smtClean="0"/>
+                <a:t>NFS</a:t>
+              </a:r>
+              <a:endParaRPr lang="en-US" sz="2000" b="1" i="1" dirty="0"/>
+            </a:p>
+          </p:txBody>
+        </p:sp>
+      </p:grpSp>
+      <p:grpSp>
+        <p:nvGrpSpPr>
+          <p:cNvPr id="86" name="Group 85"/>
+          <p:cNvGrpSpPr/>
+          <p:nvPr/>
+        </p:nvGrpSpPr>
+        <p:grpSpPr>
+          <a:xfrm>
+            <a:off x="8177807" y="4488891"/>
+            <a:ext cx="1449821" cy="1437119"/>
+            <a:chOff x="10343009" y="4170579"/>
+            <a:chExt cx="1677258" cy="1437119"/>
+          </a:xfrm>
+        </p:grpSpPr>
+        <p:sp>
+          <p:nvSpPr>
+            <p:cNvPr id="53" name="Rectangle 52"/>
+            <p:cNvSpPr/>
+            <p:nvPr/>
+          </p:nvSpPr>
+          <p:spPr>
+            <a:xfrm>
+              <a:off x="10343009" y="4170579"/>
+              <a:ext cx="1677258" cy="1437119"/>
+            </a:xfrm>
+            <a:prstGeom prst="rect">
+              <a:avLst/>
+            </a:prstGeom>
+            <a:solidFill>
+              <a:schemeClr val="bg1"/>
+            </a:solidFill>
+            <a:ln w="57150">
+              <a:solidFill>
+                <a:srgbClr val="FF0000"/>
+              </a:solidFill>
+            </a:ln>
+          </p:spPr>
+          <p:style>
+            <a:lnRef idx="2">
+              <a:schemeClr val="accent1">
+                <a:shade val="50000"/>
+              </a:schemeClr>
+            </a:lnRef>
+            <a:fillRef idx="1">
+              <a:schemeClr val="accent1"/>
+            </a:fillRef>
+            <a:effectRef idx="0">
+              <a:schemeClr val="accent1"/>
+            </a:effectRef>
+            <a:fontRef idx="minor">
+              <a:schemeClr val="lt1"/>
+            </a:fontRef>
+          </p:style>
+          <p:txBody>
+            <a:bodyPr rtlCol="0" anchor="ctr"/>
+            <a:lstStyle/>
+            <a:p>
+              <a:pPr algn="ctr"/>
+              <a:endParaRPr lang="en-US"/>
+            </a:p>
+          </p:txBody>
+        </p:sp>
+        <p:pic>
+          <p:nvPicPr>
+            <p:cNvPr id="54" name="Picture 53"/>
+            <p:cNvPicPr>
+              <a:picLocks noChangeAspect="1"/>
+            </p:cNvPicPr>
+            <p:nvPr/>
+          </p:nvPicPr>
+          <p:blipFill>
+            <a:blip r:embed="rId6" cstate="print">
+              <a:extLst>
+                <a:ext uri="{28A0092B-C50C-407E-A947-70E740481C1C}">
+                  <a14:useLocalDpi xmlns:a14="http://schemas.microsoft.com/office/drawing/2010/main" val="0"/>
+                </a:ext>
+              </a:extLst>
+            </a:blip>
+            <a:stretch>
+              <a:fillRect/>
+            </a:stretch>
+          </p:blipFill>
+          <p:spPr>
+            <a:xfrm>
+              <a:off x="10389222" y="4384949"/>
+              <a:ext cx="1584832" cy="997681"/>
+            </a:xfrm>
+            <a:prstGeom prst="rect">
+              <a:avLst/>
+            </a:prstGeom>
+          </p:spPr>
+        </p:pic>
+        <p:sp>
+          <p:nvSpPr>
+            <p:cNvPr id="84" name="TextBox 83"/>
+            <p:cNvSpPr txBox="1"/>
+            <p:nvPr/>
+          </p:nvSpPr>
+          <p:spPr>
+            <a:xfrm>
+              <a:off x="10680475" y="5197964"/>
+              <a:ext cx="1002326" cy="369332"/>
+            </a:xfrm>
+            <a:prstGeom prst="rect">
+              <a:avLst/>
+            </a:prstGeom>
+            <a:noFill/>
+          </p:spPr>
+          <p:txBody>
+            <a:bodyPr wrap="none" rtlCol="0">
+              <a:spAutoFit/>
+            </a:bodyPr>
+            <a:lstStyle/>
+            <a:p>
+              <a:r>
+                <a:rPr lang="en-US" b="1" i="1" dirty="0" err="1" smtClean="0">
+                  <a:solidFill>
+                    <a:schemeClr val="tx2"/>
+                  </a:solidFill>
+                </a:rPr>
+                <a:t>Hansken</a:t>
+              </a:r>
+              <a:endParaRPr lang="en-US" b="1" i="1" dirty="0">
+                <a:solidFill>
+                  <a:schemeClr val="tx2"/>
+                </a:solidFill>
+              </a:endParaRPr>
+            </a:p>
+          </p:txBody>
+        </p:sp>
+      </p:grpSp>
+      <p:cxnSp>
+        <p:nvCxnSpPr>
+          <p:cNvPr id="88" name="Elbow Connector 87"/>
+          <p:cNvCxnSpPr>
+            <a:stCxn id="27" idx="3"/>
+            <a:endCxn id="53" idx="0"/>
+          </p:cNvCxnSpPr>
+          <p:nvPr/>
+        </p:nvCxnSpPr>
+        <p:spPr>
+          <a:xfrm>
+            <a:off x="8108313" y="1424640"/>
+            <a:ext cx="794405" cy="3064251"/>
+          </a:xfrm>
+          <a:prstGeom prst="bentConnector2">
+            <a:avLst/>
+          </a:prstGeom>
+          <a:ln w="44450">
+            <a:solidFill>
+              <a:srgbClr val="FF0000"/>
+            </a:solidFill>
+            <a:headEnd type="triangle"/>
+            <a:tailEnd type="triangle"/>
+          </a:ln>
+        </p:spPr>
+        <p:style>
+          <a:lnRef idx="1">
+            <a:schemeClr val="accent1"/>
+          </a:lnRef>
+          <a:fillRef idx="0">
+            <a:schemeClr val="accent1"/>
+          </a:fillRef>
+          <a:effectRef idx="0">
+            <a:schemeClr val="accent1"/>
+          </a:effectRef>
+          <a:fontRef idx="minor">
+            <a:schemeClr val="tx1"/>
+          </a:fontRef>
+        </p:style>
+      </p:cxnSp>
+      <p:cxnSp>
+        <p:nvCxnSpPr>
+          <p:cNvPr id="98" name="Elbow Connector 97"/>
+          <p:cNvCxnSpPr>
+            <a:endCxn id="66" idx="0"/>
+          </p:cNvCxnSpPr>
+          <p:nvPr/>
+        </p:nvCxnSpPr>
+        <p:spPr>
+          <a:xfrm rot="16200000" flipH="1">
+            <a:off x="7649113" y="1454844"/>
+            <a:ext cx="3852372" cy="2933972"/>
+          </a:xfrm>
+          <a:prstGeom prst="bentConnector3">
+            <a:avLst>
+              <a:gd name="adj1" fmla="val 106"/>
+            </a:avLst>
+          </a:prstGeom>
+          <a:ln w="44450">
+            <a:solidFill>
+              <a:srgbClr val="7030A0"/>
+            </a:solidFill>
+            <a:headEnd type="triangle"/>
+            <a:tailEnd type="triangle"/>
+          </a:ln>
+        </p:spPr>
+        <p:style>
+          <a:lnRef idx="1">
+            <a:schemeClr val="accent1"/>
+          </a:lnRef>
+          <a:fillRef idx="0">
+            <a:schemeClr val="accent1"/>
+          </a:fillRef>
+          <a:effectRef idx="0">
+            <a:schemeClr val="accent1"/>
+          </a:effectRef>
+          <a:fontRef idx="minor">
+            <a:schemeClr val="tx1"/>
+          </a:fontRef>
+        </p:style>
+      </p:cxnSp>
+      <p:grpSp>
+        <p:nvGrpSpPr>
+          <p:cNvPr id="111" name="Group 110"/>
+          <p:cNvGrpSpPr/>
+          <p:nvPr/>
+        </p:nvGrpSpPr>
+        <p:grpSpPr>
+          <a:xfrm>
+            <a:off x="10078942" y="4848016"/>
+            <a:ext cx="1926685" cy="708170"/>
+            <a:chOff x="8163311" y="4573036"/>
+            <a:chExt cx="1995625" cy="708170"/>
+          </a:xfrm>
+        </p:grpSpPr>
+        <p:sp>
+          <p:nvSpPr>
+            <p:cNvPr id="66" name="Rectangle 65"/>
+            <p:cNvSpPr/>
+            <p:nvPr/>
+          </p:nvSpPr>
+          <p:spPr>
+            <a:xfrm>
+              <a:off x="8163311" y="4573036"/>
+              <a:ext cx="1995625" cy="708170"/>
+            </a:xfrm>
+            <a:prstGeom prst="rect">
+              <a:avLst/>
+            </a:prstGeom>
+            <a:solidFill>
+              <a:schemeClr val="bg1"/>
+            </a:solidFill>
+            <a:ln w="57150">
+              <a:solidFill>
+                <a:srgbClr val="7030A0"/>
+              </a:solidFill>
+            </a:ln>
+          </p:spPr>
+          <p:style>
+            <a:lnRef idx="2">
+              <a:schemeClr val="accent1">
+                <a:shade val="50000"/>
+              </a:schemeClr>
+            </a:lnRef>
+            <a:fillRef idx="1">
+              <a:schemeClr val="accent1"/>
+            </a:fillRef>
+            <a:effectRef idx="0">
+              <a:schemeClr val="accent1"/>
+            </a:effectRef>
+            <a:fontRef idx="minor">
+              <a:schemeClr val="lt1"/>
+            </a:fontRef>
+          </p:style>
+          <p:txBody>
+            <a:bodyPr rtlCol="0" anchor="ctr"/>
+            <a:lstStyle/>
+            <a:p>
+              <a:pPr algn="ctr"/>
+              <a:endParaRPr lang="en-US"/>
+            </a:p>
+          </p:txBody>
+        </p:sp>
+        <p:pic>
+          <p:nvPicPr>
+            <p:cNvPr id="65" name="Picture 64"/>
+            <p:cNvPicPr>
+              <a:picLocks noChangeAspect="1"/>
+            </p:cNvPicPr>
+            <p:nvPr/>
+          </p:nvPicPr>
+          <p:blipFill>
+            <a:blip r:embed="rId7" cstate="print">
+              <a:extLst>
+                <a:ext uri="{28A0092B-C50C-407E-A947-70E740481C1C}">
+                  <a14:useLocalDpi xmlns:a14="http://schemas.microsoft.com/office/drawing/2010/main" val="0"/>
+                </a:ext>
+              </a:extLst>
+            </a:blip>
+            <a:stretch>
+              <a:fillRect/>
+            </a:stretch>
+          </p:blipFill>
+          <p:spPr>
+            <a:xfrm>
+              <a:off x="8452233" y="4712266"/>
+              <a:ext cx="1417782" cy="429711"/>
+            </a:xfrm>
+            <a:prstGeom prst="rect">
+              <a:avLst/>
+            </a:prstGeom>
+            <a:solidFill>
+              <a:schemeClr val="bg1"/>
+            </a:solidFill>
+          </p:spPr>
+        </p:pic>
+      </p:grpSp>
+      <p:sp>
+        <p:nvSpPr>
+          <p:cNvPr id="123" name="Trapezoid 122"/>
+          <p:cNvSpPr/>
+          <p:nvPr/>
+        </p:nvSpPr>
+        <p:spPr>
+          <a:xfrm>
+            <a:off x="2118044" y="1652634"/>
+            <a:ext cx="3023120" cy="549389"/>
+          </a:xfrm>
+          <a:prstGeom prst="trapezoid">
+            <a:avLst/>
+          </a:prstGeom>
+          <a:noFill/>
+          <a:ln w="28575">
+            <a:solidFill>
+              <a:schemeClr val="tx1"/>
+            </a:solidFill>
+          </a:ln>
+        </p:spPr>
+        <p:style>
+          <a:lnRef idx="2">
+            <a:schemeClr val="accent1">
+              <a:shade val="50000"/>
+            </a:schemeClr>
+          </a:lnRef>
+          <a:fillRef idx="1">
+            <a:schemeClr val="accent1"/>
+          </a:fillRef>
+          <a:effectRef idx="0">
+            <a:schemeClr val="accent1"/>
+          </a:effectRef>
+          <a:fontRef idx="minor">
+            <a:schemeClr val="lt1"/>
+          </a:fontRef>
+        </p:style>
+        <p:txBody>
+          <a:bodyPr rtlCol="0" anchor="ctr"/>
+          <a:lstStyle/>
+          <a:p>
+            <a:pPr algn="ctr"/>
+            <a:endParaRPr lang="en-US"/>
+          </a:p>
+        </p:txBody>
+      </p:sp>
+      <p:grpSp>
+        <p:nvGrpSpPr>
+          <p:cNvPr id="22" name="Group 21"/>
+          <p:cNvGrpSpPr/>
+          <p:nvPr/>
+        </p:nvGrpSpPr>
+        <p:grpSpPr>
+          <a:xfrm>
+            <a:off x="2534865" y="877037"/>
+            <a:ext cx="2184826" cy="587289"/>
+            <a:chOff x="2534865" y="877037"/>
+            <a:chExt cx="2184826" cy="587289"/>
+          </a:xfrm>
+        </p:grpSpPr>
+        <p:pic>
+          <p:nvPicPr>
+            <p:cNvPr id="131" name="Picture 130"/>
+            <p:cNvPicPr>
+              <a:picLocks noChangeAspect="1"/>
+            </p:cNvPicPr>
+            <p:nvPr/>
+          </p:nvPicPr>
+          <p:blipFill>
+            <a:blip r:embed="rId5" cstate="print">
+              <a:extLst>
+                <a:ext uri="{28A0092B-C50C-407E-A947-70E740481C1C}">
+                  <a14:useLocalDpi xmlns:a14="http://schemas.microsoft.com/office/drawing/2010/main" val="0"/>
+                </a:ext>
+              </a:extLst>
+            </a:blip>
+            <a:stretch>
+              <a:fillRect/>
+            </a:stretch>
+          </p:blipFill>
+          <p:spPr>
+            <a:xfrm>
+              <a:off x="2534865" y="877037"/>
+              <a:ext cx="665509" cy="587289"/>
+            </a:xfrm>
+            <a:prstGeom prst="rect">
+              <a:avLst/>
+            </a:prstGeom>
+            <a:ln w="38100">
+              <a:solidFill>
+                <a:schemeClr val="accent1"/>
+              </a:solidFill>
+            </a:ln>
+            <a:effectLst>
+              <a:softEdge rad="25400"/>
+            </a:effectLst>
+          </p:spPr>
+        </p:pic>
+        <p:pic>
+          <p:nvPicPr>
+            <p:cNvPr id="132" name="Picture 131"/>
+            <p:cNvPicPr>
+              <a:picLocks noChangeAspect="1"/>
+            </p:cNvPicPr>
+            <p:nvPr/>
+          </p:nvPicPr>
+          <p:blipFill>
+            <a:blip r:embed="rId5" cstate="print">
+              <a:extLst>
+                <a:ext uri="{28A0092B-C50C-407E-A947-70E740481C1C}">
+                  <a14:useLocalDpi xmlns:a14="http://schemas.microsoft.com/office/drawing/2010/main" val="0"/>
+                </a:ext>
+              </a:extLst>
+            </a:blip>
+            <a:stretch>
+              <a:fillRect/>
+            </a:stretch>
+          </p:blipFill>
+          <p:spPr>
+            <a:xfrm>
+              <a:off x="4054182" y="877037"/>
+              <a:ext cx="665509" cy="587289"/>
+            </a:xfrm>
+            <a:prstGeom prst="rect">
+              <a:avLst/>
+            </a:prstGeom>
+            <a:ln w="38100">
+              <a:solidFill>
+                <a:schemeClr val="accent1"/>
+              </a:solidFill>
+            </a:ln>
+            <a:effectLst>
+              <a:softEdge rad="25400"/>
+            </a:effectLst>
+          </p:spPr>
+        </p:pic>
+        <p:sp>
+          <p:nvSpPr>
+            <p:cNvPr id="133" name="TextBox 132"/>
+            <p:cNvSpPr txBox="1"/>
+            <p:nvPr/>
+          </p:nvSpPr>
+          <p:spPr>
+            <a:xfrm>
+              <a:off x="3390132" y="879551"/>
+              <a:ext cx="468398" cy="584775"/>
+            </a:xfrm>
+            <a:prstGeom prst="rect">
+              <a:avLst/>
+            </a:prstGeom>
+            <a:noFill/>
+          </p:spPr>
+          <p:txBody>
+            <a:bodyPr wrap="none" rtlCol="0">
+              <a:spAutoFit/>
+            </a:bodyPr>
+            <a:lstStyle/>
+            <a:p>
+              <a:r>
+                <a:rPr lang="en-US" sz="3200" dirty="0" smtClean="0"/>
+                <a:t>…</a:t>
+              </a:r>
+              <a:endParaRPr lang="en-US" sz="3200" dirty="0"/>
+            </a:p>
+          </p:txBody>
+        </p:sp>
+      </p:grpSp>
+      <p:cxnSp>
+        <p:nvCxnSpPr>
+          <p:cNvPr id="137" name="Elbow Connector 136"/>
+          <p:cNvCxnSpPr>
+            <a:stCxn id="66" idx="1"/>
+          </p:cNvCxnSpPr>
+          <p:nvPr/>
+        </p:nvCxnSpPr>
+        <p:spPr>
+          <a:xfrm rot="10800000" flipV="1">
+            <a:off x="7944968" y="5202101"/>
+            <a:ext cx="2133974" cy="974764"/>
+          </a:xfrm>
+          <a:prstGeom prst="bentConnector3">
+            <a:avLst>
+              <a:gd name="adj1" fmla="val 11086"/>
+            </a:avLst>
+          </a:prstGeom>
+          <a:ln w="44450">
+            <a:solidFill>
+              <a:srgbClr val="7030A0"/>
+            </a:solidFill>
+            <a:headEnd type="triangle"/>
+            <a:tailEnd type="triangle"/>
+          </a:ln>
+        </p:spPr>
+        <p:style>
+          <a:lnRef idx="1">
+            <a:schemeClr val="accent1"/>
+          </a:lnRef>
+          <a:fillRef idx="0">
+            <a:schemeClr val="accent1"/>
+          </a:fillRef>
+          <a:effectRef idx="0">
+            <a:schemeClr val="accent1"/>
+          </a:effectRef>
+          <a:fontRef idx="minor">
+            <a:schemeClr val="tx1"/>
+          </a:fontRef>
+        </p:style>
+      </p:cxnSp>
+      <p:grpSp>
+        <p:nvGrpSpPr>
+          <p:cNvPr id="13" name="Group 12"/>
+          <p:cNvGrpSpPr/>
+          <p:nvPr/>
+        </p:nvGrpSpPr>
+        <p:grpSpPr>
+          <a:xfrm>
+            <a:off x="2321976" y="1716566"/>
+            <a:ext cx="1054359" cy="2365885"/>
+            <a:chOff x="2321976" y="1716566"/>
+            <a:chExt cx="1054359" cy="2365885"/>
+          </a:xfrm>
+        </p:grpSpPr>
+        <p:sp>
+          <p:nvSpPr>
+            <p:cNvPr id="106" name="Rounded Rectangle 105"/>
+            <p:cNvSpPr/>
+            <p:nvPr/>
+          </p:nvSpPr>
+          <p:spPr>
+            <a:xfrm>
+              <a:off x="2321976" y="1716566"/>
+              <a:ext cx="1054359" cy="361012"/>
+            </a:xfrm>
+            <a:prstGeom prst="roundRect">
+              <a:avLst/>
+            </a:prstGeom>
+            <a:solidFill>
+              <a:schemeClr val="bg1"/>
+            </a:solidFill>
+            <a:ln w="31750">
+              <a:solidFill>
+                <a:schemeClr val="accent6">
+                  <a:lumMod val="75000"/>
+                </a:schemeClr>
+              </a:solidFill>
+            </a:ln>
+          </p:spPr>
+          <p:style>
+            <a:lnRef idx="2">
+              <a:schemeClr val="accent1">
+                <a:shade val="50000"/>
+              </a:schemeClr>
+            </a:lnRef>
+            <a:fillRef idx="1">
+              <a:schemeClr val="accent1"/>
+            </a:fillRef>
+            <a:effectRef idx="0">
+              <a:schemeClr val="accent1"/>
+            </a:effectRef>
+            <a:fontRef idx="minor">
+              <a:schemeClr val="lt1"/>
+            </a:fontRef>
+          </p:style>
+          <p:txBody>
+            <a:bodyPr rtlCol="0" anchor="ctr"/>
+            <a:lstStyle/>
+            <a:p>
+              <a:pPr algn="ctr"/>
+              <a:r>
+                <a:rPr lang="en-US" sz="1400" b="1" i="1" dirty="0" err="1" smtClean="0">
+                  <a:solidFill>
+                    <a:schemeClr val="tx1"/>
+                  </a:solidFill>
+                </a:rPr>
+                <a:t>MRDocker</a:t>
+              </a:r>
+              <a:endParaRPr lang="en-US" sz="1400" b="1" i="1" dirty="0" smtClean="0">
+                <a:solidFill>
+                  <a:schemeClr val="tx1"/>
+                </a:solidFill>
+              </a:endParaRPr>
+            </a:p>
+          </p:txBody>
+        </p:sp>
+        <p:cxnSp>
+          <p:nvCxnSpPr>
+            <p:cNvPr id="107" name="Straight Arrow Connector 106"/>
+            <p:cNvCxnSpPr/>
+            <p:nvPr/>
+          </p:nvCxnSpPr>
+          <p:spPr>
+            <a:xfrm flipH="1">
+              <a:off x="2863412" y="2102456"/>
+              <a:ext cx="464" cy="1979995"/>
+            </a:xfrm>
+            <a:prstGeom prst="straightConnector1">
+              <a:avLst/>
+            </a:prstGeom>
+            <a:ln w="34925">
+              <a:solidFill>
+                <a:schemeClr val="accent6">
+                  <a:lumMod val="75000"/>
+                </a:schemeClr>
+              </a:solidFill>
+              <a:tailEnd type="triangle"/>
+            </a:ln>
+          </p:spPr>
+          <p:style>
+            <a:lnRef idx="1">
+              <a:schemeClr val="accent1"/>
+            </a:lnRef>
+            <a:fillRef idx="0">
+              <a:schemeClr val="accent1"/>
+            </a:fillRef>
+            <a:effectRef idx="0">
+              <a:schemeClr val="accent1"/>
+            </a:effectRef>
+            <a:fontRef idx="minor">
+              <a:schemeClr val="tx1"/>
+            </a:fontRef>
+          </p:style>
+        </p:cxnSp>
+      </p:grpSp>
+      <p:grpSp>
+        <p:nvGrpSpPr>
+          <p:cNvPr id="21" name="Group 20"/>
+          <p:cNvGrpSpPr/>
+          <p:nvPr/>
+        </p:nvGrpSpPr>
+        <p:grpSpPr>
+          <a:xfrm>
+            <a:off x="3881526" y="1735228"/>
+            <a:ext cx="1054359" cy="2390065"/>
+            <a:chOff x="3881526" y="1735228"/>
+            <a:chExt cx="1054359" cy="2390065"/>
+          </a:xfrm>
+        </p:grpSpPr>
+        <p:sp>
+          <p:nvSpPr>
+            <p:cNvPr id="108" name="Rounded Rectangle 107"/>
+            <p:cNvSpPr/>
+            <p:nvPr/>
+          </p:nvSpPr>
+          <p:spPr>
+            <a:xfrm>
+              <a:off x="3881526" y="1735228"/>
+              <a:ext cx="1054359" cy="346214"/>
+            </a:xfrm>
+            <a:prstGeom prst="roundRect">
+              <a:avLst/>
+            </a:prstGeom>
+            <a:solidFill>
+              <a:schemeClr val="bg1"/>
+            </a:solidFill>
+            <a:ln w="31750">
+              <a:solidFill>
+                <a:schemeClr val="accent4"/>
+              </a:solidFill>
+              <a:prstDash val="dash"/>
+            </a:ln>
+          </p:spPr>
+          <p:style>
+            <a:lnRef idx="2">
+              <a:schemeClr val="accent1">
+                <a:shade val="50000"/>
+              </a:schemeClr>
+            </a:lnRef>
+            <a:fillRef idx="1">
+              <a:schemeClr val="accent1"/>
+            </a:fillRef>
+            <a:effectRef idx="0">
+              <a:schemeClr val="accent1"/>
+            </a:effectRef>
+            <a:fontRef idx="minor">
+              <a:schemeClr val="lt1"/>
+            </a:fontRef>
+          </p:style>
+          <p:txBody>
+            <a:bodyPr rtlCol="0" anchor="ctr"/>
+            <a:lstStyle/>
+            <a:p>
+              <a:pPr algn="ctr"/>
+              <a:r>
+                <a:rPr lang="en-US" sz="1400" b="1" i="1" dirty="0" err="1" smtClean="0">
+                  <a:solidFill>
+                    <a:schemeClr val="tx1"/>
+                  </a:solidFill>
+                </a:rPr>
+                <a:t>SprDocker</a:t>
+              </a:r>
+              <a:endParaRPr lang="en-US" sz="1400" b="1" i="1" dirty="0" smtClean="0">
+                <a:solidFill>
+                  <a:schemeClr val="tx1"/>
+                </a:solidFill>
+              </a:endParaRPr>
+            </a:p>
+          </p:txBody>
+        </p:sp>
+        <p:cxnSp>
+          <p:nvCxnSpPr>
+            <p:cNvPr id="109" name="Straight Arrow Connector 108"/>
+            <p:cNvCxnSpPr/>
+            <p:nvPr/>
+          </p:nvCxnSpPr>
+          <p:spPr>
+            <a:xfrm flipH="1">
+              <a:off x="4416011" y="2102456"/>
+              <a:ext cx="8728" cy="2022837"/>
+            </a:xfrm>
+            <a:prstGeom prst="straightConnector1">
+              <a:avLst/>
+            </a:prstGeom>
+            <a:ln w="34925">
+              <a:solidFill>
+                <a:schemeClr val="accent4"/>
+              </a:solidFill>
+              <a:prstDash val="dash"/>
+              <a:tailEnd type="triangle"/>
+            </a:ln>
+          </p:spPr>
+          <p:style>
+            <a:lnRef idx="1">
+              <a:schemeClr val="accent1"/>
+            </a:lnRef>
+            <a:fillRef idx="0">
+              <a:schemeClr val="accent1"/>
+            </a:fillRef>
+            <a:effectRef idx="0">
+              <a:schemeClr val="accent1"/>
+            </a:effectRef>
+            <a:fontRef idx="minor">
+              <a:schemeClr val="tx1"/>
+            </a:fontRef>
+          </p:style>
+        </p:cxnSp>
+      </p:grpSp>
+      <p:cxnSp>
+        <p:nvCxnSpPr>
+          <p:cNvPr id="41" name="Elbow Connector 40"/>
+          <p:cNvCxnSpPr>
+            <a:stCxn id="45" idx="0"/>
+            <a:endCxn id="5" idx="2"/>
+          </p:cNvCxnSpPr>
+          <p:nvPr/>
+        </p:nvCxnSpPr>
+        <p:spPr>
+          <a:xfrm rot="5400000">
+            <a:off x="3848909" y="3173221"/>
+            <a:ext cx="3974843" cy="2032444"/>
+          </a:xfrm>
+          <a:prstGeom prst="bentConnector5">
+            <a:avLst>
+              <a:gd name="adj1" fmla="val 35005"/>
+              <a:gd name="adj2" fmla="val -43878"/>
+              <a:gd name="adj3" fmla="val 108803"/>
+            </a:avLst>
+          </a:prstGeom>
+          <a:ln w="44450">
+            <a:solidFill>
+              <a:schemeClr val="accent2"/>
+            </a:solidFill>
+            <a:headEnd type="triangle"/>
+            <a:tailEnd type="none"/>
+          </a:ln>
+        </p:spPr>
+        <p:style>
+          <a:lnRef idx="1">
+            <a:schemeClr val="accent1"/>
+          </a:lnRef>
+          <a:fillRef idx="0">
+            <a:schemeClr val="accent1"/>
+          </a:fillRef>
+          <a:effectRef idx="0">
+            <a:schemeClr val="accent1"/>
+          </a:effectRef>
+          <a:fontRef idx="minor">
+            <a:schemeClr val="tx1"/>
+          </a:fontRef>
+        </p:style>
+      </p:cxnSp>
+    </p:spTree>
+    <p:extLst>
+      <p:ext uri="{BB962C8B-B14F-4D97-AF65-F5344CB8AC3E}">
+        <p14:creationId xmlns:p14="http://schemas.microsoft.com/office/powerpoint/2010/main" val="3734344035"/>
+      </p:ext>
+    </p:extLst>
+  </p:cSld>
+  <p:clrMapOvr>
+    <a:masterClrMapping/>
+  </p:clrMapOvr>
+  <p:timing>
+    <p:tnLst>
+      <p:par>
+        <p:cTn id="1" dur="indefinite" restart="never" nodeType="tmRoot">
+          <p:childTnLst>
+            <p:seq concurrent="1" nextAc="seek">
+              <p:cTn id="2" dur="indefinite" nodeType="mainSeq">
+                <p:childTnLst>
+                  <p:par>
+                    <p:cTn id="3" fill="hold">
+                      <p:stCondLst>
+                        <p:cond delay="indefinite"/>
+                        <p:cond evt="onBegin" delay="0">
+                          <p:tn val="2"/>
+                        </p:cond>
+                      </p:stCondLst>
+                      <p:childTnLst>
+                        <p:par>
+                          <p:cTn id="4" fill="hold">
+                            <p:stCondLst>
+                              <p:cond delay="0"/>
+                            </p:stCondLst>
+                            <p:childTnLst>
+                              <p:par>
+                                <p:cTn id="5" presetID="1" presetClass="entr" presetSubtype="0" fill="hold" nodeType="withEffect">
+                                  <p:stCondLst>
+                                    <p:cond delay="0"/>
+                                  </p:stCondLst>
+                                  <p:childTnLst>
+                                    <p:set>
+                                      <p:cBhvr>
+                                        <p:cTn id="6" dur="1" fill="hold">
+                                          <p:stCondLst>
+                                            <p:cond delay="0"/>
+                                          </p:stCondLst>
+                                        </p:cTn>
+                                        <p:tgtEl>
+                                          <p:spTgt spid="8"/>
+                                        </p:tgtEl>
+                                        <p:attrNameLst>
+                                          <p:attrName>style.visibility</p:attrName>
+                                        </p:attrNameLst>
+                                      </p:cBhvr>
+                                      <p:to>
+                                        <p:strVal val="visible"/>
+                                      </p:to>
+                                    </p:set>
+                                  </p:childTnLst>
+                                </p:cTn>
+                              </p:par>
+                            </p:childTnLst>
+                          </p:cTn>
+                        </p:par>
+                      </p:childTnLst>
+                    </p:cTn>
+                  </p:par>
+                  <p:par>
+                    <p:cTn id="7" fill="hold">
+                      <p:stCondLst>
+                        <p:cond delay="indefinite"/>
+                      </p:stCondLst>
+                      <p:childTnLst>
+                        <p:par>
+                          <p:cTn id="8" fill="hold">
+                            <p:stCondLst>
+                              <p:cond delay="0"/>
+                            </p:stCondLst>
+                            <p:childTnLst>
+                              <p:par>
+                                <p:cTn id="9" presetID="1" presetClass="entr" presetSubtype="0" fill="hold" nodeType="clickEffect">
+                                  <p:stCondLst>
+                                    <p:cond delay="0"/>
+                                  </p:stCondLst>
+                                  <p:childTnLst>
+                                    <p:set>
+                                      <p:cBhvr>
+                                        <p:cTn id="10" dur="1" fill="hold">
+                                          <p:stCondLst>
+                                            <p:cond delay="0"/>
+                                          </p:stCondLst>
+                                        </p:cTn>
+                                        <p:tgtEl>
+                                          <p:spTgt spid="4"/>
+                                        </p:tgtEl>
+                                        <p:attrNameLst>
+                                          <p:attrName>style.visibility</p:attrName>
+                                        </p:attrNameLst>
+                                      </p:cBhvr>
+                                      <p:to>
+                                        <p:strVal val="visible"/>
+                                      </p:to>
+                                    </p:set>
+                                  </p:childTnLst>
+                                </p:cTn>
+                              </p:par>
+                            </p:childTnLst>
+                          </p:cTn>
+                        </p:par>
+                      </p:childTnLst>
+                    </p:cTn>
+                  </p:par>
+                  <p:par>
+                    <p:cTn id="11" fill="hold">
+                      <p:stCondLst>
+                        <p:cond delay="indefinite"/>
+                      </p:stCondLst>
+                      <p:childTnLst>
+                        <p:par>
+                          <p:cTn id="12" fill="hold">
+                            <p:stCondLst>
+                              <p:cond delay="0"/>
+                            </p:stCondLst>
+                            <p:childTnLst>
+                              <p:par>
+                                <p:cTn id="13" presetID="1" presetClass="entr" presetSubtype="0" fill="hold" nodeType="clickEffect">
+                                  <p:stCondLst>
+                                    <p:cond delay="0"/>
+                                  </p:stCondLst>
+                                  <p:childTnLst>
+                                    <p:set>
+                                      <p:cBhvr>
+                                        <p:cTn id="14" dur="1" fill="hold">
+                                          <p:stCondLst>
+                                            <p:cond delay="0"/>
+                                          </p:stCondLst>
+                                        </p:cTn>
+                                        <p:tgtEl>
+                                          <p:spTgt spid="86"/>
+                                        </p:tgtEl>
+                                        <p:attrNameLst>
+                                          <p:attrName>style.visibility</p:attrName>
+                                        </p:attrNameLst>
+                                      </p:cBhvr>
+                                      <p:to>
+                                        <p:strVal val="visible"/>
+                                      </p:to>
+                                    </p:set>
+                                  </p:childTnLst>
+                                </p:cTn>
+                              </p:par>
+                            </p:childTnLst>
+                          </p:cTn>
+                        </p:par>
+                      </p:childTnLst>
+                    </p:cTn>
+                  </p:par>
+                  <p:par>
+                    <p:cTn id="15" fill="hold">
+                      <p:stCondLst>
+                        <p:cond delay="indefinite"/>
+                      </p:stCondLst>
+                      <p:childTnLst>
+                        <p:par>
+                          <p:cTn id="16" fill="hold">
+                            <p:stCondLst>
+                              <p:cond delay="0"/>
+                            </p:stCondLst>
+                            <p:childTnLst>
+                              <p:par>
+                                <p:cTn id="17" presetID="1" presetClass="entr" presetSubtype="0" fill="hold" nodeType="clickEffect">
+                                  <p:stCondLst>
+                                    <p:cond delay="0"/>
+                                  </p:stCondLst>
+                                  <p:childTnLst>
+                                    <p:set>
+                                      <p:cBhvr>
+                                        <p:cTn id="18" dur="1" fill="hold">
+                                          <p:stCondLst>
+                                            <p:cond delay="0"/>
+                                          </p:stCondLst>
+                                        </p:cTn>
+                                        <p:tgtEl>
+                                          <p:spTgt spid="111"/>
+                                        </p:tgtEl>
+                                        <p:attrNameLst>
+                                          <p:attrName>style.visibility</p:attrName>
+                                        </p:attrNameLst>
+                                      </p:cBhvr>
+                                      <p:to>
+                                        <p:strVal val="visible"/>
+                                      </p:to>
+                                    </p:set>
+                                  </p:childTnLst>
+                                </p:cTn>
+                              </p:par>
+                            </p:childTnLst>
+                          </p:cTn>
+                        </p:par>
+                      </p:childTnLst>
+                    </p:cTn>
+                  </p:par>
+                  <p:par>
+                    <p:cTn id="19" fill="hold">
+                      <p:stCondLst>
+                        <p:cond delay="indefinite"/>
+                      </p:stCondLst>
+                      <p:childTnLst>
+                        <p:par>
+                          <p:cTn id="20" fill="hold">
+                            <p:stCondLst>
+                              <p:cond delay="0"/>
+                            </p:stCondLst>
+                            <p:childTnLst>
+                              <p:par>
+                                <p:cTn id="21" presetID="1" presetClass="entr" presetSubtype="0" fill="hold" nodeType="clickEffect">
+                                  <p:stCondLst>
+                                    <p:cond delay="0"/>
+                                  </p:stCondLst>
+                                  <p:childTnLst>
+                                    <p:set>
+                                      <p:cBhvr>
+                                        <p:cTn id="22" dur="1" fill="hold">
+                                          <p:stCondLst>
+                                            <p:cond delay="0"/>
+                                          </p:stCondLst>
+                                        </p:cTn>
+                                        <p:tgtEl>
+                                          <p:spTgt spid="16"/>
+                                        </p:tgtEl>
+                                        <p:attrNameLst>
+                                          <p:attrName>style.visibility</p:attrName>
+                                        </p:attrNameLst>
+                                      </p:cBhvr>
+                                      <p:to>
+                                        <p:strVal val="visible"/>
+                                      </p:to>
+                                    </p:set>
+                                  </p:childTnLst>
+                                </p:cTn>
+                              </p:par>
+                            </p:childTnLst>
+                          </p:cTn>
+                        </p:par>
+                      </p:childTnLst>
+                    </p:cTn>
+                  </p:par>
+                  <p:par>
+                    <p:cTn id="23" fill="hold">
+                      <p:stCondLst>
+                        <p:cond delay="indefinite"/>
+                      </p:stCondLst>
+                      <p:childTnLst>
+                        <p:par>
+                          <p:cTn id="24" fill="hold">
+                            <p:stCondLst>
+                              <p:cond delay="0"/>
+                            </p:stCondLst>
+                            <p:childTnLst>
+                              <p:par>
+                                <p:cTn id="25" presetID="1" presetClass="entr" presetSubtype="0" fill="hold" nodeType="clickEffect">
+                                  <p:stCondLst>
+                                    <p:cond delay="0"/>
+                                  </p:stCondLst>
+                                  <p:childTnLst>
+                                    <p:set>
+                                      <p:cBhvr>
+                                        <p:cTn id="26" dur="1" fill="hold">
+                                          <p:stCondLst>
+                                            <p:cond delay="0"/>
+                                          </p:stCondLst>
+                                        </p:cTn>
+                                        <p:tgtEl>
+                                          <p:spTgt spid="17"/>
+                                        </p:tgtEl>
+                                        <p:attrNameLst>
+                                          <p:attrName>style.visibility</p:attrName>
+                                        </p:attrNameLst>
+                                      </p:cBhvr>
+                                      <p:to>
+                                        <p:strVal val="visible"/>
+                                      </p:to>
+                                    </p:set>
+                                  </p:childTnLst>
+                                </p:cTn>
+                              </p:par>
+                            </p:childTnLst>
+                          </p:cTn>
+                        </p:par>
+                      </p:childTnLst>
+                    </p:cTn>
+                  </p:par>
+                  <p:par>
+                    <p:cTn id="27" fill="hold">
+                      <p:stCondLst>
+                        <p:cond delay="indefinite"/>
+                      </p:stCondLst>
+                      <p:childTnLst>
+                        <p:par>
+                          <p:cTn id="28" fill="hold">
+                            <p:stCondLst>
+                              <p:cond delay="0"/>
+                            </p:stCondLst>
+                            <p:childTnLst>
+                              <p:par>
+                                <p:cTn id="29" presetID="1" presetClass="entr" presetSubtype="0" fill="hold" nodeType="clickEffect">
+                                  <p:stCondLst>
+                                    <p:cond delay="0"/>
+                                  </p:stCondLst>
+                                  <p:childTnLst>
+                                    <p:set>
+                                      <p:cBhvr>
+                                        <p:cTn id="30" dur="1" fill="hold">
+                                          <p:stCondLst>
+                                            <p:cond delay="0"/>
+                                          </p:stCondLst>
+                                        </p:cTn>
+                                        <p:tgtEl>
+                                          <p:spTgt spid="18"/>
+                                        </p:tgtEl>
+                                        <p:attrNameLst>
+                                          <p:attrName>style.visibility</p:attrName>
+                                        </p:attrNameLst>
+                                      </p:cBhvr>
+                                      <p:to>
+                                        <p:strVal val="visible"/>
+                                      </p:to>
+                                    </p:set>
+                                  </p:childTnLst>
+                                </p:cTn>
+                              </p:par>
+                            </p:childTnLst>
+                          </p:cTn>
+                        </p:par>
+                      </p:childTnLst>
+                    </p:cTn>
+                  </p:par>
+                  <p:par>
+                    <p:cTn id="31" fill="hold">
+                      <p:stCondLst>
+                        <p:cond delay="indefinite"/>
+                      </p:stCondLst>
+                      <p:childTnLst>
+                        <p:par>
+                          <p:cTn id="32" fill="hold">
+                            <p:stCondLst>
+                              <p:cond delay="0"/>
+                            </p:stCondLst>
+                            <p:childTnLst>
+                              <p:par>
+                                <p:cTn id="33" presetID="1" presetClass="entr" presetSubtype="0" fill="hold" grpId="0" nodeType="clickEffect">
+                                  <p:stCondLst>
+                                    <p:cond delay="0"/>
+                                  </p:stCondLst>
+                                  <p:childTnLst>
+                                    <p:set>
+                                      <p:cBhvr>
+                                        <p:cTn id="34" dur="1" fill="hold">
+                                          <p:stCondLst>
+                                            <p:cond delay="0"/>
+                                          </p:stCondLst>
+                                        </p:cTn>
+                                        <p:tgtEl>
+                                          <p:spTgt spid="123"/>
+                                        </p:tgtEl>
+                                        <p:attrNameLst>
+                                          <p:attrName>style.visibility</p:attrName>
+                                        </p:attrNameLst>
+                                      </p:cBhvr>
+                                      <p:to>
+                                        <p:strVal val="visible"/>
+                                      </p:to>
+                                    </p:set>
+                                  </p:childTnLst>
+                                </p:cTn>
+                              </p:par>
+                            </p:childTnLst>
+                          </p:cTn>
+                        </p:par>
+                      </p:childTnLst>
+                    </p:cTn>
+                  </p:par>
+                  <p:par>
+                    <p:cTn id="35" fill="hold">
+                      <p:stCondLst>
+                        <p:cond delay="indefinite"/>
+                      </p:stCondLst>
+                      <p:childTnLst>
+                        <p:par>
+                          <p:cTn id="36" fill="hold">
+                            <p:stCondLst>
+                              <p:cond delay="0"/>
+                            </p:stCondLst>
+                            <p:childTnLst>
+                              <p:par>
+                                <p:cTn id="37" presetID="1" presetClass="entr" presetSubtype="0" fill="hold" nodeType="clickEffect">
+                                  <p:stCondLst>
+                                    <p:cond delay="0"/>
+                                  </p:stCondLst>
+                                  <p:childTnLst>
+                                    <p:set>
+                                      <p:cBhvr>
+                                        <p:cTn id="38" dur="1" fill="hold">
+                                          <p:stCondLst>
+                                            <p:cond delay="0"/>
+                                          </p:stCondLst>
+                                        </p:cTn>
+                                        <p:tgtEl>
+                                          <p:spTgt spid="13"/>
+                                        </p:tgtEl>
+                                        <p:attrNameLst>
+                                          <p:attrName>style.visibility</p:attrName>
+                                        </p:attrNameLst>
+                                      </p:cBhvr>
+                                      <p:to>
+                                        <p:strVal val="visible"/>
+                                      </p:to>
+                                    </p:set>
+                                  </p:childTnLst>
+                                </p:cTn>
+                              </p:par>
+                            </p:childTnLst>
+                          </p:cTn>
+                        </p:par>
+                      </p:childTnLst>
+                    </p:cTn>
+                  </p:par>
+                  <p:par>
+                    <p:cTn id="39" fill="hold">
+                      <p:stCondLst>
+                        <p:cond delay="indefinite"/>
+                      </p:stCondLst>
+                      <p:childTnLst>
+                        <p:par>
+                          <p:cTn id="40" fill="hold">
+                            <p:stCondLst>
+                              <p:cond delay="0"/>
+                            </p:stCondLst>
+                            <p:childTnLst>
+                              <p:par>
+                                <p:cTn id="41" presetID="1" presetClass="entr" presetSubtype="0" fill="hold" nodeType="clickEffect">
+                                  <p:stCondLst>
+                                    <p:cond delay="0"/>
+                                  </p:stCondLst>
+                                  <p:childTnLst>
+                                    <p:set>
+                                      <p:cBhvr>
+                                        <p:cTn id="42" dur="1" fill="hold">
+                                          <p:stCondLst>
+                                            <p:cond delay="0"/>
+                                          </p:stCondLst>
+                                        </p:cTn>
+                                        <p:tgtEl>
+                                          <p:spTgt spid="10"/>
+                                        </p:tgtEl>
+                                        <p:attrNameLst>
+                                          <p:attrName>style.visibility</p:attrName>
+                                        </p:attrNameLst>
+                                      </p:cBhvr>
+                                      <p:to>
+                                        <p:strVal val="visible"/>
+                                      </p:to>
+                                    </p:set>
+                                  </p:childTnLst>
+                                </p:cTn>
+                              </p:par>
+                            </p:childTnLst>
+                          </p:cTn>
+                        </p:par>
+                      </p:childTnLst>
+                    </p:cTn>
+                  </p:par>
+                  <p:par>
+                    <p:cTn id="43" fill="hold">
+                      <p:stCondLst>
+                        <p:cond delay="indefinite"/>
+                      </p:stCondLst>
+                      <p:childTnLst>
+                        <p:par>
+                          <p:cTn id="44" fill="hold">
+                            <p:stCondLst>
+                              <p:cond delay="0"/>
+                            </p:stCondLst>
+                            <p:childTnLst>
+                              <p:par>
+                                <p:cTn id="45" presetID="1" presetClass="entr" presetSubtype="0" fill="hold" nodeType="clickEffect">
+                                  <p:stCondLst>
+                                    <p:cond delay="0"/>
+                                  </p:stCondLst>
+                                  <p:childTnLst>
+                                    <p:set>
+                                      <p:cBhvr>
+                                        <p:cTn id="46" dur="1" fill="hold">
+                                          <p:stCondLst>
+                                            <p:cond delay="0"/>
+                                          </p:stCondLst>
+                                        </p:cTn>
+                                        <p:tgtEl>
+                                          <p:spTgt spid="21"/>
+                                        </p:tgtEl>
+                                        <p:attrNameLst>
+                                          <p:attrName>style.visibility</p:attrName>
+                                        </p:attrNameLst>
+                                      </p:cBhvr>
+                                      <p:to>
+                                        <p:strVal val="visible"/>
+                                      </p:to>
+                                    </p:set>
+                                  </p:childTnLst>
+                                </p:cTn>
+                              </p:par>
+                            </p:childTnLst>
+                          </p:cTn>
+                        </p:par>
+                      </p:childTnLst>
+                    </p:cTn>
+                  </p:par>
+                  <p:par>
+                    <p:cTn id="47" fill="hold">
+                      <p:stCondLst>
+                        <p:cond delay="indefinite"/>
+                      </p:stCondLst>
+                      <p:childTnLst>
+                        <p:par>
+                          <p:cTn id="48" fill="hold">
+                            <p:stCondLst>
+                              <p:cond delay="0"/>
+                            </p:stCondLst>
+                            <p:childTnLst>
+                              <p:par>
+                                <p:cTn id="49" presetID="1" presetClass="entr" presetSubtype="0" fill="hold" nodeType="clickEffect">
+                                  <p:stCondLst>
+                                    <p:cond delay="0"/>
+                                  </p:stCondLst>
+                                  <p:childTnLst>
+                                    <p:set>
+                                      <p:cBhvr>
+                                        <p:cTn id="50" dur="1" fill="hold">
+                                          <p:stCondLst>
+                                            <p:cond delay="0"/>
+                                          </p:stCondLst>
+                                        </p:cTn>
+                                        <p:tgtEl>
+                                          <p:spTgt spid="22"/>
+                                        </p:tgtEl>
+                                        <p:attrNameLst>
+                                          <p:attrName>style.visibility</p:attrName>
+                                        </p:attrNameLst>
+                                      </p:cBhvr>
+                                      <p:to>
+                                        <p:strVal val="visible"/>
+                                      </p:to>
+                                    </p:set>
+                                  </p:childTnLst>
+                                </p:cTn>
+                              </p:par>
+                            </p:childTnLst>
+                          </p:cTn>
+                        </p:par>
+                      </p:childTnLst>
+                    </p:cTn>
+                  </p:par>
+                  <p:par>
+                    <p:cTn id="51" fill="hold">
+                      <p:stCondLst>
+                        <p:cond delay="indefinite"/>
+                      </p:stCondLst>
+                      <p:childTnLst>
+                        <p:par>
+                          <p:cTn id="52" fill="hold">
+                            <p:stCondLst>
+                              <p:cond delay="0"/>
+                            </p:stCondLst>
+                            <p:childTnLst>
+                              <p:par>
+                                <p:cTn id="53" presetID="1" presetClass="entr" presetSubtype="0" fill="hold" nodeType="clickEffect">
+                                  <p:stCondLst>
+                                    <p:cond delay="0"/>
+                                  </p:stCondLst>
+                                  <p:childTnLst>
+                                    <p:set>
+                                      <p:cBhvr>
+                                        <p:cTn id="54" dur="1" fill="hold">
+                                          <p:stCondLst>
+                                            <p:cond delay="0"/>
+                                          </p:stCondLst>
+                                        </p:cTn>
+                                        <p:tgtEl>
+                                          <p:spTgt spid="41"/>
+                                        </p:tgtEl>
+                                        <p:attrNameLst>
+                                          <p:attrName>style.visibility</p:attrName>
+                                        </p:attrNameLst>
+                                      </p:cBhvr>
+                                      <p:to>
+                                        <p:strVal val="visible"/>
+                                      </p:to>
+                                    </p:set>
+                                  </p:childTnLst>
+                                </p:cTn>
+                              </p:par>
+                            </p:childTnLst>
+                          </p:cTn>
+                        </p:par>
+                      </p:childTnLst>
+                    </p:cTn>
+                  </p:par>
+                  <p:par>
+                    <p:cTn id="55" fill="hold">
+                      <p:stCondLst>
+                        <p:cond delay="indefinite"/>
+                      </p:stCondLst>
+                      <p:childTnLst>
+                        <p:par>
+                          <p:cTn id="56" fill="hold">
+                            <p:stCondLst>
+                              <p:cond delay="0"/>
+                            </p:stCondLst>
+                            <p:childTnLst>
+                              <p:par>
+                                <p:cTn id="57" presetID="1" presetClass="entr" presetSubtype="0" fill="hold" nodeType="clickEffect">
+                                  <p:stCondLst>
+                                    <p:cond delay="0"/>
+                                  </p:stCondLst>
+                                  <p:childTnLst>
+                                    <p:set>
+                                      <p:cBhvr>
+                                        <p:cTn id="58" dur="1" fill="hold">
+                                          <p:stCondLst>
+                                            <p:cond delay="0"/>
+                                          </p:stCondLst>
+                                        </p:cTn>
+                                        <p:tgtEl>
+                                          <p:spTgt spid="20"/>
+                                        </p:tgtEl>
+                                        <p:attrNameLst>
+                                          <p:attrName>style.visibility</p:attrName>
+                                        </p:attrNameLst>
+                                      </p:cBhvr>
+                                      <p:to>
+                                        <p:strVal val="visible"/>
+                                      </p:to>
+                                    </p:set>
+                                  </p:childTnLst>
+                                </p:cTn>
+                              </p:par>
+                            </p:childTnLst>
+                          </p:cTn>
+                        </p:par>
+                      </p:childTnLst>
+                    </p:cTn>
+                  </p:par>
+                  <p:par>
+                    <p:cTn id="59" fill="hold">
+                      <p:stCondLst>
+                        <p:cond delay="indefinite"/>
+                      </p:stCondLst>
+                      <p:childTnLst>
+                        <p:par>
+                          <p:cTn id="60" fill="hold">
+                            <p:stCondLst>
+                              <p:cond delay="0"/>
+                            </p:stCondLst>
+                            <p:childTnLst>
+                              <p:par>
+                                <p:cTn id="61" presetID="1" presetClass="entr" presetSubtype="0" fill="hold" nodeType="clickEffect">
+                                  <p:stCondLst>
+                                    <p:cond delay="0"/>
+                                  </p:stCondLst>
+                                  <p:childTnLst>
+                                    <p:set>
+                                      <p:cBhvr>
+                                        <p:cTn id="62" dur="1" fill="hold">
+                                          <p:stCondLst>
+                                            <p:cond delay="0"/>
+                                          </p:stCondLst>
+                                        </p:cTn>
+                                        <p:tgtEl>
+                                          <p:spTgt spid="23"/>
+                                        </p:tgtEl>
+                                        <p:attrNameLst>
+                                          <p:attrName>style.visibility</p:attrName>
+                                        </p:attrNameLst>
+                                      </p:cBhvr>
+                                      <p:to>
+                                        <p:strVal val="visible"/>
+                                      </p:to>
+                                    </p:set>
+                                  </p:childTnLst>
+                                </p:cTn>
+                              </p:par>
+                            </p:childTnLst>
+                          </p:cTn>
+                        </p:par>
+                      </p:childTnLst>
+                    </p:cTn>
+                  </p:par>
+                  <p:par>
+                    <p:cTn id="63" fill="hold">
+                      <p:stCondLst>
+                        <p:cond delay="indefinite"/>
+                      </p:stCondLst>
+                      <p:childTnLst>
+                        <p:par>
+                          <p:cTn id="64" fill="hold">
+                            <p:stCondLst>
+                              <p:cond delay="0"/>
+                            </p:stCondLst>
+                            <p:childTnLst>
+                              <p:par>
+                                <p:cTn id="65" presetID="1" presetClass="entr" presetSubtype="0" fill="hold" nodeType="clickEffect">
+                                  <p:stCondLst>
+                                    <p:cond delay="0"/>
+                                  </p:stCondLst>
+                                  <p:childTnLst>
+                                    <p:set>
+                                      <p:cBhvr>
+                                        <p:cTn id="66" dur="1" fill="hold">
+                                          <p:stCondLst>
+                                            <p:cond delay="0"/>
+                                          </p:stCondLst>
+                                        </p:cTn>
+                                        <p:tgtEl>
+                                          <p:spTgt spid="88"/>
+                                        </p:tgtEl>
+                                        <p:attrNameLst>
+                                          <p:attrName>style.visibility</p:attrName>
+                                        </p:attrNameLst>
+                                      </p:cBhvr>
+                                      <p:to>
+                                        <p:strVal val="visible"/>
+                                      </p:to>
+                                    </p:set>
+                                  </p:childTnLst>
+                                </p:cTn>
+                              </p:par>
+                            </p:childTnLst>
+                          </p:cTn>
+                        </p:par>
+                      </p:childTnLst>
+                    </p:cTn>
+                  </p:par>
+                  <p:par>
+                    <p:cTn id="67" fill="hold">
+                      <p:stCondLst>
+                        <p:cond delay="indefinite"/>
+                      </p:stCondLst>
+                      <p:childTnLst>
+                        <p:par>
+                          <p:cTn id="68" fill="hold">
+                            <p:stCondLst>
+                              <p:cond delay="0"/>
+                            </p:stCondLst>
+                            <p:childTnLst>
+                              <p:par>
+                                <p:cTn id="69" presetID="1" presetClass="entr" presetSubtype="0" fill="hold" nodeType="clickEffect">
+                                  <p:stCondLst>
+                                    <p:cond delay="0"/>
+                                  </p:stCondLst>
+                                  <p:childTnLst>
+                                    <p:set>
+                                      <p:cBhvr>
+                                        <p:cTn id="70" dur="1" fill="hold">
+                                          <p:stCondLst>
+                                            <p:cond delay="0"/>
+                                          </p:stCondLst>
+                                        </p:cTn>
+                                        <p:tgtEl>
+                                          <p:spTgt spid="98"/>
+                                        </p:tgtEl>
+                                        <p:attrNameLst>
+                                          <p:attrName>style.visibility</p:attrName>
+                                        </p:attrNameLst>
+                                      </p:cBhvr>
+                                      <p:to>
+                                        <p:strVal val="visible"/>
+                                      </p:to>
+                                    </p:set>
+                                  </p:childTnLst>
+                                </p:cTn>
+                              </p:par>
+                            </p:childTnLst>
+                          </p:cTn>
+                        </p:par>
+                      </p:childTnLst>
+                    </p:cTn>
+                  </p:par>
+                  <p:par>
+                    <p:cTn id="71" fill="hold">
+                      <p:stCondLst>
+                        <p:cond delay="indefinite"/>
+                      </p:stCondLst>
+                      <p:childTnLst>
+                        <p:par>
+                          <p:cTn id="72" fill="hold">
+                            <p:stCondLst>
+                              <p:cond delay="0"/>
+                            </p:stCondLst>
+                            <p:childTnLst>
+                              <p:par>
+                                <p:cTn id="73" presetID="1" presetClass="entr" presetSubtype="0" fill="hold" nodeType="clickEffect">
+                                  <p:stCondLst>
+                                    <p:cond delay="0"/>
+                                  </p:stCondLst>
+                                  <p:childTnLst>
+                                    <p:set>
+                                      <p:cBhvr>
+                                        <p:cTn id="74" dur="1" fill="hold">
+                                          <p:stCondLst>
+                                            <p:cond delay="0"/>
+                                          </p:stCondLst>
+                                        </p:cTn>
+                                        <p:tgtEl>
+                                          <p:spTgt spid="137"/>
+                                        </p:tgtEl>
+                                        <p:attrNameLst>
+                                          <p:attrName>style.visibility</p:attrName>
+                                        </p:attrNameLst>
+                                      </p:cBhvr>
+                                      <p:to>
+                                        <p:strVal val="visible"/>
+                                      </p:to>
+                                    </p:set>
+                                  </p:childTnLst>
+                                </p:cTn>
+                              </p:par>
+                            </p:childTnLst>
+                          </p:cTn>
+                        </p:par>
+                      </p:childTnLst>
+                    </p:cTn>
+                  </p:par>
+                </p:childTnLst>
+              </p:cTn>
+              <p:prevCondLst>
+                <p:cond evt="onPrev" delay="0">
+                  <p:tgtEl>
+                    <p:sldTgt/>
+                  </p:tgtEl>
+                </p:cond>
+              </p:prevCondLst>
+              <p:nextCondLst>
+                <p:cond evt="onNext" delay="0">
+                  <p:tgtEl>
+                    <p:sldTgt/>
+                  </p:tgtEl>
+                </p:cond>
+              </p:nextCondLst>
+            </p:seq>
+          </p:childTnLst>
+        </p:cTn>
+      </p:par>
+    </p:tnLst>
+    <p:bldLst>
+      <p:bldP spid="123" grpId="0" animBg="1"/>
+    </p:bldLst>
+  </p:timing>
+</p:sld>
+</file>
+
+<file path=ppt/slides/slide3.xml><?xml version="1.0" encoding="utf-8"?>
 <p:sld xmlns:a="http://schemas.openxmlformats.org/drawingml/2006/main" xmlns:r="http://schemas.openxmlformats.org/officeDocument/2006/relationships" xmlns:p="http://schemas.openxmlformats.org/presentationml/2006/main">
   <p:cSld>
     <p:spTree>
@@ -4928,7 +7818,7 @@
     </p:spTree>
     <p:extLst>
       <p:ext uri="{BB962C8B-B14F-4D97-AF65-F5344CB8AC3E}">
-        <p14:creationId xmlns:p14="http://schemas.microsoft.com/office/powerpoint/2010/main" val="3734344035"/>
+        <p14:creationId xmlns:p14="http://schemas.microsoft.com/office/powerpoint/2010/main" val="4114524063"/>
       </p:ext>
     </p:extLst>
   </p:cSld>

--- a/docs/diagrams/architecture/architecture.pptx
+++ b/docs/diagrams/architecture/architecture.pptx
@@ -7,7 +7,8 @@
   <p:sldIdLst>
     <p:sldId id="257" r:id="rId2"/>
     <p:sldId id="258" r:id="rId3"/>
-    <p:sldId id="259" r:id="rId4"/>
+    <p:sldId id="260" r:id="rId4"/>
+    <p:sldId id="259" r:id="rId5"/>
   </p:sldIdLst>
   <p:sldSz cx="12192000" cy="6858000"/>
   <p:notesSz cx="7315200" cy="9601200"/>
@@ -6020,6 +6021,66 @@
 </file>
 
 <file path=ppt/slides/slide3.xml><?xml version="1.0" encoding="utf-8"?>
+<p:sld xmlns:a="http://schemas.openxmlformats.org/drawingml/2006/main" xmlns:r="http://schemas.openxmlformats.org/officeDocument/2006/relationships" xmlns:p="http://schemas.openxmlformats.org/presentationml/2006/main">
+  <p:cSld>
+    <p:spTree>
+      <p:nvGrpSpPr>
+        <p:cNvPr id="1" name=""/>
+        <p:cNvGrpSpPr/>
+        <p:nvPr/>
+      </p:nvGrpSpPr>
+      <p:grpSpPr>
+        <a:xfrm>
+          <a:off x="0" y="0"/>
+          <a:ext cx="0" cy="0"/>
+          <a:chOff x="0" y="0"/>
+          <a:chExt cx="0" cy="0"/>
+        </a:xfrm>
+      </p:grpSpPr>
+      <p:pic>
+        <p:nvPicPr>
+          <p:cNvPr id="4" name="Picture 3"/>
+          <p:cNvPicPr>
+            <a:picLocks noChangeAspect="1"/>
+          </p:cNvPicPr>
+          <p:nvPr/>
+        </p:nvPicPr>
+        <p:blipFill>
+          <a:blip r:embed="rId2">
+            <a:extLst>
+              <a:ext uri="{28A0092B-C50C-407E-A947-70E740481C1C}">
+                <a14:useLocalDpi xmlns:a14="http://schemas.microsoft.com/office/drawing/2010/main" val="0"/>
+              </a:ext>
+            </a:extLst>
+          </a:blip>
+          <a:stretch>
+            <a:fillRect/>
+          </a:stretch>
+        </p:blipFill>
+        <p:spPr>
+          <a:xfrm>
+            <a:off x="-1" y="24369"/>
+            <a:ext cx="12192001" cy="6833631"/>
+          </a:xfrm>
+          <a:prstGeom prst="rect">
+            <a:avLst/>
+          </a:prstGeom>
+        </p:spPr>
+      </p:pic>
+    </p:spTree>
+    <p:extLst>
+      <p:ext uri="{BB962C8B-B14F-4D97-AF65-F5344CB8AC3E}">
+        <p14:creationId xmlns:p14="http://schemas.microsoft.com/office/powerpoint/2010/main" val="587865254"/>
+      </p:ext>
+    </p:extLst>
+  </p:cSld>
+  <p:clrMapOvr>
+    <a:masterClrMapping/>
+  </p:clrMapOvr>
+</p:sld>
+</file>
+
+<file path=ppt/slides/slide4.xml><?xml version="1.0" encoding="utf-8"?>
 <p:sld xmlns:a="http://schemas.openxmlformats.org/drawingml/2006/main" xmlns:r="http://schemas.openxmlformats.org/officeDocument/2006/relationships" xmlns:p="http://schemas.openxmlformats.org/presentationml/2006/main">
   <p:cSld>
     <p:spTree>

--- a/docs/diagrams/architecture/architecture.pptx
+++ b/docs/diagrams/architecture/architecture.pptx
@@ -9,6 +9,9 @@
     <p:sldId id="258" r:id="rId3"/>
     <p:sldId id="260" r:id="rId4"/>
     <p:sldId id="259" r:id="rId5"/>
+    <p:sldId id="261" r:id="rId6"/>
+    <p:sldId id="262" r:id="rId7"/>
+    <p:sldId id="263" r:id="rId8"/>
   </p:sldIdLst>
   <p:sldSz cx="12192000" cy="6858000"/>
   <p:notesSz cx="7315200" cy="9601200"/>
@@ -187,35 +190,35 @@
               <a:buNone/>
               <a:defRPr sz="2400"/>
             </a:lvl1pPr>
-            <a:lvl2pPr marL="457200" indent="0" algn="ctr">
+            <a:lvl2pPr marL="457206" indent="0" algn="ctr">
               <a:buNone/>
               <a:defRPr sz="2000"/>
             </a:lvl2pPr>
-            <a:lvl3pPr marL="914400" indent="0" algn="ctr">
+            <a:lvl3pPr marL="914411" indent="0" algn="ctr">
               <a:buNone/>
-              <a:defRPr sz="1800"/>
+              <a:defRPr sz="1801"/>
             </a:lvl3pPr>
-            <a:lvl4pPr marL="1371600" indent="0" algn="ctr">
+            <a:lvl4pPr marL="1371617" indent="0" algn="ctr">
               <a:buNone/>
               <a:defRPr sz="1600"/>
             </a:lvl4pPr>
-            <a:lvl5pPr marL="1828800" indent="0" algn="ctr">
+            <a:lvl5pPr marL="1828823" indent="0" algn="ctr">
               <a:buNone/>
               <a:defRPr sz="1600"/>
             </a:lvl5pPr>
-            <a:lvl6pPr marL="2286000" indent="0" algn="ctr">
+            <a:lvl6pPr marL="2286029" indent="0" algn="ctr">
               <a:buNone/>
               <a:defRPr sz="1600"/>
             </a:lvl6pPr>
-            <a:lvl7pPr marL="2743200" indent="0" algn="ctr">
+            <a:lvl7pPr marL="2743234" indent="0" algn="ctr">
               <a:buNone/>
               <a:defRPr sz="1600"/>
             </a:lvl7pPr>
-            <a:lvl8pPr marL="3200400" indent="0" algn="ctr">
+            <a:lvl8pPr marL="3200440" indent="0" algn="ctr">
               <a:buNone/>
               <a:defRPr sz="1600"/>
             </a:lvl8pPr>
-            <a:lvl9pPr marL="3657600" indent="0" algn="ctr">
+            <a:lvl9pPr marL="3657646" indent="0" algn="ctr">
               <a:buNone/>
               <a:defRPr sz="1600"/>
             </a:lvl9pPr>
@@ -246,7 +249,7 @@
           <a:p>
             <a:fld id="{7D382682-53B6-46DD-8B62-2F8C192B628E}" type="datetimeFigureOut">
               <a:rPr lang="en-US" smtClean="0"/>
-              <a:t>10/22/2015</a:t>
+              <a:t>2/22/2016</a:t>
             </a:fld>
             <a:endParaRPr lang="en-US"/>
           </a:p>
@@ -416,7 +419,7 @@
           <a:p>
             <a:fld id="{7D382682-53B6-46DD-8B62-2F8C192B628E}" type="datetimeFigureOut">
               <a:rPr lang="en-US" smtClean="0"/>
-              <a:t>10/22/2015</a:t>
+              <a:t>2/22/2016</a:t>
             </a:fld>
             <a:endParaRPr lang="en-US"/>
           </a:p>
@@ -506,7 +509,7 @@
         </p:nvSpPr>
         <p:spPr>
           <a:xfrm>
-            <a:off x="8724900" y="365125"/>
+            <a:off x="8724899" y="365125"/>
             <a:ext cx="2628900" cy="5811838"/>
           </a:xfrm>
         </p:spPr>
@@ -534,7 +537,7 @@
         </p:nvSpPr>
         <p:spPr>
           <a:xfrm>
-            <a:off x="838200" y="365125"/>
+            <a:off x="838199" y="365125"/>
             <a:ext cx="7734300" cy="5811838"/>
           </a:xfrm>
         </p:spPr>
@@ -596,7 +599,7 @@
           <a:p>
             <a:fld id="{7D382682-53B6-46DD-8B62-2F8C192B628E}" type="datetimeFigureOut">
               <a:rPr lang="en-US" smtClean="0"/>
-              <a:t>10/22/2015</a:t>
+              <a:t>2/22/2016</a:t>
             </a:fld>
             <a:endParaRPr lang="en-US"/>
           </a:p>
@@ -766,7 +769,7 @@
           <a:p>
             <a:fld id="{7D382682-53B6-46DD-8B62-2F8C192B628E}" type="datetimeFigureOut">
               <a:rPr lang="en-US" smtClean="0"/>
-              <a:t>10/22/2015</a:t>
+              <a:t>2/22/2016</a:t>
             </a:fld>
             <a:endParaRPr lang="en-US"/>
           </a:p>
@@ -856,7 +859,7 @@
         </p:nvSpPr>
         <p:spPr>
           <a:xfrm>
-            <a:off x="831850" y="1709738"/>
+            <a:off x="831852" y="1709738"/>
             <a:ext cx="10515600" cy="2852737"/>
           </a:xfrm>
         </p:spPr>
@@ -888,7 +891,7 @@
         </p:nvSpPr>
         <p:spPr>
           <a:xfrm>
-            <a:off x="831850" y="4589463"/>
+            <a:off x="831852" y="4589464"/>
             <a:ext cx="10515600" cy="1500187"/>
           </a:xfrm>
         </p:spPr>
@@ -905,7 +908,7 @@
                 </a:solidFill>
               </a:defRPr>
             </a:lvl1pPr>
-            <a:lvl2pPr marL="457200" indent="0">
+            <a:lvl2pPr marL="457206" indent="0">
               <a:buNone/>
               <a:defRPr sz="2000">
                 <a:solidFill>
@@ -915,9 +918,9 @@
                 </a:solidFill>
               </a:defRPr>
             </a:lvl2pPr>
-            <a:lvl3pPr marL="914400" indent="0">
+            <a:lvl3pPr marL="914411" indent="0">
               <a:buNone/>
-              <a:defRPr sz="1800">
+              <a:defRPr sz="1801">
                 <a:solidFill>
                   <a:schemeClr val="tx1">
                     <a:tint val="75000"/>
@@ -925,7 +928,7 @@
                 </a:solidFill>
               </a:defRPr>
             </a:lvl3pPr>
-            <a:lvl4pPr marL="1371600" indent="0">
+            <a:lvl4pPr marL="1371617" indent="0">
               <a:buNone/>
               <a:defRPr sz="1600">
                 <a:solidFill>
@@ -935,7 +938,7 @@
                 </a:solidFill>
               </a:defRPr>
             </a:lvl4pPr>
-            <a:lvl5pPr marL="1828800" indent="0">
+            <a:lvl5pPr marL="1828823" indent="0">
               <a:buNone/>
               <a:defRPr sz="1600">
                 <a:solidFill>
@@ -945,7 +948,7 @@
                 </a:solidFill>
               </a:defRPr>
             </a:lvl5pPr>
-            <a:lvl6pPr marL="2286000" indent="0">
+            <a:lvl6pPr marL="2286029" indent="0">
               <a:buNone/>
               <a:defRPr sz="1600">
                 <a:solidFill>
@@ -955,7 +958,7 @@
                 </a:solidFill>
               </a:defRPr>
             </a:lvl6pPr>
-            <a:lvl7pPr marL="2743200" indent="0">
+            <a:lvl7pPr marL="2743234" indent="0">
               <a:buNone/>
               <a:defRPr sz="1600">
                 <a:solidFill>
@@ -965,7 +968,7 @@
                 </a:solidFill>
               </a:defRPr>
             </a:lvl7pPr>
-            <a:lvl8pPr marL="3200400" indent="0">
+            <a:lvl8pPr marL="3200440" indent="0">
               <a:buNone/>
               <a:defRPr sz="1600">
                 <a:solidFill>
@@ -975,7 +978,7 @@
                 </a:solidFill>
               </a:defRPr>
             </a:lvl8pPr>
-            <a:lvl9pPr marL="3657600" indent="0">
+            <a:lvl9pPr marL="3657646" indent="0">
               <a:buNone/>
               <a:defRPr sz="1600">
                 <a:solidFill>
@@ -1012,7 +1015,7 @@
           <a:p>
             <a:fld id="{7D382682-53B6-46DD-8B62-2F8C192B628E}" type="datetimeFigureOut">
               <a:rPr lang="en-US" smtClean="0"/>
-              <a:t>10/22/2015</a:t>
+              <a:t>2/22/2016</a:t>
             </a:fld>
             <a:endParaRPr lang="en-US"/>
           </a:p>
@@ -1125,7 +1128,7 @@
         </p:nvSpPr>
         <p:spPr>
           <a:xfrm>
-            <a:off x="838200" y="1825625"/>
+            <a:off x="838201" y="1825625"/>
             <a:ext cx="5181600" cy="4351338"/>
           </a:xfrm>
         </p:spPr>
@@ -1182,7 +1185,7 @@
         </p:nvSpPr>
         <p:spPr>
           <a:xfrm>
-            <a:off x="6172200" y="1825625"/>
+            <a:off x="6172201" y="1825625"/>
             <a:ext cx="5181600" cy="4351338"/>
           </a:xfrm>
         </p:spPr>
@@ -1244,7 +1247,7 @@
           <a:p>
             <a:fld id="{7D382682-53B6-46DD-8B62-2F8C192B628E}" type="datetimeFigureOut">
               <a:rPr lang="en-US" smtClean="0"/>
-              <a:t>10/22/2015</a:t>
+              <a:t>2/22/2016</a:t>
             </a:fld>
             <a:endParaRPr lang="en-US"/>
           </a:p>
@@ -1334,7 +1337,7 @@
         </p:nvSpPr>
         <p:spPr>
           <a:xfrm>
-            <a:off x="839788" y="365125"/>
+            <a:off x="839789" y="365125"/>
             <a:ext cx="10515600" cy="1325563"/>
           </a:xfrm>
         </p:spPr>
@@ -1362,7 +1365,7 @@
         </p:nvSpPr>
         <p:spPr>
           <a:xfrm>
-            <a:off x="839788" y="1681163"/>
+            <a:off x="839789" y="1681163"/>
             <a:ext cx="5157787" cy="823912"/>
           </a:xfrm>
         </p:spPr>
@@ -1373,35 +1376,35 @@
               <a:buNone/>
               <a:defRPr sz="2400" b="1"/>
             </a:lvl1pPr>
-            <a:lvl2pPr marL="457200" indent="0">
+            <a:lvl2pPr marL="457206" indent="0">
               <a:buNone/>
               <a:defRPr sz="2000" b="1"/>
             </a:lvl2pPr>
-            <a:lvl3pPr marL="914400" indent="0">
+            <a:lvl3pPr marL="914411" indent="0">
               <a:buNone/>
-              <a:defRPr sz="1800" b="1"/>
+              <a:defRPr sz="1801" b="1"/>
             </a:lvl3pPr>
-            <a:lvl4pPr marL="1371600" indent="0">
+            <a:lvl4pPr marL="1371617" indent="0">
               <a:buNone/>
               <a:defRPr sz="1600" b="1"/>
             </a:lvl4pPr>
-            <a:lvl5pPr marL="1828800" indent="0">
+            <a:lvl5pPr marL="1828823" indent="0">
               <a:buNone/>
               <a:defRPr sz="1600" b="1"/>
             </a:lvl5pPr>
-            <a:lvl6pPr marL="2286000" indent="0">
+            <a:lvl6pPr marL="2286029" indent="0">
               <a:buNone/>
               <a:defRPr sz="1600" b="1"/>
             </a:lvl6pPr>
-            <a:lvl7pPr marL="2743200" indent="0">
+            <a:lvl7pPr marL="2743234" indent="0">
               <a:buNone/>
               <a:defRPr sz="1600" b="1"/>
             </a:lvl7pPr>
-            <a:lvl8pPr marL="3200400" indent="0">
+            <a:lvl8pPr marL="3200440" indent="0">
               <a:buNone/>
               <a:defRPr sz="1600" b="1"/>
             </a:lvl8pPr>
-            <a:lvl9pPr marL="3657600" indent="0">
+            <a:lvl9pPr marL="3657646" indent="0">
               <a:buNone/>
               <a:defRPr sz="1600" b="1"/>
             </a:lvl9pPr>
@@ -1427,7 +1430,7 @@
         </p:nvSpPr>
         <p:spPr>
           <a:xfrm>
-            <a:off x="839788" y="2505075"/>
+            <a:off x="839789" y="2505076"/>
             <a:ext cx="5157787" cy="3684588"/>
           </a:xfrm>
         </p:spPr>
@@ -1484,7 +1487,7 @@
         </p:nvSpPr>
         <p:spPr>
           <a:xfrm>
-            <a:off x="6172200" y="1681163"/>
+            <a:off x="6172202" y="1681163"/>
             <a:ext cx="5183188" cy="823912"/>
           </a:xfrm>
         </p:spPr>
@@ -1495,35 +1498,35 @@
               <a:buNone/>
               <a:defRPr sz="2400" b="1"/>
             </a:lvl1pPr>
-            <a:lvl2pPr marL="457200" indent="0">
+            <a:lvl2pPr marL="457206" indent="0">
               <a:buNone/>
               <a:defRPr sz="2000" b="1"/>
             </a:lvl2pPr>
-            <a:lvl3pPr marL="914400" indent="0">
+            <a:lvl3pPr marL="914411" indent="0">
               <a:buNone/>
-              <a:defRPr sz="1800" b="1"/>
+              <a:defRPr sz="1801" b="1"/>
             </a:lvl3pPr>
-            <a:lvl4pPr marL="1371600" indent="0">
+            <a:lvl4pPr marL="1371617" indent="0">
               <a:buNone/>
               <a:defRPr sz="1600" b="1"/>
             </a:lvl4pPr>
-            <a:lvl5pPr marL="1828800" indent="0">
+            <a:lvl5pPr marL="1828823" indent="0">
               <a:buNone/>
               <a:defRPr sz="1600" b="1"/>
             </a:lvl5pPr>
-            <a:lvl6pPr marL="2286000" indent="0">
+            <a:lvl6pPr marL="2286029" indent="0">
               <a:buNone/>
               <a:defRPr sz="1600" b="1"/>
             </a:lvl6pPr>
-            <a:lvl7pPr marL="2743200" indent="0">
+            <a:lvl7pPr marL="2743234" indent="0">
               <a:buNone/>
               <a:defRPr sz="1600" b="1"/>
             </a:lvl7pPr>
-            <a:lvl8pPr marL="3200400" indent="0">
+            <a:lvl8pPr marL="3200440" indent="0">
               <a:buNone/>
               <a:defRPr sz="1600" b="1"/>
             </a:lvl8pPr>
-            <a:lvl9pPr marL="3657600" indent="0">
+            <a:lvl9pPr marL="3657646" indent="0">
               <a:buNone/>
               <a:defRPr sz="1600" b="1"/>
             </a:lvl9pPr>
@@ -1549,7 +1552,7 @@
         </p:nvSpPr>
         <p:spPr>
           <a:xfrm>
-            <a:off x="6172200" y="2505075"/>
+            <a:off x="6172202" y="2505076"/>
             <a:ext cx="5183188" cy="3684588"/>
           </a:xfrm>
         </p:spPr>
@@ -1611,7 +1614,7 @@
           <a:p>
             <a:fld id="{7D382682-53B6-46DD-8B62-2F8C192B628E}" type="datetimeFigureOut">
               <a:rPr lang="en-US" smtClean="0"/>
-              <a:t>10/22/2015</a:t>
+              <a:t>2/22/2016</a:t>
             </a:fld>
             <a:endParaRPr lang="en-US"/>
           </a:p>
@@ -1729,7 +1732,7 @@
           <a:p>
             <a:fld id="{7D382682-53B6-46DD-8B62-2F8C192B628E}" type="datetimeFigureOut">
               <a:rPr lang="en-US" smtClean="0"/>
-              <a:t>10/22/2015</a:t>
+              <a:t>2/22/2016</a:t>
             </a:fld>
             <a:endParaRPr lang="en-US"/>
           </a:p>
@@ -1824,7 +1827,7 @@
           <a:p>
             <a:fld id="{7D382682-53B6-46DD-8B62-2F8C192B628E}" type="datetimeFigureOut">
               <a:rPr lang="en-US" smtClean="0"/>
-              <a:t>10/22/2015</a:t>
+              <a:t>2/22/2016</a:t>
             </a:fld>
             <a:endParaRPr lang="en-US"/>
           </a:p>
@@ -1914,8 +1917,8 @@
         </p:nvSpPr>
         <p:spPr>
           <a:xfrm>
-            <a:off x="839788" y="457200"/>
-            <a:ext cx="3932237" cy="1600200"/>
+            <a:off x="839790" y="457200"/>
+            <a:ext cx="3932236" cy="1600200"/>
           </a:xfrm>
         </p:spPr>
         <p:txBody>
@@ -1947,7 +1950,7 @@
         <p:spPr>
           <a:xfrm>
             <a:off x="5183188" y="987425"/>
-            <a:ext cx="6172200" cy="4873625"/>
+            <a:ext cx="6172201" cy="4873625"/>
           </a:xfrm>
         </p:spPr>
         <p:txBody>
@@ -2031,8 +2034,8 @@
         </p:nvSpPr>
         <p:spPr>
           <a:xfrm>
-            <a:off x="839788" y="2057400"/>
-            <a:ext cx="3932237" cy="3811588"/>
+            <a:off x="839790" y="2057400"/>
+            <a:ext cx="3932236" cy="3811588"/>
           </a:xfrm>
         </p:spPr>
         <p:txBody>
@@ -2042,37 +2045,37 @@
               <a:buNone/>
               <a:defRPr sz="1600"/>
             </a:lvl1pPr>
-            <a:lvl2pPr marL="457200" indent="0">
+            <a:lvl2pPr marL="457206" indent="0">
               <a:buNone/>
-              <a:defRPr sz="1400"/>
+              <a:defRPr sz="1401"/>
             </a:lvl2pPr>
-            <a:lvl3pPr marL="914400" indent="0">
+            <a:lvl3pPr marL="914411" indent="0">
               <a:buNone/>
               <a:defRPr sz="1200"/>
             </a:lvl3pPr>
-            <a:lvl4pPr marL="1371600" indent="0">
+            <a:lvl4pPr marL="1371617" indent="0">
               <a:buNone/>
-              <a:defRPr sz="1000"/>
+              <a:defRPr sz="1001"/>
             </a:lvl4pPr>
-            <a:lvl5pPr marL="1828800" indent="0">
+            <a:lvl5pPr marL="1828823" indent="0">
               <a:buNone/>
-              <a:defRPr sz="1000"/>
+              <a:defRPr sz="1001"/>
             </a:lvl5pPr>
-            <a:lvl6pPr marL="2286000" indent="0">
+            <a:lvl6pPr marL="2286029" indent="0">
               <a:buNone/>
-              <a:defRPr sz="1000"/>
+              <a:defRPr sz="1001"/>
             </a:lvl6pPr>
-            <a:lvl7pPr marL="2743200" indent="0">
+            <a:lvl7pPr marL="2743234" indent="0">
               <a:buNone/>
-              <a:defRPr sz="1000"/>
+              <a:defRPr sz="1001"/>
             </a:lvl7pPr>
-            <a:lvl8pPr marL="3200400" indent="0">
+            <a:lvl8pPr marL="3200440" indent="0">
               <a:buNone/>
-              <a:defRPr sz="1000"/>
+              <a:defRPr sz="1001"/>
             </a:lvl8pPr>
-            <a:lvl9pPr marL="3657600" indent="0">
+            <a:lvl9pPr marL="3657646" indent="0">
               <a:buNone/>
-              <a:defRPr sz="1000"/>
+              <a:defRPr sz="1001"/>
             </a:lvl9pPr>
           </a:lstStyle>
           <a:p>
@@ -2101,7 +2104,7 @@
           <a:p>
             <a:fld id="{7D382682-53B6-46DD-8B62-2F8C192B628E}" type="datetimeFigureOut">
               <a:rPr lang="en-US" smtClean="0"/>
-              <a:t>10/22/2015</a:t>
+              <a:t>2/22/2016</a:t>
             </a:fld>
             <a:endParaRPr lang="en-US"/>
           </a:p>
@@ -2191,8 +2194,8 @@
         </p:nvSpPr>
         <p:spPr>
           <a:xfrm>
-            <a:off x="839788" y="457200"/>
-            <a:ext cx="3932237" cy="1600200"/>
+            <a:off x="839790" y="457200"/>
+            <a:ext cx="3932236" cy="1600200"/>
           </a:xfrm>
         </p:spPr>
         <p:txBody>
@@ -2224,7 +2227,7 @@
         <p:spPr>
           <a:xfrm>
             <a:off x="5183188" y="987425"/>
-            <a:ext cx="6172200" cy="4873625"/>
+            <a:ext cx="6172201" cy="4873625"/>
           </a:xfrm>
         </p:spPr>
         <p:txBody>
@@ -2234,35 +2237,35 @@
               <a:buNone/>
               <a:defRPr sz="3200"/>
             </a:lvl1pPr>
-            <a:lvl2pPr marL="457200" indent="0">
+            <a:lvl2pPr marL="457206" indent="0">
               <a:buNone/>
               <a:defRPr sz="2800"/>
             </a:lvl2pPr>
-            <a:lvl3pPr marL="914400" indent="0">
+            <a:lvl3pPr marL="914411" indent="0">
               <a:buNone/>
               <a:defRPr sz="2400"/>
             </a:lvl3pPr>
-            <a:lvl4pPr marL="1371600" indent="0">
+            <a:lvl4pPr marL="1371617" indent="0">
               <a:buNone/>
               <a:defRPr sz="2000"/>
             </a:lvl4pPr>
-            <a:lvl5pPr marL="1828800" indent="0">
+            <a:lvl5pPr marL="1828823" indent="0">
               <a:buNone/>
               <a:defRPr sz="2000"/>
             </a:lvl5pPr>
-            <a:lvl6pPr marL="2286000" indent="0">
+            <a:lvl6pPr marL="2286029" indent="0">
               <a:buNone/>
               <a:defRPr sz="2000"/>
             </a:lvl6pPr>
-            <a:lvl7pPr marL="2743200" indent="0">
+            <a:lvl7pPr marL="2743234" indent="0">
               <a:buNone/>
               <a:defRPr sz="2000"/>
             </a:lvl7pPr>
-            <a:lvl8pPr marL="3200400" indent="0">
+            <a:lvl8pPr marL="3200440" indent="0">
               <a:buNone/>
               <a:defRPr sz="2000"/>
             </a:lvl8pPr>
-            <a:lvl9pPr marL="3657600" indent="0">
+            <a:lvl9pPr marL="3657646" indent="0">
               <a:buNone/>
               <a:defRPr sz="2000"/>
             </a:lvl9pPr>
@@ -2284,8 +2287,8 @@
         </p:nvSpPr>
         <p:spPr>
           <a:xfrm>
-            <a:off x="839788" y="2057400"/>
-            <a:ext cx="3932237" cy="3811588"/>
+            <a:off x="839790" y="2057400"/>
+            <a:ext cx="3932236" cy="3811588"/>
           </a:xfrm>
         </p:spPr>
         <p:txBody>
@@ -2295,37 +2298,37 @@
               <a:buNone/>
               <a:defRPr sz="1600"/>
             </a:lvl1pPr>
-            <a:lvl2pPr marL="457200" indent="0">
+            <a:lvl2pPr marL="457206" indent="0">
               <a:buNone/>
-              <a:defRPr sz="1400"/>
+              <a:defRPr sz="1401"/>
             </a:lvl2pPr>
-            <a:lvl3pPr marL="914400" indent="0">
+            <a:lvl3pPr marL="914411" indent="0">
               <a:buNone/>
               <a:defRPr sz="1200"/>
             </a:lvl3pPr>
-            <a:lvl4pPr marL="1371600" indent="0">
+            <a:lvl4pPr marL="1371617" indent="0">
               <a:buNone/>
-              <a:defRPr sz="1000"/>
+              <a:defRPr sz="1001"/>
             </a:lvl4pPr>
-            <a:lvl5pPr marL="1828800" indent="0">
+            <a:lvl5pPr marL="1828823" indent="0">
               <a:buNone/>
-              <a:defRPr sz="1000"/>
+              <a:defRPr sz="1001"/>
             </a:lvl5pPr>
-            <a:lvl6pPr marL="2286000" indent="0">
+            <a:lvl6pPr marL="2286029" indent="0">
               <a:buNone/>
-              <a:defRPr sz="1000"/>
+              <a:defRPr sz="1001"/>
             </a:lvl6pPr>
-            <a:lvl7pPr marL="2743200" indent="0">
+            <a:lvl7pPr marL="2743234" indent="0">
               <a:buNone/>
-              <a:defRPr sz="1000"/>
+              <a:defRPr sz="1001"/>
             </a:lvl7pPr>
-            <a:lvl8pPr marL="3200400" indent="0">
+            <a:lvl8pPr marL="3200440" indent="0">
               <a:buNone/>
-              <a:defRPr sz="1000"/>
+              <a:defRPr sz="1001"/>
             </a:lvl8pPr>
-            <a:lvl9pPr marL="3657600" indent="0">
+            <a:lvl9pPr marL="3657646" indent="0">
               <a:buNone/>
-              <a:defRPr sz="1000"/>
+              <a:defRPr sz="1001"/>
             </a:lvl9pPr>
           </a:lstStyle>
           <a:p>
@@ -2354,7 +2357,7 @@
           <a:p>
             <a:fld id="{7D382682-53B6-46DD-8B62-2F8C192B628E}" type="datetimeFigureOut">
               <a:rPr lang="en-US" smtClean="0"/>
-              <a:t>10/22/2015</a:t>
+              <a:t>2/22/2016</a:t>
             </a:fld>
             <a:endParaRPr lang="en-US"/>
           </a:p>
@@ -2449,7 +2452,7 @@
         </p:nvSpPr>
         <p:spPr>
           <a:xfrm>
-            <a:off x="838200" y="365125"/>
+            <a:off x="838202" y="365125"/>
             <a:ext cx="10515600" cy="1325563"/>
           </a:xfrm>
           <a:prstGeom prst="rect">
@@ -2482,7 +2485,7 @@
         </p:nvSpPr>
         <p:spPr>
           <a:xfrm>
-            <a:off x="838200" y="1825625"/>
+            <a:off x="838202" y="1825625"/>
             <a:ext cx="10515600" cy="4351338"/>
           </a:xfrm>
           <a:prstGeom prst="rect">
@@ -2544,7 +2547,7 @@
         </p:nvSpPr>
         <p:spPr>
           <a:xfrm>
-            <a:off x="838200" y="6356350"/>
+            <a:off x="838201" y="6356351"/>
             <a:ext cx="2743200" cy="365125"/>
           </a:xfrm>
           <a:prstGeom prst="rect">
@@ -2567,7 +2570,7 @@
           <a:p>
             <a:fld id="{7D382682-53B6-46DD-8B62-2F8C192B628E}" type="datetimeFigureOut">
               <a:rPr lang="en-US" smtClean="0"/>
-              <a:t>10/22/2015</a:t>
+              <a:t>2/22/2016</a:t>
             </a:fld>
             <a:endParaRPr lang="en-US"/>
           </a:p>
@@ -2585,7 +2588,7 @@
         </p:nvSpPr>
         <p:spPr>
           <a:xfrm>
-            <a:off x="4038600" y="6356350"/>
+            <a:off x="4038602" y="6356351"/>
             <a:ext cx="4114800" cy="365125"/>
           </a:xfrm>
           <a:prstGeom prst="rect">
@@ -2622,7 +2625,7 @@
         </p:nvSpPr>
         <p:spPr>
           <a:xfrm>
-            <a:off x="8610600" y="6356350"/>
+            <a:off x="8610601" y="6356351"/>
             <a:ext cx="2743200" cy="365125"/>
           </a:xfrm>
           <a:prstGeom prst="rect">
@@ -2674,7 +2677,7 @@
   </p:sldLayoutIdLst>
   <p:txStyles>
     <p:titleStyle>
-      <a:lvl1pPr algn="l" defTabSz="914400" rtl="0" eaLnBrk="1" latinLnBrk="0" hangingPunct="1">
+      <a:lvl1pPr algn="l" defTabSz="914411" rtl="0" eaLnBrk="1" latinLnBrk="0" hangingPunct="1">
         <a:lnSpc>
           <a:spcPct val="90000"/>
         </a:lnSpc>
@@ -2693,12 +2696,12 @@
       </a:lvl1pPr>
     </p:titleStyle>
     <p:bodyStyle>
-      <a:lvl1pPr marL="228600" indent="-228600" algn="l" defTabSz="914400" rtl="0" eaLnBrk="1" latinLnBrk="0" hangingPunct="1">
+      <a:lvl1pPr marL="228604" indent="-228604" algn="l" defTabSz="914411" rtl="0" eaLnBrk="1" latinLnBrk="0" hangingPunct="1">
         <a:lnSpc>
           <a:spcPct val="90000"/>
         </a:lnSpc>
         <a:spcBef>
-          <a:spcPts val="1000"/>
+          <a:spcPts val="1001"/>
         </a:spcBef>
         <a:buFont typeface="Arial" panose="020B0604020202020204" pitchFamily="34" charset="0"/>
         <a:buChar char="•"/>
@@ -2711,7 +2714,7 @@
           <a:cs typeface="+mn-cs"/>
         </a:defRPr>
       </a:lvl1pPr>
-      <a:lvl2pPr marL="685800" indent="-228600" algn="l" defTabSz="914400" rtl="0" eaLnBrk="1" latinLnBrk="0" hangingPunct="1">
+      <a:lvl2pPr marL="685809" indent="-228604" algn="l" defTabSz="914411" rtl="0" eaLnBrk="1" latinLnBrk="0" hangingPunct="1">
         <a:lnSpc>
           <a:spcPct val="90000"/>
         </a:lnSpc>
@@ -2729,7 +2732,7 @@
           <a:cs typeface="+mn-cs"/>
         </a:defRPr>
       </a:lvl2pPr>
-      <a:lvl3pPr marL="1143000" indent="-228600" algn="l" defTabSz="914400" rtl="0" eaLnBrk="1" latinLnBrk="0" hangingPunct="1">
+      <a:lvl3pPr marL="1143015" indent="-228604" algn="l" defTabSz="914411" rtl="0" eaLnBrk="1" latinLnBrk="0" hangingPunct="1">
         <a:lnSpc>
           <a:spcPct val="90000"/>
         </a:lnSpc>
@@ -2747,7 +2750,7 @@
           <a:cs typeface="+mn-cs"/>
         </a:defRPr>
       </a:lvl3pPr>
-      <a:lvl4pPr marL="1600200" indent="-228600" algn="l" defTabSz="914400" rtl="0" eaLnBrk="1" latinLnBrk="0" hangingPunct="1">
+      <a:lvl4pPr marL="1600221" indent="-228604" algn="l" defTabSz="914411" rtl="0" eaLnBrk="1" latinLnBrk="0" hangingPunct="1">
         <a:lnSpc>
           <a:spcPct val="90000"/>
         </a:lnSpc>
@@ -2756,7 +2759,7 @@
         </a:spcBef>
         <a:buFont typeface="Arial" panose="020B0604020202020204" pitchFamily="34" charset="0"/>
         <a:buChar char="•"/>
-        <a:defRPr sz="1800" kern="1200">
+        <a:defRPr sz="1801" kern="1200">
           <a:solidFill>
             <a:schemeClr val="tx1"/>
           </a:solidFill>
@@ -2765,7 +2768,7 @@
           <a:cs typeface="+mn-cs"/>
         </a:defRPr>
       </a:lvl4pPr>
-      <a:lvl5pPr marL="2057400" indent="-228600" algn="l" defTabSz="914400" rtl="0" eaLnBrk="1" latinLnBrk="0" hangingPunct="1">
+      <a:lvl5pPr marL="2057427" indent="-228604" algn="l" defTabSz="914411" rtl="0" eaLnBrk="1" latinLnBrk="0" hangingPunct="1">
         <a:lnSpc>
           <a:spcPct val="90000"/>
         </a:lnSpc>
@@ -2774,7 +2777,7 @@
         </a:spcBef>
         <a:buFont typeface="Arial" panose="020B0604020202020204" pitchFamily="34" charset="0"/>
         <a:buChar char="•"/>
-        <a:defRPr sz="1800" kern="1200">
+        <a:defRPr sz="1801" kern="1200">
           <a:solidFill>
             <a:schemeClr val="tx1"/>
           </a:solidFill>
@@ -2783,7 +2786,7 @@
           <a:cs typeface="+mn-cs"/>
         </a:defRPr>
       </a:lvl5pPr>
-      <a:lvl6pPr marL="2514600" indent="-228600" algn="l" defTabSz="914400" rtl="0" eaLnBrk="1" latinLnBrk="0" hangingPunct="1">
+      <a:lvl6pPr marL="2514632" indent="-228604" algn="l" defTabSz="914411" rtl="0" eaLnBrk="1" latinLnBrk="0" hangingPunct="1">
         <a:lnSpc>
           <a:spcPct val="90000"/>
         </a:lnSpc>
@@ -2792,7 +2795,7 @@
         </a:spcBef>
         <a:buFont typeface="Arial" panose="020B0604020202020204" pitchFamily="34" charset="0"/>
         <a:buChar char="•"/>
-        <a:defRPr sz="1800" kern="1200">
+        <a:defRPr sz="1801" kern="1200">
           <a:solidFill>
             <a:schemeClr val="tx1"/>
           </a:solidFill>
@@ -2801,7 +2804,7 @@
           <a:cs typeface="+mn-cs"/>
         </a:defRPr>
       </a:lvl6pPr>
-      <a:lvl7pPr marL="2971800" indent="-228600" algn="l" defTabSz="914400" rtl="0" eaLnBrk="1" latinLnBrk="0" hangingPunct="1">
+      <a:lvl7pPr marL="2971838" indent="-228604" algn="l" defTabSz="914411" rtl="0" eaLnBrk="1" latinLnBrk="0" hangingPunct="1">
         <a:lnSpc>
           <a:spcPct val="90000"/>
         </a:lnSpc>
@@ -2810,7 +2813,7 @@
         </a:spcBef>
         <a:buFont typeface="Arial" panose="020B0604020202020204" pitchFamily="34" charset="0"/>
         <a:buChar char="•"/>
-        <a:defRPr sz="1800" kern="1200">
+        <a:defRPr sz="1801" kern="1200">
           <a:solidFill>
             <a:schemeClr val="tx1"/>
           </a:solidFill>
@@ -2819,7 +2822,7 @@
           <a:cs typeface="+mn-cs"/>
         </a:defRPr>
       </a:lvl7pPr>
-      <a:lvl8pPr marL="3429000" indent="-228600" algn="l" defTabSz="914400" rtl="0" eaLnBrk="1" latinLnBrk="0" hangingPunct="1">
+      <a:lvl8pPr marL="3429044" indent="-228604" algn="l" defTabSz="914411" rtl="0" eaLnBrk="1" latinLnBrk="0" hangingPunct="1">
         <a:lnSpc>
           <a:spcPct val="90000"/>
         </a:lnSpc>
@@ -2828,7 +2831,7 @@
         </a:spcBef>
         <a:buFont typeface="Arial" panose="020B0604020202020204" pitchFamily="34" charset="0"/>
         <a:buChar char="•"/>
-        <a:defRPr sz="1800" kern="1200">
+        <a:defRPr sz="1801" kern="1200">
           <a:solidFill>
             <a:schemeClr val="tx1"/>
           </a:solidFill>
@@ -2837,7 +2840,7 @@
           <a:cs typeface="+mn-cs"/>
         </a:defRPr>
       </a:lvl8pPr>
-      <a:lvl9pPr marL="3886200" indent="-228600" algn="l" defTabSz="914400" rtl="0" eaLnBrk="1" latinLnBrk="0" hangingPunct="1">
+      <a:lvl9pPr marL="3886249" indent="-228604" algn="l" defTabSz="914411" rtl="0" eaLnBrk="1" latinLnBrk="0" hangingPunct="1">
         <a:lnSpc>
           <a:spcPct val="90000"/>
         </a:lnSpc>
@@ -2846,7 +2849,7 @@
         </a:spcBef>
         <a:buFont typeface="Arial" panose="020B0604020202020204" pitchFamily="34" charset="0"/>
         <a:buChar char="•"/>
-        <a:defRPr sz="1800" kern="1200">
+        <a:defRPr sz="1801" kern="1200">
           <a:solidFill>
             <a:schemeClr val="tx1"/>
           </a:solidFill>
@@ -2860,8 +2863,8 @@
       <a:defPPr>
         <a:defRPr lang="en-US"/>
       </a:defPPr>
-      <a:lvl1pPr marL="0" algn="l" defTabSz="914400" rtl="0" eaLnBrk="1" latinLnBrk="0" hangingPunct="1">
-        <a:defRPr sz="1800" kern="1200">
+      <a:lvl1pPr marL="0" algn="l" defTabSz="914411" rtl="0" eaLnBrk="1" latinLnBrk="0" hangingPunct="1">
+        <a:defRPr sz="1801" kern="1200">
           <a:solidFill>
             <a:schemeClr val="tx1"/>
           </a:solidFill>
@@ -2870,8 +2873,8 @@
           <a:cs typeface="+mn-cs"/>
         </a:defRPr>
       </a:lvl1pPr>
-      <a:lvl2pPr marL="457200" algn="l" defTabSz="914400" rtl="0" eaLnBrk="1" latinLnBrk="0" hangingPunct="1">
-        <a:defRPr sz="1800" kern="1200">
+      <a:lvl2pPr marL="457206" algn="l" defTabSz="914411" rtl="0" eaLnBrk="1" latinLnBrk="0" hangingPunct="1">
+        <a:defRPr sz="1801" kern="1200">
           <a:solidFill>
             <a:schemeClr val="tx1"/>
           </a:solidFill>
@@ -2880,8 +2883,8 @@
           <a:cs typeface="+mn-cs"/>
         </a:defRPr>
       </a:lvl2pPr>
-      <a:lvl3pPr marL="914400" algn="l" defTabSz="914400" rtl="0" eaLnBrk="1" latinLnBrk="0" hangingPunct="1">
-        <a:defRPr sz="1800" kern="1200">
+      <a:lvl3pPr marL="914411" algn="l" defTabSz="914411" rtl="0" eaLnBrk="1" latinLnBrk="0" hangingPunct="1">
+        <a:defRPr sz="1801" kern="1200">
           <a:solidFill>
             <a:schemeClr val="tx1"/>
           </a:solidFill>
@@ -2890,8 +2893,8 @@
           <a:cs typeface="+mn-cs"/>
         </a:defRPr>
       </a:lvl3pPr>
-      <a:lvl4pPr marL="1371600" algn="l" defTabSz="914400" rtl="0" eaLnBrk="1" latinLnBrk="0" hangingPunct="1">
-        <a:defRPr sz="1800" kern="1200">
+      <a:lvl4pPr marL="1371617" algn="l" defTabSz="914411" rtl="0" eaLnBrk="1" latinLnBrk="0" hangingPunct="1">
+        <a:defRPr sz="1801" kern="1200">
           <a:solidFill>
             <a:schemeClr val="tx1"/>
           </a:solidFill>
@@ -2900,8 +2903,8 @@
           <a:cs typeface="+mn-cs"/>
         </a:defRPr>
       </a:lvl4pPr>
-      <a:lvl5pPr marL="1828800" algn="l" defTabSz="914400" rtl="0" eaLnBrk="1" latinLnBrk="0" hangingPunct="1">
-        <a:defRPr sz="1800" kern="1200">
+      <a:lvl5pPr marL="1828823" algn="l" defTabSz="914411" rtl="0" eaLnBrk="1" latinLnBrk="0" hangingPunct="1">
+        <a:defRPr sz="1801" kern="1200">
           <a:solidFill>
             <a:schemeClr val="tx1"/>
           </a:solidFill>
@@ -2910,8 +2913,8 @@
           <a:cs typeface="+mn-cs"/>
         </a:defRPr>
       </a:lvl5pPr>
-      <a:lvl6pPr marL="2286000" algn="l" defTabSz="914400" rtl="0" eaLnBrk="1" latinLnBrk="0" hangingPunct="1">
-        <a:defRPr sz="1800" kern="1200">
+      <a:lvl6pPr marL="2286029" algn="l" defTabSz="914411" rtl="0" eaLnBrk="1" latinLnBrk="0" hangingPunct="1">
+        <a:defRPr sz="1801" kern="1200">
           <a:solidFill>
             <a:schemeClr val="tx1"/>
           </a:solidFill>
@@ -2920,8 +2923,8 @@
           <a:cs typeface="+mn-cs"/>
         </a:defRPr>
       </a:lvl6pPr>
-      <a:lvl7pPr marL="2743200" algn="l" defTabSz="914400" rtl="0" eaLnBrk="1" latinLnBrk="0" hangingPunct="1">
-        <a:defRPr sz="1800" kern="1200">
+      <a:lvl7pPr marL="2743234" algn="l" defTabSz="914411" rtl="0" eaLnBrk="1" latinLnBrk="0" hangingPunct="1">
+        <a:defRPr sz="1801" kern="1200">
           <a:solidFill>
             <a:schemeClr val="tx1"/>
           </a:solidFill>
@@ -2930,8 +2933,8 @@
           <a:cs typeface="+mn-cs"/>
         </a:defRPr>
       </a:lvl7pPr>
-      <a:lvl8pPr marL="3200400" algn="l" defTabSz="914400" rtl="0" eaLnBrk="1" latinLnBrk="0" hangingPunct="1">
-        <a:defRPr sz="1800" kern="1200">
+      <a:lvl8pPr marL="3200440" algn="l" defTabSz="914411" rtl="0" eaLnBrk="1" latinLnBrk="0" hangingPunct="1">
+        <a:defRPr sz="1801" kern="1200">
           <a:solidFill>
             <a:schemeClr val="tx1"/>
           </a:solidFill>
@@ -2940,8 +2943,8 @@
           <a:cs typeface="+mn-cs"/>
         </a:defRPr>
       </a:lvl8pPr>
-      <a:lvl9pPr marL="3657600" algn="l" defTabSz="914400" rtl="0" eaLnBrk="1" latinLnBrk="0" hangingPunct="1">
-        <a:defRPr sz="1800" kern="1200">
+      <a:lvl9pPr marL="3657646" algn="l" defTabSz="914411" rtl="0" eaLnBrk="1" latinLnBrk="0" hangingPunct="1">
+        <a:defRPr sz="1801" kern="1200">
           <a:solidFill>
             <a:schemeClr val="tx1"/>
           </a:solidFill>
@@ -2994,8 +2997,8 @@
         </p:blipFill>
         <p:spPr>
           <a:xfrm>
-            <a:off x="2240692" y="2971288"/>
-            <a:ext cx="9728886" cy="3643695"/>
+            <a:off x="2240692" y="2971290"/>
+            <a:ext cx="9728885" cy="3643694"/>
           </a:xfrm>
           <a:prstGeom prst="rect">
             <a:avLst/>
@@ -3024,7 +3027,7 @@
         </p:blipFill>
         <p:spPr>
           <a:xfrm>
-            <a:off x="116063" y="94791"/>
+            <a:off x="116064" y="94793"/>
             <a:ext cx="4925493" cy="2063522"/>
           </a:xfrm>
           <a:prstGeom prst="rect">
@@ -3040,8 +3043,8 @@
         </p:nvSpPr>
         <p:spPr>
           <a:xfrm>
-            <a:off x="2108886" y="94791"/>
-            <a:ext cx="3048000" cy="2170614"/>
+            <a:off x="2108885" y="94792"/>
+            <a:ext cx="3048000" cy="2170613"/>
           </a:xfrm>
           <a:prstGeom prst="rect">
             <a:avLst/>
@@ -3075,7 +3078,7 @@
           <a:lstStyle/>
           <a:p>
             <a:pPr algn="ctr"/>
-            <a:endParaRPr lang="en-US"/>
+            <a:endParaRPr lang="en-US" sz="1801"/>
           </a:p>
         </p:txBody>
       </p:sp>
@@ -3090,8 +3093,8 @@
         </p:nvCxnSpPr>
         <p:spPr>
           <a:xfrm>
-            <a:off x="5156886" y="1180098"/>
-            <a:ext cx="1948249" cy="1791190"/>
+            <a:off x="5156887" y="1180099"/>
+            <a:ext cx="1948249" cy="1791189"/>
           </a:xfrm>
           <a:prstGeom prst="bentConnector2">
             <a:avLst/>
@@ -3288,7 +3291,7 @@
         </p:nvGrpSpPr>
         <p:grpSpPr>
           <a:xfrm>
-            <a:off x="0" y="0"/>
+            <a:off x="0" y="2"/>
             <a:ext cx="9846104" cy="6858000"/>
             <a:chOff x="0" y="0"/>
             <a:chExt cx="9846104" cy="6858000"/>
@@ -3341,7 +3344,7 @@
             <a:lstStyle/>
             <a:p>
               <a:pPr algn="ctr"/>
-              <a:endParaRPr lang="en-US" dirty="0"/>
+              <a:endParaRPr lang="en-US" sz="1801" dirty="0"/>
             </a:p>
           </p:txBody>
         </p:sp>
@@ -3398,7 +3401,7 @@
             <p:spPr>
               <a:xfrm>
                 <a:off x="9350552" y="6344434"/>
-                <a:ext cx="700833" cy="369332"/>
+                <a:ext cx="700833" cy="369460"/>
               </a:xfrm>
               <a:prstGeom prst="rect">
                 <a:avLst/>
@@ -3412,14 +3415,9 @@
               <a:lstStyle/>
               <a:p>
                 <a:r>
-                  <a:rPr lang="en-US" b="1" i="1" dirty="0"/>
-                  <a:t>c</a:t>
+                  <a:rPr lang="en-US" sz="1801" b="1" i="1" dirty="0"/>
+                  <a:t>cloud</a:t>
                 </a:r>
-                <a:r>
-                  <a:rPr lang="en-US" b="1" i="1" dirty="0" smtClean="0"/>
-                  <a:t>loud</a:t>
-                </a:r>
-                <a:endParaRPr lang="en-US" b="1" i="1" dirty="0"/>
               </a:p>
             </p:txBody>
           </p:sp>
@@ -3433,8 +3431,8 @@
         </p:nvGrpSpPr>
         <p:grpSpPr>
           <a:xfrm>
-            <a:off x="245730" y="167951"/>
-            <a:ext cx="9271870" cy="2396961"/>
+            <a:off x="245731" y="167952"/>
+            <a:ext cx="9271870" cy="2396962"/>
             <a:chOff x="245730" y="167951"/>
             <a:chExt cx="9271870" cy="2396961"/>
           </a:xfrm>
@@ -3487,7 +3485,7 @@
             <a:lstStyle/>
             <a:p>
               <a:pPr algn="ctr"/>
-              <a:endParaRPr lang="en-US"/>
+              <a:endParaRPr lang="en-US" sz="1801"/>
             </a:p>
           </p:txBody>
         </p:sp>
@@ -3500,7 +3498,7 @@
           <p:spPr>
             <a:xfrm>
               <a:off x="245730" y="175987"/>
-              <a:ext cx="1625766" cy="369332"/>
+              <a:ext cx="1612942" cy="369460"/>
             </a:xfrm>
             <a:prstGeom prst="rect">
               <a:avLst/>
@@ -3517,10 +3515,9 @@
             <a:lstStyle/>
             <a:p>
               <a:r>
-                <a:rPr lang="en-US" b="1" i="1" dirty="0" smtClean="0"/>
+                <a:rPr lang="en-US" sz="1801" b="1" i="1" dirty="0"/>
                 <a:t>Sherlock Demo</a:t>
               </a:r>
-              <a:endParaRPr lang="en-US" b="1" i="1" dirty="0"/>
             </a:p>
           </p:txBody>
         </p:sp>
@@ -3533,8 +3530,8 @@
         </p:nvGrpSpPr>
         <p:grpSpPr>
           <a:xfrm>
-            <a:off x="5570386" y="379822"/>
-            <a:ext cx="2537927" cy="2089636"/>
+            <a:off x="5570388" y="379823"/>
+            <a:ext cx="2537928" cy="2089636"/>
             <a:chOff x="5570386" y="379822"/>
             <a:chExt cx="2537927" cy="2089636"/>
           </a:xfrm>
@@ -3584,7 +3581,7 @@
             <a:lstStyle/>
             <a:p>
               <a:pPr algn="ctr"/>
-              <a:endParaRPr lang="en-US"/>
+              <a:endParaRPr lang="en-US" sz="1801"/>
             </a:p>
           </p:txBody>
         </p:sp>
@@ -3596,8 +3593,8 @@
           </p:nvSpPr>
           <p:spPr>
             <a:xfrm>
-              <a:off x="6190056" y="427921"/>
-              <a:ext cx="1413913" cy="369332"/>
+              <a:off x="6190055" y="427922"/>
+              <a:ext cx="1413849" cy="369460"/>
             </a:xfrm>
             <a:prstGeom prst="rect">
               <a:avLst/>
@@ -3611,10 +3608,9 @@
             <a:lstStyle/>
             <a:p>
               <a:r>
-                <a:rPr lang="en-US" b="1" i="1" dirty="0" smtClean="0"/>
+                <a:rPr lang="en-US" sz="1801" b="1" i="1" dirty="0"/>
                 <a:t>Visualization</a:t>
               </a:r>
-              <a:endParaRPr lang="en-US" b="1" i="1" dirty="0"/>
             </a:p>
           </p:txBody>
         </p:sp>
@@ -3627,8 +3623,8 @@
         </p:nvGrpSpPr>
         <p:grpSpPr>
           <a:xfrm>
-            <a:off x="1949323" y="379824"/>
-            <a:ext cx="3375433" cy="2035544"/>
+            <a:off x="1949325" y="379823"/>
+            <a:ext cx="3375433" cy="2035545"/>
             <a:chOff x="1949323" y="379824"/>
             <a:chExt cx="3375433" cy="2035544"/>
           </a:xfrm>
@@ -3678,7 +3674,7 @@
             <a:lstStyle/>
             <a:p>
               <a:pPr algn="ctr"/>
-              <a:endParaRPr lang="en-US"/>
+              <a:endParaRPr lang="en-US" sz="1801"/>
             </a:p>
           </p:txBody>
         </p:sp>
@@ -3691,7 +3687,7 @@
           <p:spPr>
             <a:xfrm>
               <a:off x="3026359" y="431060"/>
-              <a:ext cx="1249060" cy="369332"/>
+              <a:ext cx="1249060" cy="369460"/>
             </a:xfrm>
             <a:prstGeom prst="rect">
               <a:avLst/>
@@ -3705,10 +3701,9 @@
             <a:lstStyle/>
             <a:p>
               <a:r>
-                <a:rPr lang="en-US" b="1" i="1" dirty="0" smtClean="0"/>
+                <a:rPr lang="en-US" sz="1801" b="1" i="1" dirty="0"/>
                 <a:t>Operations</a:t>
               </a:r>
-              <a:endParaRPr lang="en-US" b="1" i="1" dirty="0"/>
             </a:p>
           </p:txBody>
         </p:sp>
@@ -3721,8 +3716,8 @@
         </p:nvGrpSpPr>
         <p:grpSpPr>
           <a:xfrm>
-            <a:off x="1883939" y="2816936"/>
-            <a:ext cx="6061029" cy="3975750"/>
+            <a:off x="1883941" y="2816937"/>
+            <a:ext cx="6061029" cy="3975749"/>
             <a:chOff x="1883939" y="2816936"/>
             <a:chExt cx="6061029" cy="3975750"/>
           </a:xfrm>
@@ -3771,7 +3766,7 @@
             <a:lstStyle/>
             <a:p>
               <a:pPr algn="ctr"/>
-              <a:endParaRPr lang="en-US"/>
+              <a:endParaRPr lang="en-US" sz="1801"/>
             </a:p>
           </p:txBody>
         </p:sp>
@@ -3814,7 +3809,7 @@
           <p:spPr>
             <a:xfrm>
               <a:off x="1986647" y="6345237"/>
-              <a:ext cx="1287532" cy="369332"/>
+              <a:ext cx="1287532" cy="369460"/>
             </a:xfrm>
             <a:prstGeom prst="rect">
               <a:avLst/>
@@ -3828,18 +3823,13 @@
             <a:lstStyle/>
             <a:p>
               <a:r>
-                <a:rPr lang="en-US" b="1" i="1" dirty="0" smtClean="0">
+                <a:rPr lang="en-US" sz="1801" b="1" i="1" dirty="0">
                   <a:solidFill>
                     <a:srgbClr val="0070C0"/>
                   </a:solidFill>
                 </a:rPr>
                 <a:t>Hadoop 2.0</a:t>
               </a:r>
-              <a:endParaRPr lang="en-US" b="1" i="1" dirty="0">
-                <a:solidFill>
-                  <a:srgbClr val="0070C0"/>
-                </a:solidFill>
-              </a:endParaRPr>
             </a:p>
           </p:txBody>
         </p:sp>
@@ -3852,8 +3842,8 @@
         </p:nvGrpSpPr>
         <p:grpSpPr>
           <a:xfrm>
-            <a:off x="245729" y="3750995"/>
-            <a:ext cx="2850947" cy="1416908"/>
+            <a:off x="245730" y="3750996"/>
+            <a:ext cx="2850948" cy="1416908"/>
             <a:chOff x="245729" y="3750995"/>
             <a:chExt cx="2850947" cy="1416908"/>
           </a:xfrm>
@@ -3901,7 +3891,7 @@
             <a:lstStyle/>
             <a:p>
               <a:pPr algn="ctr"/>
-              <a:endParaRPr lang="en-US"/>
+              <a:endParaRPr lang="en-US" sz="1801"/>
             </a:p>
           </p:txBody>
         </p:sp>
@@ -4031,7 +4021,7 @@
               <a:lstStyle/>
               <a:p>
                 <a:pPr algn="ctr"/>
-                <a:endParaRPr lang="en-US"/>
+                <a:endParaRPr lang="en-US" sz="1801"/>
               </a:p>
             </p:txBody>
           </p:sp>
@@ -4078,7 +4068,7 @@
               <a:lstStyle/>
               <a:p>
                 <a:pPr algn="ctr"/>
-                <a:endParaRPr lang="en-US" dirty="0"/>
+                <a:endParaRPr lang="en-US" sz="1801" dirty="0"/>
               </a:p>
             </p:txBody>
           </p:sp>
@@ -4128,8 +4118,8 @@
             </p:nvSpPr>
             <p:spPr>
               <a:xfrm>
-                <a:off x="242480" y="2274256"/>
-                <a:ext cx="614271" cy="369332"/>
+                <a:off x="242479" y="2274257"/>
+                <a:ext cx="607332" cy="369460"/>
               </a:xfrm>
               <a:prstGeom prst="rect">
                 <a:avLst/>
@@ -4143,10 +4133,9 @@
               <a:lstStyle/>
               <a:p>
                 <a:r>
-                  <a:rPr lang="en-US" dirty="0" smtClean="0"/>
+                  <a:rPr lang="en-US" sz="1801" dirty="0"/>
                   <a:t>Map</a:t>
                 </a:r>
-                <a:endParaRPr lang="en-US" dirty="0"/>
               </a:p>
             </p:txBody>
           </p:sp>
@@ -4160,8 +4149,8 @@
         </p:nvGrpSpPr>
         <p:grpSpPr>
           <a:xfrm>
-            <a:off x="5760144" y="901926"/>
-            <a:ext cx="2184826" cy="587289"/>
+            <a:off x="5760145" y="901927"/>
+            <a:ext cx="2184827" cy="587289"/>
             <a:chOff x="5760144" y="901926"/>
             <a:chExt cx="2184826" cy="587289"/>
           </a:xfrm>
@@ -4265,10 +4254,9 @@
             <a:lstStyle/>
             <a:p>
               <a:r>
-                <a:rPr lang="en-US" sz="3200" dirty="0" smtClean="0"/>
+                <a:rPr lang="en-US" sz="3200" dirty="0"/>
                 <a:t>…</a:t>
               </a:r>
-              <a:endParaRPr lang="en-US" sz="3200" dirty="0"/>
             </a:p>
           </p:txBody>
         </p:sp>
@@ -4281,8 +4269,8 @@
         </p:nvGrpSpPr>
         <p:grpSpPr>
           <a:xfrm>
-            <a:off x="5760140" y="1652633"/>
-            <a:ext cx="2184825" cy="549389"/>
+            <a:off x="5760140" y="1652634"/>
+            <a:ext cx="2184825" cy="549388"/>
             <a:chOff x="5760140" y="1652633"/>
             <a:chExt cx="2184825" cy="549389"/>
           </a:xfrm>
@@ -4334,7 +4322,7 @@
             <a:lstStyle/>
             <a:p>
               <a:pPr algn="ctr"/>
-              <a:endParaRPr lang="en-US" dirty="0">
+              <a:endParaRPr lang="en-US" sz="1801" dirty="0">
                 <a:solidFill>
                   <a:schemeClr val="tx1"/>
                 </a:solidFill>
@@ -4351,7 +4339,7 @@
           <p:spPr>
             <a:xfrm>
               <a:off x="6578574" y="1704020"/>
-              <a:ext cx="583365" cy="400110"/>
+              <a:ext cx="585738" cy="400111"/>
             </a:xfrm>
             <a:prstGeom prst="rect">
               <a:avLst/>
@@ -4365,10 +4353,9 @@
             <a:lstStyle/>
             <a:p>
               <a:r>
-                <a:rPr lang="en-US" sz="2000" b="1" i="1" dirty="0" smtClean="0"/>
+                <a:rPr lang="en-US" sz="2000" b="1" i="1" dirty="0"/>
                 <a:t>NFS</a:t>
               </a:r>
-              <a:endParaRPr lang="en-US" sz="2000" b="1" i="1" dirty="0"/>
             </a:p>
           </p:txBody>
         </p:sp>
@@ -4381,8 +4368,8 @@
         </p:nvGrpSpPr>
         <p:grpSpPr>
           <a:xfrm>
-            <a:off x="8177807" y="4488891"/>
-            <a:ext cx="1449821" cy="1437119"/>
+            <a:off x="8177809" y="4488893"/>
+            <a:ext cx="1449820" cy="1437119"/>
             <a:chOff x="10343009" y="4170579"/>
             <a:chExt cx="1677258" cy="1437119"/>
           </a:xfrm>
@@ -4431,7 +4418,7 @@
             <a:lstStyle/>
             <a:p>
               <a:pPr algn="ctr"/>
-              <a:endParaRPr lang="en-US"/>
+              <a:endParaRPr lang="en-US" sz="1801"/>
             </a:p>
           </p:txBody>
         </p:sp>
@@ -4473,8 +4460,8 @@
           </p:nvSpPr>
           <p:spPr>
             <a:xfrm>
-              <a:off x="10680475" y="5197964"/>
-              <a:ext cx="1002326" cy="369332"/>
+              <a:off x="10680473" y="5197964"/>
+              <a:ext cx="1162976" cy="369460"/>
             </a:xfrm>
             <a:prstGeom prst="rect">
               <a:avLst/>
@@ -4488,14 +4475,14 @@
             <a:lstStyle/>
             <a:p>
               <a:r>
-                <a:rPr lang="en-US" b="1" i="1" dirty="0" err="1" smtClean="0">
+                <a:rPr lang="en-US" sz="1801" b="1" i="1" dirty="0" err="1">
                   <a:solidFill>
                     <a:schemeClr val="tx2"/>
                   </a:solidFill>
                 </a:rPr>
                 <a:t>Hansken</a:t>
               </a:r>
-              <a:endParaRPr lang="en-US" b="1" i="1" dirty="0">
+              <a:endParaRPr lang="en-US" sz="1801" b="1" i="1" dirty="0">
                 <a:solidFill>
                   <a:schemeClr val="tx2"/>
                 </a:solidFill>
@@ -4515,7 +4502,7 @@
         </p:nvCxnSpPr>
         <p:spPr>
           <a:xfrm>
-            <a:off x="8108313" y="1424640"/>
+            <a:off x="8108314" y="1424642"/>
             <a:ext cx="794405" cy="3064251"/>
           </a:xfrm>
           <a:prstGeom prst="bentConnector2">
@@ -4554,7 +4541,7 @@
         </p:nvCxnSpPr>
         <p:spPr>
           <a:xfrm rot="16200000" flipH="1">
-            <a:off x="7649113" y="1454844"/>
+            <a:off x="7649114" y="1454844"/>
             <a:ext cx="3852372" cy="2933972"/>
           </a:xfrm>
           <a:prstGeom prst="bentConnector3">
@@ -4593,8 +4580,8 @@
         </p:nvGrpSpPr>
         <p:grpSpPr>
           <a:xfrm>
-            <a:off x="10078942" y="4848016"/>
-            <a:ext cx="1926685" cy="708170"/>
+            <a:off x="10078942" y="4848015"/>
+            <a:ext cx="1926684" cy="708171"/>
             <a:chOff x="8163311" y="4573036"/>
             <a:chExt cx="1995625" cy="708170"/>
           </a:xfrm>
@@ -4643,7 +4630,7 @@
             <a:lstStyle/>
             <a:p>
               <a:pPr algn="ctr"/>
-              <a:endParaRPr lang="en-US"/>
+              <a:endParaRPr lang="en-US" sz="1801"/>
             </a:p>
           </p:txBody>
         </p:sp>
@@ -4689,8 +4676,8 @@
         </p:nvSpPr>
         <p:spPr>
           <a:xfrm>
-            <a:off x="2118044" y="1652634"/>
-            <a:ext cx="3023120" cy="549389"/>
+            <a:off x="2118045" y="1652637"/>
+            <a:ext cx="3023120" cy="549388"/>
           </a:xfrm>
           <a:prstGeom prst="trapezoid">
             <a:avLst/>
@@ -4723,7 +4710,7 @@
           <a:lstStyle/>
           <a:p>
             <a:pPr algn="ctr"/>
-            <a:endParaRPr lang="en-US"/>
+            <a:endParaRPr lang="en-US" sz="1801"/>
           </a:p>
         </p:txBody>
       </p:sp>
@@ -4735,8 +4722,8 @@
         </p:nvGrpSpPr>
         <p:grpSpPr>
           <a:xfrm>
-            <a:off x="2534865" y="877037"/>
-            <a:ext cx="2184826" cy="587289"/>
+            <a:off x="2534865" y="877038"/>
+            <a:ext cx="2184827" cy="587289"/>
             <a:chOff x="2534865" y="877037"/>
             <a:chExt cx="2184826" cy="587289"/>
           </a:xfrm>
@@ -4840,10 +4827,9 @@
             <a:lstStyle/>
             <a:p>
               <a:r>
-                <a:rPr lang="en-US" sz="3200" dirty="0" smtClean="0"/>
+                <a:rPr lang="en-US" sz="3200" dirty="0"/>
                 <a:t>…</a:t>
               </a:r>
-              <a:endParaRPr lang="en-US" sz="3200" dirty="0"/>
             </a:p>
           </p:txBody>
         </p:sp>
@@ -4858,8 +4844,8 @@
         </p:nvCxnSpPr>
         <p:spPr>
           <a:xfrm rot="10800000" flipV="1">
-            <a:off x="7944968" y="5202101"/>
-            <a:ext cx="2133974" cy="974764"/>
+            <a:off x="7944969" y="5202102"/>
+            <a:ext cx="2133973" cy="974764"/>
           </a:xfrm>
           <a:prstGeom prst="bentConnector3">
             <a:avLst>
@@ -4897,8 +4883,8 @@
         </p:nvGrpSpPr>
         <p:grpSpPr>
           <a:xfrm>
-            <a:off x="2321976" y="1716566"/>
-            <a:ext cx="1054359" cy="2365885"/>
+            <a:off x="2321978" y="1716566"/>
+            <a:ext cx="1054359" cy="2365884"/>
             <a:chOff x="2321976" y="1716566"/>
             <a:chExt cx="1054359" cy="2365885"/>
           </a:xfrm>
@@ -4950,14 +4936,14 @@
             <a:p>
               <a:pPr algn="ctr"/>
               <a:r>
-                <a:rPr lang="en-US" sz="1400" b="1" i="1" dirty="0" err="1" smtClean="0">
+                <a:rPr lang="en-US" sz="1401" b="1" i="1" dirty="0" err="1">
                   <a:solidFill>
                     <a:schemeClr val="tx1"/>
                   </a:solidFill>
                 </a:rPr>
                 <a:t>MRDocker</a:t>
               </a:r>
-              <a:endParaRPr lang="en-US" sz="1400" b="1" i="1" dirty="0" smtClean="0">
+              <a:endParaRPr lang="en-US" sz="1401" b="1" i="1" dirty="0">
                 <a:solidFill>
                   <a:schemeClr val="tx1"/>
                 </a:solidFill>
@@ -5012,8 +4998,8 @@
         </p:nvGrpSpPr>
         <p:grpSpPr>
           <a:xfrm>
-            <a:off x="3881526" y="1735228"/>
-            <a:ext cx="1054359" cy="2390065"/>
+            <a:off x="3881528" y="1735227"/>
+            <a:ext cx="1054359" cy="2390066"/>
             <a:chOff x="3881526" y="1735228"/>
             <a:chExt cx="1054359" cy="2390065"/>
           </a:xfrm>
@@ -5064,14 +5050,14 @@
             <a:p>
               <a:pPr algn="ctr"/>
               <a:r>
-                <a:rPr lang="en-US" sz="1400" b="1" i="1" dirty="0" err="1" smtClean="0">
+                <a:rPr lang="en-US" sz="1401" b="1" i="1" dirty="0" err="1">
                   <a:solidFill>
                     <a:schemeClr val="tx1"/>
                   </a:solidFill>
                 </a:rPr>
                 <a:t>SprDocker</a:t>
               </a:r>
-              <a:endParaRPr lang="en-US" sz="1400" b="1" i="1" dirty="0" smtClean="0">
+              <a:endParaRPr lang="en-US" sz="1401" b="1" i="1" dirty="0">
                 <a:solidFill>
                   <a:schemeClr val="tx1"/>
                 </a:solidFill>
@@ -5128,7 +5114,7 @@
         </p:nvCxnSpPr>
         <p:spPr>
           <a:xfrm rot="5400000">
-            <a:off x="3848909" y="3173221"/>
+            <a:off x="3848911" y="3173221"/>
             <a:ext cx="3974843" cy="2032444"/>
           </a:xfrm>
           <a:prstGeom prst="bentConnector5">
@@ -6059,8 +6045,8 @@
         </p:blipFill>
         <p:spPr>
           <a:xfrm>
-            <a:off x="-1" y="24369"/>
-            <a:ext cx="12192001" cy="6833631"/>
+            <a:off x="-1" y="24372"/>
+            <a:ext cx="12192002" cy="6833630"/>
           </a:xfrm>
           <a:prstGeom prst="rect">
             <a:avLst/>
@@ -6105,7 +6091,7 @@
         </p:nvSpPr>
         <p:spPr>
           <a:xfrm>
-            <a:off x="0" y="0"/>
+            <a:off x="0" y="2"/>
             <a:ext cx="12192000" cy="6858000"/>
           </a:xfrm>
           <a:prstGeom prst="rect">
@@ -6141,7 +6127,7 @@
           <a:lstStyle/>
           <a:p>
             <a:pPr algn="ctr"/>
-            <a:endParaRPr lang="en-US"/>
+            <a:endParaRPr lang="en-US" sz="1801"/>
           </a:p>
         </p:txBody>
       </p:sp>
@@ -6153,7 +6139,7 @@
         </p:nvGrpSpPr>
         <p:grpSpPr>
           <a:xfrm>
-            <a:off x="0" y="0"/>
+            <a:off x="1" y="1"/>
             <a:ext cx="12005627" cy="6858000"/>
             <a:chOff x="0" y="0"/>
             <a:chExt cx="12005627" cy="6858000"/>
@@ -6206,7 +6192,7 @@
             <a:lstStyle/>
             <a:p>
               <a:pPr algn="ctr"/>
-              <a:endParaRPr lang="en-US" dirty="0"/>
+              <a:endParaRPr lang="en-US" sz="1801" dirty="0"/>
             </a:p>
           </p:txBody>
         </p:sp>
@@ -6258,7 +6244,7 @@
             <a:lstStyle/>
             <a:p>
               <a:pPr algn="ctr"/>
-              <a:endParaRPr lang="en-US"/>
+              <a:endParaRPr lang="en-US" sz="1801"/>
             </a:p>
           </p:txBody>
         </p:sp>
@@ -6306,7 +6292,7 @@
             <a:lstStyle/>
             <a:p>
               <a:pPr algn="ctr"/>
-              <a:endParaRPr lang="en-US"/>
+              <a:endParaRPr lang="en-US" sz="1801"/>
             </a:p>
           </p:txBody>
         </p:sp>
@@ -6383,7 +6369,7 @@
             <a:lstStyle/>
             <a:p>
               <a:pPr algn="ctr"/>
-              <a:endParaRPr lang="en-US"/>
+              <a:endParaRPr lang="en-US" sz="1801"/>
             </a:p>
           </p:txBody>
         </p:sp>
@@ -6513,7 +6499,7 @@
               <a:lstStyle/>
               <a:p>
                 <a:pPr algn="ctr"/>
-                <a:endParaRPr lang="en-US"/>
+                <a:endParaRPr lang="en-US" sz="1801"/>
               </a:p>
             </p:txBody>
           </p:sp>
@@ -6560,7 +6546,7 @@
               <a:lstStyle/>
               <a:p>
                 <a:pPr algn="ctr"/>
-                <a:endParaRPr lang="en-US" dirty="0"/>
+                <a:endParaRPr lang="en-US" sz="1801" dirty="0"/>
               </a:p>
             </p:txBody>
           </p:sp>
@@ -6610,8 +6596,8 @@
             </p:nvSpPr>
             <p:spPr>
               <a:xfrm>
-                <a:off x="242480" y="2274256"/>
-                <a:ext cx="614271" cy="369332"/>
+                <a:off x="242479" y="2274257"/>
+                <a:ext cx="607333" cy="369460"/>
               </a:xfrm>
               <a:prstGeom prst="rect">
                 <a:avLst/>
@@ -6625,10 +6611,9 @@
               <a:lstStyle/>
               <a:p>
                 <a:r>
-                  <a:rPr lang="en-US" dirty="0" smtClean="0"/>
+                  <a:rPr lang="en-US" sz="1801" dirty="0"/>
                   <a:t>Map</a:t>
                 </a:r>
-                <a:endParaRPr lang="en-US" dirty="0"/>
               </a:p>
             </p:txBody>
           </p:sp>
@@ -6641,8 +6626,8 @@
           </p:nvSpPr>
           <p:spPr>
             <a:xfrm>
-              <a:off x="245730" y="175987"/>
-              <a:ext cx="1625766" cy="369332"/>
+              <a:off x="245730" y="175988"/>
+              <a:ext cx="1612942" cy="369460"/>
             </a:xfrm>
             <a:prstGeom prst="rect">
               <a:avLst/>
@@ -6659,10 +6644,9 @@
             <a:lstStyle/>
             <a:p>
               <a:r>
-                <a:rPr lang="en-US" b="1" i="1" dirty="0" smtClean="0"/>
+                <a:rPr lang="en-US" sz="1801" b="1" i="1" dirty="0"/>
                 <a:t>Sherlock Demo</a:t>
               </a:r>
-              <a:endParaRPr lang="en-US" b="1" i="1" dirty="0"/>
             </a:p>
           </p:txBody>
         </p:sp>
@@ -6711,7 +6695,7 @@
             <a:lstStyle/>
             <a:p>
               <a:pPr algn="ctr"/>
-              <a:endParaRPr lang="en-US"/>
+              <a:endParaRPr lang="en-US" sz="1801"/>
             </a:p>
           </p:txBody>
         </p:sp>
@@ -6799,7 +6783,7 @@
           </p:nvSpPr>
           <p:spPr>
             <a:xfrm>
-              <a:off x="6615411" y="904440"/>
+              <a:off x="6615412" y="904441"/>
               <a:ext cx="468398" cy="584775"/>
             </a:xfrm>
             <a:prstGeom prst="rect">
@@ -6814,10 +6798,9 @@
             <a:lstStyle/>
             <a:p>
               <a:r>
-                <a:rPr lang="en-US" sz="3200" dirty="0" smtClean="0"/>
+                <a:rPr lang="en-US" sz="3200" dirty="0"/>
                 <a:t>…</a:t>
               </a:r>
-              <a:endParaRPr lang="en-US" sz="3200" dirty="0"/>
             </a:p>
           </p:txBody>
         </p:sp>
@@ -6829,8 +6812,8 @@
           </p:nvSpPr>
           <p:spPr>
             <a:xfrm>
-              <a:off x="6190056" y="427921"/>
-              <a:ext cx="1413913" cy="369332"/>
+              <a:off x="6190055" y="427922"/>
+              <a:ext cx="1413849" cy="369460"/>
             </a:xfrm>
             <a:prstGeom prst="rect">
               <a:avLst/>
@@ -6844,10 +6827,9 @@
             <a:lstStyle/>
             <a:p>
               <a:r>
-                <a:rPr lang="en-US" b="1" i="1" dirty="0" smtClean="0"/>
+                <a:rPr lang="en-US" sz="1801" b="1" i="1" dirty="0"/>
                 <a:t>Visualization</a:t>
               </a:r>
-              <a:endParaRPr lang="en-US" b="1" i="1" dirty="0"/>
             </a:p>
           </p:txBody>
         </p:sp>
@@ -6898,7 +6880,7 @@
             <a:lstStyle/>
             <a:p>
               <a:pPr algn="ctr"/>
-              <a:endParaRPr lang="en-US" dirty="0">
+              <a:endParaRPr lang="en-US" sz="1801" dirty="0">
                 <a:solidFill>
                   <a:schemeClr val="tx1"/>
                 </a:solidFill>
@@ -6915,7 +6897,7 @@
           <p:spPr>
             <a:xfrm>
               <a:off x="6578574" y="1704020"/>
-              <a:ext cx="583365" cy="400110"/>
+              <a:ext cx="585738" cy="400110"/>
             </a:xfrm>
             <a:prstGeom prst="rect">
               <a:avLst/>
@@ -6929,10 +6911,9 @@
             <a:lstStyle/>
             <a:p>
               <a:r>
-                <a:rPr lang="en-US" sz="2000" b="1" i="1" dirty="0" smtClean="0"/>
+                <a:rPr lang="en-US" sz="2000" b="1" i="1" dirty="0"/>
                 <a:t>NFS</a:t>
               </a:r>
-              <a:endParaRPr lang="en-US" sz="2000" b="1" i="1" dirty="0"/>
             </a:p>
           </p:txBody>
         </p:sp>
@@ -6994,7 +6975,7 @@
               <a:lstStyle/>
               <a:p>
                 <a:pPr algn="ctr"/>
-                <a:endParaRPr lang="en-US"/>
+                <a:endParaRPr lang="en-US" sz="1801"/>
               </a:p>
             </p:txBody>
           </p:sp>
@@ -7036,8 +7017,8 @@
             </p:nvSpPr>
             <p:spPr>
               <a:xfrm>
-                <a:off x="10680475" y="5197964"/>
-                <a:ext cx="1002326" cy="369332"/>
+                <a:off x="10680474" y="5197964"/>
+                <a:ext cx="1162975" cy="369460"/>
               </a:xfrm>
               <a:prstGeom prst="rect">
                 <a:avLst/>
@@ -7051,14 +7032,14 @@
               <a:lstStyle/>
               <a:p>
                 <a:r>
-                  <a:rPr lang="en-US" b="1" i="1" dirty="0" err="1" smtClean="0">
+                  <a:rPr lang="en-US" sz="1801" b="1" i="1" dirty="0" err="1">
                     <a:solidFill>
                       <a:schemeClr val="tx2"/>
                     </a:solidFill>
                   </a:rPr>
                   <a:t>Hansken</a:t>
                 </a:r>
-                <a:endParaRPr lang="en-US" b="1" i="1" dirty="0">
+                <a:endParaRPr lang="en-US" sz="1801" b="1" i="1" dirty="0">
                   <a:solidFill>
                     <a:schemeClr val="tx2"/>
                   </a:solidFill>
@@ -7206,7 +7187,7 @@
               <a:lstStyle/>
               <a:p>
                 <a:pPr algn="ctr"/>
-                <a:endParaRPr lang="en-US"/>
+                <a:endParaRPr lang="en-US" sz="1801"/>
               </a:p>
             </p:txBody>
           </p:sp>
@@ -7253,7 +7234,7 @@
           <p:spPr>
             <a:xfrm>
               <a:off x="1986647" y="6345237"/>
-              <a:ext cx="1287532" cy="369332"/>
+              <a:ext cx="1287532" cy="369460"/>
             </a:xfrm>
             <a:prstGeom prst="rect">
               <a:avLst/>
@@ -7267,18 +7248,13 @@
             <a:lstStyle/>
             <a:p>
               <a:r>
-                <a:rPr lang="en-US" b="1" i="1" dirty="0" smtClean="0">
+                <a:rPr lang="en-US" sz="1801" b="1" i="1" dirty="0">
                   <a:solidFill>
                     <a:srgbClr val="0070C0"/>
                   </a:solidFill>
                 </a:rPr>
                 <a:t>Hadoop 2.0</a:t>
               </a:r>
-              <a:endParaRPr lang="en-US" b="1" i="1" dirty="0">
-                <a:solidFill>
-                  <a:srgbClr val="0070C0"/>
-                </a:solidFill>
-              </a:endParaRPr>
             </a:p>
           </p:txBody>
         </p:sp>
@@ -7327,7 +7303,7 @@
             <a:lstStyle/>
             <a:p>
               <a:pPr algn="ctr"/>
-              <a:endParaRPr lang="en-US"/>
+              <a:endParaRPr lang="en-US" sz="1801"/>
             </a:p>
           </p:txBody>
         </p:sp>
@@ -7378,14 +7354,14 @@
             <a:p>
               <a:pPr algn="ctr"/>
               <a:r>
-                <a:rPr lang="en-US" sz="1400" b="1" i="1" dirty="0" err="1" smtClean="0">
+                <a:rPr lang="en-US" sz="1401" b="1" i="1" dirty="0" err="1">
                   <a:solidFill>
                     <a:schemeClr val="tx1"/>
                   </a:solidFill>
                 </a:rPr>
                 <a:t>MRDocker</a:t>
               </a:r>
-              <a:endParaRPr lang="en-US" sz="1400" b="1" i="1" dirty="0" smtClean="0">
+              <a:endParaRPr lang="en-US" sz="1401" b="1" i="1" dirty="0">
                 <a:solidFill>
                   <a:schemeClr val="tx1"/>
                 </a:solidFill>
@@ -7439,14 +7415,14 @@
             <a:p>
               <a:pPr algn="ctr"/>
               <a:r>
-                <a:rPr lang="en-US" sz="1400" b="1" i="1" dirty="0" err="1" smtClean="0">
+                <a:rPr lang="en-US" sz="1401" b="1" i="1" dirty="0" err="1">
                   <a:solidFill>
                     <a:schemeClr val="tx1"/>
                   </a:solidFill>
                 </a:rPr>
                 <a:t>SprDocker</a:t>
               </a:r>
-              <a:endParaRPr lang="en-US" sz="1400" b="1" i="1" dirty="0" smtClean="0">
+              <a:endParaRPr lang="en-US" sz="1401" b="1" i="1" dirty="0">
                 <a:solidFill>
                   <a:schemeClr val="tx1"/>
                 </a:solidFill>
@@ -7496,7 +7472,7 @@
             <a:lstStyle/>
             <a:p>
               <a:pPr algn="ctr"/>
-              <a:endParaRPr lang="en-US"/>
+              <a:endParaRPr lang="en-US" sz="1801"/>
             </a:p>
           </p:txBody>
         </p:sp>
@@ -7584,7 +7560,7 @@
           </p:nvSpPr>
           <p:spPr>
             <a:xfrm>
-              <a:off x="3390132" y="879551"/>
+              <a:off x="3390132" y="879550"/>
               <a:ext cx="468398" cy="584775"/>
             </a:xfrm>
             <a:prstGeom prst="rect">
@@ -7599,10 +7575,9 @@
             <a:lstStyle/>
             <a:p>
               <a:r>
-                <a:rPr lang="en-US" sz="3200" dirty="0" smtClean="0"/>
+                <a:rPr lang="en-US" sz="3200" dirty="0"/>
                 <a:t>…</a:t>
               </a:r>
-              <a:endParaRPr lang="en-US" sz="3200" dirty="0"/>
             </a:p>
           </p:txBody>
         </p:sp>
@@ -7615,7 +7590,7 @@
           <p:spPr>
             <a:xfrm>
               <a:off x="3026359" y="431060"/>
-              <a:ext cx="1249060" cy="369332"/>
+              <a:ext cx="1249060" cy="369460"/>
             </a:xfrm>
             <a:prstGeom prst="rect">
               <a:avLst/>
@@ -7629,10 +7604,9 @@
             <a:lstStyle/>
             <a:p>
               <a:r>
-                <a:rPr lang="en-US" b="1" i="1" dirty="0" smtClean="0"/>
+                <a:rPr lang="en-US" sz="1801" b="1" i="1" dirty="0"/>
                 <a:t>Operations</a:t>
               </a:r>
-              <a:endParaRPr lang="en-US" b="1" i="1" dirty="0"/>
             </a:p>
           </p:txBody>
         </p:sp>
@@ -7761,9 +7735,9 @@
           <p:grpSpPr>
             <a:xfrm>
               <a:off x="8210930" y="6344434"/>
-              <a:ext cx="1635174" cy="458294"/>
+              <a:ext cx="1635175" cy="458294"/>
               <a:chOff x="8416211" y="6344434"/>
-              <a:chExt cx="1635174" cy="458294"/>
+              <a:chExt cx="1635175" cy="458294"/>
             </a:xfrm>
           </p:grpSpPr>
           <p:pic>
@@ -7804,8 +7778,8 @@
             </p:nvSpPr>
             <p:spPr>
               <a:xfrm>
-                <a:off x="9350552" y="6344434"/>
-                <a:ext cx="700833" cy="369332"/>
+                <a:off x="9350553" y="6344434"/>
+                <a:ext cx="700833" cy="369460"/>
               </a:xfrm>
               <a:prstGeom prst="rect">
                 <a:avLst/>
@@ -7819,14 +7793,9 @@
               <a:lstStyle/>
               <a:p>
                 <a:r>
-                  <a:rPr lang="en-US" b="1" i="1" dirty="0"/>
-                  <a:t>c</a:t>
+                  <a:rPr lang="en-US" sz="1801" b="1" i="1" dirty="0"/>
+                  <a:t>cloud</a:t>
                 </a:r>
-                <a:r>
-                  <a:rPr lang="en-US" b="1" i="1" dirty="0" smtClean="0"/>
-                  <a:t>loud</a:t>
-                </a:r>
-                <a:endParaRPr lang="en-US" b="1" i="1" dirty="0"/>
               </a:p>
             </p:txBody>
           </p:sp>
@@ -7880,6 +7849,5644 @@
     <p:extLst>
       <p:ext uri="{BB962C8B-B14F-4D97-AF65-F5344CB8AC3E}">
         <p14:creationId xmlns:p14="http://schemas.microsoft.com/office/powerpoint/2010/main" val="4114524063"/>
+      </p:ext>
+    </p:extLst>
+  </p:cSld>
+  <p:clrMapOvr>
+    <a:masterClrMapping/>
+  </p:clrMapOvr>
+  <p:timing>
+    <p:tnLst>
+      <p:par>
+        <p:cTn id="1" dur="indefinite" restart="never" nodeType="tmRoot"/>
+      </p:par>
+    </p:tnLst>
+  </p:timing>
+</p:sld>
+</file>
+
+<file path=ppt/slides/slide5.xml><?xml version="1.0" encoding="utf-8"?>
+<p:sld xmlns:a="http://schemas.openxmlformats.org/drawingml/2006/main" xmlns:r="http://schemas.openxmlformats.org/officeDocument/2006/relationships" xmlns:p="http://schemas.openxmlformats.org/presentationml/2006/main">
+  <p:cSld>
+    <p:spTree>
+      <p:nvGrpSpPr>
+        <p:cNvPr id="1" name=""/>
+        <p:cNvGrpSpPr/>
+        <p:nvPr/>
+      </p:nvGrpSpPr>
+      <p:grpSpPr>
+        <a:xfrm>
+          <a:off x="0" y="0"/>
+          <a:ext cx="0" cy="0"/>
+          <a:chOff x="0" y="0"/>
+          <a:chExt cx="0" cy="0"/>
+        </a:xfrm>
+      </p:grpSpPr>
+      <p:sp>
+        <p:nvSpPr>
+          <p:cNvPr id="3" name="Rectangle 2"/>
+          <p:cNvSpPr/>
+          <p:nvPr/>
+        </p:nvSpPr>
+        <p:spPr>
+          <a:xfrm>
+            <a:off x="0" y="2"/>
+            <a:ext cx="12192000" cy="6858000"/>
+          </a:xfrm>
+          <a:prstGeom prst="rect">
+            <a:avLst/>
+          </a:prstGeom>
+          <a:solidFill>
+            <a:schemeClr val="bg1"/>
+          </a:solidFill>
+          <a:ln>
+            <a:solidFill>
+              <a:schemeClr val="bg1"/>
+            </a:solidFill>
+          </a:ln>
+        </p:spPr>
+        <p:style>
+          <a:lnRef idx="2">
+            <a:schemeClr val="accent1">
+              <a:shade val="50000"/>
+            </a:schemeClr>
+          </a:lnRef>
+          <a:fillRef idx="1">
+            <a:schemeClr val="accent1"/>
+          </a:fillRef>
+          <a:effectRef idx="0">
+            <a:schemeClr val="accent1"/>
+          </a:effectRef>
+          <a:fontRef idx="minor">
+            <a:schemeClr val="lt1"/>
+          </a:fontRef>
+        </p:style>
+        <p:txBody>
+          <a:bodyPr rtlCol="0" anchor="ctr"/>
+          <a:lstStyle/>
+          <a:p>
+            <a:pPr algn="ctr"/>
+            <a:endParaRPr lang="en-US" sz="1801"/>
+          </a:p>
+        </p:txBody>
+      </p:sp>
+      <p:sp>
+        <p:nvSpPr>
+          <p:cNvPr id="110" name="Rectangle 109"/>
+          <p:cNvSpPr/>
+          <p:nvPr/>
+        </p:nvSpPr>
+        <p:spPr>
+          <a:xfrm>
+            <a:off x="1" y="1"/>
+            <a:ext cx="9846103" cy="6858000"/>
+          </a:xfrm>
+          <a:prstGeom prst="rect">
+            <a:avLst/>
+          </a:prstGeom>
+          <a:solidFill>
+            <a:schemeClr val="bg2">
+              <a:lumMod val="90000"/>
+            </a:schemeClr>
+          </a:solidFill>
+          <a:ln>
+            <a:solidFill>
+              <a:schemeClr val="tx1"/>
+            </a:solidFill>
+            <a:prstDash val="solid"/>
+          </a:ln>
+        </p:spPr>
+        <p:style>
+          <a:lnRef idx="2">
+            <a:schemeClr val="accent1">
+              <a:shade val="50000"/>
+            </a:schemeClr>
+          </a:lnRef>
+          <a:fillRef idx="1">
+            <a:schemeClr val="accent1"/>
+          </a:fillRef>
+          <a:effectRef idx="0">
+            <a:schemeClr val="accent1"/>
+          </a:effectRef>
+          <a:fontRef idx="minor">
+            <a:schemeClr val="lt1"/>
+          </a:fontRef>
+        </p:style>
+        <p:txBody>
+          <a:bodyPr rtlCol="0" anchor="ctr"/>
+          <a:lstStyle/>
+          <a:p>
+            <a:pPr algn="ctr"/>
+            <a:endParaRPr lang="en-US" sz="1801" dirty="0"/>
+          </a:p>
+        </p:txBody>
+      </p:sp>
+      <p:sp>
+        <p:nvSpPr>
+          <p:cNvPr id="51" name="Rectangle 50"/>
+          <p:cNvSpPr/>
+          <p:nvPr/>
+        </p:nvSpPr>
+        <p:spPr>
+          <a:xfrm>
+            <a:off x="245731" y="167952"/>
+            <a:ext cx="9271870" cy="2396961"/>
+          </a:xfrm>
+          <a:prstGeom prst="rect">
+            <a:avLst/>
+          </a:prstGeom>
+          <a:solidFill>
+            <a:schemeClr val="accent1">
+              <a:lumMod val="20000"/>
+              <a:lumOff val="80000"/>
+            </a:schemeClr>
+          </a:solidFill>
+          <a:ln w="34925">
+            <a:solidFill>
+              <a:schemeClr val="tx1"/>
+            </a:solidFill>
+            <a:prstDash val="solid"/>
+          </a:ln>
+        </p:spPr>
+        <p:style>
+          <a:lnRef idx="2">
+            <a:schemeClr val="accent1">
+              <a:shade val="50000"/>
+            </a:schemeClr>
+          </a:lnRef>
+          <a:fillRef idx="1">
+            <a:schemeClr val="accent1"/>
+          </a:fillRef>
+          <a:effectRef idx="0">
+            <a:schemeClr val="accent1"/>
+          </a:effectRef>
+          <a:fontRef idx="minor">
+            <a:schemeClr val="lt1"/>
+          </a:fontRef>
+        </p:style>
+        <p:txBody>
+          <a:bodyPr rtlCol="0" anchor="ctr"/>
+          <a:lstStyle/>
+          <a:p>
+            <a:pPr algn="ctr"/>
+            <a:endParaRPr lang="en-US" sz="1801"/>
+          </a:p>
+        </p:txBody>
+      </p:sp>
+      <p:sp>
+        <p:nvSpPr>
+          <p:cNvPr id="77" name="Rectangle 76"/>
+          <p:cNvSpPr/>
+          <p:nvPr/>
+        </p:nvSpPr>
+        <p:spPr>
+          <a:xfrm>
+            <a:off x="1883940" y="2816937"/>
+            <a:ext cx="6061029" cy="3975750"/>
+          </a:xfrm>
+          <a:prstGeom prst="rect">
+            <a:avLst/>
+          </a:prstGeom>
+          <a:solidFill>
+            <a:schemeClr val="bg1"/>
+          </a:solidFill>
+          <a:ln w="57150">
+            <a:solidFill>
+              <a:schemeClr val="accent1"/>
+            </a:solidFill>
+          </a:ln>
+        </p:spPr>
+        <p:style>
+          <a:lnRef idx="2">
+            <a:schemeClr val="accent1">
+              <a:shade val="50000"/>
+            </a:schemeClr>
+          </a:lnRef>
+          <a:fillRef idx="1">
+            <a:schemeClr val="accent1"/>
+          </a:fillRef>
+          <a:effectRef idx="0">
+            <a:schemeClr val="accent1"/>
+          </a:effectRef>
+          <a:fontRef idx="minor">
+            <a:schemeClr val="lt1"/>
+          </a:fontRef>
+        </p:style>
+        <p:txBody>
+          <a:bodyPr rtlCol="0" anchor="ctr"/>
+          <a:lstStyle/>
+          <a:p>
+            <a:pPr algn="ctr"/>
+            <a:endParaRPr lang="en-US" sz="1801"/>
+          </a:p>
+        </p:txBody>
+      </p:sp>
+      <p:pic>
+        <p:nvPicPr>
+          <p:cNvPr id="5" name="Picture 4"/>
+          <p:cNvPicPr>
+            <a:picLocks noChangeAspect="1"/>
+          </p:cNvPicPr>
+          <p:nvPr/>
+        </p:nvPicPr>
+        <p:blipFill>
+          <a:blip r:embed="rId2">
+            <a:extLst>
+              <a:ext uri="{28A0092B-C50C-407E-A947-70E740481C1C}">
+                <a14:useLocalDpi xmlns:a14="http://schemas.microsoft.com/office/drawing/2010/main" val="0"/>
+              </a:ext>
+            </a:extLst>
+          </a:blip>
+          <a:stretch>
+            <a:fillRect/>
+          </a:stretch>
+        </p:blipFill>
+        <p:spPr>
+          <a:xfrm>
+            <a:off x="2012504" y="2988075"/>
+            <a:ext cx="5615210" cy="3188791"/>
+          </a:xfrm>
+          <a:prstGeom prst="rect">
+            <a:avLst/>
+          </a:prstGeom>
+        </p:spPr>
+      </p:pic>
+      <p:sp>
+        <p:nvSpPr>
+          <p:cNvPr id="6" name="Rectangle 5"/>
+          <p:cNvSpPr/>
+          <p:nvPr/>
+        </p:nvSpPr>
+        <p:spPr>
+          <a:xfrm>
+            <a:off x="2007758" y="4105466"/>
+            <a:ext cx="1088919" cy="670643"/>
+          </a:xfrm>
+          <a:prstGeom prst="rect">
+            <a:avLst/>
+          </a:prstGeom>
+          <a:noFill/>
+          <a:ln w="28575">
+            <a:solidFill>
+              <a:schemeClr val="tx1"/>
+            </a:solidFill>
+            <a:prstDash val="solid"/>
+          </a:ln>
+        </p:spPr>
+        <p:style>
+          <a:lnRef idx="2">
+            <a:schemeClr val="accent1">
+              <a:shade val="50000"/>
+            </a:schemeClr>
+          </a:lnRef>
+          <a:fillRef idx="1">
+            <a:schemeClr val="accent1"/>
+          </a:fillRef>
+          <a:effectRef idx="0">
+            <a:schemeClr val="accent1"/>
+          </a:effectRef>
+          <a:fontRef idx="minor">
+            <a:schemeClr val="lt1"/>
+          </a:fontRef>
+        </p:style>
+        <p:txBody>
+          <a:bodyPr rtlCol="0" anchor="ctr"/>
+          <a:lstStyle/>
+          <a:p>
+            <a:pPr algn="ctr"/>
+            <a:endParaRPr lang="en-US" sz="1801"/>
+          </a:p>
+        </p:txBody>
+      </p:sp>
+      <p:cxnSp>
+        <p:nvCxnSpPr>
+          <p:cNvPr id="9" name="Straight Connector 8"/>
+          <p:cNvCxnSpPr/>
+          <p:nvPr/>
+        </p:nvCxnSpPr>
+        <p:spPr>
+          <a:xfrm flipH="1" flipV="1">
+            <a:off x="1728817" y="3750996"/>
+            <a:ext cx="278944" cy="368781"/>
+          </a:xfrm>
+          <a:prstGeom prst="line">
+            <a:avLst/>
+          </a:prstGeom>
+          <a:ln w="38100">
+            <a:solidFill>
+              <a:schemeClr val="tx1"/>
+            </a:solidFill>
+          </a:ln>
+        </p:spPr>
+        <p:style>
+          <a:lnRef idx="1">
+            <a:schemeClr val="accent1"/>
+          </a:lnRef>
+          <a:fillRef idx="0">
+            <a:schemeClr val="accent1"/>
+          </a:fillRef>
+          <a:effectRef idx="0">
+            <a:schemeClr val="accent1"/>
+          </a:effectRef>
+          <a:fontRef idx="minor">
+            <a:schemeClr val="tx1"/>
+          </a:fontRef>
+        </p:style>
+      </p:cxnSp>
+      <p:cxnSp>
+        <p:nvCxnSpPr>
+          <p:cNvPr id="11" name="Straight Connector 10"/>
+          <p:cNvCxnSpPr/>
+          <p:nvPr/>
+        </p:nvCxnSpPr>
+        <p:spPr>
+          <a:xfrm flipH="1">
+            <a:off x="1728583" y="4776110"/>
+            <a:ext cx="283923" cy="391794"/>
+          </a:xfrm>
+          <a:prstGeom prst="line">
+            <a:avLst/>
+          </a:prstGeom>
+          <a:ln w="38100">
+            <a:solidFill>
+              <a:schemeClr val="tx1"/>
+            </a:solidFill>
+          </a:ln>
+        </p:spPr>
+        <p:style>
+          <a:lnRef idx="1">
+            <a:schemeClr val="accent1"/>
+          </a:lnRef>
+          <a:fillRef idx="0">
+            <a:schemeClr val="accent1"/>
+          </a:fillRef>
+          <a:effectRef idx="0">
+            <a:schemeClr val="accent1"/>
+          </a:effectRef>
+          <a:fontRef idx="minor">
+            <a:schemeClr val="tx1"/>
+          </a:fontRef>
+        </p:style>
+      </p:cxnSp>
+      <p:grpSp>
+        <p:nvGrpSpPr>
+          <p:cNvPr id="142" name="Group 141"/>
+          <p:cNvGrpSpPr/>
+          <p:nvPr/>
+        </p:nvGrpSpPr>
+        <p:grpSpPr>
+          <a:xfrm>
+            <a:off x="245730" y="3750996"/>
+            <a:ext cx="1483087" cy="1416908"/>
+            <a:chOff x="144210" y="2016120"/>
+            <a:chExt cx="1466335" cy="1416908"/>
+          </a:xfrm>
+        </p:grpSpPr>
+        <p:sp>
+          <p:nvSpPr>
+            <p:cNvPr id="7" name="Rectangle 6"/>
+            <p:cNvSpPr/>
+            <p:nvPr/>
+          </p:nvSpPr>
+          <p:spPr>
+            <a:xfrm>
+              <a:off x="144210" y="2016120"/>
+              <a:ext cx="1466335" cy="1416908"/>
+            </a:xfrm>
+            <a:prstGeom prst="rect">
+              <a:avLst/>
+            </a:prstGeom>
+            <a:noFill/>
+            <a:ln w="38100">
+              <a:solidFill>
+                <a:schemeClr val="tx1"/>
+              </a:solidFill>
+            </a:ln>
+          </p:spPr>
+          <p:style>
+            <a:lnRef idx="2">
+              <a:schemeClr val="accent1">
+                <a:shade val="50000"/>
+              </a:schemeClr>
+            </a:lnRef>
+            <a:fillRef idx="1">
+              <a:schemeClr val="accent1"/>
+            </a:fillRef>
+            <a:effectRef idx="0">
+              <a:schemeClr val="accent1"/>
+            </a:effectRef>
+            <a:fontRef idx="minor">
+              <a:schemeClr val="lt1"/>
+            </a:fontRef>
+          </p:style>
+          <p:txBody>
+            <a:bodyPr rtlCol="0" anchor="ctr"/>
+            <a:lstStyle/>
+            <a:p>
+              <a:pPr algn="ctr"/>
+              <a:endParaRPr lang="en-US" sz="1801"/>
+            </a:p>
+          </p:txBody>
+        </p:sp>
+        <p:sp useBgFill="1">
+          <p:nvSpPr>
+            <p:cNvPr id="12" name="Rounded Rectangle 11"/>
+            <p:cNvSpPr/>
+            <p:nvPr/>
+          </p:nvSpPr>
+          <p:spPr>
+            <a:xfrm>
+              <a:off x="243065" y="2304444"/>
+              <a:ext cx="1285102" cy="852616"/>
+            </a:xfrm>
+            <a:prstGeom prst="roundRect">
+              <a:avLst/>
+            </a:prstGeom>
+            <a:ln w="31750">
+              <a:solidFill>
+                <a:schemeClr val="accent6">
+                  <a:lumMod val="75000"/>
+                </a:schemeClr>
+              </a:solidFill>
+            </a:ln>
+          </p:spPr>
+          <p:style>
+            <a:lnRef idx="2">
+              <a:schemeClr val="accent1">
+                <a:shade val="50000"/>
+              </a:schemeClr>
+            </a:lnRef>
+            <a:fillRef idx="1">
+              <a:schemeClr val="accent1"/>
+            </a:fillRef>
+            <a:effectRef idx="0">
+              <a:schemeClr val="accent1"/>
+            </a:effectRef>
+            <a:fontRef idx="minor">
+              <a:schemeClr val="lt1"/>
+            </a:fontRef>
+          </p:style>
+          <p:txBody>
+            <a:bodyPr rtlCol="0" anchor="ctr"/>
+            <a:lstStyle/>
+            <a:p>
+              <a:pPr algn="ctr"/>
+              <a:endParaRPr lang="en-US" sz="1801" dirty="0"/>
+            </a:p>
+          </p:txBody>
+        </p:sp>
+        <p:pic>
+          <p:nvPicPr>
+            <p:cNvPr id="14" name="Picture 13"/>
+            <p:cNvPicPr>
+              <a:picLocks noChangeAspect="1"/>
+            </p:cNvPicPr>
+            <p:nvPr/>
+          </p:nvPicPr>
+          <p:blipFill>
+            <a:blip r:embed="rId3" cstate="print">
+              <a:extLst>
+                <a:ext uri="{28A0092B-C50C-407E-A947-70E740481C1C}">
+                  <a14:useLocalDpi xmlns:a14="http://schemas.microsoft.com/office/drawing/2010/main" val="0"/>
+                </a:ext>
+              </a:extLst>
+            </a:blip>
+            <a:stretch>
+              <a:fillRect/>
+            </a:stretch>
+          </p:blipFill>
+          <p:spPr>
+            <a:xfrm>
+              <a:off x="791434" y="2506271"/>
+              <a:ext cx="665509" cy="587289"/>
+            </a:xfrm>
+            <a:prstGeom prst="rect">
+              <a:avLst/>
+            </a:prstGeom>
+            <a:ln w="38100">
+              <a:solidFill>
+                <a:schemeClr val="accent1"/>
+              </a:solidFill>
+            </a:ln>
+            <a:effectLst>
+              <a:softEdge rad="25400"/>
+            </a:effectLst>
+          </p:spPr>
+        </p:pic>
+        <p:sp>
+          <p:nvSpPr>
+            <p:cNvPr id="15" name="TextBox 14"/>
+            <p:cNvSpPr txBox="1"/>
+            <p:nvPr/>
+          </p:nvSpPr>
+          <p:spPr>
+            <a:xfrm>
+              <a:off x="242479" y="2274257"/>
+              <a:ext cx="607333" cy="369460"/>
+            </a:xfrm>
+            <a:prstGeom prst="rect">
+              <a:avLst/>
+            </a:prstGeom>
+            <a:noFill/>
+          </p:spPr>
+          <p:txBody>
+            <a:bodyPr wrap="none" rtlCol="0">
+              <a:spAutoFit/>
+            </a:bodyPr>
+            <a:lstStyle/>
+            <a:p>
+              <a:r>
+                <a:rPr lang="en-US" sz="1801" dirty="0"/>
+                <a:t>Map</a:t>
+              </a:r>
+            </a:p>
+          </p:txBody>
+        </p:sp>
+      </p:grpSp>
+      <p:sp>
+        <p:nvSpPr>
+          <p:cNvPr id="19" name="TextBox 18"/>
+          <p:cNvSpPr txBox="1"/>
+          <p:nvPr/>
+        </p:nvSpPr>
+        <p:spPr>
+          <a:xfrm>
+            <a:off x="245731" y="175989"/>
+            <a:ext cx="1612942" cy="369460"/>
+          </a:xfrm>
+          <a:prstGeom prst="rect">
+            <a:avLst/>
+          </a:prstGeom>
+          <a:noFill/>
+          <a:ln>
+            <a:noFill/>
+          </a:ln>
+        </p:spPr>
+        <p:txBody>
+          <a:bodyPr wrap="none" rtlCol="0">
+            <a:spAutoFit/>
+          </a:bodyPr>
+          <a:lstStyle/>
+          <a:p>
+            <a:r>
+              <a:rPr lang="en-US" sz="1801" b="1" i="1" dirty="0"/>
+              <a:t>Sherlock Demo</a:t>
+            </a:r>
+          </a:p>
+        </p:txBody>
+      </p:sp>
+      <p:sp>
+        <p:nvSpPr>
+          <p:cNvPr id="27" name="Rounded Rectangle 26"/>
+          <p:cNvSpPr/>
+          <p:nvPr/>
+        </p:nvSpPr>
+        <p:spPr>
+          <a:xfrm>
+            <a:off x="5570387" y="379823"/>
+            <a:ext cx="2537927" cy="2089636"/>
+          </a:xfrm>
+          <a:prstGeom prst="roundRect">
+            <a:avLst/>
+          </a:prstGeom>
+          <a:solidFill>
+            <a:schemeClr val="bg1"/>
+          </a:solidFill>
+          <a:ln w="38100">
+            <a:solidFill>
+              <a:schemeClr val="tx1"/>
+            </a:solidFill>
+            <a:prstDash val="dash"/>
+          </a:ln>
+        </p:spPr>
+        <p:style>
+          <a:lnRef idx="2">
+            <a:schemeClr val="accent1">
+              <a:shade val="50000"/>
+            </a:schemeClr>
+          </a:lnRef>
+          <a:fillRef idx="1">
+            <a:schemeClr val="accent1"/>
+          </a:fillRef>
+          <a:effectRef idx="0">
+            <a:schemeClr val="accent1"/>
+          </a:effectRef>
+          <a:fontRef idx="minor">
+            <a:schemeClr val="lt1"/>
+          </a:fontRef>
+        </p:style>
+        <p:txBody>
+          <a:bodyPr rtlCol="0" anchor="ctr"/>
+          <a:lstStyle/>
+          <a:p>
+            <a:pPr algn="ctr"/>
+            <a:endParaRPr lang="en-US" sz="1801"/>
+          </a:p>
+        </p:txBody>
+      </p:sp>
+      <p:pic>
+        <p:nvPicPr>
+          <p:cNvPr id="31" name="Picture 30"/>
+          <p:cNvPicPr>
+            <a:picLocks noChangeAspect="1"/>
+          </p:cNvPicPr>
+          <p:nvPr/>
+        </p:nvPicPr>
+        <p:blipFill>
+          <a:blip r:embed="rId4" cstate="print">
+            <a:extLst>
+              <a:ext uri="{28A0092B-C50C-407E-A947-70E740481C1C}">
+                <a14:useLocalDpi xmlns:a14="http://schemas.microsoft.com/office/drawing/2010/main" val="0"/>
+              </a:ext>
+            </a:extLst>
+          </a:blip>
+          <a:stretch>
+            <a:fillRect/>
+          </a:stretch>
+        </p:blipFill>
+        <p:spPr>
+          <a:xfrm>
+            <a:off x="5760145" y="901927"/>
+            <a:ext cx="665509" cy="587289"/>
+          </a:xfrm>
+          <a:prstGeom prst="rect">
+            <a:avLst/>
+          </a:prstGeom>
+          <a:ln w="38100">
+            <a:solidFill>
+              <a:schemeClr val="accent1"/>
+            </a:solidFill>
+          </a:ln>
+          <a:effectLst>
+            <a:softEdge rad="25400"/>
+          </a:effectLst>
+        </p:spPr>
+      </p:pic>
+      <p:pic>
+        <p:nvPicPr>
+          <p:cNvPr id="32" name="Picture 31"/>
+          <p:cNvPicPr>
+            <a:picLocks noChangeAspect="1"/>
+          </p:cNvPicPr>
+          <p:nvPr/>
+        </p:nvPicPr>
+        <p:blipFill>
+          <a:blip r:embed="rId4" cstate="print">
+            <a:extLst>
+              <a:ext uri="{28A0092B-C50C-407E-A947-70E740481C1C}">
+                <a14:useLocalDpi xmlns:a14="http://schemas.microsoft.com/office/drawing/2010/main" val="0"/>
+              </a:ext>
+            </a:extLst>
+          </a:blip>
+          <a:stretch>
+            <a:fillRect/>
+          </a:stretch>
+        </p:blipFill>
+        <p:spPr>
+          <a:xfrm>
+            <a:off x="7279462" y="901927"/>
+            <a:ext cx="665509" cy="587289"/>
+          </a:xfrm>
+          <a:prstGeom prst="rect">
+            <a:avLst/>
+          </a:prstGeom>
+          <a:ln w="38100">
+            <a:solidFill>
+              <a:schemeClr val="accent1"/>
+            </a:solidFill>
+          </a:ln>
+          <a:effectLst>
+            <a:softEdge rad="25400"/>
+          </a:effectLst>
+        </p:spPr>
+      </p:pic>
+      <p:sp>
+        <p:nvSpPr>
+          <p:cNvPr id="33" name="TextBox 32"/>
+          <p:cNvSpPr txBox="1"/>
+          <p:nvPr/>
+        </p:nvSpPr>
+        <p:spPr>
+          <a:xfrm>
+            <a:off x="6615413" y="904442"/>
+            <a:ext cx="468398" cy="584775"/>
+          </a:xfrm>
+          <a:prstGeom prst="rect">
+            <a:avLst/>
+          </a:prstGeom>
+          <a:noFill/>
+        </p:spPr>
+        <p:txBody>
+          <a:bodyPr wrap="none" rtlCol="0">
+            <a:spAutoFit/>
+          </a:bodyPr>
+          <a:lstStyle/>
+          <a:p>
+            <a:r>
+              <a:rPr lang="en-US" sz="3200" dirty="0"/>
+              <a:t>…</a:t>
+            </a:r>
+          </a:p>
+        </p:txBody>
+      </p:sp>
+      <p:sp>
+        <p:nvSpPr>
+          <p:cNvPr id="34" name="TextBox 33"/>
+          <p:cNvSpPr txBox="1"/>
+          <p:nvPr/>
+        </p:nvSpPr>
+        <p:spPr>
+          <a:xfrm>
+            <a:off x="6190056" y="427923"/>
+            <a:ext cx="1413849" cy="369460"/>
+          </a:xfrm>
+          <a:prstGeom prst="rect">
+            <a:avLst/>
+          </a:prstGeom>
+          <a:noFill/>
+        </p:spPr>
+        <p:txBody>
+          <a:bodyPr wrap="none" rtlCol="0">
+            <a:spAutoFit/>
+          </a:bodyPr>
+          <a:lstStyle/>
+          <a:p>
+            <a:r>
+              <a:rPr lang="en-US" sz="1801" b="1" i="1" dirty="0"/>
+              <a:t>Visualization</a:t>
+            </a:r>
+          </a:p>
+        </p:txBody>
+      </p:sp>
+      <p:sp>
+        <p:nvSpPr>
+          <p:cNvPr id="45" name="Trapezoid 44"/>
+          <p:cNvSpPr/>
+          <p:nvPr/>
+        </p:nvSpPr>
+        <p:spPr>
+          <a:xfrm rot="10800000">
+            <a:off x="5760141" y="1652634"/>
+            <a:ext cx="2184825" cy="549389"/>
+          </a:xfrm>
+          <a:prstGeom prst="trapezoid">
+            <a:avLst>
+              <a:gd name="adj" fmla="val 162569"/>
+            </a:avLst>
+          </a:prstGeom>
+          <a:solidFill>
+            <a:schemeClr val="bg1"/>
+          </a:solidFill>
+          <a:ln w="28575">
+            <a:solidFill>
+              <a:schemeClr val="tx1"/>
+            </a:solidFill>
+            <a:prstDash val="solid"/>
+          </a:ln>
+        </p:spPr>
+        <p:style>
+          <a:lnRef idx="2">
+            <a:schemeClr val="accent1">
+              <a:shade val="50000"/>
+            </a:schemeClr>
+          </a:lnRef>
+          <a:fillRef idx="1">
+            <a:schemeClr val="accent1"/>
+          </a:fillRef>
+          <a:effectRef idx="0">
+            <a:schemeClr val="accent1"/>
+          </a:effectRef>
+          <a:fontRef idx="minor">
+            <a:schemeClr val="lt1"/>
+          </a:fontRef>
+        </p:style>
+        <p:txBody>
+          <a:bodyPr rtlCol="0" anchor="ctr"/>
+          <a:lstStyle/>
+          <a:p>
+            <a:pPr algn="ctr"/>
+            <a:endParaRPr lang="en-US" sz="1801" dirty="0">
+              <a:solidFill>
+                <a:schemeClr val="tx1"/>
+              </a:solidFill>
+            </a:endParaRPr>
+          </a:p>
+        </p:txBody>
+      </p:sp>
+      <p:sp>
+        <p:nvSpPr>
+          <p:cNvPr id="46" name="TextBox 45"/>
+          <p:cNvSpPr txBox="1"/>
+          <p:nvPr/>
+        </p:nvSpPr>
+        <p:spPr>
+          <a:xfrm>
+            <a:off x="6578575" y="1704021"/>
+            <a:ext cx="585738" cy="400110"/>
+          </a:xfrm>
+          <a:prstGeom prst="rect">
+            <a:avLst/>
+          </a:prstGeom>
+          <a:noFill/>
+        </p:spPr>
+        <p:txBody>
+          <a:bodyPr wrap="none" rtlCol="0">
+            <a:spAutoFit/>
+          </a:bodyPr>
+          <a:lstStyle/>
+          <a:p>
+            <a:r>
+              <a:rPr lang="en-US" sz="2000" b="1" i="1" dirty="0"/>
+              <a:t>NFS</a:t>
+            </a:r>
+          </a:p>
+        </p:txBody>
+      </p:sp>
+      <p:grpSp>
+        <p:nvGrpSpPr>
+          <p:cNvPr id="86" name="Group 85"/>
+          <p:cNvGrpSpPr/>
+          <p:nvPr/>
+        </p:nvGrpSpPr>
+        <p:grpSpPr>
+          <a:xfrm>
+            <a:off x="8177808" y="4488892"/>
+            <a:ext cx="1449821" cy="1437119"/>
+            <a:chOff x="10343009" y="4170579"/>
+            <a:chExt cx="1677258" cy="1437119"/>
+          </a:xfrm>
+        </p:grpSpPr>
+        <p:sp>
+          <p:nvSpPr>
+            <p:cNvPr id="53" name="Rectangle 52"/>
+            <p:cNvSpPr/>
+            <p:nvPr/>
+          </p:nvSpPr>
+          <p:spPr>
+            <a:xfrm>
+              <a:off x="10343009" y="4170579"/>
+              <a:ext cx="1677258" cy="1437119"/>
+            </a:xfrm>
+            <a:prstGeom prst="rect">
+              <a:avLst/>
+            </a:prstGeom>
+            <a:solidFill>
+              <a:schemeClr val="bg1"/>
+            </a:solidFill>
+            <a:ln w="57150">
+              <a:solidFill>
+                <a:srgbClr val="FF0000"/>
+              </a:solidFill>
+            </a:ln>
+          </p:spPr>
+          <p:style>
+            <a:lnRef idx="2">
+              <a:schemeClr val="accent1">
+                <a:shade val="50000"/>
+              </a:schemeClr>
+            </a:lnRef>
+            <a:fillRef idx="1">
+              <a:schemeClr val="accent1"/>
+            </a:fillRef>
+            <a:effectRef idx="0">
+              <a:schemeClr val="accent1"/>
+            </a:effectRef>
+            <a:fontRef idx="minor">
+              <a:schemeClr val="lt1"/>
+            </a:fontRef>
+          </p:style>
+          <p:txBody>
+            <a:bodyPr rtlCol="0" anchor="ctr"/>
+            <a:lstStyle/>
+            <a:p>
+              <a:pPr algn="ctr"/>
+              <a:endParaRPr lang="en-US" sz="1801"/>
+            </a:p>
+          </p:txBody>
+        </p:sp>
+        <p:pic>
+          <p:nvPicPr>
+            <p:cNvPr id="54" name="Picture 53"/>
+            <p:cNvPicPr>
+              <a:picLocks noChangeAspect="1"/>
+            </p:cNvPicPr>
+            <p:nvPr/>
+          </p:nvPicPr>
+          <p:blipFill>
+            <a:blip r:embed="rId5" cstate="print">
+              <a:extLst>
+                <a:ext uri="{28A0092B-C50C-407E-A947-70E740481C1C}">
+                  <a14:useLocalDpi xmlns:a14="http://schemas.microsoft.com/office/drawing/2010/main" val="0"/>
+                </a:ext>
+              </a:extLst>
+            </a:blip>
+            <a:stretch>
+              <a:fillRect/>
+            </a:stretch>
+          </p:blipFill>
+          <p:spPr>
+            <a:xfrm>
+              <a:off x="10389222" y="4384949"/>
+              <a:ext cx="1584832" cy="997681"/>
+            </a:xfrm>
+            <a:prstGeom prst="rect">
+              <a:avLst/>
+            </a:prstGeom>
+          </p:spPr>
+        </p:pic>
+        <p:sp>
+          <p:nvSpPr>
+            <p:cNvPr id="84" name="TextBox 83"/>
+            <p:cNvSpPr txBox="1"/>
+            <p:nvPr/>
+          </p:nvSpPr>
+          <p:spPr>
+            <a:xfrm>
+              <a:off x="10680474" y="5197964"/>
+              <a:ext cx="1162975" cy="369460"/>
+            </a:xfrm>
+            <a:prstGeom prst="rect">
+              <a:avLst/>
+            </a:prstGeom>
+            <a:noFill/>
+          </p:spPr>
+          <p:txBody>
+            <a:bodyPr wrap="none" rtlCol="0">
+              <a:spAutoFit/>
+            </a:bodyPr>
+            <a:lstStyle/>
+            <a:p>
+              <a:r>
+                <a:rPr lang="en-US" sz="1801" b="1" i="1" dirty="0" err="1">
+                  <a:solidFill>
+                    <a:schemeClr val="tx2"/>
+                  </a:solidFill>
+                </a:rPr>
+                <a:t>Hansken</a:t>
+              </a:r>
+              <a:endParaRPr lang="en-US" sz="1801" b="1" i="1" dirty="0">
+                <a:solidFill>
+                  <a:schemeClr val="tx2"/>
+                </a:solidFill>
+              </a:endParaRPr>
+            </a:p>
+          </p:txBody>
+        </p:sp>
+      </p:grpSp>
+      <p:cxnSp>
+        <p:nvCxnSpPr>
+          <p:cNvPr id="88" name="Elbow Connector 87"/>
+          <p:cNvCxnSpPr>
+            <a:stCxn id="27" idx="3"/>
+            <a:endCxn id="53" idx="0"/>
+          </p:cNvCxnSpPr>
+          <p:nvPr/>
+        </p:nvCxnSpPr>
+        <p:spPr>
+          <a:xfrm>
+            <a:off x="8108314" y="1424641"/>
+            <a:ext cx="794405" cy="3064251"/>
+          </a:xfrm>
+          <a:prstGeom prst="bentConnector2">
+            <a:avLst/>
+          </a:prstGeom>
+          <a:ln w="44450">
+            <a:solidFill>
+              <a:srgbClr val="FF0000"/>
+            </a:solidFill>
+            <a:prstDash val="dash"/>
+            <a:headEnd type="triangle"/>
+            <a:tailEnd type="triangle"/>
+          </a:ln>
+        </p:spPr>
+        <p:style>
+          <a:lnRef idx="1">
+            <a:schemeClr val="accent1"/>
+          </a:lnRef>
+          <a:fillRef idx="0">
+            <a:schemeClr val="accent1"/>
+          </a:fillRef>
+          <a:effectRef idx="0">
+            <a:schemeClr val="accent1"/>
+          </a:effectRef>
+          <a:fontRef idx="minor">
+            <a:schemeClr val="tx1"/>
+          </a:fontRef>
+        </p:style>
+      </p:cxnSp>
+      <p:cxnSp>
+        <p:nvCxnSpPr>
+          <p:cNvPr id="98" name="Elbow Connector 97"/>
+          <p:cNvCxnSpPr>
+            <a:endCxn id="66" idx="0"/>
+          </p:cNvCxnSpPr>
+          <p:nvPr/>
+        </p:nvCxnSpPr>
+        <p:spPr>
+          <a:xfrm rot="16200000" flipH="1">
+            <a:off x="7649114" y="1454845"/>
+            <a:ext cx="3852372" cy="2933972"/>
+          </a:xfrm>
+          <a:prstGeom prst="bentConnector3">
+            <a:avLst>
+              <a:gd name="adj1" fmla="val 106"/>
+            </a:avLst>
+          </a:prstGeom>
+          <a:ln w="44450">
+            <a:solidFill>
+              <a:srgbClr val="7030A0"/>
+            </a:solidFill>
+            <a:prstDash val="dash"/>
+            <a:headEnd type="triangle"/>
+            <a:tailEnd type="triangle"/>
+          </a:ln>
+        </p:spPr>
+        <p:style>
+          <a:lnRef idx="1">
+            <a:schemeClr val="accent1"/>
+          </a:lnRef>
+          <a:fillRef idx="0">
+            <a:schemeClr val="accent1"/>
+          </a:fillRef>
+          <a:effectRef idx="0">
+            <a:schemeClr val="accent1"/>
+          </a:effectRef>
+          <a:fontRef idx="minor">
+            <a:schemeClr val="tx1"/>
+          </a:fontRef>
+        </p:style>
+      </p:cxnSp>
+      <p:grpSp>
+        <p:nvGrpSpPr>
+          <p:cNvPr id="111" name="Group 110"/>
+          <p:cNvGrpSpPr/>
+          <p:nvPr/>
+        </p:nvGrpSpPr>
+        <p:grpSpPr>
+          <a:xfrm>
+            <a:off x="10078943" y="4848017"/>
+            <a:ext cx="1926685" cy="708170"/>
+            <a:chOff x="8163311" y="4573036"/>
+            <a:chExt cx="1995625" cy="708170"/>
+          </a:xfrm>
+        </p:grpSpPr>
+        <p:sp>
+          <p:nvSpPr>
+            <p:cNvPr id="66" name="Rectangle 65"/>
+            <p:cNvSpPr/>
+            <p:nvPr/>
+          </p:nvSpPr>
+          <p:spPr>
+            <a:xfrm>
+              <a:off x="8163311" y="4573036"/>
+              <a:ext cx="1995625" cy="708170"/>
+            </a:xfrm>
+            <a:prstGeom prst="rect">
+              <a:avLst/>
+            </a:prstGeom>
+            <a:solidFill>
+              <a:schemeClr val="bg1"/>
+            </a:solidFill>
+            <a:ln w="57150">
+              <a:solidFill>
+                <a:srgbClr val="7030A0"/>
+              </a:solidFill>
+            </a:ln>
+          </p:spPr>
+          <p:style>
+            <a:lnRef idx="2">
+              <a:schemeClr val="accent1">
+                <a:shade val="50000"/>
+              </a:schemeClr>
+            </a:lnRef>
+            <a:fillRef idx="1">
+              <a:schemeClr val="accent1"/>
+            </a:fillRef>
+            <a:effectRef idx="0">
+              <a:schemeClr val="accent1"/>
+            </a:effectRef>
+            <a:fontRef idx="minor">
+              <a:schemeClr val="lt1"/>
+            </a:fontRef>
+          </p:style>
+          <p:txBody>
+            <a:bodyPr rtlCol="0" anchor="ctr"/>
+            <a:lstStyle/>
+            <a:p>
+              <a:pPr algn="ctr"/>
+              <a:endParaRPr lang="en-US" sz="1801"/>
+            </a:p>
+          </p:txBody>
+        </p:sp>
+        <p:pic>
+          <p:nvPicPr>
+            <p:cNvPr id="65" name="Picture 64"/>
+            <p:cNvPicPr>
+              <a:picLocks noChangeAspect="1"/>
+            </p:cNvPicPr>
+            <p:nvPr/>
+          </p:nvPicPr>
+          <p:blipFill>
+            <a:blip r:embed="rId6" cstate="print">
+              <a:extLst>
+                <a:ext uri="{28A0092B-C50C-407E-A947-70E740481C1C}">
+                  <a14:useLocalDpi xmlns:a14="http://schemas.microsoft.com/office/drawing/2010/main" val="0"/>
+                </a:ext>
+              </a:extLst>
+            </a:blip>
+            <a:stretch>
+              <a:fillRect/>
+            </a:stretch>
+          </p:blipFill>
+          <p:spPr>
+            <a:xfrm>
+              <a:off x="8452233" y="4712266"/>
+              <a:ext cx="1417782" cy="429711"/>
+            </a:xfrm>
+            <a:prstGeom prst="rect">
+              <a:avLst/>
+            </a:prstGeom>
+            <a:solidFill>
+              <a:schemeClr val="bg1"/>
+            </a:solidFill>
+          </p:spPr>
+        </p:pic>
+      </p:grpSp>
+      <p:sp>
+        <p:nvSpPr>
+          <p:cNvPr id="116" name="TextBox 115"/>
+          <p:cNvSpPr txBox="1"/>
+          <p:nvPr/>
+        </p:nvSpPr>
+        <p:spPr>
+          <a:xfrm>
+            <a:off x="1986648" y="6345238"/>
+            <a:ext cx="1287532" cy="369460"/>
+          </a:xfrm>
+          <a:prstGeom prst="rect">
+            <a:avLst/>
+          </a:prstGeom>
+          <a:noFill/>
+        </p:spPr>
+        <p:txBody>
+          <a:bodyPr wrap="none" rtlCol="0">
+            <a:spAutoFit/>
+          </a:bodyPr>
+          <a:lstStyle/>
+          <a:p>
+            <a:r>
+              <a:rPr lang="en-US" sz="1801" b="1" i="1" dirty="0">
+                <a:solidFill>
+                  <a:srgbClr val="0070C0"/>
+                </a:solidFill>
+              </a:rPr>
+              <a:t>Hadoop 2.0</a:t>
+            </a:r>
+          </a:p>
+        </p:txBody>
+      </p:sp>
+      <p:sp>
+        <p:nvSpPr>
+          <p:cNvPr id="117" name="Rounded Rectangle 116"/>
+          <p:cNvSpPr/>
+          <p:nvPr/>
+        </p:nvSpPr>
+        <p:spPr>
+          <a:xfrm>
+            <a:off x="1949324" y="379825"/>
+            <a:ext cx="3375433" cy="2035544"/>
+          </a:xfrm>
+          <a:prstGeom prst="roundRect">
+            <a:avLst/>
+          </a:prstGeom>
+          <a:solidFill>
+            <a:schemeClr val="bg1"/>
+          </a:solidFill>
+          <a:ln w="38100">
+            <a:solidFill>
+              <a:schemeClr val="tx1"/>
+            </a:solidFill>
+            <a:prstDash val="dash"/>
+          </a:ln>
+        </p:spPr>
+        <p:style>
+          <a:lnRef idx="2">
+            <a:schemeClr val="accent1">
+              <a:shade val="50000"/>
+            </a:schemeClr>
+          </a:lnRef>
+          <a:fillRef idx="1">
+            <a:schemeClr val="accent1"/>
+          </a:fillRef>
+          <a:effectRef idx="0">
+            <a:schemeClr val="accent1"/>
+          </a:effectRef>
+          <a:fontRef idx="minor">
+            <a:schemeClr val="lt1"/>
+          </a:fontRef>
+        </p:style>
+        <p:txBody>
+          <a:bodyPr rtlCol="0" anchor="ctr"/>
+          <a:lstStyle/>
+          <a:p>
+            <a:pPr algn="ctr"/>
+            <a:endParaRPr lang="en-US" sz="1801"/>
+          </a:p>
+        </p:txBody>
+      </p:sp>
+      <p:sp>
+        <p:nvSpPr>
+          <p:cNvPr id="106" name="Rounded Rectangle 105"/>
+          <p:cNvSpPr/>
+          <p:nvPr/>
+        </p:nvSpPr>
+        <p:spPr>
+          <a:xfrm>
+            <a:off x="2321977" y="1716567"/>
+            <a:ext cx="1054359" cy="361012"/>
+          </a:xfrm>
+          <a:prstGeom prst="roundRect">
+            <a:avLst/>
+          </a:prstGeom>
+          <a:solidFill>
+            <a:schemeClr val="bg1"/>
+          </a:solidFill>
+          <a:ln w="31750">
+            <a:solidFill>
+              <a:schemeClr val="accent6">
+                <a:lumMod val="75000"/>
+              </a:schemeClr>
+            </a:solidFill>
+          </a:ln>
+        </p:spPr>
+        <p:style>
+          <a:lnRef idx="2">
+            <a:schemeClr val="accent1">
+              <a:shade val="50000"/>
+            </a:schemeClr>
+          </a:lnRef>
+          <a:fillRef idx="1">
+            <a:schemeClr val="accent1"/>
+          </a:fillRef>
+          <a:effectRef idx="0">
+            <a:schemeClr val="accent1"/>
+          </a:effectRef>
+          <a:fontRef idx="minor">
+            <a:schemeClr val="lt1"/>
+          </a:fontRef>
+        </p:style>
+        <p:txBody>
+          <a:bodyPr rtlCol="0" anchor="ctr"/>
+          <a:lstStyle/>
+          <a:p>
+            <a:pPr algn="ctr"/>
+            <a:r>
+              <a:rPr lang="en-US" sz="1401" b="1" i="1" dirty="0" err="1">
+                <a:solidFill>
+                  <a:schemeClr val="tx1"/>
+                </a:solidFill>
+              </a:rPr>
+              <a:t>MRDocker</a:t>
+            </a:r>
+            <a:endParaRPr lang="en-US" sz="1401" b="1" i="1" dirty="0">
+              <a:solidFill>
+                <a:schemeClr val="tx1"/>
+              </a:solidFill>
+            </a:endParaRPr>
+          </a:p>
+        </p:txBody>
+      </p:sp>
+      <p:sp>
+        <p:nvSpPr>
+          <p:cNvPr id="108" name="Rounded Rectangle 107"/>
+          <p:cNvSpPr/>
+          <p:nvPr/>
+        </p:nvSpPr>
+        <p:spPr>
+          <a:xfrm>
+            <a:off x="3881527" y="1735229"/>
+            <a:ext cx="1054359" cy="346214"/>
+          </a:xfrm>
+          <a:prstGeom prst="roundRect">
+            <a:avLst/>
+          </a:prstGeom>
+          <a:solidFill>
+            <a:schemeClr val="bg1"/>
+          </a:solidFill>
+          <a:ln w="31750">
+            <a:solidFill>
+              <a:schemeClr val="accent4"/>
+            </a:solidFill>
+            <a:prstDash val="solid"/>
+          </a:ln>
+        </p:spPr>
+        <p:style>
+          <a:lnRef idx="2">
+            <a:schemeClr val="accent1">
+              <a:shade val="50000"/>
+            </a:schemeClr>
+          </a:lnRef>
+          <a:fillRef idx="1">
+            <a:schemeClr val="accent1"/>
+          </a:fillRef>
+          <a:effectRef idx="0">
+            <a:schemeClr val="accent1"/>
+          </a:effectRef>
+          <a:fontRef idx="minor">
+            <a:schemeClr val="lt1"/>
+          </a:fontRef>
+        </p:style>
+        <p:txBody>
+          <a:bodyPr rtlCol="0" anchor="ctr"/>
+          <a:lstStyle/>
+          <a:p>
+            <a:pPr algn="ctr"/>
+            <a:r>
+              <a:rPr lang="en-US" sz="1401" b="1" i="1" dirty="0" err="1">
+                <a:solidFill>
+                  <a:schemeClr val="tx1"/>
+                </a:solidFill>
+              </a:rPr>
+              <a:t>SprDocker</a:t>
+            </a:r>
+            <a:endParaRPr lang="en-US" sz="1401" b="1" i="1" dirty="0">
+              <a:solidFill>
+                <a:schemeClr val="tx1"/>
+              </a:solidFill>
+            </a:endParaRPr>
+          </a:p>
+        </p:txBody>
+      </p:sp>
+      <p:sp>
+        <p:nvSpPr>
+          <p:cNvPr id="123" name="Trapezoid 122"/>
+          <p:cNvSpPr/>
+          <p:nvPr/>
+        </p:nvSpPr>
+        <p:spPr>
+          <a:xfrm>
+            <a:off x="2118045" y="1652635"/>
+            <a:ext cx="3023120" cy="549389"/>
+          </a:xfrm>
+          <a:prstGeom prst="trapezoid">
+            <a:avLst/>
+          </a:prstGeom>
+          <a:noFill/>
+          <a:ln w="28575">
+            <a:solidFill>
+              <a:schemeClr val="tx1"/>
+            </a:solidFill>
+          </a:ln>
+        </p:spPr>
+        <p:style>
+          <a:lnRef idx="2">
+            <a:schemeClr val="accent1">
+              <a:shade val="50000"/>
+            </a:schemeClr>
+          </a:lnRef>
+          <a:fillRef idx="1">
+            <a:schemeClr val="accent1"/>
+          </a:fillRef>
+          <a:effectRef idx="0">
+            <a:schemeClr val="accent1"/>
+          </a:effectRef>
+          <a:fontRef idx="minor">
+            <a:schemeClr val="lt1"/>
+          </a:fontRef>
+        </p:style>
+        <p:txBody>
+          <a:bodyPr rtlCol="0" anchor="ctr"/>
+          <a:lstStyle/>
+          <a:p>
+            <a:pPr algn="ctr"/>
+            <a:endParaRPr lang="en-US" sz="1801"/>
+          </a:p>
+        </p:txBody>
+      </p:sp>
+      <p:pic>
+        <p:nvPicPr>
+          <p:cNvPr id="131" name="Picture 130"/>
+          <p:cNvPicPr>
+            <a:picLocks noChangeAspect="1"/>
+          </p:cNvPicPr>
+          <p:nvPr/>
+        </p:nvPicPr>
+        <p:blipFill>
+          <a:blip r:embed="rId4" cstate="print">
+            <a:extLst>
+              <a:ext uri="{28A0092B-C50C-407E-A947-70E740481C1C}">
+                <a14:useLocalDpi xmlns:a14="http://schemas.microsoft.com/office/drawing/2010/main" val="0"/>
+              </a:ext>
+            </a:extLst>
+          </a:blip>
+          <a:stretch>
+            <a:fillRect/>
+          </a:stretch>
+        </p:blipFill>
+        <p:spPr>
+          <a:xfrm>
+            <a:off x="2534866" y="877038"/>
+            <a:ext cx="665509" cy="587289"/>
+          </a:xfrm>
+          <a:prstGeom prst="rect">
+            <a:avLst/>
+          </a:prstGeom>
+          <a:ln w="38100">
+            <a:solidFill>
+              <a:schemeClr val="accent1"/>
+            </a:solidFill>
+          </a:ln>
+          <a:effectLst>
+            <a:softEdge rad="25400"/>
+          </a:effectLst>
+        </p:spPr>
+      </p:pic>
+      <p:pic>
+        <p:nvPicPr>
+          <p:cNvPr id="132" name="Picture 131"/>
+          <p:cNvPicPr>
+            <a:picLocks noChangeAspect="1"/>
+          </p:cNvPicPr>
+          <p:nvPr/>
+        </p:nvPicPr>
+        <p:blipFill>
+          <a:blip r:embed="rId4" cstate="print">
+            <a:extLst>
+              <a:ext uri="{28A0092B-C50C-407E-A947-70E740481C1C}">
+                <a14:useLocalDpi xmlns:a14="http://schemas.microsoft.com/office/drawing/2010/main" val="0"/>
+              </a:ext>
+            </a:extLst>
+          </a:blip>
+          <a:stretch>
+            <a:fillRect/>
+          </a:stretch>
+        </p:blipFill>
+        <p:spPr>
+          <a:xfrm>
+            <a:off x="4054183" y="877038"/>
+            <a:ext cx="665509" cy="587289"/>
+          </a:xfrm>
+          <a:prstGeom prst="rect">
+            <a:avLst/>
+          </a:prstGeom>
+          <a:ln w="38100">
+            <a:solidFill>
+              <a:schemeClr val="accent1"/>
+            </a:solidFill>
+          </a:ln>
+          <a:effectLst>
+            <a:softEdge rad="25400"/>
+          </a:effectLst>
+        </p:spPr>
+      </p:pic>
+      <p:sp>
+        <p:nvSpPr>
+          <p:cNvPr id="133" name="TextBox 132"/>
+          <p:cNvSpPr txBox="1"/>
+          <p:nvPr/>
+        </p:nvSpPr>
+        <p:spPr>
+          <a:xfrm>
+            <a:off x="3390133" y="879551"/>
+            <a:ext cx="468398" cy="584775"/>
+          </a:xfrm>
+          <a:prstGeom prst="rect">
+            <a:avLst/>
+          </a:prstGeom>
+          <a:noFill/>
+        </p:spPr>
+        <p:txBody>
+          <a:bodyPr wrap="none" rtlCol="0">
+            <a:spAutoFit/>
+          </a:bodyPr>
+          <a:lstStyle/>
+          <a:p>
+            <a:r>
+              <a:rPr lang="en-US" sz="3200" dirty="0"/>
+              <a:t>…</a:t>
+            </a:r>
+          </a:p>
+        </p:txBody>
+      </p:sp>
+      <p:sp>
+        <p:nvSpPr>
+          <p:cNvPr id="134" name="TextBox 133"/>
+          <p:cNvSpPr txBox="1"/>
+          <p:nvPr/>
+        </p:nvSpPr>
+        <p:spPr>
+          <a:xfrm>
+            <a:off x="3026360" y="431061"/>
+            <a:ext cx="1249060" cy="369460"/>
+          </a:xfrm>
+          <a:prstGeom prst="rect">
+            <a:avLst/>
+          </a:prstGeom>
+          <a:noFill/>
+        </p:spPr>
+        <p:txBody>
+          <a:bodyPr wrap="none" rtlCol="0">
+            <a:spAutoFit/>
+          </a:bodyPr>
+          <a:lstStyle/>
+          <a:p>
+            <a:r>
+              <a:rPr lang="en-US" sz="1801" b="1" i="1" dirty="0"/>
+              <a:t>Operations</a:t>
+            </a:r>
+          </a:p>
+        </p:txBody>
+      </p:sp>
+      <p:cxnSp>
+        <p:nvCxnSpPr>
+          <p:cNvPr id="137" name="Elbow Connector 136"/>
+          <p:cNvCxnSpPr>
+            <a:stCxn id="66" idx="1"/>
+          </p:cNvCxnSpPr>
+          <p:nvPr/>
+        </p:nvCxnSpPr>
+        <p:spPr>
+          <a:xfrm rot="10800000" flipV="1">
+            <a:off x="7944969" y="5202102"/>
+            <a:ext cx="2133974" cy="974764"/>
+          </a:xfrm>
+          <a:prstGeom prst="bentConnector3">
+            <a:avLst>
+              <a:gd name="adj1" fmla="val 11086"/>
+            </a:avLst>
+          </a:prstGeom>
+          <a:ln w="44450">
+            <a:solidFill>
+              <a:srgbClr val="7030A0"/>
+            </a:solidFill>
+            <a:prstDash val="dash"/>
+            <a:headEnd type="triangle"/>
+            <a:tailEnd type="triangle"/>
+          </a:ln>
+        </p:spPr>
+        <p:style>
+          <a:lnRef idx="1">
+            <a:schemeClr val="accent1"/>
+          </a:lnRef>
+          <a:fillRef idx="0">
+            <a:schemeClr val="accent1"/>
+          </a:fillRef>
+          <a:effectRef idx="0">
+            <a:schemeClr val="accent1"/>
+          </a:effectRef>
+          <a:fontRef idx="minor">
+            <a:schemeClr val="tx1"/>
+          </a:fontRef>
+        </p:style>
+      </p:cxnSp>
+      <p:cxnSp>
+        <p:nvCxnSpPr>
+          <p:cNvPr id="107" name="Straight Arrow Connector 106"/>
+          <p:cNvCxnSpPr/>
+          <p:nvPr/>
+        </p:nvCxnSpPr>
+        <p:spPr>
+          <a:xfrm flipH="1">
+            <a:off x="2863413" y="2102457"/>
+            <a:ext cx="464" cy="1979995"/>
+          </a:xfrm>
+          <a:prstGeom prst="straightConnector1">
+            <a:avLst/>
+          </a:prstGeom>
+          <a:ln w="34925">
+            <a:solidFill>
+              <a:schemeClr val="accent6">
+                <a:lumMod val="75000"/>
+              </a:schemeClr>
+            </a:solidFill>
+            <a:tailEnd type="triangle"/>
+          </a:ln>
+        </p:spPr>
+        <p:style>
+          <a:lnRef idx="1">
+            <a:schemeClr val="accent1"/>
+          </a:lnRef>
+          <a:fillRef idx="0">
+            <a:schemeClr val="accent1"/>
+          </a:fillRef>
+          <a:effectRef idx="0">
+            <a:schemeClr val="accent1"/>
+          </a:effectRef>
+          <a:fontRef idx="minor">
+            <a:schemeClr val="tx1"/>
+          </a:fontRef>
+        </p:style>
+      </p:cxnSp>
+      <p:cxnSp>
+        <p:nvCxnSpPr>
+          <p:cNvPr id="109" name="Straight Arrow Connector 108"/>
+          <p:cNvCxnSpPr/>
+          <p:nvPr/>
+        </p:nvCxnSpPr>
+        <p:spPr>
+          <a:xfrm flipH="1">
+            <a:off x="4416012" y="2102457"/>
+            <a:ext cx="8728" cy="2022837"/>
+          </a:xfrm>
+          <a:prstGeom prst="straightConnector1">
+            <a:avLst/>
+          </a:prstGeom>
+          <a:ln w="34925">
+            <a:solidFill>
+              <a:schemeClr val="accent4"/>
+            </a:solidFill>
+            <a:prstDash val="solid"/>
+            <a:tailEnd type="triangle"/>
+          </a:ln>
+        </p:spPr>
+        <p:style>
+          <a:lnRef idx="1">
+            <a:schemeClr val="accent1"/>
+          </a:lnRef>
+          <a:fillRef idx="0">
+            <a:schemeClr val="accent1"/>
+          </a:fillRef>
+          <a:effectRef idx="0">
+            <a:schemeClr val="accent1"/>
+          </a:effectRef>
+          <a:fontRef idx="minor">
+            <a:schemeClr val="tx1"/>
+          </a:fontRef>
+        </p:style>
+      </p:cxnSp>
+      <p:grpSp>
+        <p:nvGrpSpPr>
+          <p:cNvPr id="168" name="Group 167"/>
+          <p:cNvGrpSpPr/>
+          <p:nvPr/>
+        </p:nvGrpSpPr>
+        <p:grpSpPr>
+          <a:xfrm>
+            <a:off x="8210931" y="6344435"/>
+            <a:ext cx="1635175" cy="458294"/>
+            <a:chOff x="8416211" y="6344434"/>
+            <a:chExt cx="1635175" cy="458294"/>
+          </a:xfrm>
+        </p:grpSpPr>
+        <p:pic>
+          <p:nvPicPr>
+            <p:cNvPr id="113" name="Picture 112"/>
+            <p:cNvPicPr>
+              <a:picLocks noChangeAspect="1"/>
+            </p:cNvPicPr>
+            <p:nvPr/>
+          </p:nvPicPr>
+          <p:blipFill>
+            <a:blip r:embed="rId7">
+              <a:extLst>
+                <a:ext uri="{28A0092B-C50C-407E-A947-70E740481C1C}">
+                  <a14:useLocalDpi xmlns:a14="http://schemas.microsoft.com/office/drawing/2010/main" val="0"/>
+                </a:ext>
+              </a:extLst>
+            </a:blip>
+            <a:stretch>
+              <a:fillRect/>
+            </a:stretch>
+          </p:blipFill>
+          <p:spPr>
+            <a:xfrm>
+              <a:off x="8416211" y="6441277"/>
+              <a:ext cx="962303" cy="361451"/>
+            </a:xfrm>
+            <a:prstGeom prst="rect">
+              <a:avLst/>
+            </a:prstGeom>
+          </p:spPr>
+        </p:pic>
+        <p:sp>
+          <p:nvSpPr>
+            <p:cNvPr id="153" name="TextBox 152"/>
+            <p:cNvSpPr txBox="1"/>
+            <p:nvPr/>
+          </p:nvSpPr>
+          <p:spPr>
+            <a:xfrm>
+              <a:off x="9350553" y="6344434"/>
+              <a:ext cx="700833" cy="369460"/>
+            </a:xfrm>
+            <a:prstGeom prst="rect">
+              <a:avLst/>
+            </a:prstGeom>
+            <a:noFill/>
+          </p:spPr>
+          <p:txBody>
+            <a:bodyPr wrap="none" rtlCol="0">
+              <a:spAutoFit/>
+            </a:bodyPr>
+            <a:lstStyle/>
+            <a:p>
+              <a:r>
+                <a:rPr lang="en-US" sz="1801" b="1" i="1" dirty="0"/>
+                <a:t>cloud</a:t>
+              </a:r>
+            </a:p>
+          </p:txBody>
+        </p:sp>
+      </p:grpSp>
+      <p:cxnSp>
+        <p:nvCxnSpPr>
+          <p:cNvPr id="41" name="Elbow Connector 40"/>
+          <p:cNvCxnSpPr>
+            <a:stCxn id="45" idx="0"/>
+            <a:endCxn id="5" idx="2"/>
+          </p:cNvCxnSpPr>
+          <p:nvPr/>
+        </p:nvCxnSpPr>
+        <p:spPr>
+          <a:xfrm rot="5400000">
+            <a:off x="3848910" y="3173222"/>
+            <a:ext cx="3974843" cy="2032444"/>
+          </a:xfrm>
+          <a:prstGeom prst="bentConnector5">
+            <a:avLst>
+              <a:gd name="adj1" fmla="val 35005"/>
+              <a:gd name="adj2" fmla="val -43878"/>
+              <a:gd name="adj3" fmla="val 108803"/>
+            </a:avLst>
+          </a:prstGeom>
+          <a:ln w="44450">
+            <a:solidFill>
+              <a:schemeClr val="accent2"/>
+            </a:solidFill>
+            <a:headEnd type="triangle"/>
+            <a:tailEnd type="none"/>
+          </a:ln>
+        </p:spPr>
+        <p:style>
+          <a:lnRef idx="1">
+            <a:schemeClr val="accent1"/>
+          </a:lnRef>
+          <a:fillRef idx="0">
+            <a:schemeClr val="accent1"/>
+          </a:fillRef>
+          <a:effectRef idx="0">
+            <a:schemeClr val="accent1"/>
+          </a:effectRef>
+          <a:fontRef idx="minor">
+            <a:schemeClr val="tx1"/>
+          </a:fontRef>
+        </p:style>
+      </p:cxnSp>
+    </p:spTree>
+    <p:extLst>
+      <p:ext uri="{BB962C8B-B14F-4D97-AF65-F5344CB8AC3E}">
+        <p14:creationId xmlns:p14="http://schemas.microsoft.com/office/powerpoint/2010/main" val="2407780966"/>
+      </p:ext>
+    </p:extLst>
+  </p:cSld>
+  <p:clrMapOvr>
+    <a:masterClrMapping/>
+  </p:clrMapOvr>
+  <p:timing>
+    <p:tnLst>
+      <p:par>
+        <p:cTn id="1" dur="indefinite" restart="never" nodeType="tmRoot"/>
+      </p:par>
+    </p:tnLst>
+  </p:timing>
+</p:sld>
+</file>
+
+<file path=ppt/slides/slide6.xml><?xml version="1.0" encoding="utf-8"?>
+<p:sld xmlns:a="http://schemas.openxmlformats.org/drawingml/2006/main" xmlns:r="http://schemas.openxmlformats.org/officeDocument/2006/relationships" xmlns:p="http://schemas.openxmlformats.org/presentationml/2006/main">
+  <p:cSld>
+    <p:spTree>
+      <p:nvGrpSpPr>
+        <p:cNvPr id="1" name=""/>
+        <p:cNvGrpSpPr/>
+        <p:nvPr/>
+      </p:nvGrpSpPr>
+      <p:grpSpPr>
+        <a:xfrm>
+          <a:off x="0" y="0"/>
+          <a:ext cx="0" cy="0"/>
+          <a:chOff x="0" y="0"/>
+          <a:chExt cx="0" cy="0"/>
+        </a:xfrm>
+      </p:grpSpPr>
+      <p:sp>
+        <p:nvSpPr>
+          <p:cNvPr id="94" name="Rounded Rectangle 93"/>
+          <p:cNvSpPr/>
+          <p:nvPr/>
+        </p:nvSpPr>
+        <p:spPr>
+          <a:xfrm>
+            <a:off x="7223764" y="1776621"/>
+            <a:ext cx="4432482" cy="1124782"/>
+          </a:xfrm>
+          <a:prstGeom prst="roundRect">
+            <a:avLst/>
+          </a:prstGeom>
+          <a:solidFill>
+            <a:schemeClr val="bg1"/>
+          </a:solidFill>
+          <a:ln w="38100">
+            <a:solidFill>
+              <a:schemeClr val="tx1"/>
+            </a:solidFill>
+            <a:prstDash val="dash"/>
+          </a:ln>
+        </p:spPr>
+        <p:style>
+          <a:lnRef idx="2">
+            <a:schemeClr val="accent1">
+              <a:shade val="50000"/>
+            </a:schemeClr>
+          </a:lnRef>
+          <a:fillRef idx="1">
+            <a:schemeClr val="accent1"/>
+          </a:fillRef>
+          <a:effectRef idx="0">
+            <a:schemeClr val="accent1"/>
+          </a:effectRef>
+          <a:fontRef idx="minor">
+            <a:schemeClr val="lt1"/>
+          </a:fontRef>
+        </p:style>
+        <p:txBody>
+          <a:bodyPr rtlCol="0" anchor="ctr"/>
+          <a:lstStyle/>
+          <a:p>
+            <a:pPr algn="ctr"/>
+            <a:endParaRPr lang="en-US" sz="1801"/>
+          </a:p>
+        </p:txBody>
+      </p:sp>
+      <p:grpSp>
+        <p:nvGrpSpPr>
+          <p:cNvPr id="13" name="Group 12"/>
+          <p:cNvGrpSpPr/>
+          <p:nvPr/>
+        </p:nvGrpSpPr>
+        <p:grpSpPr>
+          <a:xfrm>
+            <a:off x="271848" y="5533132"/>
+            <a:ext cx="1316258" cy="985135"/>
+            <a:chOff x="345122" y="4009133"/>
+            <a:chExt cx="1316258" cy="766976"/>
+          </a:xfrm>
+        </p:grpSpPr>
+        <p:sp useBgFill="1">
+          <p:nvSpPr>
+            <p:cNvPr id="12" name="Rounded Rectangle 11"/>
+            <p:cNvSpPr/>
+            <p:nvPr/>
+          </p:nvSpPr>
+          <p:spPr>
+            <a:xfrm>
+              <a:off x="345714" y="4039320"/>
+              <a:ext cx="1299783" cy="736789"/>
+            </a:xfrm>
+            <a:prstGeom prst="roundRect">
+              <a:avLst/>
+            </a:prstGeom>
+            <a:ln w="31750">
+              <a:solidFill>
+                <a:schemeClr val="accent6">
+                  <a:lumMod val="75000"/>
+                </a:schemeClr>
+              </a:solidFill>
+            </a:ln>
+          </p:spPr>
+          <p:style>
+            <a:lnRef idx="2">
+              <a:schemeClr val="accent1">
+                <a:shade val="50000"/>
+              </a:schemeClr>
+            </a:lnRef>
+            <a:fillRef idx="1">
+              <a:schemeClr val="accent1"/>
+            </a:fillRef>
+            <a:effectRef idx="0">
+              <a:schemeClr val="accent1"/>
+            </a:effectRef>
+            <a:fontRef idx="minor">
+              <a:schemeClr val="lt1"/>
+            </a:fontRef>
+          </p:style>
+          <p:txBody>
+            <a:bodyPr rtlCol="0" anchor="ctr"/>
+            <a:lstStyle/>
+            <a:p>
+              <a:pPr algn="ctr"/>
+              <a:endParaRPr lang="en-US" sz="1801" dirty="0"/>
+            </a:p>
+          </p:txBody>
+        </p:sp>
+        <p:pic>
+          <p:nvPicPr>
+            <p:cNvPr id="14" name="Picture 13"/>
+            <p:cNvPicPr>
+              <a:picLocks noChangeAspect="1"/>
+            </p:cNvPicPr>
+            <p:nvPr/>
+          </p:nvPicPr>
+          <p:blipFill>
+            <a:blip r:embed="rId2" cstate="print">
+              <a:extLst>
+                <a:ext uri="{28A0092B-C50C-407E-A947-70E740481C1C}">
+                  <a14:useLocalDpi xmlns:a14="http://schemas.microsoft.com/office/drawing/2010/main" val="0"/>
+                </a:ext>
+              </a:extLst>
+            </a:blip>
+            <a:stretch>
+              <a:fillRect/>
+            </a:stretch>
+          </p:blipFill>
+          <p:spPr>
+            <a:xfrm>
+              <a:off x="655746" y="4337258"/>
+              <a:ext cx="645581" cy="347052"/>
+            </a:xfrm>
+            <a:prstGeom prst="rect">
+              <a:avLst/>
+            </a:prstGeom>
+            <a:ln w="38100">
+              <a:solidFill>
+                <a:schemeClr val="accent1"/>
+              </a:solidFill>
+            </a:ln>
+            <a:effectLst>
+              <a:softEdge rad="25400"/>
+            </a:effectLst>
+          </p:spPr>
+        </p:pic>
+        <p:sp>
+          <p:nvSpPr>
+            <p:cNvPr id="15" name="TextBox 14"/>
+            <p:cNvSpPr txBox="1"/>
+            <p:nvPr/>
+          </p:nvSpPr>
+          <p:spPr>
+            <a:xfrm>
+              <a:off x="345122" y="4009133"/>
+              <a:ext cx="1316258" cy="369460"/>
+            </a:xfrm>
+            <a:prstGeom prst="rect">
+              <a:avLst/>
+            </a:prstGeom>
+            <a:noFill/>
+          </p:spPr>
+          <p:txBody>
+            <a:bodyPr wrap="none" rtlCol="0">
+              <a:spAutoFit/>
+            </a:bodyPr>
+            <a:lstStyle/>
+            <a:p>
+              <a:r>
+                <a:rPr lang="en-US" sz="1801" dirty="0" smtClean="0"/>
+                <a:t>Data Import</a:t>
+              </a:r>
+              <a:endParaRPr lang="en-US" sz="1801" dirty="0"/>
+            </a:p>
+          </p:txBody>
+        </p:sp>
+      </p:grpSp>
+      <p:sp>
+        <p:nvSpPr>
+          <p:cNvPr id="27" name="Rounded Rectangle 26"/>
+          <p:cNvSpPr/>
+          <p:nvPr/>
+        </p:nvSpPr>
+        <p:spPr>
+          <a:xfrm>
+            <a:off x="8742225" y="3435671"/>
+            <a:ext cx="2914022" cy="3048665"/>
+          </a:xfrm>
+          <a:prstGeom prst="roundRect">
+            <a:avLst/>
+          </a:prstGeom>
+          <a:solidFill>
+            <a:schemeClr val="bg1"/>
+          </a:solidFill>
+          <a:ln w="38100">
+            <a:solidFill>
+              <a:schemeClr val="tx1"/>
+            </a:solidFill>
+            <a:prstDash val="dash"/>
+          </a:ln>
+        </p:spPr>
+        <p:style>
+          <a:lnRef idx="2">
+            <a:schemeClr val="accent1">
+              <a:shade val="50000"/>
+            </a:schemeClr>
+          </a:lnRef>
+          <a:fillRef idx="1">
+            <a:schemeClr val="accent1"/>
+          </a:fillRef>
+          <a:effectRef idx="0">
+            <a:schemeClr val="accent1"/>
+          </a:effectRef>
+          <a:fontRef idx="minor">
+            <a:schemeClr val="lt1"/>
+          </a:fontRef>
+        </p:style>
+        <p:txBody>
+          <a:bodyPr rtlCol="0" anchor="ctr"/>
+          <a:lstStyle/>
+          <a:p>
+            <a:pPr algn="ctr"/>
+            <a:endParaRPr lang="en-US" sz="1801"/>
+          </a:p>
+        </p:txBody>
+      </p:sp>
+      <p:pic>
+        <p:nvPicPr>
+          <p:cNvPr id="32" name="Picture 31"/>
+          <p:cNvPicPr>
+            <a:picLocks noChangeAspect="1"/>
+          </p:cNvPicPr>
+          <p:nvPr/>
+        </p:nvPicPr>
+        <p:blipFill>
+          <a:blip r:embed="rId3" cstate="print">
+            <a:extLst>
+              <a:ext uri="{28A0092B-C50C-407E-A947-70E740481C1C}">
+                <a14:useLocalDpi xmlns:a14="http://schemas.microsoft.com/office/drawing/2010/main" val="0"/>
+              </a:ext>
+            </a:extLst>
+          </a:blip>
+          <a:stretch>
+            <a:fillRect/>
+          </a:stretch>
+        </p:blipFill>
+        <p:spPr>
+          <a:xfrm>
+            <a:off x="9046761" y="4607115"/>
+            <a:ext cx="786487" cy="694048"/>
+          </a:xfrm>
+          <a:prstGeom prst="rect">
+            <a:avLst/>
+          </a:prstGeom>
+          <a:ln w="38100">
+            <a:solidFill>
+              <a:schemeClr val="accent1"/>
+            </a:solidFill>
+          </a:ln>
+          <a:effectLst>
+            <a:softEdge rad="25400"/>
+          </a:effectLst>
+        </p:spPr>
+      </p:pic>
+      <p:grpSp>
+        <p:nvGrpSpPr>
+          <p:cNvPr id="85" name="Group 84"/>
+          <p:cNvGrpSpPr/>
+          <p:nvPr/>
+        </p:nvGrpSpPr>
+        <p:grpSpPr>
+          <a:xfrm>
+            <a:off x="8940278" y="5610923"/>
+            <a:ext cx="1079589" cy="549388"/>
+            <a:chOff x="8884292" y="5844198"/>
+            <a:chExt cx="1079589" cy="549388"/>
+          </a:xfrm>
+        </p:grpSpPr>
+        <p:sp>
+          <p:nvSpPr>
+            <p:cNvPr id="45" name="Trapezoid 44"/>
+            <p:cNvSpPr/>
+            <p:nvPr/>
+          </p:nvSpPr>
+          <p:spPr>
+            <a:xfrm rot="10800000">
+              <a:off x="8884292" y="5844198"/>
+              <a:ext cx="1079589" cy="549388"/>
+            </a:xfrm>
+            <a:prstGeom prst="trapezoid">
+              <a:avLst>
+                <a:gd name="adj" fmla="val 64264"/>
+              </a:avLst>
+            </a:prstGeom>
+            <a:solidFill>
+              <a:schemeClr val="bg1"/>
+            </a:solidFill>
+            <a:ln w="28575">
+              <a:solidFill>
+                <a:srgbClr val="FF0000"/>
+              </a:solidFill>
+              <a:prstDash val="solid"/>
+            </a:ln>
+          </p:spPr>
+          <p:style>
+            <a:lnRef idx="2">
+              <a:schemeClr val="accent1">
+                <a:shade val="50000"/>
+              </a:schemeClr>
+            </a:lnRef>
+            <a:fillRef idx="1">
+              <a:schemeClr val="accent1"/>
+            </a:fillRef>
+            <a:effectRef idx="0">
+              <a:schemeClr val="accent1"/>
+            </a:effectRef>
+            <a:fontRef idx="minor">
+              <a:schemeClr val="lt1"/>
+            </a:fontRef>
+          </p:style>
+          <p:txBody>
+            <a:bodyPr rtlCol="0" anchor="ctr"/>
+            <a:lstStyle/>
+            <a:p>
+              <a:pPr algn="ctr"/>
+              <a:endParaRPr lang="en-US" sz="1801" dirty="0">
+                <a:solidFill>
+                  <a:schemeClr val="tx1"/>
+                </a:solidFill>
+              </a:endParaRPr>
+            </a:p>
+          </p:txBody>
+        </p:sp>
+        <p:sp>
+          <p:nvSpPr>
+            <p:cNvPr id="46" name="TextBox 45"/>
+            <p:cNvSpPr txBox="1"/>
+            <p:nvPr/>
+          </p:nvSpPr>
+          <p:spPr>
+            <a:xfrm>
+              <a:off x="9108754" y="5935852"/>
+              <a:ext cx="585738" cy="328302"/>
+            </a:xfrm>
+            <a:prstGeom prst="rect">
+              <a:avLst/>
+            </a:prstGeom>
+            <a:noFill/>
+          </p:spPr>
+          <p:txBody>
+            <a:bodyPr wrap="none" rtlCol="0">
+              <a:spAutoFit/>
+            </a:bodyPr>
+            <a:lstStyle/>
+            <a:p>
+              <a:r>
+                <a:rPr lang="en-US" sz="2000" b="1" i="1" dirty="0"/>
+                <a:t>NFS</a:t>
+              </a:r>
+            </a:p>
+          </p:txBody>
+        </p:sp>
+      </p:grpSp>
+      <p:grpSp>
+        <p:nvGrpSpPr>
+          <p:cNvPr id="111" name="Group 110"/>
+          <p:cNvGrpSpPr/>
+          <p:nvPr/>
+        </p:nvGrpSpPr>
+        <p:grpSpPr>
+          <a:xfrm>
+            <a:off x="8906868" y="3750067"/>
+            <a:ext cx="1503049" cy="584262"/>
+            <a:chOff x="8163311" y="4573036"/>
+            <a:chExt cx="1995625" cy="708170"/>
+          </a:xfrm>
+        </p:grpSpPr>
+        <p:sp>
+          <p:nvSpPr>
+            <p:cNvPr id="66" name="Rectangle 65"/>
+            <p:cNvSpPr/>
+            <p:nvPr/>
+          </p:nvSpPr>
+          <p:spPr>
+            <a:xfrm>
+              <a:off x="8163311" y="4573036"/>
+              <a:ext cx="1995625" cy="708170"/>
+            </a:xfrm>
+            <a:prstGeom prst="rect">
+              <a:avLst/>
+            </a:prstGeom>
+            <a:solidFill>
+              <a:schemeClr val="bg1"/>
+            </a:solidFill>
+            <a:ln w="57150">
+              <a:solidFill>
+                <a:srgbClr val="7030A0"/>
+              </a:solidFill>
+            </a:ln>
+          </p:spPr>
+          <p:style>
+            <a:lnRef idx="2">
+              <a:schemeClr val="accent1">
+                <a:shade val="50000"/>
+              </a:schemeClr>
+            </a:lnRef>
+            <a:fillRef idx="1">
+              <a:schemeClr val="accent1"/>
+            </a:fillRef>
+            <a:effectRef idx="0">
+              <a:schemeClr val="accent1"/>
+            </a:effectRef>
+            <a:fontRef idx="minor">
+              <a:schemeClr val="lt1"/>
+            </a:fontRef>
+          </p:style>
+          <p:txBody>
+            <a:bodyPr rtlCol="0" anchor="ctr"/>
+            <a:lstStyle/>
+            <a:p>
+              <a:pPr algn="ctr"/>
+              <a:endParaRPr lang="en-US" sz="1801"/>
+            </a:p>
+          </p:txBody>
+        </p:sp>
+        <p:pic>
+          <p:nvPicPr>
+            <p:cNvPr id="65" name="Picture 64"/>
+            <p:cNvPicPr>
+              <a:picLocks noChangeAspect="1"/>
+            </p:cNvPicPr>
+            <p:nvPr/>
+          </p:nvPicPr>
+          <p:blipFill>
+            <a:blip r:embed="rId4" cstate="print">
+              <a:extLst>
+                <a:ext uri="{28A0092B-C50C-407E-A947-70E740481C1C}">
+                  <a14:useLocalDpi xmlns:a14="http://schemas.microsoft.com/office/drawing/2010/main" val="0"/>
+                </a:ext>
+              </a:extLst>
+            </a:blip>
+            <a:stretch>
+              <a:fillRect/>
+            </a:stretch>
+          </p:blipFill>
+          <p:spPr>
+            <a:xfrm>
+              <a:off x="8452233" y="4712266"/>
+              <a:ext cx="1417782" cy="429711"/>
+            </a:xfrm>
+            <a:prstGeom prst="rect">
+              <a:avLst/>
+            </a:prstGeom>
+            <a:solidFill>
+              <a:schemeClr val="bg1"/>
+            </a:solidFill>
+          </p:spPr>
+        </p:pic>
+      </p:grpSp>
+      <p:grpSp>
+        <p:nvGrpSpPr>
+          <p:cNvPr id="10" name="Group 9"/>
+          <p:cNvGrpSpPr/>
+          <p:nvPr/>
+        </p:nvGrpSpPr>
+        <p:grpSpPr>
+          <a:xfrm>
+            <a:off x="3171592" y="3370680"/>
+            <a:ext cx="4921603" cy="3381526"/>
+            <a:chOff x="1767521" y="3417031"/>
+            <a:chExt cx="4921603" cy="3381526"/>
+          </a:xfrm>
+        </p:grpSpPr>
+        <p:sp>
+          <p:nvSpPr>
+            <p:cNvPr id="77" name="Rectangle 76"/>
+            <p:cNvSpPr/>
+            <p:nvPr/>
+          </p:nvSpPr>
+          <p:spPr>
+            <a:xfrm>
+              <a:off x="1767521" y="3417031"/>
+              <a:ext cx="4921603" cy="3381526"/>
+            </a:xfrm>
+            <a:prstGeom prst="rect">
+              <a:avLst/>
+            </a:prstGeom>
+            <a:solidFill>
+              <a:schemeClr val="bg1"/>
+            </a:solidFill>
+            <a:ln w="57150">
+              <a:solidFill>
+                <a:schemeClr val="accent1"/>
+              </a:solidFill>
+            </a:ln>
+          </p:spPr>
+          <p:style>
+            <a:lnRef idx="2">
+              <a:schemeClr val="accent1">
+                <a:shade val="50000"/>
+              </a:schemeClr>
+            </a:lnRef>
+            <a:fillRef idx="1">
+              <a:schemeClr val="accent1"/>
+            </a:fillRef>
+            <a:effectRef idx="0">
+              <a:schemeClr val="accent1"/>
+            </a:effectRef>
+            <a:fontRef idx="minor">
+              <a:schemeClr val="lt1"/>
+            </a:fontRef>
+          </p:style>
+          <p:txBody>
+            <a:bodyPr rtlCol="0" anchor="ctr"/>
+            <a:lstStyle/>
+            <a:p>
+              <a:pPr algn="ctr"/>
+              <a:endParaRPr lang="en-US" sz="1801"/>
+            </a:p>
+          </p:txBody>
+        </p:sp>
+        <p:pic>
+          <p:nvPicPr>
+            <p:cNvPr id="5" name="Picture 4"/>
+            <p:cNvPicPr>
+              <a:picLocks noChangeAspect="1"/>
+            </p:cNvPicPr>
+            <p:nvPr/>
+          </p:nvPicPr>
+          <p:blipFill>
+            <a:blip r:embed="rId5">
+              <a:extLst>
+                <a:ext uri="{28A0092B-C50C-407E-A947-70E740481C1C}">
+                  <a14:useLocalDpi xmlns:a14="http://schemas.microsoft.com/office/drawing/2010/main" val="0"/>
+                </a:ext>
+              </a:extLst>
+            </a:blip>
+            <a:stretch>
+              <a:fillRect/>
+            </a:stretch>
+          </p:blipFill>
+          <p:spPr>
+            <a:xfrm>
+              <a:off x="2139504" y="3703534"/>
+              <a:ext cx="4355345" cy="2473332"/>
+            </a:xfrm>
+            <a:prstGeom prst="rect">
+              <a:avLst/>
+            </a:prstGeom>
+          </p:spPr>
+        </p:pic>
+        <p:sp>
+          <p:nvSpPr>
+            <p:cNvPr id="116" name="TextBox 115"/>
+            <p:cNvSpPr txBox="1"/>
+            <p:nvPr/>
+          </p:nvSpPr>
+          <p:spPr>
+            <a:xfrm>
+              <a:off x="1986647" y="6345236"/>
+              <a:ext cx="1287532" cy="369460"/>
+            </a:xfrm>
+            <a:prstGeom prst="rect">
+              <a:avLst/>
+            </a:prstGeom>
+            <a:noFill/>
+          </p:spPr>
+          <p:txBody>
+            <a:bodyPr wrap="none" rtlCol="0">
+              <a:spAutoFit/>
+            </a:bodyPr>
+            <a:lstStyle/>
+            <a:p>
+              <a:r>
+                <a:rPr lang="en-US" sz="1801" b="1" i="1" dirty="0">
+                  <a:solidFill>
+                    <a:srgbClr val="0070C0"/>
+                  </a:solidFill>
+                </a:rPr>
+                <a:t>Hadoop 2.0</a:t>
+              </a:r>
+            </a:p>
+          </p:txBody>
+        </p:sp>
+      </p:grpSp>
+      <p:sp>
+        <p:nvSpPr>
+          <p:cNvPr id="117" name="Rounded Rectangle 116"/>
+          <p:cNvSpPr/>
+          <p:nvPr/>
+        </p:nvSpPr>
+        <p:spPr>
+          <a:xfrm>
+            <a:off x="738368" y="865857"/>
+            <a:ext cx="5685085" cy="2035545"/>
+          </a:xfrm>
+          <a:prstGeom prst="roundRect">
+            <a:avLst/>
+          </a:prstGeom>
+          <a:solidFill>
+            <a:schemeClr val="bg1"/>
+          </a:solidFill>
+          <a:ln w="38100">
+            <a:solidFill>
+              <a:schemeClr val="tx1"/>
+            </a:solidFill>
+            <a:prstDash val="dash"/>
+          </a:ln>
+        </p:spPr>
+        <p:style>
+          <a:lnRef idx="2">
+            <a:schemeClr val="accent1">
+              <a:shade val="50000"/>
+            </a:schemeClr>
+          </a:lnRef>
+          <a:fillRef idx="1">
+            <a:schemeClr val="accent1"/>
+          </a:fillRef>
+          <a:effectRef idx="0">
+            <a:schemeClr val="accent1"/>
+          </a:effectRef>
+          <a:fontRef idx="minor">
+            <a:schemeClr val="lt1"/>
+          </a:fontRef>
+        </p:style>
+        <p:txBody>
+          <a:bodyPr rtlCol="0" anchor="ctr"/>
+          <a:lstStyle/>
+          <a:p>
+            <a:pPr algn="ctr"/>
+            <a:endParaRPr lang="en-US" sz="1801"/>
+          </a:p>
+        </p:txBody>
+      </p:sp>
+      <p:sp>
+        <p:nvSpPr>
+          <p:cNvPr id="106" name="Rounded Rectangle 105"/>
+          <p:cNvSpPr/>
+          <p:nvPr/>
+        </p:nvSpPr>
+        <p:spPr>
+          <a:xfrm>
+            <a:off x="3675736" y="2202601"/>
+            <a:ext cx="1054359" cy="361012"/>
+          </a:xfrm>
+          <a:prstGeom prst="roundRect">
+            <a:avLst/>
+          </a:prstGeom>
+          <a:solidFill>
+            <a:schemeClr val="bg1"/>
+          </a:solidFill>
+          <a:ln w="31750">
+            <a:solidFill>
+              <a:schemeClr val="accent6">
+                <a:lumMod val="75000"/>
+              </a:schemeClr>
+            </a:solidFill>
+          </a:ln>
+        </p:spPr>
+        <p:style>
+          <a:lnRef idx="2">
+            <a:schemeClr val="accent1">
+              <a:shade val="50000"/>
+            </a:schemeClr>
+          </a:lnRef>
+          <a:fillRef idx="1">
+            <a:schemeClr val="accent1"/>
+          </a:fillRef>
+          <a:effectRef idx="0">
+            <a:schemeClr val="accent1"/>
+          </a:effectRef>
+          <a:fontRef idx="minor">
+            <a:schemeClr val="lt1"/>
+          </a:fontRef>
+        </p:style>
+        <p:txBody>
+          <a:bodyPr rtlCol="0" anchor="ctr"/>
+          <a:lstStyle/>
+          <a:p>
+            <a:pPr algn="ctr"/>
+            <a:r>
+              <a:rPr lang="en-US" sz="1401" b="1" i="1" dirty="0" err="1">
+                <a:solidFill>
+                  <a:schemeClr val="tx1"/>
+                </a:solidFill>
+              </a:rPr>
+              <a:t>MRDocker</a:t>
+            </a:r>
+            <a:endParaRPr lang="en-US" sz="1401" b="1" i="1" dirty="0">
+              <a:solidFill>
+                <a:schemeClr val="tx1"/>
+              </a:solidFill>
+            </a:endParaRPr>
+          </a:p>
+        </p:txBody>
+      </p:sp>
+      <p:sp>
+        <p:nvSpPr>
+          <p:cNvPr id="108" name="Rounded Rectangle 107"/>
+          <p:cNvSpPr/>
+          <p:nvPr/>
+        </p:nvSpPr>
+        <p:spPr>
+          <a:xfrm>
+            <a:off x="4898906" y="2221263"/>
+            <a:ext cx="1054359" cy="346213"/>
+          </a:xfrm>
+          <a:prstGeom prst="roundRect">
+            <a:avLst/>
+          </a:prstGeom>
+          <a:solidFill>
+            <a:schemeClr val="bg1"/>
+          </a:solidFill>
+          <a:ln w="31750">
+            <a:solidFill>
+              <a:schemeClr val="accent4"/>
+            </a:solidFill>
+            <a:prstDash val="solid"/>
+          </a:ln>
+        </p:spPr>
+        <p:style>
+          <a:lnRef idx="2">
+            <a:schemeClr val="accent1">
+              <a:shade val="50000"/>
+            </a:schemeClr>
+          </a:lnRef>
+          <a:fillRef idx="1">
+            <a:schemeClr val="accent1"/>
+          </a:fillRef>
+          <a:effectRef idx="0">
+            <a:schemeClr val="accent1"/>
+          </a:effectRef>
+          <a:fontRef idx="minor">
+            <a:schemeClr val="lt1"/>
+          </a:fontRef>
+        </p:style>
+        <p:txBody>
+          <a:bodyPr rtlCol="0" anchor="ctr"/>
+          <a:lstStyle/>
+          <a:p>
+            <a:pPr algn="ctr"/>
+            <a:r>
+              <a:rPr lang="en-US" sz="1401" b="1" i="1" dirty="0" err="1">
+                <a:solidFill>
+                  <a:schemeClr val="tx1"/>
+                </a:solidFill>
+              </a:rPr>
+              <a:t>SprDocker</a:t>
+            </a:r>
+            <a:endParaRPr lang="en-US" sz="1401" b="1" i="1" dirty="0">
+              <a:solidFill>
+                <a:schemeClr val="tx1"/>
+              </a:solidFill>
+            </a:endParaRPr>
+          </a:p>
+        </p:txBody>
+      </p:sp>
+      <p:sp>
+        <p:nvSpPr>
+          <p:cNvPr id="123" name="Trapezoid 122"/>
+          <p:cNvSpPr/>
+          <p:nvPr/>
+        </p:nvSpPr>
+        <p:spPr>
+          <a:xfrm>
+            <a:off x="3471803" y="2138671"/>
+            <a:ext cx="2679802" cy="549388"/>
+          </a:xfrm>
+          <a:prstGeom prst="trapezoid">
+            <a:avLst/>
+          </a:prstGeom>
+          <a:noFill/>
+          <a:ln w="28575">
+            <a:solidFill>
+              <a:schemeClr val="tx1"/>
+            </a:solidFill>
+          </a:ln>
+        </p:spPr>
+        <p:style>
+          <a:lnRef idx="2">
+            <a:schemeClr val="accent1">
+              <a:shade val="50000"/>
+            </a:schemeClr>
+          </a:lnRef>
+          <a:fillRef idx="1">
+            <a:schemeClr val="accent1"/>
+          </a:fillRef>
+          <a:effectRef idx="0">
+            <a:schemeClr val="accent1"/>
+          </a:effectRef>
+          <a:fontRef idx="minor">
+            <a:schemeClr val="lt1"/>
+          </a:fontRef>
+        </p:style>
+        <p:txBody>
+          <a:bodyPr rtlCol="0" anchor="ctr"/>
+          <a:lstStyle/>
+          <a:p>
+            <a:pPr algn="ctr"/>
+            <a:endParaRPr lang="en-US" sz="1801"/>
+          </a:p>
+        </p:txBody>
+      </p:sp>
+      <p:pic>
+        <p:nvPicPr>
+          <p:cNvPr id="131" name="Picture 130"/>
+          <p:cNvPicPr>
+            <a:picLocks noChangeAspect="1"/>
+          </p:cNvPicPr>
+          <p:nvPr/>
+        </p:nvPicPr>
+        <p:blipFill>
+          <a:blip r:embed="rId3" cstate="print">
+            <a:extLst>
+              <a:ext uri="{28A0092B-C50C-407E-A947-70E740481C1C}">
+                <a14:useLocalDpi xmlns:a14="http://schemas.microsoft.com/office/drawing/2010/main" val="0"/>
+              </a:ext>
+            </a:extLst>
+          </a:blip>
+          <a:stretch>
+            <a:fillRect/>
+          </a:stretch>
+        </p:blipFill>
+        <p:spPr>
+          <a:xfrm>
+            <a:off x="3863911" y="1445451"/>
+            <a:ext cx="665509" cy="587289"/>
+          </a:xfrm>
+          <a:prstGeom prst="rect">
+            <a:avLst/>
+          </a:prstGeom>
+          <a:ln w="38100">
+            <a:solidFill>
+              <a:schemeClr val="accent1"/>
+            </a:solidFill>
+          </a:ln>
+          <a:effectLst>
+            <a:softEdge rad="25400"/>
+          </a:effectLst>
+        </p:spPr>
+      </p:pic>
+      <p:pic>
+        <p:nvPicPr>
+          <p:cNvPr id="132" name="Picture 131"/>
+          <p:cNvPicPr>
+            <a:picLocks noChangeAspect="1"/>
+          </p:cNvPicPr>
+          <p:nvPr/>
+        </p:nvPicPr>
+        <p:blipFill>
+          <a:blip r:embed="rId3" cstate="print">
+            <a:extLst>
+              <a:ext uri="{28A0092B-C50C-407E-A947-70E740481C1C}">
+                <a14:useLocalDpi xmlns:a14="http://schemas.microsoft.com/office/drawing/2010/main" val="0"/>
+              </a:ext>
+            </a:extLst>
+          </a:blip>
+          <a:stretch>
+            <a:fillRect/>
+          </a:stretch>
+        </p:blipFill>
+        <p:spPr>
+          <a:xfrm>
+            <a:off x="5076370" y="1445451"/>
+            <a:ext cx="665509" cy="587289"/>
+          </a:xfrm>
+          <a:prstGeom prst="rect">
+            <a:avLst/>
+          </a:prstGeom>
+          <a:ln w="38100">
+            <a:solidFill>
+              <a:schemeClr val="accent1"/>
+            </a:solidFill>
+          </a:ln>
+          <a:effectLst>
+            <a:softEdge rad="25400"/>
+          </a:effectLst>
+        </p:spPr>
+      </p:pic>
+      <p:sp>
+        <p:nvSpPr>
+          <p:cNvPr id="134" name="TextBox 133"/>
+          <p:cNvSpPr txBox="1"/>
+          <p:nvPr/>
+        </p:nvSpPr>
+        <p:spPr>
+          <a:xfrm>
+            <a:off x="3974463" y="944996"/>
+            <a:ext cx="1595180" cy="369460"/>
+          </a:xfrm>
+          <a:prstGeom prst="rect">
+            <a:avLst/>
+          </a:prstGeom>
+          <a:noFill/>
+        </p:spPr>
+        <p:txBody>
+          <a:bodyPr wrap="none" rtlCol="0">
+            <a:spAutoFit/>
+          </a:bodyPr>
+          <a:lstStyle/>
+          <a:p>
+            <a:r>
+              <a:rPr lang="en-US" sz="1801" b="1" i="1" dirty="0" smtClean="0"/>
+              <a:t>Docker Images</a:t>
+            </a:r>
+            <a:endParaRPr lang="en-US" sz="1801" b="1" i="1" dirty="0"/>
+          </a:p>
+        </p:txBody>
+      </p:sp>
+      <p:cxnSp>
+        <p:nvCxnSpPr>
+          <p:cNvPr id="107" name="Straight Arrow Connector 106"/>
+          <p:cNvCxnSpPr/>
+          <p:nvPr/>
+        </p:nvCxnSpPr>
+        <p:spPr>
+          <a:xfrm flipH="1">
+            <a:off x="4192456" y="2588491"/>
+            <a:ext cx="464" cy="1979995"/>
+          </a:xfrm>
+          <a:prstGeom prst="straightConnector1">
+            <a:avLst/>
+          </a:prstGeom>
+          <a:ln w="34925">
+            <a:solidFill>
+              <a:schemeClr val="accent6">
+                <a:lumMod val="75000"/>
+              </a:schemeClr>
+            </a:solidFill>
+            <a:tailEnd type="triangle"/>
+          </a:ln>
+        </p:spPr>
+        <p:style>
+          <a:lnRef idx="1">
+            <a:schemeClr val="accent1"/>
+          </a:lnRef>
+          <a:fillRef idx="0">
+            <a:schemeClr val="accent1"/>
+          </a:fillRef>
+          <a:effectRef idx="0">
+            <a:schemeClr val="accent1"/>
+          </a:effectRef>
+          <a:fontRef idx="minor">
+            <a:schemeClr val="tx1"/>
+          </a:fontRef>
+        </p:style>
+      </p:cxnSp>
+      <p:cxnSp>
+        <p:nvCxnSpPr>
+          <p:cNvPr id="109" name="Straight Arrow Connector 108"/>
+          <p:cNvCxnSpPr/>
+          <p:nvPr/>
+        </p:nvCxnSpPr>
+        <p:spPr>
+          <a:xfrm flipH="1">
+            <a:off x="5408642" y="2588490"/>
+            <a:ext cx="8763" cy="1967034"/>
+          </a:xfrm>
+          <a:prstGeom prst="straightConnector1">
+            <a:avLst/>
+          </a:prstGeom>
+          <a:ln w="34925">
+            <a:solidFill>
+              <a:schemeClr val="accent4"/>
+            </a:solidFill>
+            <a:prstDash val="solid"/>
+            <a:tailEnd type="triangle"/>
+          </a:ln>
+        </p:spPr>
+        <p:style>
+          <a:lnRef idx="1">
+            <a:schemeClr val="accent1"/>
+          </a:lnRef>
+          <a:fillRef idx="0">
+            <a:schemeClr val="accent1"/>
+          </a:fillRef>
+          <a:effectRef idx="0">
+            <a:schemeClr val="accent1"/>
+          </a:effectRef>
+          <a:fontRef idx="minor">
+            <a:schemeClr val="tx1"/>
+          </a:fontRef>
+        </p:style>
+      </p:cxnSp>
+      <p:cxnSp>
+        <p:nvCxnSpPr>
+          <p:cNvPr id="41" name="Elbow Connector 40"/>
+          <p:cNvCxnSpPr>
+            <a:stCxn id="27" idx="2"/>
+            <a:endCxn id="5" idx="2"/>
+          </p:cNvCxnSpPr>
+          <p:nvPr/>
+        </p:nvCxnSpPr>
+        <p:spPr>
+          <a:xfrm rot="5400000" flipH="1">
+            <a:off x="7783331" y="4068432"/>
+            <a:ext cx="353821" cy="4477988"/>
+          </a:xfrm>
+          <a:prstGeom prst="bentConnector3">
+            <a:avLst>
+              <a:gd name="adj1" fmla="val -64609"/>
+            </a:avLst>
+          </a:prstGeom>
+          <a:ln w="44450">
+            <a:solidFill>
+              <a:schemeClr val="accent2"/>
+            </a:solidFill>
+            <a:headEnd type="triangle"/>
+            <a:tailEnd type="none"/>
+          </a:ln>
+        </p:spPr>
+        <p:style>
+          <a:lnRef idx="1">
+            <a:schemeClr val="accent1"/>
+          </a:lnRef>
+          <a:fillRef idx="0">
+            <a:schemeClr val="accent1"/>
+          </a:fillRef>
+          <a:effectRef idx="0">
+            <a:schemeClr val="accent1"/>
+          </a:effectRef>
+          <a:fontRef idx="minor">
+            <a:schemeClr val="tx1"/>
+          </a:fontRef>
+        </p:style>
+      </p:cxnSp>
+      <p:sp useBgFill="1">
+        <p:nvSpPr>
+          <p:cNvPr id="56" name="Rounded Rectangle 55"/>
+          <p:cNvSpPr/>
+          <p:nvPr/>
+        </p:nvSpPr>
+        <p:spPr>
+          <a:xfrm>
+            <a:off x="10181188" y="5604190"/>
+            <a:ext cx="1299783" cy="736789"/>
+          </a:xfrm>
+          <a:prstGeom prst="roundRect">
+            <a:avLst/>
+          </a:prstGeom>
+          <a:ln w="31750">
+            <a:solidFill>
+              <a:srgbClr val="FF0000"/>
+            </a:solidFill>
+          </a:ln>
+        </p:spPr>
+        <p:style>
+          <a:lnRef idx="2">
+            <a:schemeClr val="accent1">
+              <a:shade val="50000"/>
+            </a:schemeClr>
+          </a:lnRef>
+          <a:fillRef idx="1">
+            <a:schemeClr val="accent1"/>
+          </a:fillRef>
+          <a:effectRef idx="0">
+            <a:schemeClr val="accent1"/>
+          </a:effectRef>
+          <a:fontRef idx="minor">
+            <a:schemeClr val="lt1"/>
+          </a:fontRef>
+        </p:style>
+        <p:txBody>
+          <a:bodyPr rtlCol="0" anchor="ctr"/>
+          <a:lstStyle/>
+          <a:p>
+            <a:pPr algn="ctr"/>
+            <a:endParaRPr lang="en-US" sz="1801" dirty="0"/>
+          </a:p>
+        </p:txBody>
+      </p:sp>
+      <p:pic>
+        <p:nvPicPr>
+          <p:cNvPr id="57" name="Picture 56"/>
+          <p:cNvPicPr>
+            <a:picLocks noChangeAspect="1"/>
+          </p:cNvPicPr>
+          <p:nvPr/>
+        </p:nvPicPr>
+        <p:blipFill>
+          <a:blip r:embed="rId6" cstate="print">
+            <a:extLst>
+              <a:ext uri="{28A0092B-C50C-407E-A947-70E740481C1C}">
+                <a14:useLocalDpi xmlns:a14="http://schemas.microsoft.com/office/drawing/2010/main" val="0"/>
+              </a:ext>
+            </a:extLst>
+          </a:blip>
+          <a:stretch>
+            <a:fillRect/>
+          </a:stretch>
+        </p:blipFill>
+        <p:spPr>
+          <a:xfrm>
+            <a:off x="10565867" y="5902128"/>
+            <a:ext cx="645581" cy="347052"/>
+          </a:xfrm>
+          <a:prstGeom prst="rect">
+            <a:avLst/>
+          </a:prstGeom>
+          <a:ln w="38100">
+            <a:solidFill>
+              <a:schemeClr val="accent1"/>
+            </a:solidFill>
+          </a:ln>
+          <a:effectLst>
+            <a:softEdge rad="25400"/>
+          </a:effectLst>
+        </p:spPr>
+      </p:pic>
+      <p:sp>
+        <p:nvSpPr>
+          <p:cNvPr id="58" name="TextBox 57"/>
+          <p:cNvSpPr txBox="1"/>
+          <p:nvPr/>
+        </p:nvSpPr>
+        <p:spPr>
+          <a:xfrm>
+            <a:off x="10255243" y="5574003"/>
+            <a:ext cx="1285801" cy="369460"/>
+          </a:xfrm>
+          <a:prstGeom prst="rect">
+            <a:avLst/>
+          </a:prstGeom>
+          <a:noFill/>
+        </p:spPr>
+        <p:txBody>
+          <a:bodyPr wrap="none" rtlCol="0">
+            <a:spAutoFit/>
+          </a:bodyPr>
+          <a:lstStyle/>
+          <a:p>
+            <a:r>
+              <a:rPr lang="en-US" sz="1801" dirty="0" smtClean="0"/>
+              <a:t>Data Export</a:t>
+            </a:r>
+            <a:endParaRPr lang="en-US" sz="1801" dirty="0"/>
+          </a:p>
+        </p:txBody>
+      </p:sp>
+      <p:sp>
+        <p:nvSpPr>
+          <p:cNvPr id="18" name="Trapezoid 17"/>
+          <p:cNvSpPr/>
+          <p:nvPr/>
+        </p:nvSpPr>
+        <p:spPr>
+          <a:xfrm rot="10800000">
+            <a:off x="94789" y="4520289"/>
+            <a:ext cx="1644525" cy="1029319"/>
+          </a:xfrm>
+          <a:prstGeom prst="trapezoid">
+            <a:avLst>
+              <a:gd name="adj" fmla="val 33777"/>
+            </a:avLst>
+          </a:prstGeom>
+          <a:solidFill>
+            <a:schemeClr val="bg1"/>
+          </a:solidFill>
+          <a:ln w="38100">
+            <a:solidFill>
+              <a:schemeClr val="accent6">
+                <a:lumMod val="75000"/>
+              </a:schemeClr>
+            </a:solidFill>
+          </a:ln>
+        </p:spPr>
+        <p:style>
+          <a:lnRef idx="2">
+            <a:schemeClr val="accent1">
+              <a:shade val="50000"/>
+            </a:schemeClr>
+          </a:lnRef>
+          <a:fillRef idx="1">
+            <a:schemeClr val="accent1"/>
+          </a:fillRef>
+          <a:effectRef idx="0">
+            <a:schemeClr val="accent1"/>
+          </a:effectRef>
+          <a:fontRef idx="minor">
+            <a:schemeClr val="lt1"/>
+          </a:fontRef>
+        </p:style>
+        <p:txBody>
+          <a:bodyPr rtlCol="0" anchor="ctr"/>
+          <a:lstStyle/>
+          <a:p>
+            <a:pPr algn="ctr"/>
+            <a:endParaRPr lang="en-US"/>
+          </a:p>
+        </p:txBody>
+      </p:sp>
+      <p:cxnSp>
+        <p:nvCxnSpPr>
+          <p:cNvPr id="21" name="Straight Arrow Connector 20"/>
+          <p:cNvCxnSpPr/>
+          <p:nvPr/>
+        </p:nvCxnSpPr>
+        <p:spPr>
+          <a:xfrm>
+            <a:off x="1569785" y="5902593"/>
+            <a:ext cx="2044566" cy="0"/>
+          </a:xfrm>
+          <a:prstGeom prst="straightConnector1">
+            <a:avLst/>
+          </a:prstGeom>
+          <a:ln w="57150">
+            <a:solidFill>
+              <a:schemeClr val="accent6">
+                <a:lumMod val="75000"/>
+              </a:schemeClr>
+            </a:solidFill>
+            <a:tailEnd type="triangle"/>
+          </a:ln>
+        </p:spPr>
+        <p:style>
+          <a:lnRef idx="1">
+            <a:schemeClr val="accent1"/>
+          </a:lnRef>
+          <a:fillRef idx="0">
+            <a:schemeClr val="accent1"/>
+          </a:fillRef>
+          <a:effectRef idx="0">
+            <a:schemeClr val="accent1"/>
+          </a:effectRef>
+          <a:fontRef idx="minor">
+            <a:schemeClr val="tx1"/>
+          </a:fontRef>
+        </p:style>
+      </p:cxnSp>
+      <p:sp>
+        <p:nvSpPr>
+          <p:cNvPr id="22" name="TextBox 21"/>
+          <p:cNvSpPr txBox="1"/>
+          <p:nvPr/>
+        </p:nvSpPr>
+        <p:spPr>
+          <a:xfrm>
+            <a:off x="438602" y="4509755"/>
+            <a:ext cx="542264" cy="400110"/>
+          </a:xfrm>
+          <a:prstGeom prst="rect">
+            <a:avLst/>
+          </a:prstGeom>
+          <a:noFill/>
+        </p:spPr>
+        <p:txBody>
+          <a:bodyPr wrap="none" rtlCol="0">
+            <a:spAutoFit/>
+          </a:bodyPr>
+          <a:lstStyle/>
+          <a:p>
+            <a:r>
+              <a:rPr lang="en-US" sz="2000" b="1" i="1" dirty="0" smtClean="0"/>
+              <a:t>.txt</a:t>
+            </a:r>
+            <a:endParaRPr lang="en-US" sz="2000" b="1" i="1" dirty="0"/>
+          </a:p>
+        </p:txBody>
+      </p:sp>
+      <p:sp>
+        <p:nvSpPr>
+          <p:cNvPr id="63" name="TextBox 62"/>
+          <p:cNvSpPr txBox="1"/>
+          <p:nvPr/>
+        </p:nvSpPr>
+        <p:spPr>
+          <a:xfrm>
+            <a:off x="817695" y="4827306"/>
+            <a:ext cx="623889" cy="400110"/>
+          </a:xfrm>
+          <a:prstGeom prst="rect">
+            <a:avLst/>
+          </a:prstGeom>
+          <a:noFill/>
+        </p:spPr>
+        <p:txBody>
+          <a:bodyPr wrap="none" rtlCol="0">
+            <a:spAutoFit/>
+          </a:bodyPr>
+          <a:lstStyle/>
+          <a:p>
+            <a:r>
+              <a:rPr lang="en-US" sz="2000" b="1" i="1" dirty="0" smtClean="0"/>
+              <a:t>.</a:t>
+            </a:r>
+            <a:r>
+              <a:rPr lang="en-US" sz="2000" b="1" i="1" dirty="0" err="1" smtClean="0"/>
+              <a:t>shp</a:t>
+            </a:r>
+            <a:endParaRPr lang="en-US" sz="2000" b="1" i="1" dirty="0"/>
+          </a:p>
+        </p:txBody>
+      </p:sp>
+      <p:sp>
+        <p:nvSpPr>
+          <p:cNvPr id="64" name="TextBox 63"/>
+          <p:cNvSpPr txBox="1"/>
+          <p:nvPr/>
+        </p:nvSpPr>
+        <p:spPr>
+          <a:xfrm>
+            <a:off x="981162" y="4459757"/>
+            <a:ext cx="588623" cy="400110"/>
+          </a:xfrm>
+          <a:prstGeom prst="rect">
+            <a:avLst/>
+          </a:prstGeom>
+          <a:noFill/>
+        </p:spPr>
+        <p:txBody>
+          <a:bodyPr wrap="none" rtlCol="0">
+            <a:spAutoFit/>
+          </a:bodyPr>
+          <a:lstStyle/>
+          <a:p>
+            <a:r>
+              <a:rPr lang="en-US" sz="2000" b="1" i="1" dirty="0" smtClean="0"/>
+              <a:t>.jpg</a:t>
+            </a:r>
+            <a:endParaRPr lang="en-US" sz="2000" b="1" i="1" dirty="0"/>
+          </a:p>
+        </p:txBody>
+      </p:sp>
+      <p:sp>
+        <p:nvSpPr>
+          <p:cNvPr id="67" name="TextBox 66"/>
+          <p:cNvSpPr txBox="1"/>
+          <p:nvPr/>
+        </p:nvSpPr>
+        <p:spPr>
+          <a:xfrm>
+            <a:off x="486302" y="5163209"/>
+            <a:ext cx="657552" cy="400110"/>
+          </a:xfrm>
+          <a:prstGeom prst="rect">
+            <a:avLst/>
+          </a:prstGeom>
+          <a:noFill/>
+        </p:spPr>
+        <p:txBody>
+          <a:bodyPr wrap="none" rtlCol="0">
+            <a:spAutoFit/>
+          </a:bodyPr>
+          <a:lstStyle/>
+          <a:p>
+            <a:r>
+              <a:rPr lang="en-US" sz="2000" b="1" i="1" dirty="0" smtClean="0"/>
+              <a:t>.</a:t>
+            </a:r>
+            <a:r>
+              <a:rPr lang="en-US" sz="2000" b="1" i="1" dirty="0" err="1" smtClean="0"/>
+              <a:t>img</a:t>
+            </a:r>
+            <a:endParaRPr lang="en-US" sz="2000" b="1" i="1" dirty="0"/>
+          </a:p>
+        </p:txBody>
+      </p:sp>
+      <p:sp>
+        <p:nvSpPr>
+          <p:cNvPr id="68" name="TextBox 67"/>
+          <p:cNvSpPr txBox="1"/>
+          <p:nvPr/>
+        </p:nvSpPr>
+        <p:spPr>
+          <a:xfrm>
+            <a:off x="314690" y="4867014"/>
+            <a:ext cx="535724" cy="400110"/>
+          </a:xfrm>
+          <a:prstGeom prst="rect">
+            <a:avLst/>
+          </a:prstGeom>
+          <a:noFill/>
+        </p:spPr>
+        <p:txBody>
+          <a:bodyPr wrap="none" rtlCol="0">
+            <a:spAutoFit/>
+          </a:bodyPr>
+          <a:lstStyle/>
+          <a:p>
+            <a:r>
+              <a:rPr lang="en-US" sz="2000" b="1" i="1" dirty="0" smtClean="0"/>
+              <a:t>.</a:t>
+            </a:r>
+            <a:r>
+              <a:rPr lang="en-US" sz="2000" b="1" i="1" dirty="0" err="1" smtClean="0"/>
+              <a:t>xls</a:t>
+            </a:r>
+            <a:endParaRPr lang="en-US" sz="2000" b="1" i="1" dirty="0"/>
+          </a:p>
+        </p:txBody>
+      </p:sp>
+      <p:sp>
+        <p:nvSpPr>
+          <p:cNvPr id="69" name="TextBox 68"/>
+          <p:cNvSpPr txBox="1"/>
+          <p:nvPr/>
+        </p:nvSpPr>
+        <p:spPr>
+          <a:xfrm>
+            <a:off x="1651698" y="5163209"/>
+            <a:ext cx="1191095" cy="1446550"/>
+          </a:xfrm>
+          <a:prstGeom prst="rect">
+            <a:avLst/>
+          </a:prstGeom>
+          <a:noFill/>
+        </p:spPr>
+        <p:txBody>
+          <a:bodyPr wrap="none" rtlCol="0">
+            <a:spAutoFit/>
+          </a:bodyPr>
+          <a:lstStyle/>
+          <a:p>
+            <a:r>
+              <a:rPr lang="en-US" sz="2000" b="1" i="1" dirty="0" smtClean="0">
+                <a:solidFill>
+                  <a:schemeClr val="accent2"/>
+                </a:solidFill>
+              </a:rPr>
+              <a:t>Sequence</a:t>
+            </a:r>
+          </a:p>
+          <a:p>
+            <a:r>
+              <a:rPr lang="en-US" sz="2000" b="1" i="1" dirty="0" smtClean="0">
+                <a:solidFill>
+                  <a:schemeClr val="accent2"/>
+                </a:solidFill>
+              </a:rPr>
+              <a:t>Avro</a:t>
+            </a:r>
+            <a:br>
+              <a:rPr lang="en-US" sz="2000" b="1" i="1" dirty="0" smtClean="0">
+                <a:solidFill>
+                  <a:schemeClr val="accent2"/>
+                </a:solidFill>
+              </a:rPr>
+            </a:br>
+            <a:endParaRPr lang="en-US" sz="800" b="1" i="1" dirty="0" smtClean="0">
+              <a:solidFill>
+                <a:schemeClr val="accent2"/>
+              </a:solidFill>
+            </a:endParaRPr>
+          </a:p>
+          <a:p>
+            <a:r>
+              <a:rPr lang="en-US" sz="2000" b="1" i="1" dirty="0" smtClean="0">
+                <a:solidFill>
+                  <a:schemeClr val="accent2"/>
+                </a:solidFill>
+              </a:rPr>
+              <a:t>Parquet</a:t>
+            </a:r>
+          </a:p>
+          <a:p>
+            <a:r>
+              <a:rPr lang="en-US" sz="2000" b="1" i="1" dirty="0" err="1" smtClean="0">
+                <a:solidFill>
+                  <a:schemeClr val="accent2"/>
+                </a:solidFill>
+              </a:rPr>
+              <a:t>ORCFiles</a:t>
+            </a:r>
+            <a:endParaRPr lang="en-US" sz="2000" b="1" i="1" dirty="0">
+              <a:solidFill>
+                <a:schemeClr val="accent2"/>
+              </a:solidFill>
+            </a:endParaRPr>
+          </a:p>
+        </p:txBody>
+      </p:sp>
+      <p:sp>
+        <p:nvSpPr>
+          <p:cNvPr id="24" name="Rectangle 23"/>
+          <p:cNvSpPr/>
+          <p:nvPr/>
+        </p:nvSpPr>
+        <p:spPr>
+          <a:xfrm>
+            <a:off x="59124" y="4300311"/>
+            <a:ext cx="1709951" cy="255213"/>
+          </a:xfrm>
+          <a:prstGeom prst="rect">
+            <a:avLst/>
+          </a:prstGeom>
+          <a:solidFill>
+            <a:schemeClr val="bg1"/>
+          </a:solidFill>
+          <a:ln>
+            <a:solidFill>
+              <a:schemeClr val="bg1"/>
+            </a:solidFill>
+          </a:ln>
+        </p:spPr>
+        <p:style>
+          <a:lnRef idx="2">
+            <a:schemeClr val="accent1">
+              <a:shade val="50000"/>
+            </a:schemeClr>
+          </a:lnRef>
+          <a:fillRef idx="1">
+            <a:schemeClr val="accent1"/>
+          </a:fillRef>
+          <a:effectRef idx="0">
+            <a:schemeClr val="accent1"/>
+          </a:effectRef>
+          <a:fontRef idx="minor">
+            <a:schemeClr val="lt1"/>
+          </a:fontRef>
+        </p:style>
+        <p:txBody>
+          <a:bodyPr rtlCol="0" anchor="ctr"/>
+          <a:lstStyle/>
+          <a:p>
+            <a:pPr algn="ctr"/>
+            <a:endParaRPr lang="en-US"/>
+          </a:p>
+        </p:txBody>
+      </p:sp>
+      <p:sp>
+        <p:nvSpPr>
+          <p:cNvPr id="39" name="TextBox 38"/>
+          <p:cNvSpPr txBox="1"/>
+          <p:nvPr/>
+        </p:nvSpPr>
+        <p:spPr>
+          <a:xfrm>
+            <a:off x="981675" y="1285166"/>
+            <a:ext cx="2185727" cy="1107996"/>
+          </a:xfrm>
+          <a:prstGeom prst="rect">
+            <a:avLst/>
+          </a:prstGeom>
+          <a:noFill/>
+        </p:spPr>
+        <p:txBody>
+          <a:bodyPr wrap="none" rtlCol="0">
+            <a:spAutoFit/>
+          </a:bodyPr>
+          <a:lstStyle/>
+          <a:p>
+            <a:pPr algn="ctr"/>
+            <a:r>
+              <a:rPr lang="en-US" b="1" i="1" dirty="0" smtClean="0"/>
+              <a:t>Hadoop Frameworks</a:t>
+            </a:r>
+          </a:p>
+          <a:p>
+            <a:pPr algn="ctr"/>
+            <a:r>
+              <a:rPr lang="en-US" b="1" i="1" dirty="0" smtClean="0"/>
+              <a:t>or</a:t>
+            </a:r>
+          </a:p>
+          <a:p>
+            <a:pPr algn="ctr"/>
+            <a:r>
+              <a:rPr lang="en-US" b="1" i="1" dirty="0" smtClean="0"/>
+              <a:t>Standalone solutions</a:t>
+            </a:r>
+          </a:p>
+          <a:p>
+            <a:pPr algn="ctr"/>
+            <a:r>
+              <a:rPr lang="en-US" sz="1200" dirty="0" smtClean="0"/>
+              <a:t>(e.g., using </a:t>
+            </a:r>
+            <a:r>
+              <a:rPr lang="en-US" sz="1200" dirty="0" err="1" smtClean="0"/>
+              <a:t>libHDFS</a:t>
+            </a:r>
+            <a:r>
+              <a:rPr lang="en-US" sz="1200" dirty="0" smtClean="0"/>
+              <a:t>)</a:t>
+            </a:r>
+            <a:endParaRPr lang="en-US" sz="1200" dirty="0"/>
+          </a:p>
+        </p:txBody>
+      </p:sp>
+      <p:cxnSp>
+        <p:nvCxnSpPr>
+          <p:cNvPr id="42" name="Elbow Connector 41"/>
+          <p:cNvCxnSpPr>
+            <a:stCxn id="39" idx="2"/>
+            <a:endCxn id="77" idx="1"/>
+          </p:cNvCxnSpPr>
+          <p:nvPr/>
+        </p:nvCxnSpPr>
+        <p:spPr>
+          <a:xfrm rot="16200000" flipH="1">
+            <a:off x="1288925" y="3178775"/>
+            <a:ext cx="2668281" cy="1097053"/>
+          </a:xfrm>
+          <a:prstGeom prst="bentConnector2">
+            <a:avLst/>
+          </a:prstGeom>
+          <a:ln w="38100">
+            <a:headEnd type="triangle"/>
+            <a:tailEnd type="triangle"/>
+          </a:ln>
+        </p:spPr>
+        <p:style>
+          <a:lnRef idx="1">
+            <a:schemeClr val="accent1"/>
+          </a:lnRef>
+          <a:fillRef idx="0">
+            <a:schemeClr val="accent1"/>
+          </a:fillRef>
+          <a:effectRef idx="0">
+            <a:schemeClr val="accent1"/>
+          </a:effectRef>
+          <a:fontRef idx="minor">
+            <a:schemeClr val="tx1"/>
+          </a:fontRef>
+        </p:style>
+      </p:cxnSp>
+      <p:sp>
+        <p:nvSpPr>
+          <p:cNvPr id="49" name="Can 48"/>
+          <p:cNvSpPr/>
+          <p:nvPr/>
+        </p:nvSpPr>
+        <p:spPr>
+          <a:xfrm>
+            <a:off x="10432818" y="4549223"/>
+            <a:ext cx="972065" cy="809832"/>
+          </a:xfrm>
+          <a:prstGeom prst="can">
+            <a:avLst/>
+          </a:prstGeom>
+        </p:spPr>
+        <p:style>
+          <a:lnRef idx="2">
+            <a:schemeClr val="accent1">
+              <a:shade val="50000"/>
+            </a:schemeClr>
+          </a:lnRef>
+          <a:fillRef idx="1">
+            <a:schemeClr val="accent1"/>
+          </a:fillRef>
+          <a:effectRef idx="0">
+            <a:schemeClr val="accent1"/>
+          </a:effectRef>
+          <a:fontRef idx="minor">
+            <a:schemeClr val="lt1"/>
+          </a:fontRef>
+        </p:style>
+        <p:txBody>
+          <a:bodyPr rtlCol="0" anchor="ctr"/>
+          <a:lstStyle/>
+          <a:p>
+            <a:pPr algn="ctr"/>
+            <a:r>
+              <a:rPr lang="en-US" dirty="0" smtClean="0"/>
+              <a:t>DBMS</a:t>
+            </a:r>
+            <a:endParaRPr lang="en-US" dirty="0"/>
+          </a:p>
+        </p:txBody>
+      </p:sp>
+      <p:sp>
+        <p:nvSpPr>
+          <p:cNvPr id="95" name="TextBox 94"/>
+          <p:cNvSpPr txBox="1"/>
+          <p:nvPr/>
+        </p:nvSpPr>
+        <p:spPr>
+          <a:xfrm>
+            <a:off x="734659" y="436961"/>
+            <a:ext cx="1799532" cy="369460"/>
+          </a:xfrm>
+          <a:prstGeom prst="rect">
+            <a:avLst/>
+          </a:prstGeom>
+          <a:noFill/>
+        </p:spPr>
+        <p:txBody>
+          <a:bodyPr wrap="none" rtlCol="0">
+            <a:spAutoFit/>
+          </a:bodyPr>
+          <a:lstStyle/>
+          <a:p>
+            <a:r>
+              <a:rPr lang="en-US" sz="1801" b="1" i="1" dirty="0" smtClean="0"/>
+              <a:t>Batch Processing</a:t>
+            </a:r>
+            <a:endParaRPr lang="en-US" sz="1801" b="1" i="1" dirty="0"/>
+          </a:p>
+        </p:txBody>
+      </p:sp>
+      <p:sp>
+        <p:nvSpPr>
+          <p:cNvPr id="96" name="TextBox 95"/>
+          <p:cNvSpPr txBox="1"/>
+          <p:nvPr/>
+        </p:nvSpPr>
+        <p:spPr>
+          <a:xfrm>
+            <a:off x="7193429" y="1274757"/>
+            <a:ext cx="2283574" cy="369460"/>
+          </a:xfrm>
+          <a:prstGeom prst="rect">
+            <a:avLst/>
+          </a:prstGeom>
+          <a:noFill/>
+        </p:spPr>
+        <p:txBody>
+          <a:bodyPr wrap="none" rtlCol="0">
+            <a:spAutoFit/>
+          </a:bodyPr>
+          <a:lstStyle/>
+          <a:p>
+            <a:r>
+              <a:rPr lang="en-US" sz="1801" b="1" i="1" dirty="0" smtClean="0"/>
+              <a:t>Interactive Processing</a:t>
+            </a:r>
+            <a:endParaRPr lang="en-US" sz="1801" b="1" i="1" dirty="0"/>
+          </a:p>
+        </p:txBody>
+      </p:sp>
+      <p:cxnSp>
+        <p:nvCxnSpPr>
+          <p:cNvPr id="78" name="Straight Arrow Connector 77"/>
+          <p:cNvCxnSpPr>
+            <a:stCxn id="66" idx="1"/>
+          </p:cNvCxnSpPr>
+          <p:nvPr/>
+        </p:nvCxnSpPr>
+        <p:spPr>
+          <a:xfrm flipH="1">
+            <a:off x="8093195" y="4042198"/>
+            <a:ext cx="813673" cy="0"/>
+          </a:xfrm>
+          <a:prstGeom prst="straightConnector1">
+            <a:avLst/>
+          </a:prstGeom>
+          <a:ln w="53975">
+            <a:solidFill>
+              <a:srgbClr val="7030A0"/>
+            </a:solidFill>
+            <a:headEnd type="triangle"/>
+            <a:tailEnd type="none"/>
+          </a:ln>
+        </p:spPr>
+        <p:style>
+          <a:lnRef idx="1">
+            <a:schemeClr val="accent1"/>
+          </a:lnRef>
+          <a:fillRef idx="0">
+            <a:schemeClr val="accent1"/>
+          </a:fillRef>
+          <a:effectRef idx="0">
+            <a:schemeClr val="accent1"/>
+          </a:effectRef>
+          <a:fontRef idx="minor">
+            <a:schemeClr val="tx1"/>
+          </a:fontRef>
+        </p:style>
+      </p:cxnSp>
+      <p:cxnSp>
+        <p:nvCxnSpPr>
+          <p:cNvPr id="80" name="Straight Connector 79"/>
+          <p:cNvCxnSpPr/>
+          <p:nvPr/>
+        </p:nvCxnSpPr>
+        <p:spPr>
+          <a:xfrm>
+            <a:off x="8907760" y="5586112"/>
+            <a:ext cx="2497123" cy="24811"/>
+          </a:xfrm>
+          <a:prstGeom prst="line">
+            <a:avLst/>
+          </a:prstGeom>
+          <a:ln w="31750">
+            <a:solidFill>
+              <a:srgbClr val="FF0000"/>
+            </a:solidFill>
+          </a:ln>
+        </p:spPr>
+        <p:style>
+          <a:lnRef idx="1">
+            <a:schemeClr val="accent1"/>
+          </a:lnRef>
+          <a:fillRef idx="0">
+            <a:schemeClr val="accent1"/>
+          </a:fillRef>
+          <a:effectRef idx="0">
+            <a:schemeClr val="accent1"/>
+          </a:effectRef>
+          <a:fontRef idx="minor">
+            <a:schemeClr val="tx1"/>
+          </a:fontRef>
+        </p:style>
+      </p:cxnSp>
+      <p:cxnSp>
+        <p:nvCxnSpPr>
+          <p:cNvPr id="101" name="Straight Arrow Connector 100"/>
+          <p:cNvCxnSpPr>
+            <a:endCxn id="32" idx="2"/>
+          </p:cNvCxnSpPr>
+          <p:nvPr/>
+        </p:nvCxnSpPr>
+        <p:spPr>
+          <a:xfrm flipH="1" flipV="1">
+            <a:off x="9440005" y="5301163"/>
+            <a:ext cx="741183" cy="303027"/>
+          </a:xfrm>
+          <a:prstGeom prst="straightConnector1">
+            <a:avLst/>
+          </a:prstGeom>
+          <a:ln w="41275">
+            <a:solidFill>
+              <a:srgbClr val="FF0000"/>
+            </a:solidFill>
+            <a:tailEnd type="triangle"/>
+          </a:ln>
+        </p:spPr>
+        <p:style>
+          <a:lnRef idx="1">
+            <a:schemeClr val="accent1"/>
+          </a:lnRef>
+          <a:fillRef idx="0">
+            <a:schemeClr val="accent1"/>
+          </a:fillRef>
+          <a:effectRef idx="0">
+            <a:schemeClr val="accent1"/>
+          </a:effectRef>
+          <a:fontRef idx="minor">
+            <a:schemeClr val="tx1"/>
+          </a:fontRef>
+        </p:style>
+      </p:cxnSp>
+      <p:cxnSp>
+        <p:nvCxnSpPr>
+          <p:cNvPr id="103" name="Straight Arrow Connector 102"/>
+          <p:cNvCxnSpPr>
+            <a:endCxn id="49" idx="3"/>
+          </p:cNvCxnSpPr>
+          <p:nvPr/>
+        </p:nvCxnSpPr>
+        <p:spPr>
+          <a:xfrm flipV="1">
+            <a:off x="10192310" y="5359055"/>
+            <a:ext cx="726541" cy="263977"/>
+          </a:xfrm>
+          <a:prstGeom prst="straightConnector1">
+            <a:avLst/>
+          </a:prstGeom>
+          <a:ln w="41275">
+            <a:solidFill>
+              <a:srgbClr val="FF0000"/>
+            </a:solidFill>
+            <a:tailEnd type="triangle"/>
+          </a:ln>
+        </p:spPr>
+        <p:style>
+          <a:lnRef idx="1">
+            <a:schemeClr val="accent1"/>
+          </a:lnRef>
+          <a:fillRef idx="0">
+            <a:schemeClr val="accent1"/>
+          </a:fillRef>
+          <a:effectRef idx="0">
+            <a:schemeClr val="accent1"/>
+          </a:effectRef>
+          <a:fontRef idx="minor">
+            <a:schemeClr val="tx1"/>
+          </a:fontRef>
+        </p:style>
+      </p:cxnSp>
+      <p:pic>
+        <p:nvPicPr>
+          <p:cNvPr id="105" name="Picture 104"/>
+          <p:cNvPicPr>
+            <a:picLocks noChangeAspect="1"/>
+          </p:cNvPicPr>
+          <p:nvPr/>
+        </p:nvPicPr>
+        <p:blipFill>
+          <a:blip r:embed="rId7" cstate="print">
+            <a:extLst>
+              <a:ext uri="{28A0092B-C50C-407E-A947-70E740481C1C}">
+                <a14:useLocalDpi xmlns:a14="http://schemas.microsoft.com/office/drawing/2010/main" val="0"/>
+              </a:ext>
+            </a:extLst>
+          </a:blip>
+          <a:stretch>
+            <a:fillRect/>
+          </a:stretch>
+        </p:blipFill>
+        <p:spPr>
+          <a:xfrm>
+            <a:off x="7380368" y="2032740"/>
+            <a:ext cx="1317632" cy="585153"/>
+          </a:xfrm>
+          <a:prstGeom prst="rect">
+            <a:avLst/>
+          </a:prstGeom>
+        </p:spPr>
+      </p:pic>
+      <p:pic>
+        <p:nvPicPr>
+          <p:cNvPr id="112" name="Picture 111"/>
+          <p:cNvPicPr>
+            <a:picLocks noChangeAspect="1"/>
+          </p:cNvPicPr>
+          <p:nvPr/>
+        </p:nvPicPr>
+        <p:blipFill>
+          <a:blip r:embed="rId8" cstate="print">
+            <a:extLst>
+              <a:ext uri="{28A0092B-C50C-407E-A947-70E740481C1C}">
+                <a14:useLocalDpi xmlns:a14="http://schemas.microsoft.com/office/drawing/2010/main" val="0"/>
+              </a:ext>
+            </a:extLst>
+          </a:blip>
+          <a:stretch>
+            <a:fillRect/>
+          </a:stretch>
+        </p:blipFill>
+        <p:spPr>
+          <a:xfrm>
+            <a:off x="10368115" y="1969954"/>
+            <a:ext cx="925928" cy="625002"/>
+          </a:xfrm>
+          <a:prstGeom prst="rect">
+            <a:avLst/>
+          </a:prstGeom>
+        </p:spPr>
+      </p:pic>
+      <p:pic>
+        <p:nvPicPr>
+          <p:cNvPr id="114" name="Picture 113"/>
+          <p:cNvPicPr>
+            <a:picLocks noChangeAspect="1"/>
+          </p:cNvPicPr>
+          <p:nvPr/>
+        </p:nvPicPr>
+        <p:blipFill>
+          <a:blip r:embed="rId9" cstate="print">
+            <a:extLst>
+              <a:ext uri="{28A0092B-C50C-407E-A947-70E740481C1C}">
+                <a14:useLocalDpi xmlns:a14="http://schemas.microsoft.com/office/drawing/2010/main" val="0"/>
+              </a:ext>
+            </a:extLst>
+          </a:blip>
+          <a:stretch>
+            <a:fillRect/>
+          </a:stretch>
+        </p:blipFill>
+        <p:spPr>
+          <a:xfrm>
+            <a:off x="9064293" y="2018446"/>
+            <a:ext cx="751422" cy="570044"/>
+          </a:xfrm>
+          <a:prstGeom prst="rect">
+            <a:avLst/>
+          </a:prstGeom>
+        </p:spPr>
+      </p:pic>
+      <p:cxnSp>
+        <p:nvCxnSpPr>
+          <p:cNvPr id="118" name="Straight Connector 117"/>
+          <p:cNvCxnSpPr/>
+          <p:nvPr/>
+        </p:nvCxnSpPr>
+        <p:spPr>
+          <a:xfrm>
+            <a:off x="7445685" y="2664548"/>
+            <a:ext cx="3913675" cy="0"/>
+          </a:xfrm>
+          <a:prstGeom prst="line">
+            <a:avLst/>
+          </a:prstGeom>
+          <a:ln w="38100">
+            <a:solidFill>
+              <a:schemeClr val="accent4">
+                <a:lumMod val="60000"/>
+                <a:lumOff val="40000"/>
+              </a:schemeClr>
+            </a:solidFill>
+          </a:ln>
+        </p:spPr>
+        <p:style>
+          <a:lnRef idx="1">
+            <a:schemeClr val="accent1"/>
+          </a:lnRef>
+          <a:fillRef idx="0">
+            <a:schemeClr val="accent1"/>
+          </a:fillRef>
+          <a:effectRef idx="0">
+            <a:schemeClr val="accent1"/>
+          </a:effectRef>
+          <a:fontRef idx="minor">
+            <a:schemeClr val="tx1"/>
+          </a:fontRef>
+        </p:style>
+      </p:cxnSp>
+      <p:sp>
+        <p:nvSpPr>
+          <p:cNvPr id="138" name="TextBox 137"/>
+          <p:cNvSpPr txBox="1"/>
+          <p:nvPr/>
+        </p:nvSpPr>
+        <p:spPr>
+          <a:xfrm>
+            <a:off x="8742829" y="3078157"/>
+            <a:ext cx="2045240" cy="369460"/>
+          </a:xfrm>
+          <a:prstGeom prst="rect">
+            <a:avLst/>
+          </a:prstGeom>
+          <a:noFill/>
+        </p:spPr>
+        <p:txBody>
+          <a:bodyPr wrap="none" rtlCol="0">
+            <a:spAutoFit/>
+          </a:bodyPr>
+          <a:lstStyle/>
+          <a:p>
+            <a:r>
+              <a:rPr lang="en-US" sz="1801" b="1" i="1" dirty="0" smtClean="0"/>
+              <a:t>External Processing</a:t>
+            </a:r>
+            <a:endParaRPr lang="en-US" sz="1801" b="1" i="1" dirty="0"/>
+          </a:p>
+        </p:txBody>
+      </p:sp>
+    </p:spTree>
+    <p:extLst>
+      <p:ext uri="{BB962C8B-B14F-4D97-AF65-F5344CB8AC3E}">
+        <p14:creationId xmlns:p14="http://schemas.microsoft.com/office/powerpoint/2010/main" val="3567594434"/>
+      </p:ext>
+    </p:extLst>
+  </p:cSld>
+  <p:clrMapOvr>
+    <a:masterClrMapping/>
+  </p:clrMapOvr>
+  <p:timing>
+    <p:tnLst>
+      <p:par>
+        <p:cTn id="1" dur="indefinite" restart="never" nodeType="tmRoot"/>
+      </p:par>
+    </p:tnLst>
+  </p:timing>
+</p:sld>
+</file>
+
+<file path=ppt/slides/slide7.xml><?xml version="1.0" encoding="utf-8"?>
+<p:sld xmlns:a="http://schemas.openxmlformats.org/drawingml/2006/main" xmlns:r="http://schemas.openxmlformats.org/officeDocument/2006/relationships" xmlns:p="http://schemas.openxmlformats.org/presentationml/2006/main">
+  <p:cSld>
+    <p:spTree>
+      <p:nvGrpSpPr>
+        <p:cNvPr id="1" name=""/>
+        <p:cNvGrpSpPr/>
+        <p:nvPr/>
+      </p:nvGrpSpPr>
+      <p:grpSpPr>
+        <a:xfrm>
+          <a:off x="0" y="0"/>
+          <a:ext cx="0" cy="0"/>
+          <a:chOff x="0" y="0"/>
+          <a:chExt cx="0" cy="0"/>
+        </a:xfrm>
+      </p:grpSpPr>
+      <p:grpSp>
+        <p:nvGrpSpPr>
+          <p:cNvPr id="43" name="Group 42"/>
+          <p:cNvGrpSpPr/>
+          <p:nvPr/>
+        </p:nvGrpSpPr>
+        <p:grpSpPr>
+          <a:xfrm>
+            <a:off x="357706" y="289249"/>
+            <a:ext cx="10223208" cy="6568751"/>
+            <a:chOff x="357706" y="289249"/>
+            <a:chExt cx="10223208" cy="6568751"/>
+          </a:xfrm>
+        </p:grpSpPr>
+        <p:sp>
+          <p:nvSpPr>
+            <p:cNvPr id="40" name="Rectangle 39"/>
+            <p:cNvSpPr/>
+            <p:nvPr/>
+          </p:nvSpPr>
+          <p:spPr>
+            <a:xfrm>
+              <a:off x="357706" y="289249"/>
+              <a:ext cx="10223208" cy="6568751"/>
+            </a:xfrm>
+            <a:prstGeom prst="rect">
+              <a:avLst/>
+            </a:prstGeom>
+            <a:solidFill>
+              <a:schemeClr val="bg1"/>
+            </a:solidFill>
+            <a:ln>
+              <a:noFill/>
+            </a:ln>
+          </p:spPr>
+          <p:style>
+            <a:lnRef idx="2">
+              <a:schemeClr val="accent1">
+                <a:shade val="50000"/>
+              </a:schemeClr>
+            </a:lnRef>
+            <a:fillRef idx="1">
+              <a:schemeClr val="accent1"/>
+            </a:fillRef>
+            <a:effectRef idx="0">
+              <a:schemeClr val="accent1"/>
+            </a:effectRef>
+            <a:fontRef idx="minor">
+              <a:schemeClr val="lt1"/>
+            </a:fontRef>
+          </p:style>
+          <p:txBody>
+            <a:bodyPr rtlCol="0" anchor="ctr"/>
+            <a:lstStyle/>
+            <a:p>
+              <a:pPr algn="ctr"/>
+              <a:endParaRPr lang="en-US"/>
+            </a:p>
+          </p:txBody>
+        </p:sp>
+        <p:grpSp>
+          <p:nvGrpSpPr>
+            <p:cNvPr id="38" name="Group 37"/>
+            <p:cNvGrpSpPr/>
+            <p:nvPr/>
+          </p:nvGrpSpPr>
+          <p:grpSpPr>
+            <a:xfrm>
+              <a:off x="357706" y="436961"/>
+              <a:ext cx="9913224" cy="6315245"/>
+              <a:chOff x="357706" y="436961"/>
+              <a:chExt cx="9913224" cy="6315245"/>
+            </a:xfrm>
+          </p:grpSpPr>
+          <p:sp>
+            <p:nvSpPr>
+              <p:cNvPr id="94" name="Rounded Rectangle 93"/>
+              <p:cNvSpPr/>
+              <p:nvPr/>
+            </p:nvSpPr>
+            <p:spPr>
+              <a:xfrm>
+                <a:off x="6703601" y="1776621"/>
+                <a:ext cx="3567329" cy="1124782"/>
+              </a:xfrm>
+              <a:prstGeom prst="roundRect">
+                <a:avLst/>
+              </a:prstGeom>
+              <a:solidFill>
+                <a:schemeClr val="bg1"/>
+              </a:solidFill>
+              <a:ln w="38100">
+                <a:solidFill>
+                  <a:schemeClr val="tx1"/>
+                </a:solidFill>
+                <a:prstDash val="dash"/>
+              </a:ln>
+            </p:spPr>
+            <p:style>
+              <a:lnRef idx="2">
+                <a:schemeClr val="accent1">
+                  <a:shade val="50000"/>
+                </a:schemeClr>
+              </a:lnRef>
+              <a:fillRef idx="1">
+                <a:schemeClr val="accent1"/>
+              </a:fillRef>
+              <a:effectRef idx="0">
+                <a:schemeClr val="accent1"/>
+              </a:effectRef>
+              <a:fontRef idx="minor">
+                <a:schemeClr val="lt1"/>
+              </a:fontRef>
+            </p:style>
+            <p:txBody>
+              <a:bodyPr rtlCol="0" anchor="ctr"/>
+              <a:lstStyle/>
+              <a:p>
+                <a:pPr algn="ctr"/>
+                <a:endParaRPr lang="en-US" sz="1801"/>
+              </a:p>
+            </p:txBody>
+          </p:sp>
+          <p:grpSp>
+            <p:nvGrpSpPr>
+              <p:cNvPr id="13" name="Group 12"/>
+              <p:cNvGrpSpPr/>
+              <p:nvPr/>
+            </p:nvGrpSpPr>
+            <p:grpSpPr>
+              <a:xfrm>
+                <a:off x="570430" y="5533132"/>
+                <a:ext cx="1316258" cy="985135"/>
+                <a:chOff x="345122" y="4009133"/>
+                <a:chExt cx="1316258" cy="766976"/>
+              </a:xfrm>
+            </p:grpSpPr>
+            <p:sp useBgFill="1">
+              <p:nvSpPr>
+                <p:cNvPr id="12" name="Rounded Rectangle 11"/>
+                <p:cNvSpPr/>
+                <p:nvPr/>
+              </p:nvSpPr>
+              <p:spPr>
+                <a:xfrm>
+                  <a:off x="345714" y="4039320"/>
+                  <a:ext cx="1299783" cy="736789"/>
+                </a:xfrm>
+                <a:prstGeom prst="roundRect">
+                  <a:avLst/>
+                </a:prstGeom>
+                <a:ln w="44450">
+                  <a:solidFill>
+                    <a:schemeClr val="accent6">
+                      <a:lumMod val="75000"/>
+                    </a:schemeClr>
+                  </a:solidFill>
+                </a:ln>
+              </p:spPr>
+              <p:style>
+                <a:lnRef idx="2">
+                  <a:schemeClr val="accent1">
+                    <a:shade val="50000"/>
+                  </a:schemeClr>
+                </a:lnRef>
+                <a:fillRef idx="1">
+                  <a:schemeClr val="accent1"/>
+                </a:fillRef>
+                <a:effectRef idx="0">
+                  <a:schemeClr val="accent1"/>
+                </a:effectRef>
+                <a:fontRef idx="minor">
+                  <a:schemeClr val="lt1"/>
+                </a:fontRef>
+              </p:style>
+              <p:txBody>
+                <a:bodyPr rtlCol="0" anchor="ctr"/>
+                <a:lstStyle/>
+                <a:p>
+                  <a:pPr algn="ctr"/>
+                  <a:endParaRPr lang="en-US" sz="1801" dirty="0"/>
+                </a:p>
+              </p:txBody>
+            </p:sp>
+            <p:pic>
+              <p:nvPicPr>
+                <p:cNvPr id="14" name="Picture 13"/>
+                <p:cNvPicPr>
+                  <a:picLocks noChangeAspect="1"/>
+                </p:cNvPicPr>
+                <p:nvPr/>
+              </p:nvPicPr>
+              <p:blipFill>
+                <a:blip r:embed="rId2" cstate="print">
+                  <a:extLst>
+                    <a:ext uri="{28A0092B-C50C-407E-A947-70E740481C1C}">
+                      <a14:useLocalDpi xmlns:a14="http://schemas.microsoft.com/office/drawing/2010/main" val="0"/>
+                    </a:ext>
+                  </a:extLst>
+                </a:blip>
+                <a:stretch>
+                  <a:fillRect/>
+                </a:stretch>
+              </p:blipFill>
+              <p:spPr>
+                <a:xfrm>
+                  <a:off x="655746" y="4337258"/>
+                  <a:ext cx="645581" cy="347052"/>
+                </a:xfrm>
+                <a:prstGeom prst="rect">
+                  <a:avLst/>
+                </a:prstGeom>
+                <a:ln w="38100">
+                  <a:solidFill>
+                    <a:schemeClr val="accent1"/>
+                  </a:solidFill>
+                </a:ln>
+                <a:effectLst>
+                  <a:softEdge rad="25400"/>
+                </a:effectLst>
+              </p:spPr>
+            </p:pic>
+            <p:sp>
+              <p:nvSpPr>
+                <p:cNvPr id="15" name="TextBox 14"/>
+                <p:cNvSpPr txBox="1"/>
+                <p:nvPr/>
+              </p:nvSpPr>
+              <p:spPr>
+                <a:xfrm>
+                  <a:off x="345122" y="4009133"/>
+                  <a:ext cx="1316258" cy="369460"/>
+                </a:xfrm>
+                <a:prstGeom prst="rect">
+                  <a:avLst/>
+                </a:prstGeom>
+                <a:noFill/>
+              </p:spPr>
+              <p:txBody>
+                <a:bodyPr wrap="none" rtlCol="0">
+                  <a:spAutoFit/>
+                </a:bodyPr>
+                <a:lstStyle/>
+                <a:p>
+                  <a:r>
+                    <a:rPr lang="en-US" sz="1801" dirty="0" smtClean="0"/>
+                    <a:t>Data Import</a:t>
+                  </a:r>
+                  <a:endParaRPr lang="en-US" sz="1801" dirty="0"/>
+                </a:p>
+              </p:txBody>
+            </p:sp>
+          </p:grpSp>
+          <p:sp>
+            <p:nvSpPr>
+              <p:cNvPr id="27" name="Rounded Rectangle 26"/>
+              <p:cNvSpPr/>
+              <p:nvPr/>
+            </p:nvSpPr>
+            <p:spPr>
+              <a:xfrm>
+                <a:off x="8490535" y="3434950"/>
+                <a:ext cx="1780395" cy="2965407"/>
+              </a:xfrm>
+              <a:prstGeom prst="roundRect">
+                <a:avLst/>
+              </a:prstGeom>
+              <a:solidFill>
+                <a:schemeClr val="bg1"/>
+              </a:solidFill>
+              <a:ln w="38100">
+                <a:solidFill>
+                  <a:schemeClr val="tx1"/>
+                </a:solidFill>
+                <a:prstDash val="dash"/>
+              </a:ln>
+            </p:spPr>
+            <p:style>
+              <a:lnRef idx="2">
+                <a:schemeClr val="accent1">
+                  <a:shade val="50000"/>
+                </a:schemeClr>
+              </a:lnRef>
+              <a:fillRef idx="1">
+                <a:schemeClr val="accent1"/>
+              </a:fillRef>
+              <a:effectRef idx="0">
+                <a:schemeClr val="accent1"/>
+              </a:effectRef>
+              <a:fontRef idx="minor">
+                <a:schemeClr val="lt1"/>
+              </a:fontRef>
+            </p:style>
+            <p:txBody>
+              <a:bodyPr rtlCol="0" anchor="ctr"/>
+              <a:lstStyle/>
+              <a:p>
+                <a:pPr algn="ctr"/>
+                <a:endParaRPr lang="en-US" sz="1801"/>
+              </a:p>
+            </p:txBody>
+          </p:sp>
+          <p:pic>
+            <p:nvPicPr>
+              <p:cNvPr id="32" name="Picture 31"/>
+              <p:cNvPicPr>
+                <a:picLocks noChangeAspect="1"/>
+              </p:cNvPicPr>
+              <p:nvPr/>
+            </p:nvPicPr>
+            <p:blipFill>
+              <a:blip r:embed="rId3" cstate="print">
+                <a:extLst>
+                  <a:ext uri="{28A0092B-C50C-407E-A947-70E740481C1C}">
+                    <a14:useLocalDpi xmlns:a14="http://schemas.microsoft.com/office/drawing/2010/main" val="0"/>
+                  </a:ext>
+                </a:extLst>
+              </a:blip>
+              <a:stretch>
+                <a:fillRect/>
+              </a:stretch>
+            </p:blipFill>
+            <p:spPr>
+              <a:xfrm>
+                <a:off x="8989095" y="4557687"/>
+                <a:ext cx="786487" cy="694048"/>
+              </a:xfrm>
+              <a:prstGeom prst="rect">
+                <a:avLst/>
+              </a:prstGeom>
+              <a:ln w="38100">
+                <a:solidFill>
+                  <a:schemeClr val="accent1"/>
+                </a:solidFill>
+              </a:ln>
+              <a:effectLst>
+                <a:softEdge rad="25400"/>
+              </a:effectLst>
+            </p:spPr>
+          </p:pic>
+          <p:grpSp>
+            <p:nvGrpSpPr>
+              <p:cNvPr id="111" name="Group 110"/>
+              <p:cNvGrpSpPr/>
+              <p:nvPr/>
+            </p:nvGrpSpPr>
+            <p:grpSpPr>
+              <a:xfrm>
+                <a:off x="8652868" y="3750067"/>
+                <a:ext cx="1503049" cy="584262"/>
+                <a:chOff x="8163311" y="4573036"/>
+                <a:chExt cx="1995625" cy="708170"/>
+              </a:xfrm>
+            </p:grpSpPr>
+            <p:sp>
+              <p:nvSpPr>
+                <p:cNvPr id="66" name="Rectangle 65"/>
+                <p:cNvSpPr/>
+                <p:nvPr/>
+              </p:nvSpPr>
+              <p:spPr>
+                <a:xfrm>
+                  <a:off x="8163311" y="4573036"/>
+                  <a:ext cx="1995625" cy="708170"/>
+                </a:xfrm>
+                <a:prstGeom prst="rect">
+                  <a:avLst/>
+                </a:prstGeom>
+                <a:solidFill>
+                  <a:schemeClr val="bg1"/>
+                </a:solidFill>
+                <a:ln w="57150">
+                  <a:solidFill>
+                    <a:srgbClr val="7030A0"/>
+                  </a:solidFill>
+                </a:ln>
+              </p:spPr>
+              <p:style>
+                <a:lnRef idx="2">
+                  <a:schemeClr val="accent1">
+                    <a:shade val="50000"/>
+                  </a:schemeClr>
+                </a:lnRef>
+                <a:fillRef idx="1">
+                  <a:schemeClr val="accent1"/>
+                </a:fillRef>
+                <a:effectRef idx="0">
+                  <a:schemeClr val="accent1"/>
+                </a:effectRef>
+                <a:fontRef idx="minor">
+                  <a:schemeClr val="lt1"/>
+                </a:fontRef>
+              </p:style>
+              <p:txBody>
+                <a:bodyPr rtlCol="0" anchor="ctr"/>
+                <a:lstStyle/>
+                <a:p>
+                  <a:pPr algn="ctr"/>
+                  <a:endParaRPr lang="en-US" sz="1801"/>
+                </a:p>
+              </p:txBody>
+            </p:sp>
+            <p:pic>
+              <p:nvPicPr>
+                <p:cNvPr id="65" name="Picture 64"/>
+                <p:cNvPicPr>
+                  <a:picLocks noChangeAspect="1"/>
+                </p:cNvPicPr>
+                <p:nvPr/>
+              </p:nvPicPr>
+              <p:blipFill>
+                <a:blip r:embed="rId4" cstate="print">
+                  <a:extLst>
+                    <a:ext uri="{28A0092B-C50C-407E-A947-70E740481C1C}">
+                      <a14:useLocalDpi xmlns:a14="http://schemas.microsoft.com/office/drawing/2010/main" val="0"/>
+                    </a:ext>
+                  </a:extLst>
+                </a:blip>
+                <a:stretch>
+                  <a:fillRect/>
+                </a:stretch>
+              </p:blipFill>
+              <p:spPr>
+                <a:xfrm>
+                  <a:off x="8452233" y="4712266"/>
+                  <a:ext cx="1417782" cy="429711"/>
+                </a:xfrm>
+                <a:prstGeom prst="rect">
+                  <a:avLst/>
+                </a:prstGeom>
+                <a:solidFill>
+                  <a:schemeClr val="bg1"/>
+                </a:solidFill>
+              </p:spPr>
+            </p:pic>
+          </p:grpSp>
+          <p:grpSp>
+            <p:nvGrpSpPr>
+              <p:cNvPr id="10" name="Group 9"/>
+              <p:cNvGrpSpPr/>
+              <p:nvPr/>
+            </p:nvGrpSpPr>
+            <p:grpSpPr>
+              <a:xfrm>
+                <a:off x="3171592" y="3370680"/>
+                <a:ext cx="4921603" cy="3381526"/>
+                <a:chOff x="1767521" y="3417031"/>
+                <a:chExt cx="4921603" cy="3381526"/>
+              </a:xfrm>
+            </p:grpSpPr>
+            <p:sp>
+              <p:nvSpPr>
+                <p:cNvPr id="77" name="Rectangle 76"/>
+                <p:cNvSpPr/>
+                <p:nvPr/>
+              </p:nvSpPr>
+              <p:spPr>
+                <a:xfrm>
+                  <a:off x="1767521" y="3417031"/>
+                  <a:ext cx="4921603" cy="3381526"/>
+                </a:xfrm>
+                <a:prstGeom prst="rect">
+                  <a:avLst/>
+                </a:prstGeom>
+                <a:solidFill>
+                  <a:schemeClr val="bg1"/>
+                </a:solidFill>
+                <a:ln w="57150">
+                  <a:solidFill>
+                    <a:schemeClr val="accent1"/>
+                  </a:solidFill>
+                </a:ln>
+              </p:spPr>
+              <p:style>
+                <a:lnRef idx="2">
+                  <a:schemeClr val="accent1">
+                    <a:shade val="50000"/>
+                  </a:schemeClr>
+                </a:lnRef>
+                <a:fillRef idx="1">
+                  <a:schemeClr val="accent1"/>
+                </a:fillRef>
+                <a:effectRef idx="0">
+                  <a:schemeClr val="accent1"/>
+                </a:effectRef>
+                <a:fontRef idx="minor">
+                  <a:schemeClr val="lt1"/>
+                </a:fontRef>
+              </p:style>
+              <p:txBody>
+                <a:bodyPr rtlCol="0" anchor="ctr"/>
+                <a:lstStyle/>
+                <a:p>
+                  <a:pPr algn="ctr"/>
+                  <a:endParaRPr lang="en-US" sz="1801"/>
+                </a:p>
+              </p:txBody>
+            </p:sp>
+            <p:pic>
+              <p:nvPicPr>
+                <p:cNvPr id="5" name="Picture 4"/>
+                <p:cNvPicPr>
+                  <a:picLocks noChangeAspect="1"/>
+                </p:cNvPicPr>
+                <p:nvPr/>
+              </p:nvPicPr>
+              <p:blipFill>
+                <a:blip r:embed="rId5">
+                  <a:extLst>
+                    <a:ext uri="{28A0092B-C50C-407E-A947-70E740481C1C}">
+                      <a14:useLocalDpi xmlns:a14="http://schemas.microsoft.com/office/drawing/2010/main" val="0"/>
+                    </a:ext>
+                  </a:extLst>
+                </a:blip>
+                <a:stretch>
+                  <a:fillRect/>
+                </a:stretch>
+              </p:blipFill>
+              <p:spPr>
+                <a:xfrm>
+                  <a:off x="2139504" y="3703534"/>
+                  <a:ext cx="4355345" cy="2473332"/>
+                </a:xfrm>
+                <a:prstGeom prst="rect">
+                  <a:avLst/>
+                </a:prstGeom>
+              </p:spPr>
+            </p:pic>
+            <p:sp>
+              <p:nvSpPr>
+                <p:cNvPr id="116" name="TextBox 115"/>
+                <p:cNvSpPr txBox="1"/>
+                <p:nvPr/>
+              </p:nvSpPr>
+              <p:spPr>
+                <a:xfrm>
+                  <a:off x="1986647" y="6345236"/>
+                  <a:ext cx="1287532" cy="369460"/>
+                </a:xfrm>
+                <a:prstGeom prst="rect">
+                  <a:avLst/>
+                </a:prstGeom>
+                <a:noFill/>
+              </p:spPr>
+              <p:txBody>
+                <a:bodyPr wrap="none" rtlCol="0">
+                  <a:spAutoFit/>
+                </a:bodyPr>
+                <a:lstStyle/>
+                <a:p>
+                  <a:r>
+                    <a:rPr lang="en-US" sz="1801" b="1" i="1" dirty="0">
+                      <a:solidFill>
+                        <a:srgbClr val="0070C0"/>
+                      </a:solidFill>
+                    </a:rPr>
+                    <a:t>Hadoop 2.0</a:t>
+                  </a:r>
+                </a:p>
+              </p:txBody>
+            </p:sp>
+          </p:grpSp>
+          <p:sp>
+            <p:nvSpPr>
+              <p:cNvPr id="117" name="Rounded Rectangle 116"/>
+              <p:cNvSpPr/>
+              <p:nvPr/>
+            </p:nvSpPr>
+            <p:spPr>
+              <a:xfrm>
+                <a:off x="570430" y="865857"/>
+                <a:ext cx="5853024" cy="2035545"/>
+              </a:xfrm>
+              <a:prstGeom prst="roundRect">
+                <a:avLst/>
+              </a:prstGeom>
+              <a:solidFill>
+                <a:schemeClr val="bg1"/>
+              </a:solidFill>
+              <a:ln w="38100">
+                <a:solidFill>
+                  <a:schemeClr val="tx1"/>
+                </a:solidFill>
+                <a:prstDash val="dash"/>
+              </a:ln>
+            </p:spPr>
+            <p:style>
+              <a:lnRef idx="2">
+                <a:schemeClr val="accent1">
+                  <a:shade val="50000"/>
+                </a:schemeClr>
+              </a:lnRef>
+              <a:fillRef idx="1">
+                <a:schemeClr val="accent1"/>
+              </a:fillRef>
+              <a:effectRef idx="0">
+                <a:schemeClr val="accent1"/>
+              </a:effectRef>
+              <a:fontRef idx="minor">
+                <a:schemeClr val="lt1"/>
+              </a:fontRef>
+            </p:style>
+            <p:txBody>
+              <a:bodyPr rtlCol="0" anchor="ctr"/>
+              <a:lstStyle/>
+              <a:p>
+                <a:pPr algn="ctr"/>
+                <a:endParaRPr lang="en-US" sz="1801"/>
+              </a:p>
+            </p:txBody>
+          </p:sp>
+          <p:sp>
+            <p:nvSpPr>
+              <p:cNvPr id="106" name="Rounded Rectangle 105"/>
+              <p:cNvSpPr/>
+              <p:nvPr/>
+            </p:nvSpPr>
+            <p:spPr>
+              <a:xfrm>
+                <a:off x="3675736" y="2202601"/>
+                <a:ext cx="1054359" cy="361012"/>
+              </a:xfrm>
+              <a:prstGeom prst="roundRect">
+                <a:avLst/>
+              </a:prstGeom>
+              <a:solidFill>
+                <a:schemeClr val="bg1"/>
+              </a:solidFill>
+              <a:ln w="31750">
+                <a:solidFill>
+                  <a:schemeClr val="accent6">
+                    <a:lumMod val="75000"/>
+                  </a:schemeClr>
+                </a:solidFill>
+              </a:ln>
+            </p:spPr>
+            <p:style>
+              <a:lnRef idx="2">
+                <a:schemeClr val="accent1">
+                  <a:shade val="50000"/>
+                </a:schemeClr>
+              </a:lnRef>
+              <a:fillRef idx="1">
+                <a:schemeClr val="accent1"/>
+              </a:fillRef>
+              <a:effectRef idx="0">
+                <a:schemeClr val="accent1"/>
+              </a:effectRef>
+              <a:fontRef idx="minor">
+                <a:schemeClr val="lt1"/>
+              </a:fontRef>
+            </p:style>
+            <p:txBody>
+              <a:bodyPr rtlCol="0" anchor="ctr"/>
+              <a:lstStyle/>
+              <a:p>
+                <a:pPr algn="ctr"/>
+                <a:r>
+                  <a:rPr lang="en-US" sz="1401" b="1" i="1" dirty="0" err="1">
+                    <a:solidFill>
+                      <a:schemeClr val="tx1"/>
+                    </a:solidFill>
+                  </a:rPr>
+                  <a:t>MRDocker</a:t>
+                </a:r>
+                <a:endParaRPr lang="en-US" sz="1401" b="1" i="1" dirty="0">
+                  <a:solidFill>
+                    <a:schemeClr val="tx1"/>
+                  </a:solidFill>
+                </a:endParaRPr>
+              </a:p>
+            </p:txBody>
+          </p:sp>
+          <p:sp>
+            <p:nvSpPr>
+              <p:cNvPr id="108" name="Rounded Rectangle 107"/>
+              <p:cNvSpPr/>
+              <p:nvPr/>
+            </p:nvSpPr>
+            <p:spPr>
+              <a:xfrm>
+                <a:off x="4898906" y="2221263"/>
+                <a:ext cx="1054359" cy="346213"/>
+              </a:xfrm>
+              <a:prstGeom prst="roundRect">
+                <a:avLst/>
+              </a:prstGeom>
+              <a:solidFill>
+                <a:schemeClr val="bg1"/>
+              </a:solidFill>
+              <a:ln w="31750">
+                <a:solidFill>
+                  <a:schemeClr val="accent4"/>
+                </a:solidFill>
+                <a:prstDash val="solid"/>
+              </a:ln>
+            </p:spPr>
+            <p:style>
+              <a:lnRef idx="2">
+                <a:schemeClr val="accent1">
+                  <a:shade val="50000"/>
+                </a:schemeClr>
+              </a:lnRef>
+              <a:fillRef idx="1">
+                <a:schemeClr val="accent1"/>
+              </a:fillRef>
+              <a:effectRef idx="0">
+                <a:schemeClr val="accent1"/>
+              </a:effectRef>
+              <a:fontRef idx="minor">
+                <a:schemeClr val="lt1"/>
+              </a:fontRef>
+            </p:style>
+            <p:txBody>
+              <a:bodyPr rtlCol="0" anchor="ctr"/>
+              <a:lstStyle/>
+              <a:p>
+                <a:pPr algn="ctr"/>
+                <a:r>
+                  <a:rPr lang="en-US" sz="1401" b="1" i="1" dirty="0" err="1">
+                    <a:solidFill>
+                      <a:schemeClr val="tx1"/>
+                    </a:solidFill>
+                  </a:rPr>
+                  <a:t>SprDocker</a:t>
+                </a:r>
+                <a:endParaRPr lang="en-US" sz="1401" b="1" i="1" dirty="0">
+                  <a:solidFill>
+                    <a:schemeClr val="tx1"/>
+                  </a:solidFill>
+                </a:endParaRPr>
+              </a:p>
+            </p:txBody>
+          </p:sp>
+          <p:sp>
+            <p:nvSpPr>
+              <p:cNvPr id="123" name="Trapezoid 122"/>
+              <p:cNvSpPr/>
+              <p:nvPr/>
+            </p:nvSpPr>
+            <p:spPr>
+              <a:xfrm>
+                <a:off x="3471803" y="2138671"/>
+                <a:ext cx="2679802" cy="549388"/>
+              </a:xfrm>
+              <a:prstGeom prst="trapezoid">
+                <a:avLst/>
+              </a:prstGeom>
+              <a:noFill/>
+              <a:ln w="28575">
+                <a:solidFill>
+                  <a:schemeClr val="tx1"/>
+                </a:solidFill>
+              </a:ln>
+            </p:spPr>
+            <p:style>
+              <a:lnRef idx="2">
+                <a:schemeClr val="accent1">
+                  <a:shade val="50000"/>
+                </a:schemeClr>
+              </a:lnRef>
+              <a:fillRef idx="1">
+                <a:schemeClr val="accent1"/>
+              </a:fillRef>
+              <a:effectRef idx="0">
+                <a:schemeClr val="accent1"/>
+              </a:effectRef>
+              <a:fontRef idx="minor">
+                <a:schemeClr val="lt1"/>
+              </a:fontRef>
+            </p:style>
+            <p:txBody>
+              <a:bodyPr rtlCol="0" anchor="ctr"/>
+              <a:lstStyle/>
+              <a:p>
+                <a:pPr algn="ctr"/>
+                <a:endParaRPr lang="en-US" sz="1801"/>
+              </a:p>
+            </p:txBody>
+          </p:sp>
+          <p:pic>
+            <p:nvPicPr>
+              <p:cNvPr id="131" name="Picture 130"/>
+              <p:cNvPicPr>
+                <a:picLocks noChangeAspect="1"/>
+              </p:cNvPicPr>
+              <p:nvPr/>
+            </p:nvPicPr>
+            <p:blipFill>
+              <a:blip r:embed="rId3" cstate="print">
+                <a:extLst>
+                  <a:ext uri="{28A0092B-C50C-407E-A947-70E740481C1C}">
+                    <a14:useLocalDpi xmlns:a14="http://schemas.microsoft.com/office/drawing/2010/main" val="0"/>
+                  </a:ext>
+                </a:extLst>
+              </a:blip>
+              <a:stretch>
+                <a:fillRect/>
+              </a:stretch>
+            </p:blipFill>
+            <p:spPr>
+              <a:xfrm>
+                <a:off x="3863911" y="1445451"/>
+                <a:ext cx="665509" cy="587289"/>
+              </a:xfrm>
+              <a:prstGeom prst="rect">
+                <a:avLst/>
+              </a:prstGeom>
+              <a:ln w="38100">
+                <a:solidFill>
+                  <a:schemeClr val="accent1"/>
+                </a:solidFill>
+              </a:ln>
+              <a:effectLst>
+                <a:softEdge rad="25400"/>
+              </a:effectLst>
+            </p:spPr>
+          </p:pic>
+          <p:pic>
+            <p:nvPicPr>
+              <p:cNvPr id="132" name="Picture 131"/>
+              <p:cNvPicPr>
+                <a:picLocks noChangeAspect="1"/>
+              </p:cNvPicPr>
+              <p:nvPr/>
+            </p:nvPicPr>
+            <p:blipFill>
+              <a:blip r:embed="rId3" cstate="print">
+                <a:extLst>
+                  <a:ext uri="{28A0092B-C50C-407E-A947-70E740481C1C}">
+                    <a14:useLocalDpi xmlns:a14="http://schemas.microsoft.com/office/drawing/2010/main" val="0"/>
+                  </a:ext>
+                </a:extLst>
+              </a:blip>
+              <a:stretch>
+                <a:fillRect/>
+              </a:stretch>
+            </p:blipFill>
+            <p:spPr>
+              <a:xfrm>
+                <a:off x="5076370" y="1445451"/>
+                <a:ext cx="665509" cy="587289"/>
+              </a:xfrm>
+              <a:prstGeom prst="rect">
+                <a:avLst/>
+              </a:prstGeom>
+              <a:ln w="38100">
+                <a:solidFill>
+                  <a:schemeClr val="accent1"/>
+                </a:solidFill>
+              </a:ln>
+              <a:effectLst>
+                <a:softEdge rad="25400"/>
+              </a:effectLst>
+            </p:spPr>
+          </p:pic>
+          <p:sp>
+            <p:nvSpPr>
+              <p:cNvPr id="134" name="TextBox 133"/>
+              <p:cNvSpPr txBox="1"/>
+              <p:nvPr/>
+            </p:nvSpPr>
+            <p:spPr>
+              <a:xfrm>
+                <a:off x="3974463" y="944996"/>
+                <a:ext cx="1595180" cy="369460"/>
+              </a:xfrm>
+              <a:prstGeom prst="rect">
+                <a:avLst/>
+              </a:prstGeom>
+              <a:noFill/>
+            </p:spPr>
+            <p:txBody>
+              <a:bodyPr wrap="none" rtlCol="0">
+                <a:spAutoFit/>
+              </a:bodyPr>
+              <a:lstStyle/>
+              <a:p>
+                <a:r>
+                  <a:rPr lang="en-US" sz="1801" b="1" i="1" dirty="0" smtClean="0"/>
+                  <a:t>Docker Images</a:t>
+                </a:r>
+                <a:endParaRPr lang="en-US" sz="1801" b="1" i="1" dirty="0"/>
+              </a:p>
+            </p:txBody>
+          </p:sp>
+          <p:cxnSp>
+            <p:nvCxnSpPr>
+              <p:cNvPr id="107" name="Straight Arrow Connector 106"/>
+              <p:cNvCxnSpPr/>
+              <p:nvPr/>
+            </p:nvCxnSpPr>
+            <p:spPr>
+              <a:xfrm flipH="1">
+                <a:off x="4192456" y="2588491"/>
+                <a:ext cx="464" cy="1979995"/>
+              </a:xfrm>
+              <a:prstGeom prst="straightConnector1">
+                <a:avLst/>
+              </a:prstGeom>
+              <a:ln w="34925">
+                <a:solidFill>
+                  <a:schemeClr val="accent6">
+                    <a:lumMod val="75000"/>
+                  </a:schemeClr>
+                </a:solidFill>
+                <a:tailEnd type="triangle"/>
+              </a:ln>
+            </p:spPr>
+            <p:style>
+              <a:lnRef idx="1">
+                <a:schemeClr val="accent1"/>
+              </a:lnRef>
+              <a:fillRef idx="0">
+                <a:schemeClr val="accent1"/>
+              </a:fillRef>
+              <a:effectRef idx="0">
+                <a:schemeClr val="accent1"/>
+              </a:effectRef>
+              <a:fontRef idx="minor">
+                <a:schemeClr val="tx1"/>
+              </a:fontRef>
+            </p:style>
+          </p:cxnSp>
+          <p:cxnSp>
+            <p:nvCxnSpPr>
+              <p:cNvPr id="109" name="Straight Arrow Connector 108"/>
+              <p:cNvCxnSpPr/>
+              <p:nvPr/>
+            </p:nvCxnSpPr>
+            <p:spPr>
+              <a:xfrm flipH="1">
+                <a:off x="5408642" y="2588490"/>
+                <a:ext cx="8763" cy="1967034"/>
+              </a:xfrm>
+              <a:prstGeom prst="straightConnector1">
+                <a:avLst/>
+              </a:prstGeom>
+              <a:ln w="34925">
+                <a:solidFill>
+                  <a:schemeClr val="accent4"/>
+                </a:solidFill>
+                <a:prstDash val="solid"/>
+                <a:tailEnd type="triangle"/>
+              </a:ln>
+            </p:spPr>
+            <p:style>
+              <a:lnRef idx="1">
+                <a:schemeClr val="accent1"/>
+              </a:lnRef>
+              <a:fillRef idx="0">
+                <a:schemeClr val="accent1"/>
+              </a:fillRef>
+              <a:effectRef idx="0">
+                <a:schemeClr val="accent1"/>
+              </a:effectRef>
+              <a:fontRef idx="minor">
+                <a:schemeClr val="tx1"/>
+              </a:fontRef>
+            </p:style>
+          </p:cxnSp>
+          <p:cxnSp>
+            <p:nvCxnSpPr>
+              <p:cNvPr id="41" name="Elbow Connector 40"/>
+              <p:cNvCxnSpPr>
+                <a:stCxn id="27" idx="2"/>
+                <a:endCxn id="5" idx="2"/>
+              </p:cNvCxnSpPr>
+              <p:nvPr/>
+            </p:nvCxnSpPr>
+            <p:spPr>
+              <a:xfrm rot="5400000" flipH="1">
+                <a:off x="7416070" y="4435694"/>
+                <a:ext cx="269842" cy="3659485"/>
+              </a:xfrm>
+              <a:prstGeom prst="bentConnector3">
+                <a:avLst>
+                  <a:gd name="adj1" fmla="val -84716"/>
+                </a:avLst>
+              </a:prstGeom>
+              <a:ln w="44450">
+                <a:solidFill>
+                  <a:schemeClr val="accent2"/>
+                </a:solidFill>
+                <a:headEnd type="triangle"/>
+                <a:tailEnd type="triangle"/>
+              </a:ln>
+            </p:spPr>
+            <p:style>
+              <a:lnRef idx="1">
+                <a:schemeClr val="accent1"/>
+              </a:lnRef>
+              <a:fillRef idx="0">
+                <a:schemeClr val="accent1"/>
+              </a:fillRef>
+              <a:effectRef idx="0">
+                <a:schemeClr val="accent1"/>
+              </a:effectRef>
+              <a:fontRef idx="minor">
+                <a:schemeClr val="tx1"/>
+              </a:fontRef>
+            </p:style>
+          </p:cxnSp>
+          <p:sp>
+            <p:nvSpPr>
+              <p:cNvPr id="18" name="Trapezoid 17"/>
+              <p:cNvSpPr/>
+              <p:nvPr/>
+            </p:nvSpPr>
+            <p:spPr>
+              <a:xfrm rot="10800000">
+                <a:off x="570429" y="4520288"/>
+                <a:ext cx="1467466" cy="1029319"/>
+              </a:xfrm>
+              <a:prstGeom prst="trapezoid">
+                <a:avLst>
+                  <a:gd name="adj" fmla="val 33777"/>
+                </a:avLst>
+              </a:prstGeom>
+              <a:solidFill>
+                <a:schemeClr val="bg1"/>
+              </a:solidFill>
+              <a:ln w="38100">
+                <a:solidFill>
+                  <a:schemeClr val="accent6">
+                    <a:lumMod val="75000"/>
+                  </a:schemeClr>
+                </a:solidFill>
+              </a:ln>
+            </p:spPr>
+            <p:style>
+              <a:lnRef idx="2">
+                <a:schemeClr val="accent1">
+                  <a:shade val="50000"/>
+                </a:schemeClr>
+              </a:lnRef>
+              <a:fillRef idx="1">
+                <a:schemeClr val="accent1"/>
+              </a:fillRef>
+              <a:effectRef idx="0">
+                <a:schemeClr val="accent1"/>
+              </a:effectRef>
+              <a:fontRef idx="minor">
+                <a:schemeClr val="lt1"/>
+              </a:fontRef>
+            </p:style>
+            <p:txBody>
+              <a:bodyPr rtlCol="0" anchor="ctr"/>
+              <a:lstStyle/>
+              <a:p>
+                <a:pPr algn="ctr"/>
+                <a:endParaRPr lang="en-US"/>
+              </a:p>
+            </p:txBody>
+          </p:sp>
+          <p:cxnSp>
+            <p:nvCxnSpPr>
+              <p:cNvPr id="21" name="Straight Arrow Connector 20"/>
+              <p:cNvCxnSpPr/>
+              <p:nvPr/>
+            </p:nvCxnSpPr>
+            <p:spPr>
+              <a:xfrm>
+                <a:off x="1886688" y="5887616"/>
+                <a:ext cx="1727663" cy="14977"/>
+              </a:xfrm>
+              <a:prstGeom prst="straightConnector1">
+                <a:avLst/>
+              </a:prstGeom>
+              <a:ln w="57150">
+                <a:solidFill>
+                  <a:schemeClr val="accent6">
+                    <a:lumMod val="75000"/>
+                  </a:schemeClr>
+                </a:solidFill>
+                <a:tailEnd type="triangle"/>
+              </a:ln>
+            </p:spPr>
+            <p:style>
+              <a:lnRef idx="1">
+                <a:schemeClr val="accent1"/>
+              </a:lnRef>
+              <a:fillRef idx="0">
+                <a:schemeClr val="accent1"/>
+              </a:fillRef>
+              <a:effectRef idx="0">
+                <a:schemeClr val="accent1"/>
+              </a:effectRef>
+              <a:fontRef idx="minor">
+                <a:schemeClr val="tx1"/>
+              </a:fontRef>
+            </p:style>
+          </p:cxnSp>
+          <p:sp>
+            <p:nvSpPr>
+              <p:cNvPr id="22" name="TextBox 21"/>
+              <p:cNvSpPr txBox="1"/>
+              <p:nvPr/>
+            </p:nvSpPr>
+            <p:spPr>
+              <a:xfrm>
+                <a:off x="690529" y="4425776"/>
+                <a:ext cx="542264" cy="400110"/>
+              </a:xfrm>
+              <a:prstGeom prst="rect">
+                <a:avLst/>
+              </a:prstGeom>
+              <a:noFill/>
+            </p:spPr>
+            <p:txBody>
+              <a:bodyPr wrap="none" rtlCol="0">
+                <a:spAutoFit/>
+              </a:bodyPr>
+              <a:lstStyle/>
+              <a:p>
+                <a:r>
+                  <a:rPr lang="en-US" sz="2000" b="1" i="1" dirty="0" smtClean="0"/>
+                  <a:t>.txt</a:t>
+                </a:r>
+                <a:endParaRPr lang="en-US" sz="2000" b="1" i="1" dirty="0"/>
+              </a:p>
+            </p:txBody>
+          </p:sp>
+          <p:sp>
+            <p:nvSpPr>
+              <p:cNvPr id="63" name="TextBox 62"/>
+              <p:cNvSpPr txBox="1"/>
+              <p:nvPr/>
+            </p:nvSpPr>
+            <p:spPr>
+              <a:xfrm>
+                <a:off x="1153601" y="4827306"/>
+                <a:ext cx="623889" cy="400110"/>
+              </a:xfrm>
+              <a:prstGeom prst="rect">
+                <a:avLst/>
+              </a:prstGeom>
+              <a:noFill/>
+            </p:spPr>
+            <p:txBody>
+              <a:bodyPr wrap="none" rtlCol="0">
+                <a:spAutoFit/>
+              </a:bodyPr>
+              <a:lstStyle/>
+              <a:p>
+                <a:r>
+                  <a:rPr lang="en-US" sz="2000" b="1" i="1" dirty="0" smtClean="0"/>
+                  <a:t>.</a:t>
+                </a:r>
+                <a:r>
+                  <a:rPr lang="en-US" sz="2000" b="1" i="1" dirty="0" err="1" smtClean="0"/>
+                  <a:t>shp</a:t>
+                </a:r>
+                <a:endParaRPr lang="en-US" sz="2000" b="1" i="1" dirty="0"/>
+              </a:p>
+            </p:txBody>
+          </p:sp>
+          <p:sp>
+            <p:nvSpPr>
+              <p:cNvPr id="64" name="TextBox 63"/>
+              <p:cNvSpPr txBox="1"/>
+              <p:nvPr/>
+            </p:nvSpPr>
+            <p:spPr>
+              <a:xfrm>
+                <a:off x="1279744" y="4459757"/>
+                <a:ext cx="588623" cy="400110"/>
+              </a:xfrm>
+              <a:prstGeom prst="rect">
+                <a:avLst/>
+              </a:prstGeom>
+              <a:noFill/>
+            </p:spPr>
+            <p:txBody>
+              <a:bodyPr wrap="none" rtlCol="0">
+                <a:spAutoFit/>
+              </a:bodyPr>
+              <a:lstStyle/>
+              <a:p>
+                <a:r>
+                  <a:rPr lang="en-US" sz="2000" b="1" i="1" dirty="0" smtClean="0"/>
+                  <a:t>.jpg</a:t>
+                </a:r>
+                <a:endParaRPr lang="en-US" sz="2000" b="1" i="1" dirty="0"/>
+              </a:p>
+            </p:txBody>
+          </p:sp>
+          <p:sp>
+            <p:nvSpPr>
+              <p:cNvPr id="67" name="TextBox 66"/>
+              <p:cNvSpPr txBox="1"/>
+              <p:nvPr/>
+            </p:nvSpPr>
+            <p:spPr>
+              <a:xfrm>
+                <a:off x="906187" y="5163209"/>
+                <a:ext cx="657552" cy="400110"/>
+              </a:xfrm>
+              <a:prstGeom prst="rect">
+                <a:avLst/>
+              </a:prstGeom>
+              <a:noFill/>
+            </p:spPr>
+            <p:txBody>
+              <a:bodyPr wrap="none" rtlCol="0">
+                <a:spAutoFit/>
+              </a:bodyPr>
+              <a:lstStyle/>
+              <a:p>
+                <a:r>
+                  <a:rPr lang="en-US" sz="2000" b="1" i="1" dirty="0" smtClean="0"/>
+                  <a:t>.</a:t>
+                </a:r>
+                <a:r>
+                  <a:rPr lang="en-US" sz="2000" b="1" i="1" dirty="0" err="1" smtClean="0"/>
+                  <a:t>img</a:t>
+                </a:r>
+                <a:endParaRPr lang="en-US" sz="2000" b="1" i="1" dirty="0"/>
+              </a:p>
+            </p:txBody>
+          </p:sp>
+          <p:sp>
+            <p:nvSpPr>
+              <p:cNvPr id="68" name="TextBox 67"/>
+              <p:cNvSpPr txBox="1"/>
+              <p:nvPr/>
+            </p:nvSpPr>
+            <p:spPr>
+              <a:xfrm>
+                <a:off x="734575" y="4740014"/>
+                <a:ext cx="535724" cy="400110"/>
+              </a:xfrm>
+              <a:prstGeom prst="rect">
+                <a:avLst/>
+              </a:prstGeom>
+              <a:noFill/>
+            </p:spPr>
+            <p:txBody>
+              <a:bodyPr wrap="none" rtlCol="0">
+                <a:spAutoFit/>
+              </a:bodyPr>
+              <a:lstStyle/>
+              <a:p>
+                <a:r>
+                  <a:rPr lang="en-US" sz="2000" b="1" i="1" dirty="0" smtClean="0"/>
+                  <a:t>.</a:t>
+                </a:r>
+                <a:r>
+                  <a:rPr lang="en-US" sz="2000" b="1" i="1" dirty="0" err="1" smtClean="0"/>
+                  <a:t>xls</a:t>
+                </a:r>
+                <a:endParaRPr lang="en-US" sz="2000" b="1" i="1" dirty="0"/>
+              </a:p>
+            </p:txBody>
+          </p:sp>
+          <p:sp>
+            <p:nvSpPr>
+              <p:cNvPr id="69" name="TextBox 68"/>
+              <p:cNvSpPr txBox="1"/>
+              <p:nvPr/>
+            </p:nvSpPr>
+            <p:spPr>
+              <a:xfrm>
+                <a:off x="1978277" y="5200533"/>
+                <a:ext cx="1191095" cy="1446550"/>
+              </a:xfrm>
+              <a:prstGeom prst="rect">
+                <a:avLst/>
+              </a:prstGeom>
+              <a:noFill/>
+            </p:spPr>
+            <p:txBody>
+              <a:bodyPr wrap="none" rtlCol="0">
+                <a:spAutoFit/>
+              </a:bodyPr>
+              <a:lstStyle/>
+              <a:p>
+                <a:r>
+                  <a:rPr lang="en-US" sz="2000" b="1" i="1" dirty="0" smtClean="0">
+                    <a:solidFill>
+                      <a:schemeClr val="accent2"/>
+                    </a:solidFill>
+                  </a:rPr>
+                  <a:t>Sequence</a:t>
+                </a:r>
+              </a:p>
+              <a:p>
+                <a:r>
+                  <a:rPr lang="en-US" sz="2000" b="1" i="1" dirty="0" smtClean="0">
+                    <a:solidFill>
+                      <a:schemeClr val="accent2"/>
+                    </a:solidFill>
+                  </a:rPr>
+                  <a:t>Avro</a:t>
+                </a:r>
+                <a:br>
+                  <a:rPr lang="en-US" sz="2000" b="1" i="1" dirty="0" smtClean="0">
+                    <a:solidFill>
+                      <a:schemeClr val="accent2"/>
+                    </a:solidFill>
+                  </a:rPr>
+                </a:br>
+                <a:endParaRPr lang="en-US" sz="800" b="1" i="1" dirty="0" smtClean="0">
+                  <a:solidFill>
+                    <a:schemeClr val="accent2"/>
+                  </a:solidFill>
+                </a:endParaRPr>
+              </a:p>
+              <a:p>
+                <a:r>
+                  <a:rPr lang="en-US" sz="2000" b="1" i="1" dirty="0" smtClean="0">
+                    <a:solidFill>
+                      <a:schemeClr val="accent2"/>
+                    </a:solidFill>
+                  </a:rPr>
+                  <a:t>Parquet</a:t>
+                </a:r>
+              </a:p>
+              <a:p>
+                <a:r>
+                  <a:rPr lang="en-US" sz="2000" b="1" i="1" dirty="0" err="1" smtClean="0">
+                    <a:solidFill>
+                      <a:schemeClr val="accent2"/>
+                    </a:solidFill>
+                  </a:rPr>
+                  <a:t>ORCFiles</a:t>
+                </a:r>
+                <a:endParaRPr lang="en-US" sz="2000" b="1" i="1" dirty="0">
+                  <a:solidFill>
+                    <a:schemeClr val="accent2"/>
+                  </a:solidFill>
+                </a:endParaRPr>
+              </a:p>
+            </p:txBody>
+          </p:sp>
+          <p:sp>
+            <p:nvSpPr>
+              <p:cNvPr id="24" name="Rectangle 23"/>
+              <p:cNvSpPr/>
+              <p:nvPr/>
+            </p:nvSpPr>
+            <p:spPr>
+              <a:xfrm>
+                <a:off x="357706" y="4300311"/>
+                <a:ext cx="1709951" cy="255213"/>
+              </a:xfrm>
+              <a:prstGeom prst="rect">
+                <a:avLst/>
+              </a:prstGeom>
+              <a:solidFill>
+                <a:schemeClr val="bg1"/>
+              </a:solidFill>
+              <a:ln>
+                <a:solidFill>
+                  <a:schemeClr val="bg1"/>
+                </a:solidFill>
+              </a:ln>
+            </p:spPr>
+            <p:style>
+              <a:lnRef idx="2">
+                <a:schemeClr val="accent1">
+                  <a:shade val="50000"/>
+                </a:schemeClr>
+              </a:lnRef>
+              <a:fillRef idx="1">
+                <a:schemeClr val="accent1"/>
+              </a:fillRef>
+              <a:effectRef idx="0">
+                <a:schemeClr val="accent1"/>
+              </a:effectRef>
+              <a:fontRef idx="minor">
+                <a:schemeClr val="lt1"/>
+              </a:fontRef>
+            </p:style>
+            <p:txBody>
+              <a:bodyPr rtlCol="0" anchor="ctr"/>
+              <a:lstStyle/>
+              <a:p>
+                <a:pPr algn="ctr"/>
+                <a:endParaRPr lang="en-US"/>
+              </a:p>
+            </p:txBody>
+          </p:sp>
+          <p:sp>
+            <p:nvSpPr>
+              <p:cNvPr id="39" name="TextBox 38"/>
+              <p:cNvSpPr txBox="1"/>
+              <p:nvPr/>
+            </p:nvSpPr>
+            <p:spPr>
+              <a:xfrm>
+                <a:off x="981675" y="1285166"/>
+                <a:ext cx="2185727" cy="1107996"/>
+              </a:xfrm>
+              <a:prstGeom prst="rect">
+                <a:avLst/>
+              </a:prstGeom>
+              <a:noFill/>
+            </p:spPr>
+            <p:txBody>
+              <a:bodyPr wrap="none" rtlCol="0">
+                <a:spAutoFit/>
+              </a:bodyPr>
+              <a:lstStyle/>
+              <a:p>
+                <a:pPr algn="ctr"/>
+                <a:r>
+                  <a:rPr lang="en-US" b="1" i="1" dirty="0" smtClean="0"/>
+                  <a:t>Hadoop Frameworks</a:t>
+                </a:r>
+              </a:p>
+              <a:p>
+                <a:pPr algn="ctr"/>
+                <a:r>
+                  <a:rPr lang="en-US" b="1" i="1" dirty="0" smtClean="0"/>
+                  <a:t>or</a:t>
+                </a:r>
+              </a:p>
+              <a:p>
+                <a:pPr algn="ctr"/>
+                <a:r>
+                  <a:rPr lang="en-US" b="1" i="1" dirty="0" smtClean="0"/>
+                  <a:t>Standalone solutions</a:t>
+                </a:r>
+              </a:p>
+              <a:p>
+                <a:pPr algn="ctr"/>
+                <a:r>
+                  <a:rPr lang="en-US" sz="1200" dirty="0" smtClean="0"/>
+                  <a:t>(e.g., using </a:t>
+                </a:r>
+                <a:r>
+                  <a:rPr lang="en-US" sz="1200" dirty="0" err="1" smtClean="0"/>
+                  <a:t>libHDFS</a:t>
+                </a:r>
+                <a:r>
+                  <a:rPr lang="en-US" sz="1200" dirty="0" smtClean="0"/>
+                  <a:t>)</a:t>
+                </a:r>
+                <a:endParaRPr lang="en-US" sz="1200" dirty="0"/>
+              </a:p>
+            </p:txBody>
+          </p:sp>
+          <p:cxnSp>
+            <p:nvCxnSpPr>
+              <p:cNvPr id="42" name="Elbow Connector 41"/>
+              <p:cNvCxnSpPr>
+                <a:stCxn id="39" idx="2"/>
+              </p:cNvCxnSpPr>
+              <p:nvPr/>
+            </p:nvCxnSpPr>
+            <p:spPr>
+              <a:xfrm rot="16200000" flipH="1">
+                <a:off x="1704634" y="2763067"/>
+                <a:ext cx="1826299" cy="1086488"/>
+              </a:xfrm>
+              <a:prstGeom prst="bentConnector3">
+                <a:avLst>
+                  <a:gd name="adj1" fmla="val 100068"/>
+                </a:avLst>
+              </a:prstGeom>
+              <a:ln w="38100">
+                <a:headEnd type="triangle"/>
+                <a:tailEnd type="triangle"/>
+              </a:ln>
+            </p:spPr>
+            <p:style>
+              <a:lnRef idx="1">
+                <a:schemeClr val="accent1"/>
+              </a:lnRef>
+              <a:fillRef idx="0">
+                <a:schemeClr val="accent1"/>
+              </a:fillRef>
+              <a:effectRef idx="0">
+                <a:schemeClr val="accent1"/>
+              </a:effectRef>
+              <a:fontRef idx="minor">
+                <a:schemeClr val="tx1"/>
+              </a:fontRef>
+            </p:style>
+          </p:cxnSp>
+          <p:sp>
+            <p:nvSpPr>
+              <p:cNvPr id="49" name="Can 48"/>
+              <p:cNvSpPr/>
+              <p:nvPr/>
+            </p:nvSpPr>
+            <p:spPr>
+              <a:xfrm>
+                <a:off x="8913398" y="5434098"/>
+                <a:ext cx="972065" cy="809832"/>
+              </a:xfrm>
+              <a:prstGeom prst="can">
+                <a:avLst/>
+              </a:prstGeom>
+            </p:spPr>
+            <p:style>
+              <a:lnRef idx="2">
+                <a:schemeClr val="accent1">
+                  <a:shade val="50000"/>
+                </a:schemeClr>
+              </a:lnRef>
+              <a:fillRef idx="1">
+                <a:schemeClr val="accent1"/>
+              </a:fillRef>
+              <a:effectRef idx="0">
+                <a:schemeClr val="accent1"/>
+              </a:effectRef>
+              <a:fontRef idx="minor">
+                <a:schemeClr val="lt1"/>
+              </a:fontRef>
+            </p:style>
+            <p:txBody>
+              <a:bodyPr rtlCol="0" anchor="ctr"/>
+              <a:lstStyle/>
+              <a:p>
+                <a:pPr algn="ctr"/>
+                <a:r>
+                  <a:rPr lang="en-US" dirty="0" smtClean="0"/>
+                  <a:t>DBMS</a:t>
+                </a:r>
+                <a:endParaRPr lang="en-US" dirty="0"/>
+              </a:p>
+            </p:txBody>
+          </p:sp>
+          <p:sp>
+            <p:nvSpPr>
+              <p:cNvPr id="95" name="TextBox 94"/>
+              <p:cNvSpPr txBox="1"/>
+              <p:nvPr/>
+            </p:nvSpPr>
+            <p:spPr>
+              <a:xfrm>
+                <a:off x="734659" y="436961"/>
+                <a:ext cx="1799532" cy="369460"/>
+              </a:xfrm>
+              <a:prstGeom prst="rect">
+                <a:avLst/>
+              </a:prstGeom>
+              <a:noFill/>
+            </p:spPr>
+            <p:txBody>
+              <a:bodyPr wrap="none" rtlCol="0">
+                <a:spAutoFit/>
+              </a:bodyPr>
+              <a:lstStyle/>
+              <a:p>
+                <a:r>
+                  <a:rPr lang="en-US" sz="1801" b="1" i="1" dirty="0" smtClean="0"/>
+                  <a:t>Batch Processing</a:t>
+                </a:r>
+                <a:endParaRPr lang="en-US" sz="1801" b="1" i="1" dirty="0"/>
+              </a:p>
+            </p:txBody>
+          </p:sp>
+          <p:sp>
+            <p:nvSpPr>
+              <p:cNvPr id="96" name="TextBox 95"/>
+              <p:cNvSpPr txBox="1"/>
+              <p:nvPr/>
+            </p:nvSpPr>
+            <p:spPr>
+              <a:xfrm>
+                <a:off x="6713422" y="1414722"/>
+                <a:ext cx="2283574" cy="369460"/>
+              </a:xfrm>
+              <a:prstGeom prst="rect">
+                <a:avLst/>
+              </a:prstGeom>
+              <a:noFill/>
+            </p:spPr>
+            <p:txBody>
+              <a:bodyPr wrap="none" rtlCol="0">
+                <a:spAutoFit/>
+              </a:bodyPr>
+              <a:lstStyle/>
+              <a:p>
+                <a:r>
+                  <a:rPr lang="en-US" sz="1801" b="1" i="1" dirty="0" smtClean="0"/>
+                  <a:t>Interactive Processing</a:t>
+                </a:r>
+                <a:endParaRPr lang="en-US" sz="1801" b="1" i="1" dirty="0"/>
+              </a:p>
+            </p:txBody>
+          </p:sp>
+          <p:pic>
+            <p:nvPicPr>
+              <p:cNvPr id="105" name="Picture 104"/>
+              <p:cNvPicPr>
+                <a:picLocks noChangeAspect="1"/>
+              </p:cNvPicPr>
+              <p:nvPr/>
+            </p:nvPicPr>
+            <p:blipFill>
+              <a:blip r:embed="rId6" cstate="print">
+                <a:extLst>
+                  <a:ext uri="{28A0092B-C50C-407E-A947-70E740481C1C}">
+                    <a14:useLocalDpi xmlns:a14="http://schemas.microsoft.com/office/drawing/2010/main" val="0"/>
+                  </a:ext>
+                </a:extLst>
+              </a:blip>
+              <a:stretch>
+                <a:fillRect/>
+              </a:stretch>
+            </p:blipFill>
+            <p:spPr>
+              <a:xfrm>
+                <a:off x="6872368" y="2108036"/>
+                <a:ext cx="1148083" cy="509857"/>
+              </a:xfrm>
+              <a:prstGeom prst="rect">
+                <a:avLst/>
+              </a:prstGeom>
+            </p:spPr>
+          </p:pic>
+          <p:pic>
+            <p:nvPicPr>
+              <p:cNvPr id="112" name="Picture 111"/>
+              <p:cNvPicPr>
+                <a:picLocks noChangeAspect="1"/>
+              </p:cNvPicPr>
+              <p:nvPr/>
+            </p:nvPicPr>
+            <p:blipFill>
+              <a:blip r:embed="rId7" cstate="print">
+                <a:extLst>
+                  <a:ext uri="{28A0092B-C50C-407E-A947-70E740481C1C}">
+                    <a14:useLocalDpi xmlns:a14="http://schemas.microsoft.com/office/drawing/2010/main" val="0"/>
+                  </a:ext>
+                </a:extLst>
+              </a:blip>
+              <a:stretch>
+                <a:fillRect/>
+              </a:stretch>
+            </p:blipFill>
+            <p:spPr>
+              <a:xfrm>
+                <a:off x="9313111" y="2138671"/>
+                <a:ext cx="675977" cy="456285"/>
+              </a:xfrm>
+              <a:prstGeom prst="rect">
+                <a:avLst/>
+              </a:prstGeom>
+            </p:spPr>
+          </p:pic>
+          <p:pic>
+            <p:nvPicPr>
+              <p:cNvPr id="114" name="Picture 113"/>
+              <p:cNvPicPr>
+                <a:picLocks noChangeAspect="1"/>
+              </p:cNvPicPr>
+              <p:nvPr/>
+            </p:nvPicPr>
+            <p:blipFill>
+              <a:blip r:embed="rId8" cstate="print">
+                <a:extLst>
+                  <a:ext uri="{28A0092B-C50C-407E-A947-70E740481C1C}">
+                    <a14:useLocalDpi xmlns:a14="http://schemas.microsoft.com/office/drawing/2010/main" val="0"/>
+                  </a:ext>
+                </a:extLst>
+              </a:blip>
+              <a:stretch>
+                <a:fillRect/>
+              </a:stretch>
+            </p:blipFill>
+            <p:spPr>
+              <a:xfrm>
+                <a:off x="8302293" y="2138670"/>
+                <a:ext cx="592944" cy="449819"/>
+              </a:xfrm>
+              <a:prstGeom prst="rect">
+                <a:avLst/>
+              </a:prstGeom>
+            </p:spPr>
+          </p:pic>
+          <p:sp>
+            <p:nvSpPr>
+              <p:cNvPr id="138" name="TextBox 137"/>
+              <p:cNvSpPr txBox="1"/>
+              <p:nvPr/>
+            </p:nvSpPr>
+            <p:spPr>
+              <a:xfrm>
+                <a:off x="8580655" y="3078157"/>
+                <a:ext cx="1621791" cy="369460"/>
+              </a:xfrm>
+              <a:prstGeom prst="rect">
+                <a:avLst/>
+              </a:prstGeom>
+              <a:noFill/>
+            </p:spPr>
+            <p:txBody>
+              <a:bodyPr wrap="none" rtlCol="0">
+                <a:spAutoFit/>
+              </a:bodyPr>
+              <a:lstStyle/>
+              <a:p>
+                <a:r>
+                  <a:rPr lang="en-US" sz="1801" b="1" i="1" dirty="0" smtClean="0"/>
+                  <a:t>Externalization</a:t>
+                </a:r>
+                <a:endParaRPr lang="en-US" sz="1801" b="1" i="1" dirty="0"/>
+              </a:p>
+            </p:txBody>
+          </p:sp>
+          <p:cxnSp>
+            <p:nvCxnSpPr>
+              <p:cNvPr id="36" name="Straight Arrow Connector 35"/>
+              <p:cNvCxnSpPr/>
+              <p:nvPr/>
+            </p:nvCxnSpPr>
+            <p:spPr>
+              <a:xfrm flipV="1">
+                <a:off x="5721247" y="2853979"/>
+                <a:ext cx="1074190" cy="1714507"/>
+              </a:xfrm>
+              <a:prstGeom prst="straightConnector1">
+                <a:avLst/>
+              </a:prstGeom>
+              <a:ln w="57150">
+                <a:solidFill>
+                  <a:schemeClr val="accent4">
+                    <a:lumMod val="60000"/>
+                    <a:lumOff val="40000"/>
+                  </a:schemeClr>
+                </a:solidFill>
+                <a:headEnd type="triangle"/>
+                <a:tailEnd type="triangle"/>
+              </a:ln>
+            </p:spPr>
+            <p:style>
+              <a:lnRef idx="1">
+                <a:schemeClr val="accent1"/>
+              </a:lnRef>
+              <a:fillRef idx="0">
+                <a:schemeClr val="accent1"/>
+              </a:fillRef>
+              <a:effectRef idx="0">
+                <a:schemeClr val="accent1"/>
+              </a:effectRef>
+              <a:fontRef idx="minor">
+                <a:schemeClr val="tx1"/>
+              </a:fontRef>
+            </p:style>
+          </p:cxnSp>
+        </p:grpSp>
+      </p:grpSp>
+    </p:spTree>
+    <p:extLst>
+      <p:ext uri="{BB962C8B-B14F-4D97-AF65-F5344CB8AC3E}">
+        <p14:creationId xmlns:p14="http://schemas.microsoft.com/office/powerpoint/2010/main" val="1342808250"/>
       </p:ext>
     </p:extLst>
   </p:cSld>
